--- a/Spotify Data Analysis1.pptx
+++ b/Spotify Data Analysis1.pptx
@@ -5,21 +5,22 @@
     <p:sldMasterId id="2147483672" r:id="rId1"/>
   </p:sldMasterIdLst>
   <p:notesMasterIdLst>
-    <p:notesMasterId r:id="rId11"/>
+    <p:notesMasterId r:id="rId12"/>
   </p:notesMasterIdLst>
   <p:handoutMasterIdLst>
-    <p:handoutMasterId r:id="rId12"/>
+    <p:handoutMasterId r:id="rId13"/>
   </p:handoutMasterIdLst>
   <p:sldIdLst>
     <p:sldId id="257" r:id="rId2"/>
     <p:sldId id="258" r:id="rId3"/>
-    <p:sldId id="259" r:id="rId4"/>
-    <p:sldId id="262" r:id="rId5"/>
-    <p:sldId id="267" r:id="rId6"/>
-    <p:sldId id="268" r:id="rId7"/>
-    <p:sldId id="269" r:id="rId8"/>
-    <p:sldId id="263" r:id="rId9"/>
-    <p:sldId id="261" r:id="rId10"/>
+    <p:sldId id="270" r:id="rId4"/>
+    <p:sldId id="259" r:id="rId5"/>
+    <p:sldId id="262" r:id="rId6"/>
+    <p:sldId id="267" r:id="rId7"/>
+    <p:sldId id="268" r:id="rId8"/>
+    <p:sldId id="269" r:id="rId9"/>
+    <p:sldId id="263" r:id="rId10"/>
+    <p:sldId id="261" r:id="rId11"/>
   </p:sldIdLst>
   <p:sldSz cx="12192000" cy="6858000"/>
   <p:notesSz cx="6858000" cy="9144000"/>
@@ -1418,13 +1419,6 @@
         </dgm:presLayoutVars>
       </dgm:prSet>
       <dgm:spPr/>
-      <dgm:t>
-        <a:bodyPr/>
-        <a:lstStyle/>
-        <a:p>
-          <a:endParaRPr lang="en-US"/>
-        </a:p>
-      </dgm:t>
     </dgm:pt>
     <dgm:pt modelId="{7D1BE536-1524-4F1E-8279-2E337A3E001B}" type="pres">
       <dgm:prSet presAssocID="{3F442EA2-39BA-4C9A-AD59-755D4917D532}" presName="children" presStyleCnt="0"/>
@@ -1437,13 +1431,6 @@
     <dgm:pt modelId="{5F294424-128F-4F49-A947-AE61973EAE00}" type="pres">
       <dgm:prSet presAssocID="{3F442EA2-39BA-4C9A-AD59-755D4917D532}" presName="child1" presStyleLbl="bgAcc1" presStyleIdx="0" presStyleCnt="4"/>
       <dgm:spPr/>
-      <dgm:t>
-        <a:bodyPr/>
-        <a:lstStyle/>
-        <a:p>
-          <a:endParaRPr lang="en-US"/>
-        </a:p>
-      </dgm:t>
     </dgm:pt>
     <dgm:pt modelId="{CBCDA14D-5AEE-47A2-8093-B71CA12EEE53}" type="pres">
       <dgm:prSet presAssocID="{3F442EA2-39BA-4C9A-AD59-755D4917D532}" presName="child1Text" presStyleLbl="bgAcc1" presStyleIdx="0" presStyleCnt="4">
@@ -1452,13 +1439,6 @@
         </dgm:presLayoutVars>
       </dgm:prSet>
       <dgm:spPr/>
-      <dgm:t>
-        <a:bodyPr/>
-        <a:lstStyle/>
-        <a:p>
-          <a:endParaRPr lang="en-US"/>
-        </a:p>
-      </dgm:t>
     </dgm:pt>
     <dgm:pt modelId="{4668DD4C-C74F-49FF-99B6-291E8D142562}" type="pres">
       <dgm:prSet presAssocID="{3F442EA2-39BA-4C9A-AD59-755D4917D532}" presName="child2group" presStyleCnt="0"/>
@@ -1467,13 +1447,6 @@
     <dgm:pt modelId="{2B7E178D-D2B9-45A7-971B-5ACDCF619DB8}" type="pres">
       <dgm:prSet presAssocID="{3F442EA2-39BA-4C9A-AD59-755D4917D532}" presName="child2" presStyleLbl="bgAcc1" presStyleIdx="1" presStyleCnt="4"/>
       <dgm:spPr/>
-      <dgm:t>
-        <a:bodyPr/>
-        <a:lstStyle/>
-        <a:p>
-          <a:endParaRPr lang="en-US"/>
-        </a:p>
-      </dgm:t>
     </dgm:pt>
     <dgm:pt modelId="{C464CBCE-A35B-4EFA-BE1E-2E249D734B67}" type="pres">
       <dgm:prSet presAssocID="{3F442EA2-39BA-4C9A-AD59-755D4917D532}" presName="child2Text" presStyleLbl="bgAcc1" presStyleIdx="1" presStyleCnt="4">
@@ -1482,13 +1455,6 @@
         </dgm:presLayoutVars>
       </dgm:prSet>
       <dgm:spPr/>
-      <dgm:t>
-        <a:bodyPr/>
-        <a:lstStyle/>
-        <a:p>
-          <a:endParaRPr lang="en-US"/>
-        </a:p>
-      </dgm:t>
     </dgm:pt>
     <dgm:pt modelId="{FF76F8AA-C054-4BE6-BCBA-A23AA7D7991D}" type="pres">
       <dgm:prSet presAssocID="{3F442EA2-39BA-4C9A-AD59-755D4917D532}" presName="child3group" presStyleCnt="0"/>
@@ -1497,13 +1463,6 @@
     <dgm:pt modelId="{7F858A0B-2BB0-410F-A358-03F7132D0C59}" type="pres">
       <dgm:prSet presAssocID="{3F442EA2-39BA-4C9A-AD59-755D4917D532}" presName="child3" presStyleLbl="bgAcc1" presStyleIdx="2" presStyleCnt="4"/>
       <dgm:spPr/>
-      <dgm:t>
-        <a:bodyPr/>
-        <a:lstStyle/>
-        <a:p>
-          <a:endParaRPr lang="en-US"/>
-        </a:p>
-      </dgm:t>
     </dgm:pt>
     <dgm:pt modelId="{7211D049-B987-4973-88A3-12B719D60AE9}" type="pres">
       <dgm:prSet presAssocID="{3F442EA2-39BA-4C9A-AD59-755D4917D532}" presName="child3Text" presStyleLbl="bgAcc1" presStyleIdx="2" presStyleCnt="4">
@@ -1512,13 +1471,6 @@
         </dgm:presLayoutVars>
       </dgm:prSet>
       <dgm:spPr/>
-      <dgm:t>
-        <a:bodyPr/>
-        <a:lstStyle/>
-        <a:p>
-          <a:endParaRPr lang="en-US"/>
-        </a:p>
-      </dgm:t>
     </dgm:pt>
     <dgm:pt modelId="{729FCC80-E58F-493B-915B-81CB95DBA265}" type="pres">
       <dgm:prSet presAssocID="{3F442EA2-39BA-4C9A-AD59-755D4917D532}" presName="child4group" presStyleCnt="0"/>
@@ -1527,13 +1479,6 @@
     <dgm:pt modelId="{70FB8B28-4F62-4D1E-9753-45B29BD7208F}" type="pres">
       <dgm:prSet presAssocID="{3F442EA2-39BA-4C9A-AD59-755D4917D532}" presName="child4" presStyleLbl="bgAcc1" presStyleIdx="3" presStyleCnt="4"/>
       <dgm:spPr/>
-      <dgm:t>
-        <a:bodyPr/>
-        <a:lstStyle/>
-        <a:p>
-          <a:endParaRPr lang="en-US"/>
-        </a:p>
-      </dgm:t>
     </dgm:pt>
     <dgm:pt modelId="{A2109B93-2746-4853-8757-B67EC4D87349}" type="pres">
       <dgm:prSet presAssocID="{3F442EA2-39BA-4C9A-AD59-755D4917D532}" presName="child4Text" presStyleLbl="bgAcc1" presStyleIdx="3" presStyleCnt="4">
@@ -1542,13 +1487,6 @@
         </dgm:presLayoutVars>
       </dgm:prSet>
       <dgm:spPr/>
-      <dgm:t>
-        <a:bodyPr/>
-        <a:lstStyle/>
-        <a:p>
-          <a:endParaRPr lang="en-US"/>
-        </a:p>
-      </dgm:t>
     </dgm:pt>
     <dgm:pt modelId="{82A2F169-6804-4400-8469-E8C27799A984}" type="pres">
       <dgm:prSet presAssocID="{3F442EA2-39BA-4C9A-AD59-755D4917D532}" presName="childPlaceholder" presStyleCnt="0"/>
@@ -1566,13 +1504,6 @@
         </dgm:presLayoutVars>
       </dgm:prSet>
       <dgm:spPr/>
-      <dgm:t>
-        <a:bodyPr/>
-        <a:lstStyle/>
-        <a:p>
-          <a:endParaRPr lang="en-US"/>
-        </a:p>
-      </dgm:t>
     </dgm:pt>
     <dgm:pt modelId="{9545ED95-F510-4B44-85DB-C0CC48BFB181}" type="pres">
       <dgm:prSet presAssocID="{3F442EA2-39BA-4C9A-AD59-755D4917D532}" presName="quadrant2" presStyleLbl="node1" presStyleIdx="1" presStyleCnt="4">
@@ -1582,13 +1513,6 @@
         </dgm:presLayoutVars>
       </dgm:prSet>
       <dgm:spPr/>
-      <dgm:t>
-        <a:bodyPr/>
-        <a:lstStyle/>
-        <a:p>
-          <a:endParaRPr lang="en-US"/>
-        </a:p>
-      </dgm:t>
     </dgm:pt>
     <dgm:pt modelId="{49BA61B3-9627-4C11-A21B-B127063AFCA8}" type="pres">
       <dgm:prSet presAssocID="{3F442EA2-39BA-4C9A-AD59-755D4917D532}" presName="quadrant3" presStyleLbl="node1" presStyleIdx="2" presStyleCnt="4">
@@ -1598,13 +1522,6 @@
         </dgm:presLayoutVars>
       </dgm:prSet>
       <dgm:spPr/>
-      <dgm:t>
-        <a:bodyPr/>
-        <a:lstStyle/>
-        <a:p>
-          <a:endParaRPr lang="en-US"/>
-        </a:p>
-      </dgm:t>
     </dgm:pt>
     <dgm:pt modelId="{D50D1F1D-B5AC-43F9-9F8B-397D80CFC0BD}" type="pres">
       <dgm:prSet presAssocID="{3F442EA2-39BA-4C9A-AD59-755D4917D532}" presName="quadrant4" presStyleLbl="node1" presStyleIdx="3" presStyleCnt="4">
@@ -1614,13 +1531,6 @@
         </dgm:presLayoutVars>
       </dgm:prSet>
       <dgm:spPr/>
-      <dgm:t>
-        <a:bodyPr/>
-        <a:lstStyle/>
-        <a:p>
-          <a:endParaRPr lang="en-US"/>
-        </a:p>
-      </dgm:t>
     </dgm:pt>
     <dgm:pt modelId="{40FB2119-8D51-4032-87E3-4FAED781E2B8}" type="pres">
       <dgm:prSet presAssocID="{3F442EA2-39BA-4C9A-AD59-755D4917D532}" presName="quadrantPlaceholder" presStyleCnt="0"/>
@@ -1646,39 +1556,39 @@
     </dgm:pt>
   </dgm:ptLst>
   <dgm:cxnLst>
+    <dgm:cxn modelId="{E63FCB00-2933-440C-AEA9-9B09F709EE7F}" type="presOf" srcId="{54825EE2-1B65-4071-9129-E74F2079E880}" destId="{7F858A0B-2BB0-410F-A358-03F7132D0C59}" srcOrd="0" destOrd="0" presId="urn:microsoft.com/office/officeart/2005/8/layout/cycle4"/>
+    <dgm:cxn modelId="{784E3809-7DCF-462C-A6C9-D405E392A188}" type="presOf" srcId="{3A752AA3-E3BC-4672-B651-B55A45CCAB1F}" destId="{7211D049-B987-4973-88A3-12B719D60AE9}" srcOrd="1" destOrd="1" presId="urn:microsoft.com/office/officeart/2005/8/layout/cycle4"/>
+    <dgm:cxn modelId="{1994B20A-D4A1-40E0-A847-F093DEA8F896}" type="presOf" srcId="{A51D2499-6221-4BFD-9E64-5A1D8C60613B}" destId="{70FB8B28-4F62-4D1E-9753-45B29BD7208F}" srcOrd="0" destOrd="1" presId="urn:microsoft.com/office/officeart/2005/8/layout/cycle4"/>
+    <dgm:cxn modelId="{1339090C-9A95-4C05-841C-FA3AF987601B}" srcId="{3F442EA2-39BA-4C9A-AD59-755D4917D532}" destId="{3929B1E1-4BC4-4C73-ABE8-27CEF96A3652}" srcOrd="1" destOrd="0" parTransId="{F356CC76-9117-4B79-A270-BBBAFD3E9C79}" sibTransId="{19BA0C22-38BB-4E9F-89D5-0FF5FF9F12CE}"/>
+    <dgm:cxn modelId="{D2BAEF0C-5621-4EE2-A552-0D009E0C8CAE}" type="presOf" srcId="{99E0600D-9954-43F4-8926-13B8777FAAA1}" destId="{2B7E178D-D2B9-45A7-971B-5ACDCF619DB8}" srcOrd="0" destOrd="0" presId="urn:microsoft.com/office/officeart/2005/8/layout/cycle4"/>
+    <dgm:cxn modelId="{BC921419-EB78-47AB-A373-BDFFC7684A2B}" type="presOf" srcId="{A51D2499-6221-4BFD-9E64-5A1D8C60613B}" destId="{A2109B93-2746-4853-8757-B67EC4D87349}" srcOrd="1" destOrd="1" presId="urn:microsoft.com/office/officeart/2005/8/layout/cycle4"/>
+    <dgm:cxn modelId="{910B1C1D-E032-40B4-8292-8B754F9D4E5E}" srcId="{60CDF8D0-D4FC-4467-A51E-79C5A58B0B2C}" destId="{54825EE2-1B65-4071-9129-E74F2079E880}" srcOrd="0" destOrd="0" parTransId="{988CFF2C-C1C9-47A7-9F87-167A16D22A0A}" sibTransId="{2098E436-BEEF-4426-9B2A-9E151774E6FA}"/>
+    <dgm:cxn modelId="{DBBBFD32-0CC3-4EC0-A104-5B43EDEE739C}" type="presOf" srcId="{0791135C-9DAB-47F6-BE9C-A3E56A2DDA50}" destId="{C464CBCE-A35B-4EFA-BE1E-2E249D734B67}" srcOrd="1" destOrd="1" presId="urn:microsoft.com/office/officeart/2005/8/layout/cycle4"/>
+    <dgm:cxn modelId="{62C10234-45D3-426A-8820-4C0D1D8CBA21}" srcId="{4DF9FE7B-F642-4898-A360-D4E3814E1A3D}" destId="{789CD6DB-3A68-4A41-90BD-4F0CBB3617D1}" srcOrd="1" destOrd="0" parTransId="{C0BEB5FF-8DFB-40B9-A228-C0C6097DDDC4}" sibTransId="{1A702531-A59F-4EE2-8246-E2EB0955D8B1}"/>
+    <dgm:cxn modelId="{BE790535-7553-4C41-9CC9-89A85EBB6937}" type="presOf" srcId="{3A752AA3-E3BC-4672-B651-B55A45CCAB1F}" destId="{7F858A0B-2BB0-410F-A358-03F7132D0C59}" srcOrd="0" destOrd="1" presId="urn:microsoft.com/office/officeart/2005/8/layout/cycle4"/>
+    <dgm:cxn modelId="{EBE60F5C-8E60-4DEF-B4C5-9722E19E636C}" type="presOf" srcId="{EFF2750D-B4B3-474C-8B62-8B638DC31F7E}" destId="{5F294424-128F-4F49-A947-AE61973EAE00}" srcOrd="0" destOrd="0" presId="urn:microsoft.com/office/officeart/2005/8/layout/cycle4"/>
+    <dgm:cxn modelId="{6CBCF15E-3B9D-486E-84A2-1237B58468E5}" type="presOf" srcId="{B2AB27E4-FB41-42CB-A099-8EA4767C5084}" destId="{70FB8B28-4F62-4D1E-9753-45B29BD7208F}" srcOrd="0" destOrd="0" presId="urn:microsoft.com/office/officeart/2005/8/layout/cycle4"/>
+    <dgm:cxn modelId="{72C8785F-5AFD-4F22-BDB5-E2B984078D22}" type="presOf" srcId="{3929B1E1-4BC4-4C73-ABE8-27CEF96A3652}" destId="{9545ED95-F510-4B44-85DB-C0CC48BFB181}" srcOrd="0" destOrd="0" presId="urn:microsoft.com/office/officeart/2005/8/layout/cycle4"/>
+    <dgm:cxn modelId="{FAE81242-CF21-46F8-9432-A505F9255816}" srcId="{60CDF8D0-D4FC-4467-A51E-79C5A58B0B2C}" destId="{3A752AA3-E3BC-4672-B651-B55A45CCAB1F}" srcOrd="1" destOrd="0" parTransId="{C5983856-2767-4DAF-BA42-CB1E09883F52}" sibTransId="{670EB4D7-8689-423E-B50E-8565E1D57AC9}"/>
+    <dgm:cxn modelId="{FCDF0E67-B8B4-4147-A4CE-FDC2E4431EED}" type="presOf" srcId="{4DF9FE7B-F642-4898-A360-D4E3814E1A3D}" destId="{D8D2586A-3166-43FC-936A-5541FDB4A7FD}" srcOrd="0" destOrd="0" presId="urn:microsoft.com/office/officeart/2005/8/layout/cycle4"/>
+    <dgm:cxn modelId="{E771CA49-0507-4DB4-A5A3-16063BCEF6E4}" srcId="{3F442EA2-39BA-4C9A-AD59-755D4917D532}" destId="{D9339EBD-06BA-4C5F-AE28-1B5A4D583BC4}" srcOrd="3" destOrd="0" parTransId="{B1EFD117-29F2-4066-9B00-0019297912D0}" sibTransId="{EBE3D870-6FCF-4B1D-BC5A-AFAB8EE05378}"/>
+    <dgm:cxn modelId="{D9DFDC50-D0C1-405A-8656-753637798F66}" type="presOf" srcId="{D9339EBD-06BA-4C5F-AE28-1B5A4D583BC4}" destId="{D50D1F1D-B5AC-43F9-9F8B-397D80CFC0BD}" srcOrd="0" destOrd="0" presId="urn:microsoft.com/office/officeart/2005/8/layout/cycle4"/>
+    <dgm:cxn modelId="{6DA86587-E2F7-4AA9-AA7C-DF0C587C024A}" type="presOf" srcId="{99E0600D-9954-43F4-8926-13B8777FAAA1}" destId="{C464CBCE-A35B-4EFA-BE1E-2E249D734B67}" srcOrd="1" destOrd="0" presId="urn:microsoft.com/office/officeart/2005/8/layout/cycle4"/>
+    <dgm:cxn modelId="{EBD8BE8D-6018-43E2-B081-034BB5656EB6}" srcId="{3F442EA2-39BA-4C9A-AD59-755D4917D532}" destId="{4DF9FE7B-F642-4898-A360-D4E3814E1A3D}" srcOrd="0" destOrd="0" parTransId="{1C10F06D-860A-4604-A7AD-02E614FE3976}" sibTransId="{43C18EFF-81FC-4D70-8C6B-E95FF3730413}"/>
+    <dgm:cxn modelId="{DF58128E-61C8-4992-BEE2-F7C060CD94EE}" type="presOf" srcId="{60CDF8D0-D4FC-4467-A51E-79C5A58B0B2C}" destId="{49BA61B3-9627-4C11-A21B-B127063AFCA8}" srcOrd="0" destOrd="0" presId="urn:microsoft.com/office/officeart/2005/8/layout/cycle4"/>
+    <dgm:cxn modelId="{B3B26E9A-58E5-497B-BD59-F5567958C609}" srcId="{3929B1E1-4BC4-4C73-ABE8-27CEF96A3652}" destId="{0791135C-9DAB-47F6-BE9C-A3E56A2DDA50}" srcOrd="1" destOrd="0" parTransId="{D6057E63-9793-4991-97C1-30FC405E95A5}" sibTransId="{B670C2A7-83CB-4F4C-BC19-A3A7C066A822}"/>
+    <dgm:cxn modelId="{09FCCB9D-A30A-4326-970E-26252D39327F}" srcId="{3929B1E1-4BC4-4C73-ABE8-27CEF96A3652}" destId="{99E0600D-9954-43F4-8926-13B8777FAAA1}" srcOrd="0" destOrd="0" parTransId="{BE23F476-2C5C-42ED-BF2B-CD5FC7ADDDF6}" sibTransId="{C44937DC-4907-4769-AA8B-1B3E7391D7B0}"/>
+    <dgm:cxn modelId="{A058DDA2-48CA-4E5B-B389-F71A59C262B0}" srcId="{4DF9FE7B-F642-4898-A360-D4E3814E1A3D}" destId="{EFF2750D-B4B3-474C-8B62-8B638DC31F7E}" srcOrd="0" destOrd="0" parTransId="{AEBC78E6-CDDC-4C8F-A157-3C51E907FACD}" sibTransId="{75C067D7-FCD2-4969-8F27-4BBDA88E75ED}"/>
     <dgm:cxn modelId="{A48987B0-518D-4CBC-85DF-89A72074B6E9}" type="presOf" srcId="{54825EE2-1B65-4071-9129-E74F2079E880}" destId="{7211D049-B987-4973-88A3-12B719D60AE9}" srcOrd="1" destOrd="0" presId="urn:microsoft.com/office/officeart/2005/8/layout/cycle4"/>
+    <dgm:cxn modelId="{7F4193B3-09C4-4687-952C-1817E8AC1AAE}" type="presOf" srcId="{0791135C-9DAB-47F6-BE9C-A3E56A2DDA50}" destId="{2B7E178D-D2B9-45A7-971B-5ACDCF619DB8}" srcOrd="0" destOrd="1" presId="urn:microsoft.com/office/officeart/2005/8/layout/cycle4"/>
+    <dgm:cxn modelId="{188843B7-DAF7-4B6B-BDE7-573826EE7A3D}" type="presOf" srcId="{789CD6DB-3A68-4A41-90BD-4F0CBB3617D1}" destId="{CBCDA14D-5AEE-47A2-8093-B71CA12EEE53}" srcOrd="1" destOrd="1" presId="urn:microsoft.com/office/officeart/2005/8/layout/cycle4"/>
+    <dgm:cxn modelId="{8A9051C5-9258-4D40-A38B-EB228F858E1A}" srcId="{D9339EBD-06BA-4C5F-AE28-1B5A4D583BC4}" destId="{B2AB27E4-FB41-42CB-A099-8EA4767C5084}" srcOrd="0" destOrd="0" parTransId="{50705557-B3BD-43E1-9C6D-66B5E16EA32E}" sibTransId="{13C97A91-1DD6-4B61-8377-F2F677C430B1}"/>
+    <dgm:cxn modelId="{90093FC6-106B-40B8-B2D8-BDC679A6E175}" type="presOf" srcId="{3F442EA2-39BA-4C9A-AD59-755D4917D532}" destId="{4A4689FF-1AD8-47FE-A3D7-AB163334256A}" srcOrd="0" destOrd="0" presId="urn:microsoft.com/office/officeart/2005/8/layout/cycle4"/>
+    <dgm:cxn modelId="{188ED4D6-D954-41EE-BBFB-6C8744679C38}" srcId="{D9339EBD-06BA-4C5F-AE28-1B5A4D583BC4}" destId="{A51D2499-6221-4BFD-9E64-5A1D8C60613B}" srcOrd="1" destOrd="0" parTransId="{B67B0669-AF8D-463F-8F6A-E1F8A8C687B6}" sibTransId="{DC11601F-ED06-4E79-86F1-7B57A2096352}"/>
+    <dgm:cxn modelId="{362EEAE1-FE17-4A9D-976B-2C76A93C63B2}" type="presOf" srcId="{EFF2750D-B4B3-474C-8B62-8B638DC31F7E}" destId="{CBCDA14D-5AEE-47A2-8093-B71CA12EEE53}" srcOrd="1" destOrd="0" presId="urn:microsoft.com/office/officeart/2005/8/layout/cycle4"/>
     <dgm:cxn modelId="{0D112FE4-DCAE-4EAA-A975-D2E361BA8489}" type="presOf" srcId="{789CD6DB-3A68-4A41-90BD-4F0CBB3617D1}" destId="{5F294424-128F-4F49-A947-AE61973EAE00}" srcOrd="0" destOrd="1" presId="urn:microsoft.com/office/officeart/2005/8/layout/cycle4"/>
-    <dgm:cxn modelId="{188ED4D6-D954-41EE-BBFB-6C8744679C38}" srcId="{D9339EBD-06BA-4C5F-AE28-1B5A4D583BC4}" destId="{A51D2499-6221-4BFD-9E64-5A1D8C60613B}" srcOrd="1" destOrd="0" parTransId="{B67B0669-AF8D-463F-8F6A-E1F8A8C687B6}" sibTransId="{DC11601F-ED06-4E79-86F1-7B57A2096352}"/>
-    <dgm:cxn modelId="{7F4193B3-09C4-4687-952C-1817E8AC1AAE}" type="presOf" srcId="{0791135C-9DAB-47F6-BE9C-A3E56A2DDA50}" destId="{2B7E178D-D2B9-45A7-971B-5ACDCF619DB8}" srcOrd="0" destOrd="1" presId="urn:microsoft.com/office/officeart/2005/8/layout/cycle4"/>
-    <dgm:cxn modelId="{D9DFDC50-D0C1-405A-8656-753637798F66}" type="presOf" srcId="{D9339EBD-06BA-4C5F-AE28-1B5A4D583BC4}" destId="{D50D1F1D-B5AC-43F9-9F8B-397D80CFC0BD}" srcOrd="0" destOrd="0" presId="urn:microsoft.com/office/officeart/2005/8/layout/cycle4"/>
-    <dgm:cxn modelId="{EBE60F5C-8E60-4DEF-B4C5-9722E19E636C}" type="presOf" srcId="{EFF2750D-B4B3-474C-8B62-8B638DC31F7E}" destId="{5F294424-128F-4F49-A947-AE61973EAE00}" srcOrd="0" destOrd="0" presId="urn:microsoft.com/office/officeart/2005/8/layout/cycle4"/>
-    <dgm:cxn modelId="{BE790535-7553-4C41-9CC9-89A85EBB6937}" type="presOf" srcId="{3A752AA3-E3BC-4672-B651-B55A45CCAB1F}" destId="{7F858A0B-2BB0-410F-A358-03F7132D0C59}" srcOrd="0" destOrd="1" presId="urn:microsoft.com/office/officeart/2005/8/layout/cycle4"/>
-    <dgm:cxn modelId="{EBD8BE8D-6018-43E2-B081-034BB5656EB6}" srcId="{3F442EA2-39BA-4C9A-AD59-755D4917D532}" destId="{4DF9FE7B-F642-4898-A360-D4E3814E1A3D}" srcOrd="0" destOrd="0" parTransId="{1C10F06D-860A-4604-A7AD-02E614FE3976}" sibTransId="{43C18EFF-81FC-4D70-8C6B-E95FF3730413}"/>
-    <dgm:cxn modelId="{09FCCB9D-A30A-4326-970E-26252D39327F}" srcId="{3929B1E1-4BC4-4C73-ABE8-27CEF96A3652}" destId="{99E0600D-9954-43F4-8926-13B8777FAAA1}" srcOrd="0" destOrd="0" parTransId="{BE23F476-2C5C-42ED-BF2B-CD5FC7ADDDF6}" sibTransId="{C44937DC-4907-4769-AA8B-1B3E7391D7B0}"/>
-    <dgm:cxn modelId="{62C10234-45D3-426A-8820-4C0D1D8CBA21}" srcId="{4DF9FE7B-F642-4898-A360-D4E3814E1A3D}" destId="{789CD6DB-3A68-4A41-90BD-4F0CBB3617D1}" srcOrd="1" destOrd="0" parTransId="{C0BEB5FF-8DFB-40B9-A228-C0C6097DDDC4}" sibTransId="{1A702531-A59F-4EE2-8246-E2EB0955D8B1}"/>
-    <dgm:cxn modelId="{BC921419-EB78-47AB-A373-BDFFC7684A2B}" type="presOf" srcId="{A51D2499-6221-4BFD-9E64-5A1D8C60613B}" destId="{A2109B93-2746-4853-8757-B67EC4D87349}" srcOrd="1" destOrd="1" presId="urn:microsoft.com/office/officeart/2005/8/layout/cycle4"/>
-    <dgm:cxn modelId="{6DA86587-E2F7-4AA9-AA7C-DF0C587C024A}" type="presOf" srcId="{99E0600D-9954-43F4-8926-13B8777FAAA1}" destId="{C464CBCE-A35B-4EFA-BE1E-2E249D734B67}" srcOrd="1" destOrd="0" presId="urn:microsoft.com/office/officeart/2005/8/layout/cycle4"/>
-    <dgm:cxn modelId="{FCDF0E67-B8B4-4147-A4CE-FDC2E4431EED}" type="presOf" srcId="{4DF9FE7B-F642-4898-A360-D4E3814E1A3D}" destId="{D8D2586A-3166-43FC-936A-5541FDB4A7FD}" srcOrd="0" destOrd="0" presId="urn:microsoft.com/office/officeart/2005/8/layout/cycle4"/>
+    <dgm:cxn modelId="{2BA65DEC-E719-4ED3-8135-48349D42DD04}" srcId="{3F442EA2-39BA-4C9A-AD59-755D4917D532}" destId="{60CDF8D0-D4FC-4467-A51E-79C5A58B0B2C}" srcOrd="2" destOrd="0" parTransId="{E12A269F-AB82-486A-9077-80F2BBBE48C2}" sibTransId="{3F7FD59D-A716-4310-A89A-AB6F740D9FFF}"/>
     <dgm:cxn modelId="{E82834FB-907E-4D70-A25B-6AF1AD429C04}" type="presOf" srcId="{B2AB27E4-FB41-42CB-A099-8EA4767C5084}" destId="{A2109B93-2746-4853-8757-B67EC4D87349}" srcOrd="1" destOrd="0" presId="urn:microsoft.com/office/officeart/2005/8/layout/cycle4"/>
-    <dgm:cxn modelId="{910B1C1D-E032-40B4-8292-8B754F9D4E5E}" srcId="{60CDF8D0-D4FC-4467-A51E-79C5A58B0B2C}" destId="{54825EE2-1B65-4071-9129-E74F2079E880}" srcOrd="0" destOrd="0" parTransId="{988CFF2C-C1C9-47A7-9F87-167A16D22A0A}" sibTransId="{2098E436-BEEF-4426-9B2A-9E151774E6FA}"/>
-    <dgm:cxn modelId="{D2BAEF0C-5621-4EE2-A552-0D009E0C8CAE}" type="presOf" srcId="{99E0600D-9954-43F4-8926-13B8777FAAA1}" destId="{2B7E178D-D2B9-45A7-971B-5ACDCF619DB8}" srcOrd="0" destOrd="0" presId="urn:microsoft.com/office/officeart/2005/8/layout/cycle4"/>
-    <dgm:cxn modelId="{784E3809-7DCF-462C-A6C9-D405E392A188}" type="presOf" srcId="{3A752AA3-E3BC-4672-B651-B55A45CCAB1F}" destId="{7211D049-B987-4973-88A3-12B719D60AE9}" srcOrd="1" destOrd="1" presId="urn:microsoft.com/office/officeart/2005/8/layout/cycle4"/>
-    <dgm:cxn modelId="{6CBCF15E-3B9D-486E-84A2-1237B58468E5}" type="presOf" srcId="{B2AB27E4-FB41-42CB-A099-8EA4767C5084}" destId="{70FB8B28-4F62-4D1E-9753-45B29BD7208F}" srcOrd="0" destOrd="0" presId="urn:microsoft.com/office/officeart/2005/8/layout/cycle4"/>
-    <dgm:cxn modelId="{E63FCB00-2933-440C-AEA9-9B09F709EE7F}" type="presOf" srcId="{54825EE2-1B65-4071-9129-E74F2079E880}" destId="{7F858A0B-2BB0-410F-A358-03F7132D0C59}" srcOrd="0" destOrd="0" presId="urn:microsoft.com/office/officeart/2005/8/layout/cycle4"/>
-    <dgm:cxn modelId="{188843B7-DAF7-4B6B-BDE7-573826EE7A3D}" type="presOf" srcId="{789CD6DB-3A68-4A41-90BD-4F0CBB3617D1}" destId="{CBCDA14D-5AEE-47A2-8093-B71CA12EEE53}" srcOrd="1" destOrd="1" presId="urn:microsoft.com/office/officeart/2005/8/layout/cycle4"/>
-    <dgm:cxn modelId="{B3B26E9A-58E5-497B-BD59-F5567958C609}" srcId="{3929B1E1-4BC4-4C73-ABE8-27CEF96A3652}" destId="{0791135C-9DAB-47F6-BE9C-A3E56A2DDA50}" srcOrd="1" destOrd="0" parTransId="{D6057E63-9793-4991-97C1-30FC405E95A5}" sibTransId="{B670C2A7-83CB-4F4C-BC19-A3A7C066A822}"/>
-    <dgm:cxn modelId="{1339090C-9A95-4C05-841C-FA3AF987601B}" srcId="{3F442EA2-39BA-4C9A-AD59-755D4917D532}" destId="{3929B1E1-4BC4-4C73-ABE8-27CEF96A3652}" srcOrd="1" destOrd="0" parTransId="{F356CC76-9117-4B79-A270-BBBAFD3E9C79}" sibTransId="{19BA0C22-38BB-4E9F-89D5-0FF5FF9F12CE}"/>
-    <dgm:cxn modelId="{A058DDA2-48CA-4E5B-B389-F71A59C262B0}" srcId="{4DF9FE7B-F642-4898-A360-D4E3814E1A3D}" destId="{EFF2750D-B4B3-474C-8B62-8B638DC31F7E}" srcOrd="0" destOrd="0" parTransId="{AEBC78E6-CDDC-4C8F-A157-3C51E907FACD}" sibTransId="{75C067D7-FCD2-4969-8F27-4BBDA88E75ED}"/>
-    <dgm:cxn modelId="{72C8785F-5AFD-4F22-BDB5-E2B984078D22}" type="presOf" srcId="{3929B1E1-4BC4-4C73-ABE8-27CEF96A3652}" destId="{9545ED95-F510-4B44-85DB-C0CC48BFB181}" srcOrd="0" destOrd="0" presId="urn:microsoft.com/office/officeart/2005/8/layout/cycle4"/>
-    <dgm:cxn modelId="{1994B20A-D4A1-40E0-A847-F093DEA8F896}" type="presOf" srcId="{A51D2499-6221-4BFD-9E64-5A1D8C60613B}" destId="{70FB8B28-4F62-4D1E-9753-45B29BD7208F}" srcOrd="0" destOrd="1" presId="urn:microsoft.com/office/officeart/2005/8/layout/cycle4"/>
-    <dgm:cxn modelId="{8A9051C5-9258-4D40-A38B-EB228F858E1A}" srcId="{D9339EBD-06BA-4C5F-AE28-1B5A4D583BC4}" destId="{B2AB27E4-FB41-42CB-A099-8EA4767C5084}" srcOrd="0" destOrd="0" parTransId="{50705557-B3BD-43E1-9C6D-66B5E16EA32E}" sibTransId="{13C97A91-1DD6-4B61-8377-F2F677C430B1}"/>
-    <dgm:cxn modelId="{DBBBFD32-0CC3-4EC0-A104-5B43EDEE739C}" type="presOf" srcId="{0791135C-9DAB-47F6-BE9C-A3E56A2DDA50}" destId="{C464CBCE-A35B-4EFA-BE1E-2E249D734B67}" srcOrd="1" destOrd="1" presId="urn:microsoft.com/office/officeart/2005/8/layout/cycle4"/>
-    <dgm:cxn modelId="{DF58128E-61C8-4992-BEE2-F7C060CD94EE}" type="presOf" srcId="{60CDF8D0-D4FC-4467-A51E-79C5A58B0B2C}" destId="{49BA61B3-9627-4C11-A21B-B127063AFCA8}" srcOrd="0" destOrd="0" presId="urn:microsoft.com/office/officeart/2005/8/layout/cycle4"/>
-    <dgm:cxn modelId="{2BA65DEC-E719-4ED3-8135-48349D42DD04}" srcId="{3F442EA2-39BA-4C9A-AD59-755D4917D532}" destId="{60CDF8D0-D4FC-4467-A51E-79C5A58B0B2C}" srcOrd="2" destOrd="0" parTransId="{E12A269F-AB82-486A-9077-80F2BBBE48C2}" sibTransId="{3F7FD59D-A716-4310-A89A-AB6F740D9FFF}"/>
-    <dgm:cxn modelId="{E771CA49-0507-4DB4-A5A3-16063BCEF6E4}" srcId="{3F442EA2-39BA-4C9A-AD59-755D4917D532}" destId="{D9339EBD-06BA-4C5F-AE28-1B5A4D583BC4}" srcOrd="3" destOrd="0" parTransId="{B1EFD117-29F2-4066-9B00-0019297912D0}" sibTransId="{EBE3D870-6FCF-4B1D-BC5A-AFAB8EE05378}"/>
-    <dgm:cxn modelId="{FAE81242-CF21-46F8-9432-A505F9255816}" srcId="{60CDF8D0-D4FC-4467-A51E-79C5A58B0B2C}" destId="{3A752AA3-E3BC-4672-B651-B55A45CCAB1F}" srcOrd="1" destOrd="0" parTransId="{C5983856-2767-4DAF-BA42-CB1E09883F52}" sibTransId="{670EB4D7-8689-423E-B50E-8565E1D57AC9}"/>
-    <dgm:cxn modelId="{362EEAE1-FE17-4A9D-976B-2C76A93C63B2}" type="presOf" srcId="{EFF2750D-B4B3-474C-8B62-8B638DC31F7E}" destId="{CBCDA14D-5AEE-47A2-8093-B71CA12EEE53}" srcOrd="1" destOrd="0" presId="urn:microsoft.com/office/officeart/2005/8/layout/cycle4"/>
-    <dgm:cxn modelId="{90093FC6-106B-40B8-B2D8-BDC679A6E175}" type="presOf" srcId="{3F442EA2-39BA-4C9A-AD59-755D4917D532}" destId="{4A4689FF-1AD8-47FE-A3D7-AB163334256A}" srcOrd="0" destOrd="0" presId="urn:microsoft.com/office/officeart/2005/8/layout/cycle4"/>
     <dgm:cxn modelId="{8CA4CBC5-30D7-40F4-93E2-B729D6727269}" type="presParOf" srcId="{4A4689FF-1AD8-47FE-A3D7-AB163334256A}" destId="{7D1BE536-1524-4F1E-8279-2E337A3E001B}" srcOrd="0" destOrd="0" presId="urn:microsoft.com/office/officeart/2005/8/layout/cycle4"/>
     <dgm:cxn modelId="{D73B3935-2017-46CD-9188-071AD8CFE71C}" type="presParOf" srcId="{7D1BE536-1524-4F1E-8279-2E337A3E001B}" destId="{FC30FC85-C46F-401D-9210-FFE7FD8D7D6C}" srcOrd="0" destOrd="0" presId="urn:microsoft.com/office/officeart/2005/8/layout/cycle4"/>
     <dgm:cxn modelId="{A7596D1B-573A-4C33-ABFF-E89F79A024E6}" type="presParOf" srcId="{FC30FC85-C46F-401D-9210-FFE7FD8D7D6C}" destId="{5F294424-128F-4F49-A947-AE61973EAE00}" srcOrd="0" destOrd="0" presId="urn:microsoft.com/office/officeart/2005/8/layout/cycle4"/>
@@ -1786,7 +1696,7 @@
             <a:spcAft>
               <a:spcPct val="15000"/>
             </a:spcAft>
-            <a:buChar char="••"/>
+            <a:buChar char="•"/>
           </a:pPr>
           <a:r>
             <a:rPr lang="en-US" sz="2300" kern="1200" dirty="0"/>
@@ -1804,7 +1714,7 @@
             <a:spcAft>
               <a:spcPct val="15000"/>
             </a:spcAft>
-            <a:buChar char="••"/>
+            <a:buChar char="•"/>
           </a:pPr>
           <a:r>
             <a:rPr lang="en-US" sz="2300" kern="1200" dirty="0"/>
@@ -1883,7 +1793,7 @@
             <a:spcAft>
               <a:spcPct val="15000"/>
             </a:spcAft>
-            <a:buChar char="••"/>
+            <a:buChar char="•"/>
           </a:pPr>
           <a:r>
             <a:rPr lang="en-US" sz="2300" kern="1200" dirty="0"/>
@@ -1901,7 +1811,7 @@
             <a:spcAft>
               <a:spcPct val="15000"/>
             </a:spcAft>
-            <a:buChar char="••"/>
+            <a:buChar char="•"/>
           </a:pPr>
           <a:r>
             <a:rPr lang="en-US" sz="2300" kern="1200" dirty="0"/>
@@ -1980,7 +1890,7 @@
             <a:spcAft>
               <a:spcPct val="15000"/>
             </a:spcAft>
-            <a:buChar char="••"/>
+            <a:buChar char="•"/>
           </a:pPr>
           <a:r>
             <a:rPr lang="en-US" sz="2300" kern="1200" dirty="0"/>
@@ -1998,7 +1908,7 @@
             <a:spcAft>
               <a:spcPct val="15000"/>
             </a:spcAft>
-            <a:buChar char="••"/>
+            <a:buChar char="•"/>
           </a:pPr>
           <a:r>
             <a:rPr lang="en-US" sz="2300" kern="1200" dirty="0"/>
@@ -2077,7 +1987,7 @@
             <a:spcAft>
               <a:spcPct val="15000"/>
             </a:spcAft>
-            <a:buChar char="••"/>
+            <a:buChar char="•"/>
           </a:pPr>
           <a:r>
             <a:rPr lang="en-US" sz="2300" kern="1200" dirty="0"/>
@@ -2095,7 +2005,7 @@
             <a:spcAft>
               <a:spcPct val="15000"/>
             </a:spcAft>
-            <a:buChar char="••"/>
+            <a:buChar char="•"/>
           </a:pPr>
           <a:r>
             <a:rPr lang="en-US" sz="2300" kern="1200" dirty="0"/>
@@ -2163,7 +2073,7 @@
         </a:bodyPr>
         <a:lstStyle/>
         <a:p>
-          <a:pPr lvl="0" algn="ctr" defTabSz="1066800">
+          <a:pPr marL="0" lvl="0" indent="0" algn="ctr" defTabSz="1066800">
             <a:lnSpc>
               <a:spcPct val="90000"/>
             </a:lnSpc>
@@ -2173,6 +2083,7 @@
             <a:spcAft>
               <a:spcPct val="35000"/>
             </a:spcAft>
+            <a:buNone/>
           </a:pPr>
           <a:r>
             <a:rPr lang="en-US" sz="2400" kern="1200" dirty="0"/>
@@ -2240,7 +2151,7 @@
         </a:bodyPr>
         <a:lstStyle/>
         <a:p>
-          <a:pPr lvl="0" algn="ctr" defTabSz="1066800">
+          <a:pPr marL="0" lvl="0" indent="0" algn="ctr" defTabSz="1066800">
             <a:lnSpc>
               <a:spcPct val="90000"/>
             </a:lnSpc>
@@ -2250,6 +2161,7 @@
             <a:spcAft>
               <a:spcPct val="35000"/>
             </a:spcAft>
+            <a:buNone/>
           </a:pPr>
           <a:r>
             <a:rPr lang="en-US" sz="2400" kern="1200" dirty="0"/>
@@ -2317,7 +2229,7 @@
         </a:bodyPr>
         <a:lstStyle/>
         <a:p>
-          <a:pPr lvl="0" algn="ctr" defTabSz="1066800">
+          <a:pPr marL="0" lvl="0" indent="0" algn="ctr" defTabSz="1066800">
             <a:lnSpc>
               <a:spcPct val="90000"/>
             </a:lnSpc>
@@ -2327,6 +2239,7 @@
             <a:spcAft>
               <a:spcPct val="35000"/>
             </a:spcAft>
+            <a:buNone/>
           </a:pPr>
           <a:r>
             <a:rPr lang="en-US" sz="2400" kern="1200" dirty="0"/>
@@ -2394,7 +2307,7 @@
         </a:bodyPr>
         <a:lstStyle/>
         <a:p>
-          <a:pPr lvl="0" algn="ctr" defTabSz="1066800">
+          <a:pPr marL="0" lvl="0" indent="0" algn="ctr" defTabSz="1066800">
             <a:lnSpc>
               <a:spcPct val="90000"/>
             </a:lnSpc>
@@ -2404,6 +2317,7 @@
             <a:spcAft>
               <a:spcPct val="35000"/>
             </a:spcAft>
+            <a:buNone/>
           </a:pPr>
           <a:r>
             <a:rPr lang="en-US" sz="2400" kern="1200" dirty="0"/>
@@ -4359,7 +4273,7 @@
           <a:p>
             <a:fld id="{56D91178-905E-4181-A080-73FBE2A7F10F}" type="datetimeFigureOut">
               <a:rPr lang="en-US" smtClean="0"/>
-              <a:t>6/22/2020</a:t>
+              <a:t>6/23/2020</a:t>
             </a:fld>
             <a:endParaRPr lang="en-US"/>
           </a:p>
@@ -4524,7 +4438,7 @@
           <a:p>
             <a:fld id="{F3649B93-516E-447E-9C4C-C287614C6398}" type="datetimeFigureOut">
               <a:rPr lang="en-US" smtClean="0"/>
-              <a:t>6/22/2020</a:t>
+              <a:t>6/23/2020</a:t>
             </a:fld>
             <a:endParaRPr lang="en-US"/>
           </a:p>
@@ -4940,7 +4854,7 @@
           <a:p>
             <a:fld id="{887908AF-65BE-457F-9D87-289A548E61FF}" type="slidenum">
               <a:rPr lang="en-US" smtClean="0"/>
-              <a:t>3</a:t>
+              <a:t>4</a:t>
             </a:fld>
             <a:endParaRPr lang="en-US"/>
           </a:p>
@@ -5024,7 +4938,7 @@
           <a:p>
             <a:fld id="{887908AF-65BE-457F-9D87-289A548E61FF}" type="slidenum">
               <a:rPr lang="en-US" smtClean="0"/>
-              <a:t>4</a:t>
+              <a:t>5</a:t>
             </a:fld>
             <a:endParaRPr lang="en-US"/>
           </a:p>
@@ -5108,7 +5022,7 @@
           <a:p>
             <a:fld id="{887908AF-65BE-457F-9D87-289A548E61FF}" type="slidenum">
               <a:rPr lang="en-US" smtClean="0"/>
-              <a:t>8</a:t>
+              <a:t>9</a:t>
             </a:fld>
             <a:endParaRPr lang="en-US"/>
           </a:p>
@@ -5239,7 +5153,7 @@
           </a:lstStyle>
           <a:p>
             <a:r>
-              <a:rPr lang="en-US" smtClean="0"/>
+              <a:rPr lang="en-US"/>
               <a:t>Click to edit Master title style</a:t>
             </a:r>
             <a:endParaRPr lang="en-US" dirty="0"/>
@@ -5317,10 +5231,9 @@
           </a:lstStyle>
           <a:p>
             <a:r>
-              <a:rPr lang="en-US" smtClean="0"/>
+              <a:rPr lang="en-US"/>
               <a:t>Click to edit Master subtitle style</a:t>
             </a:r>
-            <a:endParaRPr lang="en-US"/>
           </a:p>
         </p:txBody>
       </p:sp>
@@ -5341,7 +5254,7 @@
           <a:p>
             <a:fld id="{D747B1E0-F476-4322-AA53-0018286DBC2F}" type="datetime1">
               <a:rPr lang="en-US" smtClean="0"/>
-              <a:t>6/22/2020</a:t>
+              <a:t>6/23/2020</a:t>
             </a:fld>
             <a:endParaRPr lang="en-US" dirty="0"/>
           </a:p>
@@ -5450,10 +5363,9 @@
           <a:lstStyle/>
           <a:p>
             <a:r>
-              <a:rPr lang="en-US" smtClean="0"/>
+              <a:rPr lang="en-US"/>
               <a:t>Click to edit Master title style</a:t>
             </a:r>
-            <a:endParaRPr lang="en-US"/>
           </a:p>
         </p:txBody>
       </p:sp>
@@ -5474,38 +5386,37 @@
           <a:p>
             <a:pPr lvl="0"/>
             <a:r>
-              <a:rPr lang="en-US" smtClean="0"/>
+              <a:rPr lang="en-US"/>
               <a:t>Edit Master text styles</a:t>
             </a:r>
           </a:p>
           <a:p>
             <a:pPr lvl="1"/>
             <a:r>
-              <a:rPr lang="en-US" smtClean="0"/>
+              <a:rPr lang="en-US"/>
               <a:t>Second level</a:t>
             </a:r>
           </a:p>
           <a:p>
             <a:pPr lvl="2"/>
             <a:r>
-              <a:rPr lang="en-US" smtClean="0"/>
+              <a:rPr lang="en-US"/>
               <a:t>Third level</a:t>
             </a:r>
           </a:p>
           <a:p>
             <a:pPr lvl="3"/>
             <a:r>
-              <a:rPr lang="en-US" smtClean="0"/>
+              <a:rPr lang="en-US"/>
               <a:t>Fourth level</a:t>
             </a:r>
           </a:p>
           <a:p>
             <a:pPr lvl="4"/>
             <a:r>
-              <a:rPr lang="en-US" smtClean="0"/>
+              <a:rPr lang="en-US"/>
               <a:t>Fifth level</a:t>
             </a:r>
-            <a:endParaRPr lang="en-US"/>
           </a:p>
         </p:txBody>
       </p:sp>
@@ -5526,7 +5437,7 @@
           <a:p>
             <a:fld id="{938E9944-B6E8-44FA-B3BC-28C8F3B97A63}" type="datetime1">
               <a:rPr lang="en-US" smtClean="0"/>
-              <a:t>6/22/2020</a:t>
+              <a:t>6/23/2020</a:t>
             </a:fld>
             <a:endParaRPr lang="en-US"/>
           </a:p>
@@ -5640,10 +5551,9 @@
           <a:lstStyle/>
           <a:p>
             <a:r>
-              <a:rPr lang="en-US" smtClean="0"/>
+              <a:rPr lang="en-US"/>
               <a:t>Click to edit Master title style</a:t>
             </a:r>
-            <a:endParaRPr lang="en-US"/>
           </a:p>
         </p:txBody>
       </p:sp>
@@ -5669,38 +5579,37 @@
           <a:p>
             <a:pPr lvl="0"/>
             <a:r>
-              <a:rPr lang="en-US" smtClean="0"/>
+              <a:rPr lang="en-US"/>
               <a:t>Edit Master text styles</a:t>
             </a:r>
           </a:p>
           <a:p>
             <a:pPr lvl="1"/>
             <a:r>
-              <a:rPr lang="en-US" smtClean="0"/>
+              <a:rPr lang="en-US"/>
               <a:t>Second level</a:t>
             </a:r>
           </a:p>
           <a:p>
             <a:pPr lvl="2"/>
             <a:r>
-              <a:rPr lang="en-US" smtClean="0"/>
+              <a:rPr lang="en-US"/>
               <a:t>Third level</a:t>
             </a:r>
           </a:p>
           <a:p>
             <a:pPr lvl="3"/>
             <a:r>
-              <a:rPr lang="en-US" smtClean="0"/>
+              <a:rPr lang="en-US"/>
               <a:t>Fourth level</a:t>
             </a:r>
           </a:p>
           <a:p>
             <a:pPr lvl="4"/>
             <a:r>
-              <a:rPr lang="en-US" smtClean="0"/>
+              <a:rPr lang="en-US"/>
               <a:t>Fifth level</a:t>
             </a:r>
-            <a:endParaRPr lang="en-US"/>
           </a:p>
         </p:txBody>
       </p:sp>
@@ -5721,7 +5630,7 @@
           <a:p>
             <a:fld id="{19D6BA2A-22AB-40C3-A6FE-08AE8F5EAD50}" type="datetime1">
               <a:rPr lang="en-US" smtClean="0"/>
-              <a:t>6/22/2020</a:t>
+              <a:t>6/23/2020</a:t>
             </a:fld>
             <a:endParaRPr lang="en-US"/>
           </a:p>
@@ -5830,10 +5739,9 @@
           <a:lstStyle/>
           <a:p>
             <a:r>
-              <a:rPr lang="en-US" smtClean="0"/>
+              <a:rPr lang="en-US"/>
               <a:t>Click to edit Master title style</a:t>
             </a:r>
-            <a:endParaRPr lang="en-US"/>
           </a:p>
         </p:txBody>
       </p:sp>
@@ -5854,38 +5762,37 @@
           <a:p>
             <a:pPr lvl="0"/>
             <a:r>
-              <a:rPr lang="en-US" smtClean="0"/>
+              <a:rPr lang="en-US"/>
               <a:t>Edit Master text styles</a:t>
             </a:r>
           </a:p>
           <a:p>
             <a:pPr lvl="1"/>
             <a:r>
-              <a:rPr lang="en-US" smtClean="0"/>
+              <a:rPr lang="en-US"/>
               <a:t>Second level</a:t>
             </a:r>
           </a:p>
           <a:p>
             <a:pPr lvl="2"/>
             <a:r>
-              <a:rPr lang="en-US" smtClean="0"/>
+              <a:rPr lang="en-US"/>
               <a:t>Third level</a:t>
             </a:r>
           </a:p>
           <a:p>
             <a:pPr lvl="3"/>
             <a:r>
-              <a:rPr lang="en-US" smtClean="0"/>
+              <a:rPr lang="en-US"/>
               <a:t>Fourth level</a:t>
             </a:r>
           </a:p>
           <a:p>
             <a:pPr lvl="4"/>
             <a:r>
-              <a:rPr lang="en-US" smtClean="0"/>
+              <a:rPr lang="en-US"/>
               <a:t>Fifth level</a:t>
             </a:r>
-            <a:endParaRPr lang="en-US"/>
           </a:p>
         </p:txBody>
       </p:sp>
@@ -5906,7 +5813,7 @@
           <a:p>
             <a:fld id="{D1399E97-DADD-4C08-B07A-21ABC2EC9C0C}" type="datetime1">
               <a:rPr lang="en-US" smtClean="0"/>
-              <a:t>6/22/2020</a:t>
+              <a:t>6/23/2020</a:t>
             </a:fld>
             <a:endParaRPr lang="en-US"/>
           </a:p>
@@ -6024,10 +5931,9 @@
           </a:lstStyle>
           <a:p>
             <a:r>
-              <a:rPr lang="en-US" smtClean="0"/>
+              <a:rPr lang="en-US"/>
               <a:t>Click to edit Master title style</a:t>
             </a:r>
-            <a:endParaRPr lang="en-US"/>
           </a:p>
         </p:txBody>
       </p:sp>
@@ -6090,7 +5996,7 @@
           <a:p>
             <a:pPr lvl="0"/>
             <a:r>
-              <a:rPr lang="en-US" smtClean="0"/>
+              <a:rPr lang="en-US"/>
               <a:t>Edit Master text styles</a:t>
             </a:r>
           </a:p>
@@ -6113,7 +6019,7 @@
           <a:p>
             <a:fld id="{79426430-5DC0-47CA-BF30-F2CEF34F1CCC}" type="datetime1">
               <a:rPr lang="en-US" smtClean="0"/>
-              <a:t>6/22/2020</a:t>
+              <a:t>6/23/2020</a:t>
             </a:fld>
             <a:endParaRPr lang="en-US"/>
           </a:p>
@@ -6222,10 +6128,9 @@
           <a:lstStyle/>
           <a:p>
             <a:r>
-              <a:rPr lang="en-US" smtClean="0"/>
+              <a:rPr lang="en-US"/>
               <a:t>Click to edit Master title style</a:t>
             </a:r>
-            <a:endParaRPr lang="en-US"/>
           </a:p>
         </p:txBody>
       </p:sp>
@@ -6279,38 +6184,37 @@
           <a:p>
             <a:pPr lvl="0"/>
             <a:r>
-              <a:rPr lang="en-US" smtClean="0"/>
+              <a:rPr lang="en-US"/>
               <a:t>Edit Master text styles</a:t>
             </a:r>
           </a:p>
           <a:p>
             <a:pPr lvl="1"/>
             <a:r>
-              <a:rPr lang="en-US" smtClean="0"/>
+              <a:rPr lang="en-US"/>
               <a:t>Second level</a:t>
             </a:r>
           </a:p>
           <a:p>
             <a:pPr lvl="2"/>
             <a:r>
-              <a:rPr lang="en-US" smtClean="0"/>
+              <a:rPr lang="en-US"/>
               <a:t>Third level</a:t>
             </a:r>
           </a:p>
           <a:p>
             <a:pPr lvl="3"/>
             <a:r>
-              <a:rPr lang="en-US" smtClean="0"/>
+              <a:rPr lang="en-US"/>
               <a:t>Fourth level</a:t>
             </a:r>
           </a:p>
           <a:p>
             <a:pPr lvl="4"/>
             <a:r>
-              <a:rPr lang="en-US" smtClean="0"/>
+              <a:rPr lang="en-US"/>
               <a:t>Fifth level</a:t>
             </a:r>
-            <a:endParaRPr lang="en-US"/>
           </a:p>
         </p:txBody>
       </p:sp>
@@ -6364,38 +6268,37 @@
           <a:p>
             <a:pPr lvl="0"/>
             <a:r>
-              <a:rPr lang="en-US" smtClean="0"/>
+              <a:rPr lang="en-US"/>
               <a:t>Edit Master text styles</a:t>
             </a:r>
           </a:p>
           <a:p>
             <a:pPr lvl="1"/>
             <a:r>
-              <a:rPr lang="en-US" smtClean="0"/>
+              <a:rPr lang="en-US"/>
               <a:t>Second level</a:t>
             </a:r>
           </a:p>
           <a:p>
             <a:pPr lvl="2"/>
             <a:r>
-              <a:rPr lang="en-US" smtClean="0"/>
+              <a:rPr lang="en-US"/>
               <a:t>Third level</a:t>
             </a:r>
           </a:p>
           <a:p>
             <a:pPr lvl="3"/>
             <a:r>
-              <a:rPr lang="en-US" smtClean="0"/>
+              <a:rPr lang="en-US"/>
               <a:t>Fourth level</a:t>
             </a:r>
           </a:p>
           <a:p>
             <a:pPr lvl="4"/>
             <a:r>
-              <a:rPr lang="en-US" smtClean="0"/>
+              <a:rPr lang="en-US"/>
               <a:t>Fifth level</a:t>
             </a:r>
-            <a:endParaRPr lang="en-US"/>
           </a:p>
         </p:txBody>
       </p:sp>
@@ -6416,7 +6319,7 @@
           <a:p>
             <a:fld id="{F762E9D0-9F88-4809-9326-E87DB6BC4685}" type="datetime1">
               <a:rPr lang="en-US" smtClean="0"/>
-              <a:t>6/22/2020</a:t>
+              <a:t>6/23/2020</a:t>
             </a:fld>
             <a:endParaRPr lang="en-US"/>
           </a:p>
@@ -6530,10 +6433,9 @@
           <a:lstStyle/>
           <a:p>
             <a:r>
-              <a:rPr lang="en-US" smtClean="0"/>
+              <a:rPr lang="en-US"/>
               <a:t>Click to edit Master title style</a:t>
             </a:r>
-            <a:endParaRPr lang="en-US"/>
           </a:p>
         </p:txBody>
       </p:sp>
@@ -6596,7 +6498,7 @@
           <a:p>
             <a:pPr lvl="0"/>
             <a:r>
-              <a:rPr lang="en-US" smtClean="0"/>
+              <a:rPr lang="en-US"/>
               <a:t>Edit Master text styles</a:t>
             </a:r>
           </a:p>
@@ -6652,38 +6554,37 @@
           <a:p>
             <a:pPr lvl="0"/>
             <a:r>
-              <a:rPr lang="en-US" smtClean="0"/>
+              <a:rPr lang="en-US"/>
               <a:t>Edit Master text styles</a:t>
             </a:r>
           </a:p>
           <a:p>
             <a:pPr lvl="1"/>
             <a:r>
-              <a:rPr lang="en-US" smtClean="0"/>
+              <a:rPr lang="en-US"/>
               <a:t>Second level</a:t>
             </a:r>
           </a:p>
           <a:p>
             <a:pPr lvl="2"/>
             <a:r>
-              <a:rPr lang="en-US" smtClean="0"/>
+              <a:rPr lang="en-US"/>
               <a:t>Third level</a:t>
             </a:r>
           </a:p>
           <a:p>
             <a:pPr lvl="3"/>
             <a:r>
-              <a:rPr lang="en-US" smtClean="0"/>
+              <a:rPr lang="en-US"/>
               <a:t>Fourth level</a:t>
             </a:r>
           </a:p>
           <a:p>
             <a:pPr lvl="4"/>
             <a:r>
-              <a:rPr lang="en-US" smtClean="0"/>
+              <a:rPr lang="en-US"/>
               <a:t>Fifth level</a:t>
             </a:r>
-            <a:endParaRPr lang="en-US"/>
           </a:p>
         </p:txBody>
       </p:sp>
@@ -6746,7 +6647,7 @@
           <a:p>
             <a:pPr lvl="0"/>
             <a:r>
-              <a:rPr lang="en-US" smtClean="0"/>
+              <a:rPr lang="en-US"/>
               <a:t>Edit Master text styles</a:t>
             </a:r>
           </a:p>
@@ -6802,38 +6703,37 @@
           <a:p>
             <a:pPr lvl="0"/>
             <a:r>
-              <a:rPr lang="en-US" smtClean="0"/>
+              <a:rPr lang="en-US"/>
               <a:t>Edit Master text styles</a:t>
             </a:r>
           </a:p>
           <a:p>
             <a:pPr lvl="1"/>
             <a:r>
-              <a:rPr lang="en-US" smtClean="0"/>
+              <a:rPr lang="en-US"/>
               <a:t>Second level</a:t>
             </a:r>
           </a:p>
           <a:p>
             <a:pPr lvl="2"/>
             <a:r>
-              <a:rPr lang="en-US" smtClean="0"/>
+              <a:rPr lang="en-US"/>
               <a:t>Third level</a:t>
             </a:r>
           </a:p>
           <a:p>
             <a:pPr lvl="3"/>
             <a:r>
-              <a:rPr lang="en-US" smtClean="0"/>
+              <a:rPr lang="en-US"/>
               <a:t>Fourth level</a:t>
             </a:r>
           </a:p>
           <a:p>
             <a:pPr lvl="4"/>
             <a:r>
-              <a:rPr lang="en-US" smtClean="0"/>
+              <a:rPr lang="en-US"/>
               <a:t>Fifth level</a:t>
             </a:r>
-            <a:endParaRPr lang="en-US"/>
           </a:p>
         </p:txBody>
       </p:sp>
@@ -6854,7 +6754,7 @@
           <a:p>
             <a:fld id="{E6DBD937-36D5-440B-91A0-6786F6EDBFCD}" type="datetime1">
               <a:rPr lang="en-US" smtClean="0"/>
-              <a:t>6/22/2020</a:t>
+              <a:t>6/23/2020</a:t>
             </a:fld>
             <a:endParaRPr lang="en-US"/>
           </a:p>
@@ -6963,10 +6863,9 @@
           <a:lstStyle/>
           <a:p>
             <a:r>
-              <a:rPr lang="en-US" smtClean="0"/>
+              <a:rPr lang="en-US"/>
               <a:t>Click to edit Master title style</a:t>
             </a:r>
-            <a:endParaRPr lang="en-US"/>
           </a:p>
         </p:txBody>
       </p:sp>
@@ -6987,7 +6886,7 @@
           <a:p>
             <a:fld id="{E1AD020A-2292-4331-AC54-713AADF8BC0C}" type="datetime1">
               <a:rPr lang="en-US" smtClean="0"/>
-              <a:t>6/22/2020</a:t>
+              <a:t>6/23/2020</a:t>
             </a:fld>
             <a:endParaRPr lang="en-US"/>
           </a:p>
@@ -7097,7 +6996,7 @@
           <a:p>
             <a:fld id="{FC19A559-F34C-48D0-A2A2-37B0B078BBAB}" type="datetime1">
               <a:rPr lang="en-US" smtClean="0"/>
-              <a:t>6/22/2020</a:t>
+              <a:t>6/23/2020</a:t>
             </a:fld>
             <a:endParaRPr lang="en-US"/>
           </a:p>
@@ -7215,10 +7114,9 @@
           </a:lstStyle>
           <a:p>
             <a:r>
-              <a:rPr lang="en-US" smtClean="0"/>
+              <a:rPr lang="en-US"/>
               <a:t>Click to edit Master title style</a:t>
             </a:r>
-            <a:endParaRPr lang="en-US"/>
           </a:p>
         </p:txBody>
       </p:sp>
@@ -7272,38 +7170,37 @@
           <a:p>
             <a:pPr lvl="0"/>
             <a:r>
-              <a:rPr lang="en-US" smtClean="0"/>
+              <a:rPr lang="en-US"/>
               <a:t>Edit Master text styles</a:t>
             </a:r>
           </a:p>
           <a:p>
             <a:pPr lvl="1"/>
             <a:r>
-              <a:rPr lang="en-US" smtClean="0"/>
+              <a:rPr lang="en-US"/>
               <a:t>Second level</a:t>
             </a:r>
           </a:p>
           <a:p>
             <a:pPr lvl="2"/>
             <a:r>
-              <a:rPr lang="en-US" smtClean="0"/>
+              <a:rPr lang="en-US"/>
               <a:t>Third level</a:t>
             </a:r>
           </a:p>
           <a:p>
             <a:pPr lvl="3"/>
             <a:r>
-              <a:rPr lang="en-US" smtClean="0"/>
+              <a:rPr lang="en-US"/>
               <a:t>Fourth level</a:t>
             </a:r>
           </a:p>
           <a:p>
             <a:pPr lvl="4"/>
             <a:r>
-              <a:rPr lang="en-US" smtClean="0"/>
+              <a:rPr lang="en-US"/>
               <a:t>Fifth level</a:t>
             </a:r>
-            <a:endParaRPr lang="en-US"/>
           </a:p>
         </p:txBody>
       </p:sp>
@@ -7366,7 +7263,7 @@
           <a:p>
             <a:pPr lvl="0"/>
             <a:r>
-              <a:rPr lang="en-US" smtClean="0"/>
+              <a:rPr lang="en-US"/>
               <a:t>Edit Master text styles</a:t>
             </a:r>
           </a:p>
@@ -7389,7 +7286,7 @@
           <a:p>
             <a:fld id="{3F9AB5B2-44EC-4F73-968D-750C1952CA62}" type="datetime1">
               <a:rPr lang="en-US" smtClean="0"/>
-              <a:t>6/22/2020</a:t>
+              <a:t>6/23/2020</a:t>
             </a:fld>
             <a:endParaRPr lang="en-US"/>
           </a:p>
@@ -7507,10 +7404,9 @@
           </a:lstStyle>
           <a:p>
             <a:r>
-              <a:rPr lang="en-US" smtClean="0"/>
+              <a:rPr lang="en-US"/>
               <a:t>Click to edit Master title style</a:t>
             </a:r>
-            <a:endParaRPr lang="en-US"/>
           </a:p>
         </p:txBody>
       </p:sp>
@@ -7572,10 +7468,9 @@
           </a:lstStyle>
           <a:p>
             <a:r>
-              <a:rPr lang="en-US" smtClean="0"/>
+              <a:rPr lang="en-US"/>
               <a:t>Click icon to add picture</a:t>
             </a:r>
-            <a:endParaRPr lang="en-US"/>
           </a:p>
         </p:txBody>
       </p:sp>
@@ -7638,7 +7533,7 @@
           <a:p>
             <a:pPr lvl="0"/>
             <a:r>
-              <a:rPr lang="en-US" smtClean="0"/>
+              <a:rPr lang="en-US"/>
               <a:t>Edit Master text styles</a:t>
             </a:r>
           </a:p>
@@ -7661,7 +7556,7 @@
           <a:p>
             <a:fld id="{0F3D9984-D554-4F72-BAB6-CB2CCA8D58F4}" type="datetime1">
               <a:rPr lang="en-US" smtClean="0"/>
-              <a:t>6/22/2020</a:t>
+              <a:t>6/23/2020</a:t>
             </a:fld>
             <a:endParaRPr lang="en-US"/>
           </a:p>
@@ -7801,7 +7696,7 @@
           <a:lstStyle/>
           <a:p>
             <a:r>
-              <a:rPr lang="en-US" smtClean="0"/>
+              <a:rPr lang="en-US"/>
               <a:t>Click to edit Master title style</a:t>
             </a:r>
             <a:endParaRPr lang="en-US" dirty="0"/>
@@ -7842,35 +7737,35 @@
           <a:p>
             <a:pPr lvl="0"/>
             <a:r>
-              <a:rPr lang="en-US" smtClean="0"/>
+              <a:rPr lang="en-US"/>
               <a:t>Edit Master text styles</a:t>
             </a:r>
           </a:p>
           <a:p>
             <a:pPr lvl="1"/>
             <a:r>
-              <a:rPr lang="en-US" smtClean="0"/>
+              <a:rPr lang="en-US"/>
               <a:t>Second level</a:t>
             </a:r>
           </a:p>
           <a:p>
             <a:pPr lvl="2"/>
             <a:r>
-              <a:rPr lang="en-US" smtClean="0"/>
+              <a:rPr lang="en-US"/>
               <a:t>Third level</a:t>
             </a:r>
           </a:p>
           <a:p>
             <a:pPr lvl="3"/>
             <a:r>
-              <a:rPr lang="en-US" smtClean="0"/>
+              <a:rPr lang="en-US"/>
               <a:t>Fourth level</a:t>
             </a:r>
           </a:p>
           <a:p>
             <a:pPr lvl="4"/>
             <a:r>
-              <a:rPr lang="en-US" smtClean="0"/>
+              <a:rPr lang="en-US"/>
               <a:t>Fifth level</a:t>
             </a:r>
             <a:endParaRPr lang="en-US" dirty="0"/>
@@ -7911,7 +7806,7 @@
             <a:fld id="{ABCC73E2-E386-4A38-B838-238D9BA645F8}" type="datetime1">
               <a:rPr lang="en-US" smtClean="0"/>
               <a:pPr/>
-              <a:t>6/22/2020</a:t>
+              <a:t>6/23/2020</a:t>
             </a:fld>
             <a:endParaRPr lang="en-US" dirty="0"/>
           </a:p>
@@ -8398,10 +8293,9 @@
           <a:lstStyle/>
           <a:p>
             <a:r>
-              <a:rPr lang="en-US" dirty="0" smtClean="0"/>
+              <a:rPr lang="en-US" dirty="0"/>
               <a:t>Spotify Data Analysis</a:t>
             </a:r>
-            <a:endParaRPr lang="en-US" dirty="0"/>
           </a:p>
         </p:txBody>
       </p:sp>
@@ -8421,17 +8315,47 @@
           <a:lstStyle/>
           <a:p>
             <a:r>
-              <a:rPr lang="en-US" dirty="0" err="1" smtClean="0"/>
-              <a:t>Deepika</a:t>
-            </a:r>
-            <a:r>
-              <a:rPr lang="en-US" dirty="0" smtClean="0"/>
-              <a:t>, Maria, Tanner</a:t>
+              <a:rPr lang="en-US" dirty="0"/>
+              <a:t>Deepika Awasthi, Maria Lara, Tanner </a:t>
+            </a:r>
+            <a:r>
+              <a:rPr lang="en-US" dirty="0" err="1"/>
+              <a:t>Lievois</a:t>
             </a:r>
             <a:endParaRPr lang="en-US" dirty="0"/>
           </a:p>
         </p:txBody>
       </p:sp>
+      <p:pic>
+        <p:nvPicPr>
+          <p:cNvPr id="9" name="Picture 8" descr="A close up of a logo&#10;&#10;Description automatically generated">
+            <a:extLst>
+              <a:ext uri="{FF2B5EF4-FFF2-40B4-BE49-F238E27FC236}">
+                <a16:creationId xmlns:a16="http://schemas.microsoft.com/office/drawing/2014/main" id="{CF1289AC-D153-423A-8655-49FE90193DAD}"/>
+              </a:ext>
+            </a:extLst>
+          </p:cNvPr>
+          <p:cNvPicPr>
+            <a:picLocks noChangeAspect="1"/>
+          </p:cNvPicPr>
+          <p:nvPr/>
+        </p:nvPicPr>
+        <p:blipFill>
+          <a:blip r:embed="rId3"/>
+          <a:stretch>
+            <a:fillRect/>
+          </a:stretch>
+        </p:blipFill>
+        <p:spPr>
+          <a:xfrm>
+            <a:off x="10386844" y="202361"/>
+            <a:ext cx="1608261" cy="482070"/>
+          </a:xfrm>
+          <a:prstGeom prst="rect">
+            <a:avLst/>
+          </a:prstGeom>
+        </p:spPr>
+      </p:pic>
     </p:spTree>
     <p:extLst>
       <p:ext uri="{BB962C8B-B14F-4D97-AF65-F5344CB8AC3E}">
@@ -8454,13 +8378,123 @@
       </p:transition>
     </mc:Fallback>
   </mc:AlternateContent>
-  <p:timing>
-    <p:tnLst>
-      <p:par>
-        <p:cTn id="1" dur="indefinite" restart="never" nodeType="tmRoot"/>
-      </p:par>
-    </p:tnLst>
-  </p:timing>
+</p:sld>
+</file>
+
+<file path=ppt/slides/slide10.xml><?xml version="1.0" encoding="utf-8"?>
+<p:sld xmlns:a="http://schemas.openxmlformats.org/drawingml/2006/main" xmlns:r="http://schemas.openxmlformats.org/officeDocument/2006/relationships" xmlns:p="http://schemas.openxmlformats.org/presentationml/2006/main">
+  <p:cSld>
+    <p:spTree>
+      <p:nvGrpSpPr>
+        <p:cNvPr id="1" name=""/>
+        <p:cNvGrpSpPr/>
+        <p:nvPr/>
+      </p:nvGrpSpPr>
+      <p:grpSpPr>
+        <a:xfrm>
+          <a:off x="0" y="0"/>
+          <a:ext cx="0" cy="0"/>
+          <a:chOff x="0" y="0"/>
+          <a:chExt cx="0" cy="0"/>
+        </a:xfrm>
+      </p:grpSpPr>
+      <p:sp>
+        <p:nvSpPr>
+          <p:cNvPr id="2" name="Title 1"/>
+          <p:cNvSpPr>
+            <a:spLocks noGrp="1"/>
+          </p:cNvSpPr>
+          <p:nvPr>
+            <p:ph type="title"/>
+          </p:nvPr>
+        </p:nvSpPr>
+        <p:spPr/>
+        <p:txBody>
+          <a:bodyPr/>
+          <a:lstStyle/>
+          <a:p>
+            <a:r>
+              <a:rPr lang="en-US" dirty="0"/>
+              <a:t>Post Mortem</a:t>
+            </a:r>
+          </a:p>
+        </p:txBody>
+      </p:sp>
+      <p:graphicFrame>
+        <p:nvGraphicFramePr>
+          <p:cNvPr id="9" name="Content Placeholder 8" descr="Cycle Matrix diagram showing four groups in a pie shape with tasks in bullet points coming out of each group"/>
+          <p:cNvGraphicFramePr>
+            <a:graphicFrameLocks noGrp="1"/>
+          </p:cNvGraphicFramePr>
+          <p:nvPr>
+            <p:ph sz="half" idx="2"/>
+            <p:extLst>
+              <p:ext uri="{D42A27DB-BD31-4B8C-83A1-F6EECF244321}">
+                <p14:modId xmlns:p14="http://schemas.microsoft.com/office/powerpoint/2010/main" val="3167353494"/>
+              </p:ext>
+            </p:extLst>
+          </p:nvPr>
+        </p:nvGraphicFramePr>
+        <p:xfrm>
+          <a:off x="6172200" y="1825625"/>
+          <a:ext cx="5181600" cy="4351338"/>
+        </p:xfrm>
+        <a:graphic>
+          <a:graphicData uri="http://schemas.openxmlformats.org/drawingml/2006/diagram">
+            <dgm:relIds xmlns:dgm="http://schemas.openxmlformats.org/drawingml/2006/diagram" xmlns:r="http://schemas.openxmlformats.org/officeDocument/2006/relationships" r:dm="rId2" r:lo="rId3" r:qs="rId4" r:cs="rId5"/>
+          </a:graphicData>
+        </a:graphic>
+      </p:graphicFrame>
+      <p:sp>
+        <p:nvSpPr>
+          <p:cNvPr id="10" name="Content Placeholder 9"/>
+          <p:cNvSpPr>
+            <a:spLocks noGrp="1"/>
+          </p:cNvSpPr>
+          <p:nvPr>
+            <p:ph sz="half" idx="1"/>
+          </p:nvPr>
+        </p:nvSpPr>
+        <p:spPr/>
+        <p:txBody>
+          <a:bodyPr/>
+          <a:lstStyle/>
+          <a:p>
+            <a:r>
+              <a:rPr lang="en-US" dirty="0"/>
+              <a:t>Discuss any difficulties that arose, and how you dealt with them</a:t>
+            </a:r>
+          </a:p>
+          <a:p>
+            <a:r>
+              <a:rPr lang="en-US" dirty="0"/>
+              <a:t>Discuss any additional questions that came up, but which you didn't have time to answer: What would you research next, if you had two more weeks?</a:t>
+            </a:r>
+          </a:p>
+        </p:txBody>
+      </p:sp>
+    </p:spTree>
+    <p:extLst>
+      <p:ext uri="{BB962C8B-B14F-4D97-AF65-F5344CB8AC3E}">
+        <p14:creationId xmlns:p14="http://schemas.microsoft.com/office/powerpoint/2010/main" val="2025100519"/>
+      </p:ext>
+    </p:extLst>
+  </p:cSld>
+  <p:clrMapOvr>
+    <a:masterClrMapping/>
+  </p:clrMapOvr>
+  <mc:AlternateContent xmlns:mc="http://schemas.openxmlformats.org/markup-compatibility/2006" xmlns:p14="http://schemas.microsoft.com/office/powerpoint/2010/main">
+    <mc:Choice Requires="p14">
+      <p:transition spd="med" p14:dur="700">
+        <p:fade/>
+      </p:transition>
+    </mc:Choice>
+    <mc:Fallback xmlns="">
+      <p:transition spd="med">
+        <p:fade/>
+      </p:transition>
+    </mc:Fallback>
+  </mc:AlternateContent>
 </p:sld>
 </file>
 
@@ -8491,16 +8525,20 @@
             <p:ph type="title"/>
           </p:nvPr>
         </p:nvSpPr>
-        <p:spPr/>
+        <p:spPr>
+          <a:xfrm>
+            <a:off x="838200" y="793940"/>
+            <a:ext cx="10515600" cy="896748"/>
+          </a:xfrm>
+        </p:spPr>
         <p:txBody>
           <a:bodyPr/>
           <a:lstStyle/>
           <a:p>
             <a:r>
-              <a:rPr lang="en-US" dirty="0" smtClean="0"/>
+              <a:rPr lang="en-US" dirty="0"/>
               <a:t>Summary</a:t>
             </a:r>
-            <a:endParaRPr lang="en-US" dirty="0"/>
           </a:p>
         </p:txBody>
       </p:sp>
@@ -8521,7 +8559,15 @@
           <a:p>
             <a:r>
               <a:rPr lang="en-US" dirty="0"/>
-              <a:t>Artist popularity</a:t>
+              <a:t>How </a:t>
+            </a:r>
+            <a:r>
+              <a:rPr lang="en-US" b="1" dirty="0"/>
+              <a:t>Artists Popularity </a:t>
+            </a:r>
+            <a:r>
+              <a:rPr lang="en-US" dirty="0"/>
+              <a:t>is defined?</a:t>
             </a:r>
           </a:p>
           <a:p>
@@ -8541,17 +8587,20 @@
           <a:p>
             <a:pPr lvl="1"/>
             <a:r>
-              <a:rPr lang="en-US" dirty="0" smtClean="0"/>
-              <a:t>Total Songs </a:t>
-            </a:r>
-            <a:r>
               <a:rPr lang="en-US" dirty="0"/>
-              <a:t>released in a Year </a:t>
-            </a:r>
-          </a:p>
-          <a:p>
-            <a:r>
-              <a:rPr lang="en-US" dirty="0" smtClean="0"/>
+              <a:t>Artists Followers</a:t>
+            </a:r>
+          </a:p>
+          <a:p>
+            <a:pPr lvl="1"/>
+            <a:r>
+              <a:rPr lang="en-US" dirty="0"/>
+              <a:t>Total Songs released in a Year </a:t>
+            </a:r>
+          </a:p>
+          <a:p>
+            <a:r>
+              <a:rPr lang="en-US" dirty="0"/>
               <a:t>Findings</a:t>
             </a:r>
           </a:p>
@@ -8583,8 +8632,38 @@
         </p:blipFill>
         <p:spPr>
           <a:xfrm>
-            <a:off x="1677784" y="4207672"/>
+            <a:off x="1371159" y="4629282"/>
             <a:ext cx="1331422" cy="1331422"/>
+          </a:xfrm>
+          <a:prstGeom prst="rect">
+            <a:avLst/>
+          </a:prstGeom>
+        </p:spPr>
+      </p:pic>
+      <p:pic>
+        <p:nvPicPr>
+          <p:cNvPr id="6" name="Picture 5" descr="A close up of a logo&#10;&#10;Description automatically generated">
+            <a:extLst>
+              <a:ext uri="{FF2B5EF4-FFF2-40B4-BE49-F238E27FC236}">
+                <a16:creationId xmlns:a16="http://schemas.microsoft.com/office/drawing/2014/main" id="{69858717-B2E9-433D-9585-7AB52AD206BE}"/>
+              </a:ext>
+            </a:extLst>
+          </p:cNvPr>
+          <p:cNvPicPr>
+            <a:picLocks noChangeAspect="1"/>
+          </p:cNvPicPr>
+          <p:nvPr/>
+        </p:nvPicPr>
+        <p:blipFill>
+          <a:blip r:embed="rId3"/>
+          <a:stretch>
+            <a:fillRect/>
+          </a:stretch>
+        </p:blipFill>
+        <p:spPr>
+          <a:xfrm>
+            <a:off x="10052842" y="930465"/>
+            <a:ext cx="1040377" cy="311849"/>
           </a:xfrm>
           <a:prstGeom prst="rect">
             <a:avLst/>
@@ -8613,17 +8692,276 @@
       </p:transition>
     </mc:Fallback>
   </mc:AlternateContent>
-  <p:timing>
-    <p:tnLst>
-      <p:par>
-        <p:cTn id="1" dur="indefinite" restart="never" nodeType="tmRoot"/>
-      </p:par>
-    </p:tnLst>
-  </p:timing>
 </p:sld>
 </file>
 
 <file path=ppt/slides/slide3.xml><?xml version="1.0" encoding="utf-8"?>
+<p:sld xmlns:a="http://schemas.openxmlformats.org/drawingml/2006/main" xmlns:r="http://schemas.openxmlformats.org/officeDocument/2006/relationships" xmlns:p="http://schemas.openxmlformats.org/presentationml/2006/main">
+  <p:cSld>
+    <p:spTree>
+      <p:nvGrpSpPr>
+        <p:cNvPr id="1" name=""/>
+        <p:cNvGrpSpPr/>
+        <p:nvPr/>
+      </p:nvGrpSpPr>
+      <p:grpSpPr>
+        <a:xfrm>
+          <a:off x="0" y="0"/>
+          <a:ext cx="0" cy="0"/>
+          <a:chOff x="0" y="0"/>
+          <a:chExt cx="0" cy="0"/>
+        </a:xfrm>
+      </p:grpSpPr>
+      <p:sp>
+        <p:nvSpPr>
+          <p:cNvPr id="2" name="Title 1">
+            <a:extLst>
+              <a:ext uri="{FF2B5EF4-FFF2-40B4-BE49-F238E27FC236}">
+                <a16:creationId xmlns:a16="http://schemas.microsoft.com/office/drawing/2014/main" id="{D1464B20-8D6A-4E2C-9429-38F88C35F5BA}"/>
+              </a:ext>
+            </a:extLst>
+          </p:cNvPr>
+          <p:cNvSpPr>
+            <a:spLocks noGrp="1"/>
+          </p:cNvSpPr>
+          <p:nvPr>
+            <p:ph type="title"/>
+          </p:nvPr>
+        </p:nvSpPr>
+        <p:spPr>
+          <a:xfrm>
+            <a:off x="748352" y="848947"/>
+            <a:ext cx="10896143" cy="782738"/>
+          </a:xfrm>
+        </p:spPr>
+        <p:txBody>
+          <a:bodyPr anchor="b">
+            <a:normAutofit/>
+          </a:bodyPr>
+          <a:lstStyle/>
+          <a:p>
+            <a:r>
+              <a:rPr lang="en-US" sz="4400" dirty="0"/>
+              <a:t>Data Clean up &amp; Exploration</a:t>
+            </a:r>
+          </a:p>
+        </p:txBody>
+      </p:sp>
+      <p:pic>
+        <p:nvPicPr>
+          <p:cNvPr id="7" name="Content Placeholder 6">
+            <a:extLst>
+              <a:ext uri="{FF2B5EF4-FFF2-40B4-BE49-F238E27FC236}">
+                <a16:creationId xmlns:a16="http://schemas.microsoft.com/office/drawing/2014/main" id="{E3FDD00E-4514-4ABB-867C-43D46571F4E5}"/>
+              </a:ext>
+            </a:extLst>
+          </p:cNvPr>
+          <p:cNvPicPr>
+            <a:picLocks noGrp="1" noChangeAspect="1"/>
+          </p:cNvPicPr>
+          <p:nvPr>
+            <p:ph idx="1"/>
+          </p:nvPr>
+        </p:nvPicPr>
+        <p:blipFill>
+          <a:blip r:embed="rId2"/>
+          <a:stretch>
+            <a:fillRect/>
+          </a:stretch>
+        </p:blipFill>
+        <p:spPr>
+          <a:xfrm>
+            <a:off x="5550831" y="2211359"/>
+            <a:ext cx="6526185" cy="4290968"/>
+          </a:xfrm>
+          <a:prstGeom prst="rect">
+            <a:avLst/>
+          </a:prstGeom>
+          <a:noFill/>
+        </p:spPr>
+      </p:pic>
+      <p:sp>
+        <p:nvSpPr>
+          <p:cNvPr id="12" name="Text Placeholder 3">
+            <a:extLst>
+              <a:ext uri="{FF2B5EF4-FFF2-40B4-BE49-F238E27FC236}">
+                <a16:creationId xmlns:a16="http://schemas.microsoft.com/office/drawing/2014/main" id="{FAD31DB5-46C5-423C-A875-349A47F48BA1}"/>
+              </a:ext>
+            </a:extLst>
+          </p:cNvPr>
+          <p:cNvSpPr>
+            <a:spLocks noGrp="1"/>
+          </p:cNvSpPr>
+          <p:nvPr>
+            <p:ph type="body" sz="half" idx="2"/>
+          </p:nvPr>
+        </p:nvSpPr>
+        <p:spPr>
+          <a:xfrm>
+            <a:off x="815841" y="2639167"/>
+            <a:ext cx="4363933" cy="2463952"/>
+          </a:xfrm>
+        </p:spPr>
+        <p:txBody>
+          <a:bodyPr>
+            <a:normAutofit lnSpcReduction="10000"/>
+          </a:bodyPr>
+          <a:lstStyle/>
+          <a:p>
+            <a:pPr marL="285750" indent="-285750">
+              <a:buFont typeface="Wingdings" panose="05000000000000000000" pitchFamily="2" charset="2"/>
+              <a:buChar char="§"/>
+            </a:pPr>
+            <a:r>
+              <a:rPr lang="en-US" sz="2000" dirty="0"/>
+              <a:t>Spotify API, </a:t>
+            </a:r>
+            <a:r>
+              <a:rPr lang="en-US" sz="2000" dirty="0" err="1"/>
+              <a:t>Spotypy</a:t>
+            </a:r>
+            <a:r>
+              <a:rPr lang="en-US" sz="2000" dirty="0"/>
+              <a:t> Library.</a:t>
+            </a:r>
+          </a:p>
+          <a:p>
+            <a:pPr marL="285750" indent="-285750">
+              <a:buFont typeface="Wingdings" panose="05000000000000000000" pitchFamily="2" charset="2"/>
+              <a:buChar char="§"/>
+            </a:pPr>
+            <a:r>
+              <a:rPr lang="en-US" sz="2000" dirty="0"/>
+              <a:t>Seeking Artists Names &amp; ID, Tracks ID.</a:t>
+            </a:r>
+          </a:p>
+          <a:p>
+            <a:pPr marL="285750" indent="-285750">
+              <a:buFont typeface="Wingdings" panose="05000000000000000000" pitchFamily="2" charset="2"/>
+              <a:buChar char="§"/>
+            </a:pPr>
+            <a:r>
+              <a:rPr lang="en-US" sz="2000" dirty="0"/>
+              <a:t>Dropping “</a:t>
+            </a:r>
+            <a:r>
+              <a:rPr lang="en-US" sz="2000" dirty="0" err="1"/>
+              <a:t>NaN</a:t>
+            </a:r>
+            <a:r>
+              <a:rPr lang="en-US" sz="2000" dirty="0"/>
+              <a:t>” values.</a:t>
+            </a:r>
+          </a:p>
+          <a:p>
+            <a:pPr marL="285750" indent="-285750">
+              <a:buFont typeface="Wingdings" panose="05000000000000000000" pitchFamily="2" charset="2"/>
+              <a:buChar char="§"/>
+            </a:pPr>
+            <a:r>
+              <a:rPr lang="en-US" sz="2000" dirty="0"/>
+              <a:t>“Popularity &amp; Decade” bins.</a:t>
+            </a:r>
+          </a:p>
+          <a:p>
+            <a:pPr marL="285750" indent="-285750">
+              <a:buFont typeface="Wingdings" panose="05000000000000000000" pitchFamily="2" charset="2"/>
+              <a:buChar char="§"/>
+            </a:pPr>
+            <a:r>
+              <a:rPr lang="en-US" sz="2000" dirty="0"/>
+              <a:t>Filtering/sorting (loc, </a:t>
+            </a:r>
+            <a:r>
+              <a:rPr lang="en-US" sz="2000" dirty="0" err="1"/>
+              <a:t>iloc</a:t>
+            </a:r>
+            <a:r>
+              <a:rPr lang="en-US" sz="2000" dirty="0"/>
+              <a:t>).</a:t>
+            </a:r>
+          </a:p>
+          <a:p>
+            <a:pPr marL="285750" indent="-285750">
+              <a:buFont typeface="Wingdings" panose="05000000000000000000" pitchFamily="2" charset="2"/>
+              <a:buChar char="§"/>
+            </a:pPr>
+            <a:r>
+              <a:rPr lang="en-US" sz="2000" dirty="0"/>
+              <a:t>CSV files.</a:t>
+            </a:r>
+          </a:p>
+          <a:p>
+            <a:pPr marL="285750" indent="-285750">
+              <a:buFont typeface="Wingdings" panose="05000000000000000000" pitchFamily="2" charset="2"/>
+              <a:buChar char="§"/>
+            </a:pPr>
+            <a:endParaRPr lang="en-US" dirty="0"/>
+          </a:p>
+          <a:p>
+            <a:endParaRPr lang="en-US" dirty="0"/>
+          </a:p>
+          <a:p>
+            <a:endParaRPr lang="en-US" dirty="0"/>
+          </a:p>
+        </p:txBody>
+      </p:sp>
+      <p:pic>
+        <p:nvPicPr>
+          <p:cNvPr id="10" name="Picture 9" descr="A close up of a logo&#10;&#10;Description automatically generated">
+            <a:extLst>
+              <a:ext uri="{FF2B5EF4-FFF2-40B4-BE49-F238E27FC236}">
+                <a16:creationId xmlns:a16="http://schemas.microsoft.com/office/drawing/2014/main" id="{D78BA95A-DF1F-43D8-8096-4A865A66C4A2}"/>
+              </a:ext>
+            </a:extLst>
+          </p:cNvPr>
+          <p:cNvPicPr>
+            <a:picLocks noChangeAspect="1"/>
+          </p:cNvPicPr>
+          <p:nvPr/>
+        </p:nvPicPr>
+        <p:blipFill>
+          <a:blip r:embed="rId3"/>
+          <a:stretch>
+            <a:fillRect/>
+          </a:stretch>
+        </p:blipFill>
+        <p:spPr>
+          <a:xfrm>
+            <a:off x="10403271" y="848947"/>
+            <a:ext cx="1040377" cy="311849"/>
+          </a:xfrm>
+          <a:prstGeom prst="rect">
+            <a:avLst/>
+          </a:prstGeom>
+        </p:spPr>
+      </p:pic>
+    </p:spTree>
+    <p:extLst>
+      <p:ext uri="{BB962C8B-B14F-4D97-AF65-F5344CB8AC3E}">
+        <p14:creationId xmlns:p14="http://schemas.microsoft.com/office/powerpoint/2010/main" val="2096145891"/>
+      </p:ext>
+    </p:extLst>
+  </p:cSld>
+  <p:clrMapOvr>
+    <a:masterClrMapping/>
+  </p:clrMapOvr>
+  <mc:AlternateContent xmlns:mc="http://schemas.openxmlformats.org/markup-compatibility/2006" xmlns:p14="http://schemas.microsoft.com/office/powerpoint/2010/main">
+    <mc:Choice Requires="p14">
+      <p:transition spd="med" p14:dur="700">
+        <p:fade/>
+      </p:transition>
+    </mc:Choice>
+    <mc:Fallback xmlns="">
+      <p:transition spd="med">
+        <p:fade/>
+      </p:transition>
+    </mc:Fallback>
+  </mc:AlternateContent>
+</p:sld>
+</file>
+
+<file path=ppt/slides/slide4.xml><?xml version="1.0" encoding="utf-8"?>
 <p:sld xmlns:a="http://schemas.openxmlformats.org/drawingml/2006/main" xmlns:r="http://schemas.openxmlformats.org/officeDocument/2006/relationships" xmlns:p="http://schemas.openxmlformats.org/presentationml/2006/main">
   <p:cSld>
     <p:spTree>
@@ -8650,16 +8988,20 @@
             <p:ph type="title"/>
           </p:nvPr>
         </p:nvSpPr>
-        <p:spPr/>
+        <p:spPr>
+          <a:xfrm>
+            <a:off x="838200" y="777514"/>
+            <a:ext cx="10515600" cy="913174"/>
+          </a:xfrm>
+        </p:spPr>
         <p:txBody>
           <a:bodyPr/>
           <a:lstStyle/>
           <a:p>
             <a:r>
-              <a:rPr lang="en-US" dirty="0" smtClean="0"/>
+              <a:rPr lang="en-US" dirty="0"/>
               <a:t>Data Analysis</a:t>
             </a:r>
-            <a:endParaRPr lang="en-US" dirty="0"/>
           </a:p>
         </p:txBody>
       </p:sp>
@@ -8679,10 +9021,9 @@
           <a:lstStyle/>
           <a:p>
             <a:r>
-              <a:rPr lang="en-US" dirty="0" smtClean="0"/>
-              <a:t>Track Duration Analysis</a:t>
-            </a:r>
-            <a:endParaRPr lang="en-US" dirty="0"/>
+              <a:rPr lang="en-US" dirty="0"/>
+              <a:t>Does track’s duration affect artists popularity?</a:t>
+            </a:r>
           </a:p>
         </p:txBody>
       </p:sp>
@@ -8739,7 +9080,37 @@
         <p:spPr>
           <a:xfrm>
             <a:off x="7051444" y="2443940"/>
-            <a:ext cx="3198149" cy="3067399"/>
+            <a:ext cx="3198149" cy="2911049"/>
+          </a:xfrm>
+          <a:prstGeom prst="rect">
+            <a:avLst/>
+          </a:prstGeom>
+        </p:spPr>
+      </p:pic>
+      <p:pic>
+        <p:nvPicPr>
+          <p:cNvPr id="8" name="Picture 7" descr="A close up of a logo&#10;&#10;Description automatically generated">
+            <a:extLst>
+              <a:ext uri="{FF2B5EF4-FFF2-40B4-BE49-F238E27FC236}">
+                <a16:creationId xmlns:a16="http://schemas.microsoft.com/office/drawing/2014/main" id="{A8463715-823A-4530-BF3D-E12B99E1495B}"/>
+              </a:ext>
+            </a:extLst>
+          </p:cNvPr>
+          <p:cNvPicPr>
+            <a:picLocks noChangeAspect="1"/>
+          </p:cNvPicPr>
+          <p:nvPr/>
+        </p:nvPicPr>
+        <p:blipFill>
+          <a:blip r:embed="rId5"/>
+          <a:stretch>
+            <a:fillRect/>
+          </a:stretch>
+        </p:blipFill>
+        <p:spPr>
+          <a:xfrm>
+            <a:off x="10052842" y="930465"/>
+            <a:ext cx="1040377" cy="311849"/>
           </a:xfrm>
           <a:prstGeom prst="rect">
             <a:avLst/>
@@ -8768,17 +9139,10 @@
       </p:transition>
     </mc:Fallback>
   </mc:AlternateContent>
-  <p:timing>
-    <p:tnLst>
-      <p:par>
-        <p:cTn id="1" dur="indefinite" restart="never" nodeType="tmRoot"/>
-      </p:par>
-    </p:tnLst>
-  </p:timing>
 </p:sld>
 </file>
 
-<file path=ppt/slides/slide4.xml><?xml version="1.0" encoding="utf-8"?>
+<file path=ppt/slides/slide5.xml><?xml version="1.0" encoding="utf-8"?>
 <p:sld xmlns:a="http://schemas.openxmlformats.org/drawingml/2006/main" xmlns:r="http://schemas.openxmlformats.org/officeDocument/2006/relationships" xmlns:p="http://schemas.openxmlformats.org/presentationml/2006/main">
   <p:cSld>
     <p:spTree>
@@ -8805,16 +9169,20 @@
             <p:ph type="title"/>
           </p:nvPr>
         </p:nvSpPr>
-        <p:spPr/>
+        <p:spPr>
+          <a:xfrm>
+            <a:off x="838200" y="733710"/>
+            <a:ext cx="10515600" cy="956978"/>
+          </a:xfrm>
+        </p:spPr>
         <p:txBody>
           <a:bodyPr/>
           <a:lstStyle/>
           <a:p>
             <a:r>
-              <a:rPr lang="en-US" dirty="0" smtClean="0"/>
+              <a:rPr lang="en-US" dirty="0"/>
               <a:t>Data Analysis</a:t>
             </a:r>
-            <a:endParaRPr lang="en-US" dirty="0"/>
           </a:p>
         </p:txBody>
       </p:sp>
@@ -8834,14 +9202,9 @@
           <a:lstStyle/>
           <a:p>
             <a:r>
-              <a:rPr lang="en-US" dirty="0" smtClean="0"/>
-              <a:t>Audio </a:t>
-            </a:r>
-            <a:r>
-              <a:rPr lang="en-US" dirty="0" smtClean="0"/>
-              <a:t>Features analysis</a:t>
-            </a:r>
-            <a:endParaRPr lang="en-US" dirty="0"/>
+              <a:rPr lang="en-US" dirty="0"/>
+              <a:t>Audio Features Analysis</a:t>
+            </a:r>
           </a:p>
         </p:txBody>
       </p:sp>
@@ -8905,6 +9268,36 @@
           </a:prstGeom>
         </p:spPr>
       </p:pic>
+      <p:pic>
+        <p:nvPicPr>
+          <p:cNvPr id="9" name="Picture 8" descr="A close up of a logo&#10;&#10;Description automatically generated">
+            <a:extLst>
+              <a:ext uri="{FF2B5EF4-FFF2-40B4-BE49-F238E27FC236}">
+                <a16:creationId xmlns:a16="http://schemas.microsoft.com/office/drawing/2014/main" id="{BB574A81-F5E0-482E-9217-C1398EF54E8D}"/>
+              </a:ext>
+            </a:extLst>
+          </p:cNvPr>
+          <p:cNvPicPr>
+            <a:picLocks noChangeAspect="1"/>
+          </p:cNvPicPr>
+          <p:nvPr/>
+        </p:nvPicPr>
+        <p:blipFill>
+          <a:blip r:embed="rId5"/>
+          <a:stretch>
+            <a:fillRect/>
+          </a:stretch>
+        </p:blipFill>
+        <p:spPr>
+          <a:xfrm>
+            <a:off x="10052842" y="930465"/>
+            <a:ext cx="1040377" cy="311849"/>
+          </a:xfrm>
+          <a:prstGeom prst="rect">
+            <a:avLst/>
+          </a:prstGeom>
+        </p:spPr>
+      </p:pic>
     </p:spTree>
     <p:extLst>
       <p:ext uri="{BB962C8B-B14F-4D97-AF65-F5344CB8AC3E}">
@@ -8927,17 +9320,10 @@
       </p:transition>
     </mc:Fallback>
   </mc:AlternateContent>
-  <p:timing>
-    <p:tnLst>
-      <p:par>
-        <p:cTn id="1" dur="indefinite" restart="never" nodeType="tmRoot"/>
-      </p:par>
-    </p:tnLst>
-  </p:timing>
 </p:sld>
 </file>
 
-<file path=ppt/slides/slide5.xml><?xml version="1.0" encoding="utf-8"?>
+<file path=ppt/slides/slide6.xml><?xml version="1.0" encoding="utf-8"?>
 <p:sld xmlns:a="http://schemas.openxmlformats.org/drawingml/2006/main" xmlns:r="http://schemas.openxmlformats.org/officeDocument/2006/relationships" xmlns:p="http://schemas.openxmlformats.org/presentationml/2006/main">
   <p:cSld>
     <p:spTree>
@@ -8972,7 +9358,7 @@
         </p:nvSpPr>
         <p:spPr>
           <a:xfrm>
-            <a:off x="125083" y="236746"/>
+            <a:off x="760047" y="403922"/>
             <a:ext cx="10462404" cy="888581"/>
           </a:xfrm>
         </p:spPr>
@@ -9007,8 +9393,8 @@
         </p:nvSpPr>
         <p:spPr>
           <a:xfrm>
-            <a:off x="125083" y="977660"/>
-            <a:ext cx="11228717" cy="5199303"/>
+            <a:off x="769702" y="1398401"/>
+            <a:ext cx="10508239" cy="5155482"/>
           </a:xfrm>
         </p:spPr>
         <p:txBody>
@@ -9035,10 +9421,6 @@
             <a:pPr marL="0" indent="0">
               <a:buNone/>
             </a:pPr>
-            <a:r>
-              <a:rPr lang="en-US" dirty="0"/>
-              <a:t/>
-            </a:r>
             <a:br>
               <a:rPr lang="en-US" dirty="0"/>
             </a:br>
@@ -9068,8 +9450,8 @@
         </p:blipFill>
         <p:spPr>
           <a:xfrm>
-            <a:off x="282862" y="2047335"/>
-            <a:ext cx="4484602" cy="3998635"/>
+            <a:off x="901818" y="2490846"/>
+            <a:ext cx="3865728" cy="3446824"/>
           </a:xfrm>
           <a:prstGeom prst="rect">
             <a:avLst/>
@@ -9104,10 +9486,10 @@
         </p:nvGrpSpPr>
         <p:grpSpPr>
           <a:xfrm>
-            <a:off x="4878234" y="3616193"/>
-            <a:ext cx="2955543" cy="1226734"/>
-            <a:chOff x="4878234" y="3616193"/>
-            <a:chExt cx="2955543" cy="1226734"/>
+            <a:off x="4878234" y="3396876"/>
+            <a:ext cx="2955543" cy="1446051"/>
+            <a:chOff x="4878234" y="3396876"/>
+            <a:chExt cx="2955543" cy="1446051"/>
           </a:xfrm>
         </p:grpSpPr>
         <p:pic>
@@ -9161,15 +9543,11 @@
               <a:avLst/>
             </a:prstGeom>
             <a:solidFill>
-              <a:schemeClr val="bg2">
-                <a:lumMod val="50000"/>
-              </a:schemeClr>
+              <a:schemeClr val="tx1"/>
             </a:solidFill>
             <a:ln>
               <a:solidFill>
-                <a:schemeClr val="bg2">
-                  <a:lumMod val="50000"/>
-                </a:schemeClr>
+                <a:schemeClr val="tx1"/>
               </a:solidFill>
             </a:ln>
           </p:spPr>
@@ -9194,7 +9572,7 @@
             <a:lstStyle/>
             <a:p>
               <a:pPr algn="ctr"/>
-              <a:endParaRPr lang="en-US"/>
+              <a:endParaRPr lang="en-US" dirty="0"/>
             </a:p>
           </p:txBody>
         </p:sp>
@@ -9212,7 +9590,7 @@
           </p:nvSpPr>
           <p:spPr>
             <a:xfrm>
-              <a:off x="5155002" y="3616193"/>
+              <a:off x="5322484" y="3396876"/>
               <a:ext cx="2204082" cy="307777"/>
             </a:xfrm>
             <a:prstGeom prst="rect">
@@ -9248,7 +9626,7 @@
         </p:nvSpPr>
         <p:spPr>
           <a:xfrm>
-            <a:off x="-1" y="6414835"/>
+            <a:off x="769702" y="6061245"/>
             <a:ext cx="7165675" cy="261610"/>
           </a:xfrm>
           <a:prstGeom prst="rect">
@@ -9295,8 +9673,8 @@
         </p:nvGrpSpPr>
         <p:grpSpPr>
           <a:xfrm>
-            <a:off x="7960299" y="1788948"/>
-            <a:ext cx="3907419" cy="4548220"/>
+            <a:off x="7901208" y="2047446"/>
+            <a:ext cx="3104526" cy="4161713"/>
             <a:chOff x="7960299" y="1788948"/>
             <a:chExt cx="3907419" cy="4548220"/>
           </a:xfrm>
@@ -9504,9 +9882,9 @@
         </p:nvGrpSpPr>
         <p:grpSpPr>
           <a:xfrm>
-            <a:off x="7968314" y="1768167"/>
-            <a:ext cx="3915628" cy="4566717"/>
-            <a:chOff x="7960297" y="1770451"/>
+            <a:off x="7901208" y="2042469"/>
+            <a:ext cx="3104526" cy="4155740"/>
+            <a:chOff x="7960298" y="1770451"/>
             <a:chExt cx="3915628" cy="4566717"/>
           </a:xfrm>
         </p:grpSpPr>
@@ -9533,7 +9911,7 @@
           <p:spPr>
             <a:xfrm>
               <a:off x="7960298" y="1770451"/>
-              <a:ext cx="3895444" cy="1986316"/>
+              <a:ext cx="3895444" cy="1986318"/>
             </a:xfrm>
             <a:prstGeom prst="rect">
               <a:avLst/>
@@ -9576,7 +9954,7 @@
           </p:blipFill>
           <p:spPr>
             <a:xfrm>
-              <a:off x="8003393" y="4156996"/>
+              <a:off x="8003394" y="4156996"/>
               <a:ext cx="3872532" cy="2180172"/>
             </a:xfrm>
             <a:prstGeom prst="rect">
@@ -9660,14 +10038,18 @@
           </p:nvSpPr>
           <p:spPr>
             <a:xfrm>
-              <a:off x="7960297" y="3048539"/>
+              <a:off x="7974108" y="3066589"/>
               <a:ext cx="1229711" cy="617299"/>
             </a:xfrm>
             <a:prstGeom prst="rect">
               <a:avLst/>
             </a:prstGeom>
             <a:noFill/>
-            <a:ln w="19050"/>
+            <a:ln w="19050">
+              <a:solidFill>
+                <a:srgbClr val="0070C0"/>
+              </a:solidFill>
+            </a:ln>
           </p:spPr>
           <p:style>
             <a:lnRef idx="2">
@@ -9717,8 +10099,8 @@
         </p:blipFill>
         <p:spPr>
           <a:xfrm>
-            <a:off x="7392982" y="2105273"/>
-            <a:ext cx="4516156" cy="3998635"/>
+            <a:off x="7015878" y="2490845"/>
+            <a:ext cx="3989856" cy="3446824"/>
           </a:xfrm>
           <a:prstGeom prst="rect">
             <a:avLst/>
@@ -9741,10 +10123,10 @@
       </p:pic>
       <p:pic>
         <p:nvPicPr>
-          <p:cNvPr id="28" name="Picture 27">
+          <p:cNvPr id="25" name="Picture 24" descr="A close up of a logo&#10;&#10;Description automatically generated">
             <a:extLst>
               <a:ext uri="{FF2B5EF4-FFF2-40B4-BE49-F238E27FC236}">
-                <a16:creationId xmlns:a16="http://schemas.microsoft.com/office/drawing/2014/main" id="{0BF9F1EF-CC71-4AEB-84FD-0C135C56DB6C}"/>
+                <a16:creationId xmlns:a16="http://schemas.microsoft.com/office/drawing/2014/main" id="{39D04A9C-13A4-489F-9EC9-99C07EE90582}"/>
               </a:ext>
             </a:extLst>
           </p:cNvPr>
@@ -9761,14 +10143,86 @@
         </p:blipFill>
         <p:spPr>
           <a:xfrm>
-            <a:off x="5107553" y="3593760"/>
-            <a:ext cx="3206774" cy="1316850"/>
+            <a:off x="9883103" y="536363"/>
+            <a:ext cx="1040377" cy="311849"/>
           </a:xfrm>
           <a:prstGeom prst="rect">
             <a:avLst/>
           </a:prstGeom>
         </p:spPr>
       </p:pic>
+      <p:sp>
+        <p:nvSpPr>
+          <p:cNvPr id="5" name="TextBox 4">
+            <a:extLst>
+              <a:ext uri="{FF2B5EF4-FFF2-40B4-BE49-F238E27FC236}">
+                <a16:creationId xmlns:a16="http://schemas.microsoft.com/office/drawing/2014/main" id="{4CD1E694-AD76-44D6-8C0F-523DF9300B00}"/>
+              </a:ext>
+            </a:extLst>
+          </p:cNvPr>
+          <p:cNvSpPr txBox="1"/>
+          <p:nvPr/>
+        </p:nvSpPr>
+        <p:spPr>
+          <a:xfrm>
+            <a:off x="4819659" y="3704653"/>
+            <a:ext cx="2343179" cy="1077218"/>
+          </a:xfrm>
+          <a:prstGeom prst="rect">
+            <a:avLst/>
+          </a:prstGeom>
+          <a:noFill/>
+          <a:ln>
+            <a:noFill/>
+          </a:ln>
+        </p:spPr>
+        <p:txBody>
+          <a:bodyPr wrap="square" rtlCol="0" anchor="ctr" anchorCtr="1">
+            <a:spAutoFit/>
+          </a:bodyPr>
+          <a:lstStyle/>
+          <a:p>
+            <a:pPr marL="285750" indent="-285750">
+              <a:buFont typeface="Arial" panose="020B0604020202020204" pitchFamily="34" charset="0"/>
+              <a:buChar char="•"/>
+            </a:pPr>
+            <a:r>
+              <a:rPr lang="en-US" sz="1600" dirty="0"/>
+              <a:t>Instrumentalness</a:t>
+            </a:r>
+          </a:p>
+          <a:p>
+            <a:pPr marL="285750" indent="-285750">
+              <a:buFont typeface="Arial" panose="020B0604020202020204" pitchFamily="34" charset="0"/>
+              <a:buChar char="•"/>
+            </a:pPr>
+            <a:r>
+              <a:rPr lang="en-US" sz="1600" dirty="0"/>
+              <a:t>Loudness</a:t>
+            </a:r>
+          </a:p>
+          <a:p>
+            <a:pPr marL="285750" indent="-285750">
+              <a:buFont typeface="Arial" panose="020B0604020202020204" pitchFamily="34" charset="0"/>
+              <a:buChar char="•"/>
+            </a:pPr>
+            <a:r>
+              <a:rPr lang="en-US" sz="1600" dirty="0"/>
+              <a:t>Danceability</a:t>
+            </a:r>
+          </a:p>
+          <a:p>
+            <a:pPr marL="285750" indent="-285750">
+              <a:buFont typeface="Arial" panose="020B0604020202020204" pitchFamily="34" charset="0"/>
+              <a:buChar char="•"/>
+            </a:pPr>
+            <a:r>
+              <a:rPr lang="en-US" sz="1600" dirty="0"/>
+              <a:t>Energy</a:t>
+            </a:r>
+          </a:p>
+        </p:txBody>
+      </p:sp>
     </p:spTree>
     <p:extLst>
       <p:ext uri="{BB962C8B-B14F-4D97-AF65-F5344CB8AC3E}">
@@ -9839,7 +10293,7 @@
                                 </p:cTn>
                               </p:par>
                               <p:par>
-                                <p:cTn id="7" presetID="1" presetClass="exit" presetSubtype="0" fill="hold" nodeType="withEffect">
+                                <p:cTn id="7" presetID="1" presetClass="exit" presetSubtype="0" fill="hold" grpId="0" nodeType="withEffect">
                                   <p:stCondLst>
                                     <p:cond delay="0"/>
                                   </p:stCondLst>
@@ -9852,7 +10306,7 @@
                                           </p:stCondLst>
                                         </p:cTn>
                                         <p:tgtEl>
-                                          <p:spTgt spid="28"/>
+                                          <p:spTgt spid="5"/>
                                         </p:tgtEl>
                                         <p:attrNameLst>
                                           <p:attrName>style.visibility</p:attrName>
@@ -10045,11 +10499,14 @@
         </p:cTn>
       </p:par>
     </p:tnLst>
+    <p:bldLst>
+      <p:bldP spid="5" grpId="0"/>
+    </p:bldLst>
   </p:timing>
 </p:sld>
 </file>
 
-<file path=ppt/slides/slide6.xml><?xml version="1.0" encoding="utf-8"?>
+<file path=ppt/slides/slide7.xml><?xml version="1.0" encoding="utf-8"?>
 <p:sld xmlns:a="http://schemas.openxmlformats.org/drawingml/2006/main" xmlns:r="http://schemas.openxmlformats.org/officeDocument/2006/relationships" xmlns:p="http://schemas.openxmlformats.org/presentationml/2006/main">
   <p:cSld>
     <p:spTree>
@@ -10084,8 +10541,8 @@
         </p:nvSpPr>
         <p:spPr>
           <a:xfrm>
-            <a:off x="125083" y="236746"/>
-            <a:ext cx="10462404" cy="888581"/>
+            <a:off x="481641" y="346116"/>
+            <a:ext cx="11228716" cy="888581"/>
           </a:xfrm>
         </p:spPr>
         <p:txBody>
@@ -10119,7 +10576,7 @@
         </p:nvSpPr>
         <p:spPr>
           <a:xfrm>
-            <a:off x="125083" y="977660"/>
+            <a:off x="481641" y="1360941"/>
             <a:ext cx="11228717" cy="5199303"/>
           </a:xfrm>
         </p:spPr>
@@ -10146,10 +10603,6 @@
             <a:pPr marL="0" indent="0">
               <a:buNone/>
             </a:pPr>
-            <a:r>
-              <a:rPr lang="en-US" dirty="0"/>
-              <a:t/>
-            </a:r>
             <a:br>
               <a:rPr lang="en-US" dirty="0"/>
             </a:br>
@@ -10179,7 +10632,7 @@
         </p:blipFill>
         <p:spPr>
           <a:xfrm>
-            <a:off x="602412" y="2030084"/>
+            <a:off x="832098" y="2385989"/>
             <a:ext cx="5048609" cy="3590008"/>
           </a:xfrm>
           <a:prstGeom prst="rect">
@@ -10223,7 +10676,7 @@
         </p:blipFill>
         <p:spPr>
           <a:xfrm>
-            <a:off x="6311294" y="2063134"/>
+            <a:off x="6095999" y="2401076"/>
             <a:ext cx="5295186" cy="3559833"/>
           </a:xfrm>
           <a:prstGeom prst="rect">
@@ -10243,6 +10696,36 @@
               </a:prstClr>
             </a:outerShdw>
           </a:effectLst>
+        </p:spPr>
+      </p:pic>
+      <p:pic>
+        <p:nvPicPr>
+          <p:cNvPr id="6" name="Picture 5" descr="A close up of a logo&#10;&#10;Description automatically generated">
+            <a:extLst>
+              <a:ext uri="{FF2B5EF4-FFF2-40B4-BE49-F238E27FC236}">
+                <a16:creationId xmlns:a16="http://schemas.microsoft.com/office/drawing/2014/main" id="{9DB858EA-B818-4FB8-9642-21D52C7DE3E7}"/>
+              </a:ext>
+            </a:extLst>
+          </p:cNvPr>
+          <p:cNvPicPr>
+            <a:picLocks noChangeAspect="1"/>
+          </p:cNvPicPr>
+          <p:nvPr/>
+        </p:nvPicPr>
+        <p:blipFill>
+          <a:blip r:embed="rId4"/>
+          <a:stretch>
+            <a:fillRect/>
+          </a:stretch>
+        </p:blipFill>
+        <p:spPr>
+          <a:xfrm>
+            <a:off x="10518256" y="478557"/>
+            <a:ext cx="1040377" cy="311849"/>
+          </a:xfrm>
+          <a:prstGeom prst="rect">
+            <a:avLst/>
+          </a:prstGeom>
         </p:spPr>
       </p:pic>
     </p:spTree>
@@ -10267,17 +10750,10 @@
       </p:transition>
     </mc:Fallback>
   </mc:AlternateContent>
-  <p:timing>
-    <p:tnLst>
-      <p:par>
-        <p:cTn id="1" dur="indefinite" restart="never" nodeType="tmRoot"/>
-      </p:par>
-    </p:tnLst>
-  </p:timing>
 </p:sld>
 </file>
 
-<file path=ppt/slides/slide7.xml><?xml version="1.0" encoding="utf-8"?>
+<file path=ppt/slides/slide8.xml><?xml version="1.0" encoding="utf-8"?>
 <p:sld xmlns:a="http://schemas.openxmlformats.org/drawingml/2006/main" xmlns:r="http://schemas.openxmlformats.org/officeDocument/2006/relationships" xmlns:p="http://schemas.openxmlformats.org/presentationml/2006/main">
   <p:cSld>
     <p:spTree>
@@ -10312,8 +10788,8 @@
         </p:nvSpPr>
         <p:spPr>
           <a:xfrm>
-            <a:off x="125083" y="236746"/>
-            <a:ext cx="10462404" cy="888581"/>
+            <a:off x="481641" y="291577"/>
+            <a:ext cx="11228716" cy="888581"/>
           </a:xfrm>
         </p:spPr>
         <p:txBody>
@@ -10347,7 +10823,7 @@
         </p:nvSpPr>
         <p:spPr>
           <a:xfrm>
-            <a:off x="125083" y="977660"/>
+            <a:off x="481641" y="1306187"/>
             <a:ext cx="11228717" cy="5199303"/>
           </a:xfrm>
         </p:spPr>
@@ -10374,10 +10850,6 @@
             <a:pPr marL="0" indent="0">
               <a:buNone/>
             </a:pPr>
-            <a:r>
-              <a:rPr lang="en-US" dirty="0"/>
-              <a:t/>
-            </a:r>
             <a:br>
               <a:rPr lang="en-US" dirty="0"/>
             </a:br>
@@ -10407,7 +10879,7 @@
         </p:blipFill>
         <p:spPr>
           <a:xfrm>
-            <a:off x="1911927" y="1756546"/>
+            <a:off x="1906452" y="1788727"/>
             <a:ext cx="8112086" cy="4568053"/>
           </a:xfrm>
           <a:prstGeom prst="rect">
@@ -10427,6 +10899,36 @@
               </a:prstClr>
             </a:outerShdw>
           </a:effectLst>
+        </p:spPr>
+      </p:pic>
+      <p:pic>
+        <p:nvPicPr>
+          <p:cNvPr id="5" name="Picture 4" descr="A close up of a logo&#10;&#10;Description automatically generated">
+            <a:extLst>
+              <a:ext uri="{FF2B5EF4-FFF2-40B4-BE49-F238E27FC236}">
+                <a16:creationId xmlns:a16="http://schemas.microsoft.com/office/drawing/2014/main" id="{CACD2D4E-80C9-4ED7-BAD9-A2589AD364DB}"/>
+              </a:ext>
+            </a:extLst>
+          </p:cNvPr>
+          <p:cNvPicPr>
+            <a:picLocks noChangeAspect="1"/>
+          </p:cNvPicPr>
+          <p:nvPr/>
+        </p:nvPicPr>
+        <p:blipFill>
+          <a:blip r:embed="rId3"/>
+          <a:stretch>
+            <a:fillRect/>
+          </a:stretch>
+        </p:blipFill>
+        <p:spPr>
+          <a:xfrm>
+            <a:off x="10414221" y="503380"/>
+            <a:ext cx="1040377" cy="311849"/>
+          </a:xfrm>
+          <a:prstGeom prst="rect">
+            <a:avLst/>
+          </a:prstGeom>
         </p:spPr>
       </p:pic>
     </p:spTree>
@@ -10451,17 +10953,10 @@
       </p:transition>
     </mc:Fallback>
   </mc:AlternateContent>
-  <p:timing>
-    <p:tnLst>
-      <p:par>
-        <p:cTn id="1" dur="indefinite" restart="never" nodeType="tmRoot"/>
-      </p:par>
-    </p:tnLst>
-  </p:timing>
 </p:sld>
 </file>
 
-<file path=ppt/slides/slide8.xml><?xml version="1.0" encoding="utf-8"?>
+<file path=ppt/slides/slide9.xml><?xml version="1.0" encoding="utf-8"?>
 <p:sld xmlns:a="http://schemas.openxmlformats.org/drawingml/2006/main" xmlns:r="http://schemas.openxmlformats.org/officeDocument/2006/relationships" xmlns:p="http://schemas.openxmlformats.org/presentationml/2006/main">
   <p:cSld>
     <p:spTree>
@@ -10494,10 +10989,9 @@
           <a:lstStyle/>
           <a:p>
             <a:r>
-              <a:rPr lang="en-US" dirty="0" smtClean="0"/>
+              <a:rPr lang="en-US" dirty="0"/>
               <a:t>Discussion</a:t>
             </a:r>
-            <a:endParaRPr lang="en-US" dirty="0"/>
           </a:p>
         </p:txBody>
       </p:sp>
@@ -10517,20 +11011,64 @@
           <a:lstStyle/>
           <a:p>
             <a:r>
-              <a:rPr lang="en-US" dirty="0" smtClean="0"/>
+              <a:rPr lang="en-US" sz="2400" dirty="0"/>
+              <a:t>Artist popularity it’s a subjective matter. Audio Features are not key elements to define the tracks popularity.</a:t>
+            </a:r>
+          </a:p>
+          <a:p>
+            <a:r>
+              <a:rPr lang="en-US" sz="2400" dirty="0"/>
+              <a:t>No matter how many genres an artist have, “people” is the variable that defines tracks popularity, and thus, artists popularity.</a:t>
+            </a:r>
+          </a:p>
+          <a:p>
+            <a:endParaRPr lang="en-US" dirty="0"/>
+          </a:p>
+          <a:p>
+            <a:r>
+              <a:rPr lang="en-US" dirty="0"/>
               <a:t>Track Duration Analysis</a:t>
             </a:r>
           </a:p>
           <a:p>
             <a:pPr lvl="1"/>
             <a:r>
-              <a:rPr lang="en-US" dirty="0" smtClean="0"/>
+              <a:rPr lang="en-US" dirty="0"/>
               <a:t>XYZ</a:t>
             </a:r>
-            <a:endParaRPr lang="en-US" dirty="0"/>
           </a:p>
         </p:txBody>
       </p:sp>
+      <p:pic>
+        <p:nvPicPr>
+          <p:cNvPr id="4" name="Picture 3" descr="A close up of a logo&#10;&#10;Description automatically generated">
+            <a:extLst>
+              <a:ext uri="{FF2B5EF4-FFF2-40B4-BE49-F238E27FC236}">
+                <a16:creationId xmlns:a16="http://schemas.microsoft.com/office/drawing/2014/main" id="{82329371-C9BF-4BA9-9F5F-9FE93B816858}"/>
+              </a:ext>
+            </a:extLst>
+          </p:cNvPr>
+          <p:cNvPicPr>
+            <a:picLocks noChangeAspect="1"/>
+          </p:cNvPicPr>
+          <p:nvPr/>
+        </p:nvPicPr>
+        <p:blipFill>
+          <a:blip r:embed="rId3"/>
+          <a:stretch>
+            <a:fillRect/>
+          </a:stretch>
+        </p:blipFill>
+        <p:spPr>
+          <a:xfrm>
+            <a:off x="10140449" y="525112"/>
+            <a:ext cx="1040377" cy="311849"/>
+          </a:xfrm>
+          <a:prstGeom prst="rect">
+            <a:avLst/>
+          </a:prstGeom>
+        </p:spPr>
+      </p:pic>
     </p:spTree>
     <p:extLst>
       <p:ext uri="{BB962C8B-B14F-4D97-AF65-F5344CB8AC3E}">
@@ -10553,150 +11091,6 @@
       </p:transition>
     </mc:Fallback>
   </mc:AlternateContent>
-  <p:timing>
-    <p:tnLst>
-      <p:par>
-        <p:cTn id="1" dur="indefinite" restart="never" nodeType="tmRoot"/>
-      </p:par>
-    </p:tnLst>
-  </p:timing>
-</p:sld>
-</file>
-
-<file path=ppt/slides/slide9.xml><?xml version="1.0" encoding="utf-8"?>
-<p:sld xmlns:a="http://schemas.openxmlformats.org/drawingml/2006/main" xmlns:r="http://schemas.openxmlformats.org/officeDocument/2006/relationships" xmlns:p="http://schemas.openxmlformats.org/presentationml/2006/main">
-  <p:cSld>
-    <p:spTree>
-      <p:nvGrpSpPr>
-        <p:cNvPr id="1" name=""/>
-        <p:cNvGrpSpPr/>
-        <p:nvPr/>
-      </p:nvGrpSpPr>
-      <p:grpSpPr>
-        <a:xfrm>
-          <a:off x="0" y="0"/>
-          <a:ext cx="0" cy="0"/>
-          <a:chOff x="0" y="0"/>
-          <a:chExt cx="0" cy="0"/>
-        </a:xfrm>
-      </p:grpSpPr>
-      <p:sp>
-        <p:nvSpPr>
-          <p:cNvPr id="2" name="Title 1"/>
-          <p:cNvSpPr>
-            <a:spLocks noGrp="1"/>
-          </p:cNvSpPr>
-          <p:nvPr>
-            <p:ph type="title"/>
-          </p:nvPr>
-        </p:nvSpPr>
-        <p:spPr/>
-        <p:txBody>
-          <a:bodyPr/>
-          <a:lstStyle/>
-          <a:p>
-            <a:r>
-              <a:rPr lang="en-US" dirty="0" smtClean="0"/>
-              <a:t>Post Mortem</a:t>
-            </a:r>
-            <a:endParaRPr lang="en-US" dirty="0"/>
-          </a:p>
-        </p:txBody>
-      </p:sp>
-      <p:graphicFrame>
-        <p:nvGraphicFramePr>
-          <p:cNvPr id="9" name="Content Placeholder 8" descr="Cycle Matrix diagram showing four groups in a pie shape with tasks in bullet points coming out of each group"/>
-          <p:cNvGraphicFramePr>
-            <a:graphicFrameLocks noGrp="1"/>
-          </p:cNvGraphicFramePr>
-          <p:nvPr>
-            <p:ph sz="half" idx="2"/>
-            <p:extLst>
-              <p:ext uri="{D42A27DB-BD31-4B8C-83A1-F6EECF244321}">
-                <p14:modId xmlns:p14="http://schemas.microsoft.com/office/powerpoint/2010/main" val="3167353494"/>
-              </p:ext>
-            </p:extLst>
-          </p:nvPr>
-        </p:nvGraphicFramePr>
-        <p:xfrm>
-          <a:off x="6172200" y="1825625"/>
-          <a:ext cx="5181600" cy="4351338"/>
-        </p:xfrm>
-        <a:graphic>
-          <a:graphicData uri="http://schemas.openxmlformats.org/drawingml/2006/diagram">
-            <dgm:relIds xmlns:dgm="http://schemas.openxmlformats.org/drawingml/2006/diagram" xmlns:r="http://schemas.openxmlformats.org/officeDocument/2006/relationships" r:dm="rId2" r:lo="rId3" r:qs="rId4" r:cs="rId5"/>
-          </a:graphicData>
-        </a:graphic>
-      </p:graphicFrame>
-      <p:sp>
-        <p:nvSpPr>
-          <p:cNvPr id="10" name="Content Placeholder 9"/>
-          <p:cNvSpPr>
-            <a:spLocks noGrp="1"/>
-          </p:cNvSpPr>
-          <p:nvPr>
-            <p:ph sz="half" idx="1"/>
-          </p:nvPr>
-        </p:nvSpPr>
-        <p:spPr/>
-        <p:txBody>
-          <a:bodyPr/>
-          <a:lstStyle/>
-          <a:p>
-            <a:r>
-              <a:rPr lang="en-US" dirty="0" smtClean="0"/>
-              <a:t>Discuss </a:t>
-            </a:r>
-            <a:r>
-              <a:rPr lang="en-US" dirty="0"/>
-              <a:t>any difficulties that arose, and how you dealt with </a:t>
-            </a:r>
-            <a:r>
-              <a:rPr lang="en-US" dirty="0" smtClean="0"/>
-              <a:t>them</a:t>
-            </a:r>
-          </a:p>
-          <a:p>
-            <a:r>
-              <a:rPr lang="en-US" dirty="0" smtClean="0"/>
-              <a:t>Discuss </a:t>
-            </a:r>
-            <a:r>
-              <a:rPr lang="en-US" dirty="0"/>
-              <a:t>any additional questions that came up, but which you didn't have time to answer: What would you research next, if you had two more weeks?</a:t>
-            </a:r>
-          </a:p>
-        </p:txBody>
-      </p:sp>
-    </p:spTree>
-    <p:extLst>
-      <p:ext uri="{BB962C8B-B14F-4D97-AF65-F5344CB8AC3E}">
-        <p14:creationId xmlns:p14="http://schemas.microsoft.com/office/powerpoint/2010/main" val="2025100519"/>
-      </p:ext>
-    </p:extLst>
-  </p:cSld>
-  <p:clrMapOvr>
-    <a:masterClrMapping/>
-  </p:clrMapOvr>
-  <mc:AlternateContent xmlns:mc="http://schemas.openxmlformats.org/markup-compatibility/2006" xmlns:p14="http://schemas.microsoft.com/office/powerpoint/2010/main">
-    <mc:Choice Requires="p14">
-      <p:transition spd="med" p14:dur="700">
-        <p:fade/>
-      </p:transition>
-    </mc:Choice>
-    <mc:Fallback xmlns="">
-      <p:transition spd="med">
-        <p:fade/>
-      </p:transition>
-    </mc:Fallback>
-  </mc:AlternateContent>
-  <p:timing>
-    <p:tnLst>
-      <p:par>
-        <p:cTn id="1" dur="indefinite" restart="never" nodeType="tmRoot"/>
-      </p:par>
-    </p:tnLst>
-  </p:timing>
 </p:sld>
 </file>
 

--- a/Spotify Data Analysis1.pptx
+++ b/Spotify Data Analysis1.pptx
@@ -5,21 +5,23 @@
     <p:sldMasterId id="2147483672" r:id="rId1"/>
   </p:sldMasterIdLst>
   <p:notesMasterIdLst>
-    <p:notesMasterId r:id="rId11"/>
+    <p:notesMasterId r:id="rId13"/>
   </p:notesMasterIdLst>
   <p:handoutMasterIdLst>
-    <p:handoutMasterId r:id="rId12"/>
+    <p:handoutMasterId r:id="rId14"/>
   </p:handoutMasterIdLst>
   <p:sldIdLst>
     <p:sldId id="257" r:id="rId2"/>
     <p:sldId id="258" r:id="rId3"/>
-    <p:sldId id="259" r:id="rId4"/>
-    <p:sldId id="262" r:id="rId5"/>
-    <p:sldId id="267" r:id="rId6"/>
-    <p:sldId id="268" r:id="rId7"/>
-    <p:sldId id="269" r:id="rId8"/>
-    <p:sldId id="263" r:id="rId9"/>
-    <p:sldId id="261" r:id="rId10"/>
+    <p:sldId id="270" r:id="rId4"/>
+    <p:sldId id="259" r:id="rId5"/>
+    <p:sldId id="262" r:id="rId6"/>
+    <p:sldId id="267" r:id="rId7"/>
+    <p:sldId id="268" r:id="rId8"/>
+    <p:sldId id="269" r:id="rId9"/>
+    <p:sldId id="263" r:id="rId10"/>
+    <p:sldId id="261" r:id="rId11"/>
+    <p:sldId id="273" r:id="rId12"/>
   </p:sldIdLst>
   <p:sldSz cx="12192000" cy="6858000"/>
   <p:notesSz cx="6858000" cy="9144000"/>
@@ -140,4143 +142,6 @@
 </p:presentation>
 </file>
 
-<file path=ppt/diagrams/colors1.xml><?xml version="1.0" encoding="utf-8"?>
-<dgm:colorsDef xmlns:dgm="http://schemas.openxmlformats.org/drawingml/2006/diagram" xmlns:a="http://schemas.openxmlformats.org/drawingml/2006/main" uniqueId="urn:microsoft.com/office/officeart/2005/8/colors/colorful2">
-  <dgm:title val=""/>
-  <dgm:desc val=""/>
-  <dgm:catLst>
-    <dgm:cat type="colorful" pri="10200"/>
-  </dgm:catLst>
-  <dgm:styleLbl name="node0">
-    <dgm:fillClrLst meth="repeat">
-      <a:schemeClr val="accent1"/>
-    </dgm:fillClrLst>
-    <dgm:linClrLst meth="repeat">
-      <a:schemeClr val="lt1"/>
-    </dgm:linClrLst>
-    <dgm:effectClrLst/>
-    <dgm:txLinClrLst/>
-    <dgm:txFillClrLst/>
-    <dgm:txEffectClrLst/>
-  </dgm:styleLbl>
-  <dgm:styleLbl name="node1">
-    <dgm:fillClrLst>
-      <a:schemeClr val="accent2"/>
-      <a:schemeClr val="accent3"/>
-    </dgm:fillClrLst>
-    <dgm:linClrLst meth="repeat">
-      <a:schemeClr val="lt1"/>
-    </dgm:linClrLst>
-    <dgm:effectClrLst/>
-    <dgm:txLinClrLst/>
-    <dgm:txFillClrLst/>
-    <dgm:txEffectClrLst/>
-  </dgm:styleLbl>
-  <dgm:styleLbl name="alignNode1">
-    <dgm:fillClrLst>
-      <a:schemeClr val="accent2"/>
-      <a:schemeClr val="accent3"/>
-    </dgm:fillClrLst>
-    <dgm:linClrLst>
-      <a:schemeClr val="accent2"/>
-      <a:schemeClr val="accent3"/>
-    </dgm:linClrLst>
-    <dgm:effectClrLst/>
-    <dgm:txLinClrLst/>
-    <dgm:txFillClrLst/>
-    <dgm:txEffectClrLst/>
-  </dgm:styleLbl>
-  <dgm:styleLbl name="lnNode1">
-    <dgm:fillClrLst>
-      <a:schemeClr val="accent2"/>
-      <a:schemeClr val="accent3"/>
-    </dgm:fillClrLst>
-    <dgm:linClrLst meth="repeat">
-      <a:schemeClr val="lt1"/>
-    </dgm:linClrLst>
-    <dgm:effectClrLst/>
-    <dgm:txLinClrLst/>
-    <dgm:txFillClrLst/>
-    <dgm:txEffectClrLst/>
-  </dgm:styleLbl>
-  <dgm:styleLbl name="vennNode1">
-    <dgm:fillClrLst>
-      <a:schemeClr val="accent2">
-        <a:alpha val="50000"/>
-      </a:schemeClr>
-      <a:schemeClr val="accent3">
-        <a:alpha val="50000"/>
-      </a:schemeClr>
-    </dgm:fillClrLst>
-    <dgm:linClrLst meth="repeat">
-      <a:schemeClr val="lt1"/>
-    </dgm:linClrLst>
-    <dgm:effectClrLst/>
-    <dgm:txLinClrLst/>
-    <dgm:txFillClrLst/>
-    <dgm:txEffectClrLst/>
-  </dgm:styleLbl>
-  <dgm:styleLbl name="node2">
-    <dgm:fillClrLst>
-      <a:schemeClr val="accent3"/>
-    </dgm:fillClrLst>
-    <dgm:linClrLst meth="repeat">
-      <a:schemeClr val="lt1"/>
-    </dgm:linClrLst>
-    <dgm:effectClrLst/>
-    <dgm:txLinClrLst/>
-    <dgm:txFillClrLst/>
-    <dgm:txEffectClrLst/>
-  </dgm:styleLbl>
-  <dgm:styleLbl name="node3">
-    <dgm:fillClrLst>
-      <a:schemeClr val="accent4"/>
-    </dgm:fillClrLst>
-    <dgm:linClrLst meth="repeat">
-      <a:schemeClr val="lt1"/>
-    </dgm:linClrLst>
-    <dgm:effectClrLst/>
-    <dgm:txLinClrLst/>
-    <dgm:txFillClrLst/>
-    <dgm:txEffectClrLst/>
-  </dgm:styleLbl>
-  <dgm:styleLbl name="node4">
-    <dgm:fillClrLst>
-      <a:schemeClr val="accent5"/>
-    </dgm:fillClrLst>
-    <dgm:linClrLst meth="repeat">
-      <a:schemeClr val="lt1"/>
-    </dgm:linClrLst>
-    <dgm:effectClrLst/>
-    <dgm:txLinClrLst/>
-    <dgm:txFillClrLst/>
-    <dgm:txEffectClrLst/>
-  </dgm:styleLbl>
-  <dgm:styleLbl name="fgImgPlace1">
-    <dgm:fillClrLst>
-      <a:schemeClr val="accent2">
-        <a:tint val="50000"/>
-      </a:schemeClr>
-      <a:schemeClr val="accent3">
-        <a:tint val="50000"/>
-      </a:schemeClr>
-    </dgm:fillClrLst>
-    <dgm:linClrLst meth="repeat">
-      <a:schemeClr val="lt1"/>
-    </dgm:linClrLst>
-    <dgm:effectClrLst/>
-    <dgm:txLinClrLst/>
-    <dgm:txFillClrLst meth="repeat">
-      <a:schemeClr val="lt1"/>
-    </dgm:txFillClrLst>
-    <dgm:txEffectClrLst/>
-  </dgm:styleLbl>
-  <dgm:styleLbl name="alignImgPlace1">
-    <dgm:fillClrLst>
-      <a:schemeClr val="accent2">
-        <a:tint val="50000"/>
-      </a:schemeClr>
-      <a:schemeClr val="accent3">
-        <a:tint val="20000"/>
-      </a:schemeClr>
-    </dgm:fillClrLst>
-    <dgm:linClrLst meth="repeat">
-      <a:schemeClr val="lt1"/>
-    </dgm:linClrLst>
-    <dgm:effectClrLst/>
-    <dgm:txLinClrLst/>
-    <dgm:txFillClrLst meth="repeat">
-      <a:schemeClr val="lt1"/>
-    </dgm:txFillClrLst>
-    <dgm:txEffectClrLst/>
-  </dgm:styleLbl>
-  <dgm:styleLbl name="bgImgPlace1">
-    <dgm:fillClrLst>
-      <a:schemeClr val="accent2">
-        <a:tint val="50000"/>
-      </a:schemeClr>
-      <a:schemeClr val="accent3">
-        <a:tint val="20000"/>
-      </a:schemeClr>
-    </dgm:fillClrLst>
-    <dgm:linClrLst meth="repeat">
-      <a:schemeClr val="lt1"/>
-    </dgm:linClrLst>
-    <dgm:effectClrLst/>
-    <dgm:txLinClrLst/>
-    <dgm:txFillClrLst meth="repeat">
-      <a:schemeClr val="lt1"/>
-    </dgm:txFillClrLst>
-    <dgm:txEffectClrLst/>
-  </dgm:styleLbl>
-  <dgm:styleLbl name="sibTrans2D1">
-    <dgm:fillClrLst>
-      <a:schemeClr val="accent2"/>
-      <a:schemeClr val="accent3"/>
-    </dgm:fillClrLst>
-    <dgm:linClrLst meth="repeat">
-      <a:schemeClr val="lt1"/>
-    </dgm:linClrLst>
-    <dgm:effectClrLst/>
-    <dgm:txLinClrLst/>
-    <dgm:txFillClrLst/>
-    <dgm:txEffectClrLst/>
-  </dgm:styleLbl>
-  <dgm:styleLbl name="fgSibTrans2D1">
-    <dgm:fillClrLst>
-      <a:schemeClr val="accent2"/>
-      <a:schemeClr val="accent3"/>
-    </dgm:fillClrLst>
-    <dgm:linClrLst meth="repeat">
-      <a:schemeClr val="lt1"/>
-    </dgm:linClrLst>
-    <dgm:effectClrLst/>
-    <dgm:txLinClrLst/>
-    <dgm:txFillClrLst meth="repeat">
-      <a:schemeClr val="lt1"/>
-    </dgm:txFillClrLst>
-    <dgm:txEffectClrLst/>
-  </dgm:styleLbl>
-  <dgm:styleLbl name="bgSibTrans2D1">
-    <dgm:fillClrLst>
-      <a:schemeClr val="accent2"/>
-      <a:schemeClr val="accent3"/>
-    </dgm:fillClrLst>
-    <dgm:linClrLst meth="repeat">
-      <a:schemeClr val="lt1"/>
-    </dgm:linClrLst>
-    <dgm:effectClrLst/>
-    <dgm:txLinClrLst/>
-    <dgm:txFillClrLst meth="repeat">
-      <a:schemeClr val="lt1"/>
-    </dgm:txFillClrLst>
-    <dgm:txEffectClrLst/>
-  </dgm:styleLbl>
-  <dgm:styleLbl name="sibTrans1D1">
-    <dgm:fillClrLst/>
-    <dgm:linClrLst>
-      <a:schemeClr val="accent2"/>
-      <a:schemeClr val="accent3"/>
-    </dgm:linClrLst>
-    <dgm:effectClrLst/>
-    <dgm:txLinClrLst/>
-    <dgm:txFillClrLst meth="repeat">
-      <a:schemeClr val="tx1"/>
-    </dgm:txFillClrLst>
-    <dgm:txEffectClrLst/>
-  </dgm:styleLbl>
-  <dgm:styleLbl name="callout">
-    <dgm:fillClrLst meth="repeat">
-      <a:schemeClr val="accent2"/>
-    </dgm:fillClrLst>
-    <dgm:linClrLst meth="repeat">
-      <a:schemeClr val="accent2">
-        <a:tint val="50000"/>
-      </a:schemeClr>
-    </dgm:linClrLst>
-    <dgm:effectClrLst/>
-    <dgm:txLinClrLst/>
-    <dgm:txFillClrLst meth="repeat">
-      <a:schemeClr val="tx1"/>
-    </dgm:txFillClrLst>
-    <dgm:txEffectClrLst/>
-  </dgm:styleLbl>
-  <dgm:styleLbl name="asst0">
-    <dgm:fillClrLst meth="repeat">
-      <a:schemeClr val="accent2"/>
-    </dgm:fillClrLst>
-    <dgm:linClrLst meth="repeat">
-      <a:schemeClr val="lt1">
-        <a:shade val="80000"/>
-      </a:schemeClr>
-    </dgm:linClrLst>
-    <dgm:effectClrLst/>
-    <dgm:txLinClrLst/>
-    <dgm:txFillClrLst/>
-    <dgm:txEffectClrLst/>
-  </dgm:styleLbl>
-  <dgm:styleLbl name="asst1">
-    <dgm:fillClrLst meth="repeat">
-      <a:schemeClr val="accent3"/>
-    </dgm:fillClrLst>
-    <dgm:linClrLst meth="repeat">
-      <a:schemeClr val="lt1">
-        <a:shade val="80000"/>
-      </a:schemeClr>
-    </dgm:linClrLst>
-    <dgm:effectClrLst/>
-    <dgm:txLinClrLst/>
-    <dgm:txFillClrLst/>
-    <dgm:txEffectClrLst/>
-  </dgm:styleLbl>
-  <dgm:styleLbl name="asst2">
-    <dgm:fillClrLst>
-      <a:schemeClr val="accent4"/>
-    </dgm:fillClrLst>
-    <dgm:linClrLst meth="repeat">
-      <a:schemeClr val="lt1"/>
-    </dgm:linClrLst>
-    <dgm:effectClrLst/>
-    <dgm:txLinClrLst/>
-    <dgm:txFillClrLst/>
-    <dgm:txEffectClrLst/>
-  </dgm:styleLbl>
-  <dgm:styleLbl name="asst3">
-    <dgm:fillClrLst>
-      <a:schemeClr val="accent5"/>
-    </dgm:fillClrLst>
-    <dgm:linClrLst meth="repeat">
-      <a:schemeClr val="lt1"/>
-    </dgm:linClrLst>
-    <dgm:effectClrLst/>
-    <dgm:txLinClrLst/>
-    <dgm:txFillClrLst/>
-    <dgm:txEffectClrLst/>
-  </dgm:styleLbl>
-  <dgm:styleLbl name="asst4">
-    <dgm:fillClrLst>
-      <a:schemeClr val="accent6"/>
-    </dgm:fillClrLst>
-    <dgm:linClrLst meth="repeat">
-      <a:schemeClr val="lt1"/>
-    </dgm:linClrLst>
-    <dgm:effectClrLst/>
-    <dgm:txLinClrLst/>
-    <dgm:txFillClrLst/>
-    <dgm:txEffectClrLst/>
-  </dgm:styleLbl>
-  <dgm:styleLbl name="parChTrans2D1">
-    <dgm:fillClrLst meth="repeat">
-      <a:schemeClr val="accent2"/>
-    </dgm:fillClrLst>
-    <dgm:linClrLst meth="repeat">
-      <a:schemeClr val="lt1"/>
-    </dgm:linClrLst>
-    <dgm:effectClrLst/>
-    <dgm:txLinClrLst/>
-    <dgm:txFillClrLst meth="repeat">
-      <a:schemeClr val="lt1"/>
-    </dgm:txFillClrLst>
-    <dgm:txEffectClrLst/>
-  </dgm:styleLbl>
-  <dgm:styleLbl name="parChTrans2D2">
-    <dgm:fillClrLst meth="repeat">
-      <a:schemeClr val="accent3"/>
-    </dgm:fillClrLst>
-    <dgm:linClrLst meth="repeat">
-      <a:schemeClr val="lt1"/>
-    </dgm:linClrLst>
-    <dgm:effectClrLst/>
-    <dgm:txLinClrLst/>
-    <dgm:txFillClrLst/>
-    <dgm:txEffectClrLst/>
-  </dgm:styleLbl>
-  <dgm:styleLbl name="parChTrans2D3">
-    <dgm:fillClrLst meth="repeat">
-      <a:schemeClr val="accent4"/>
-    </dgm:fillClrLst>
-    <dgm:linClrLst meth="repeat">
-      <a:schemeClr val="lt1"/>
-    </dgm:linClrLst>
-    <dgm:effectClrLst/>
-    <dgm:txLinClrLst/>
-    <dgm:txFillClrLst/>
-    <dgm:txEffectClrLst/>
-  </dgm:styleLbl>
-  <dgm:styleLbl name="parChTrans2D4">
-    <dgm:fillClrLst meth="repeat">
-      <a:schemeClr val="accent5"/>
-    </dgm:fillClrLst>
-    <dgm:linClrLst meth="repeat">
-      <a:schemeClr val="lt1"/>
-    </dgm:linClrLst>
-    <dgm:effectClrLst/>
-    <dgm:txLinClrLst/>
-    <dgm:txFillClrLst meth="repeat">
-      <a:schemeClr val="lt1"/>
-    </dgm:txFillClrLst>
-    <dgm:txEffectClrLst/>
-  </dgm:styleLbl>
-  <dgm:styleLbl name="parChTrans1D1">
-    <dgm:fillClrLst meth="repeat">
-      <a:schemeClr val="accent2"/>
-    </dgm:fillClrLst>
-    <dgm:linClrLst meth="repeat">
-      <a:schemeClr val="accent2"/>
-    </dgm:linClrLst>
-    <dgm:effectClrLst/>
-    <dgm:txLinClrLst/>
-    <dgm:txFillClrLst meth="repeat">
-      <a:schemeClr val="tx1"/>
-    </dgm:txFillClrLst>
-    <dgm:txEffectClrLst/>
-  </dgm:styleLbl>
-  <dgm:styleLbl name="parChTrans1D2">
-    <dgm:fillClrLst meth="repeat">
-      <a:schemeClr val="accent2">
-        <a:tint val="90000"/>
-      </a:schemeClr>
-    </dgm:fillClrLst>
-    <dgm:linClrLst meth="repeat">
-      <a:schemeClr val="accent3"/>
-    </dgm:linClrLst>
-    <dgm:effectClrLst/>
-    <dgm:txLinClrLst/>
-    <dgm:txFillClrLst meth="repeat">
-      <a:schemeClr val="tx1"/>
-    </dgm:txFillClrLst>
-    <dgm:txEffectClrLst/>
-  </dgm:styleLbl>
-  <dgm:styleLbl name="parChTrans1D3">
-    <dgm:fillClrLst meth="repeat">
-      <a:schemeClr val="accent2">
-        <a:tint val="70000"/>
-      </a:schemeClr>
-    </dgm:fillClrLst>
-    <dgm:linClrLst meth="repeat">
-      <a:schemeClr val="accent4"/>
-    </dgm:linClrLst>
-    <dgm:effectClrLst/>
-    <dgm:txLinClrLst/>
-    <dgm:txFillClrLst meth="repeat">
-      <a:schemeClr val="tx1"/>
-    </dgm:txFillClrLst>
-    <dgm:txEffectClrLst/>
-  </dgm:styleLbl>
-  <dgm:styleLbl name="parChTrans1D4">
-    <dgm:fillClrLst meth="repeat">
-      <a:schemeClr val="accent2">
-        <a:tint val="50000"/>
-      </a:schemeClr>
-    </dgm:fillClrLst>
-    <dgm:linClrLst meth="repeat">
-      <a:schemeClr val="accent5"/>
-    </dgm:linClrLst>
-    <dgm:effectClrLst/>
-    <dgm:txLinClrLst/>
-    <dgm:txFillClrLst meth="repeat">
-      <a:schemeClr val="tx1"/>
-    </dgm:txFillClrLst>
-    <dgm:txEffectClrLst/>
-  </dgm:styleLbl>
-  <dgm:styleLbl name="fgAcc1">
-    <dgm:fillClrLst meth="repeat">
-      <a:schemeClr val="lt1">
-        <a:alpha val="90000"/>
-      </a:schemeClr>
-    </dgm:fillClrLst>
-    <dgm:linClrLst>
-      <a:schemeClr val="accent2"/>
-      <a:schemeClr val="accent3"/>
-    </dgm:linClrLst>
-    <dgm:effectClrLst/>
-    <dgm:txLinClrLst/>
-    <dgm:txFillClrLst meth="repeat">
-      <a:schemeClr val="dk1"/>
-    </dgm:txFillClrLst>
-    <dgm:txEffectClrLst/>
-  </dgm:styleLbl>
-  <dgm:styleLbl name="conFgAcc1">
-    <dgm:fillClrLst meth="repeat">
-      <a:schemeClr val="lt1">
-        <a:alpha val="90000"/>
-      </a:schemeClr>
-    </dgm:fillClrLst>
-    <dgm:linClrLst>
-      <a:schemeClr val="accent2"/>
-      <a:schemeClr val="accent3"/>
-    </dgm:linClrLst>
-    <dgm:effectClrLst/>
-    <dgm:txLinClrLst/>
-    <dgm:txFillClrLst meth="repeat">
-      <a:schemeClr val="dk1"/>
-    </dgm:txFillClrLst>
-    <dgm:txEffectClrLst/>
-  </dgm:styleLbl>
-  <dgm:styleLbl name="alignAcc1">
-    <dgm:fillClrLst meth="repeat">
-      <a:schemeClr val="lt1">
-        <a:alpha val="90000"/>
-      </a:schemeClr>
-    </dgm:fillClrLst>
-    <dgm:linClrLst>
-      <a:schemeClr val="accent2"/>
-      <a:schemeClr val="accent3"/>
-    </dgm:linClrLst>
-    <dgm:effectClrLst/>
-    <dgm:txLinClrLst/>
-    <dgm:txFillClrLst meth="repeat">
-      <a:schemeClr val="dk1"/>
-    </dgm:txFillClrLst>
-    <dgm:txEffectClrLst/>
-  </dgm:styleLbl>
-  <dgm:styleLbl name="trAlignAcc1">
-    <dgm:fillClrLst meth="repeat">
-      <a:schemeClr val="lt1">
-        <a:alpha val="40000"/>
-      </a:schemeClr>
-    </dgm:fillClrLst>
-    <dgm:linClrLst meth="repeat">
-      <a:schemeClr val="accent2"/>
-    </dgm:linClrLst>
-    <dgm:effectClrLst/>
-    <dgm:txLinClrLst/>
-    <dgm:txFillClrLst meth="repeat">
-      <a:schemeClr val="dk1"/>
-    </dgm:txFillClrLst>
-    <dgm:txEffectClrLst/>
-  </dgm:styleLbl>
-  <dgm:styleLbl name="bgAcc1">
-    <dgm:fillClrLst meth="repeat">
-      <a:schemeClr val="lt1">
-        <a:alpha val="90000"/>
-      </a:schemeClr>
-    </dgm:fillClrLst>
-    <dgm:linClrLst>
-      <a:schemeClr val="accent2"/>
-      <a:schemeClr val="accent3"/>
-    </dgm:linClrLst>
-    <dgm:effectClrLst/>
-    <dgm:txLinClrLst/>
-    <dgm:txFillClrLst meth="repeat">
-      <a:schemeClr val="dk1"/>
-    </dgm:txFillClrLst>
-    <dgm:txEffectClrLst/>
-  </dgm:styleLbl>
-  <dgm:styleLbl name="solidFgAcc1">
-    <dgm:fillClrLst meth="repeat">
-      <a:schemeClr val="lt1"/>
-    </dgm:fillClrLst>
-    <dgm:linClrLst>
-      <a:schemeClr val="accent2"/>
-      <a:schemeClr val="accent3"/>
-    </dgm:linClrLst>
-    <dgm:effectClrLst/>
-    <dgm:txLinClrLst/>
-    <dgm:txFillClrLst meth="repeat">
-      <a:schemeClr val="dk1"/>
-    </dgm:txFillClrLst>
-    <dgm:txEffectClrLst/>
-  </dgm:styleLbl>
-  <dgm:styleLbl name="solidAlignAcc1">
-    <dgm:fillClrLst meth="repeat">
-      <a:schemeClr val="lt1"/>
-    </dgm:fillClrLst>
-    <dgm:linClrLst>
-      <a:schemeClr val="accent2"/>
-      <a:schemeClr val="accent3"/>
-    </dgm:linClrLst>
-    <dgm:effectClrLst/>
-    <dgm:txLinClrLst/>
-    <dgm:txFillClrLst meth="repeat">
-      <a:schemeClr val="dk1"/>
-    </dgm:txFillClrLst>
-    <dgm:txEffectClrLst/>
-  </dgm:styleLbl>
-  <dgm:styleLbl name="solidBgAcc1">
-    <dgm:fillClrLst meth="repeat">
-      <a:schemeClr val="lt1"/>
-    </dgm:fillClrLst>
-    <dgm:linClrLst>
-      <a:schemeClr val="accent2"/>
-      <a:schemeClr val="accent3"/>
-    </dgm:linClrLst>
-    <dgm:effectClrLst/>
-    <dgm:txLinClrLst/>
-    <dgm:txFillClrLst meth="repeat">
-      <a:schemeClr val="dk1"/>
-    </dgm:txFillClrLst>
-    <dgm:txEffectClrLst/>
-  </dgm:styleLbl>
-  <dgm:styleLbl name="fgAccFollowNode1">
-    <dgm:fillClrLst>
-      <a:schemeClr val="accent2">
-        <a:tint val="40000"/>
-        <a:alpha val="90000"/>
-      </a:schemeClr>
-      <a:schemeClr val="accent3">
-        <a:tint val="40000"/>
-        <a:alpha val="90000"/>
-      </a:schemeClr>
-    </dgm:fillClrLst>
-    <dgm:linClrLst>
-      <a:schemeClr val="accent2">
-        <a:tint val="40000"/>
-        <a:alpha val="90000"/>
-      </a:schemeClr>
-      <a:schemeClr val="accent3">
-        <a:tint val="40000"/>
-        <a:alpha val="90000"/>
-      </a:schemeClr>
-    </dgm:linClrLst>
-    <dgm:effectClrLst/>
-    <dgm:txLinClrLst/>
-    <dgm:txFillClrLst meth="repeat">
-      <a:schemeClr val="dk1"/>
-    </dgm:txFillClrLst>
-    <dgm:txEffectClrLst/>
-  </dgm:styleLbl>
-  <dgm:styleLbl name="alignAccFollowNode1">
-    <dgm:fillClrLst>
-      <a:schemeClr val="accent2">
-        <a:tint val="40000"/>
-        <a:alpha val="90000"/>
-      </a:schemeClr>
-      <a:schemeClr val="accent3">
-        <a:tint val="40000"/>
-        <a:alpha val="90000"/>
-      </a:schemeClr>
-    </dgm:fillClrLst>
-    <dgm:linClrLst>
-      <a:schemeClr val="accent2">
-        <a:tint val="40000"/>
-        <a:alpha val="90000"/>
-      </a:schemeClr>
-      <a:schemeClr val="accent3">
-        <a:tint val="40000"/>
-        <a:alpha val="90000"/>
-      </a:schemeClr>
-    </dgm:linClrLst>
-    <dgm:effectClrLst/>
-    <dgm:txLinClrLst/>
-    <dgm:txFillClrLst meth="repeat">
-      <a:schemeClr val="dk1"/>
-    </dgm:txFillClrLst>
-    <dgm:txEffectClrLst/>
-  </dgm:styleLbl>
-  <dgm:styleLbl name="bgAccFollowNode1">
-    <dgm:fillClrLst>
-      <a:schemeClr val="accent2">
-        <a:tint val="40000"/>
-        <a:alpha val="90000"/>
-      </a:schemeClr>
-      <a:schemeClr val="accent3">
-        <a:tint val="40000"/>
-        <a:alpha val="90000"/>
-      </a:schemeClr>
-    </dgm:fillClrLst>
-    <dgm:linClrLst>
-      <a:schemeClr val="accent2">
-        <a:tint val="40000"/>
-        <a:alpha val="90000"/>
-      </a:schemeClr>
-      <a:schemeClr val="accent3">
-        <a:tint val="40000"/>
-        <a:alpha val="90000"/>
-      </a:schemeClr>
-    </dgm:linClrLst>
-    <dgm:effectClrLst/>
-    <dgm:txLinClrLst/>
-    <dgm:txFillClrLst meth="repeat">
-      <a:schemeClr val="dk1"/>
-    </dgm:txFillClrLst>
-    <dgm:txEffectClrLst/>
-  </dgm:styleLbl>
-  <dgm:styleLbl name="fgAcc0">
-    <dgm:fillClrLst meth="repeat">
-      <a:schemeClr val="lt1">
-        <a:alpha val="90000"/>
-      </a:schemeClr>
-    </dgm:fillClrLst>
-    <dgm:linClrLst>
-      <a:schemeClr val="accent1"/>
-    </dgm:linClrLst>
-    <dgm:effectClrLst/>
-    <dgm:txLinClrLst/>
-    <dgm:txFillClrLst meth="repeat">
-      <a:schemeClr val="dk1"/>
-    </dgm:txFillClrLst>
-    <dgm:txEffectClrLst/>
-  </dgm:styleLbl>
-  <dgm:styleLbl name="fgAcc2">
-    <dgm:fillClrLst meth="repeat">
-      <a:schemeClr val="lt1">
-        <a:alpha val="90000"/>
-      </a:schemeClr>
-    </dgm:fillClrLst>
-    <dgm:linClrLst>
-      <a:schemeClr val="accent3"/>
-    </dgm:linClrLst>
-    <dgm:effectClrLst/>
-    <dgm:txLinClrLst/>
-    <dgm:txFillClrLst meth="repeat">
-      <a:schemeClr val="dk1"/>
-    </dgm:txFillClrLst>
-    <dgm:txEffectClrLst/>
-  </dgm:styleLbl>
-  <dgm:styleLbl name="fgAcc3">
-    <dgm:fillClrLst meth="repeat">
-      <a:schemeClr val="lt1">
-        <a:alpha val="90000"/>
-      </a:schemeClr>
-    </dgm:fillClrLst>
-    <dgm:linClrLst>
-      <a:schemeClr val="accent4"/>
-    </dgm:linClrLst>
-    <dgm:effectClrLst/>
-    <dgm:txLinClrLst/>
-    <dgm:txFillClrLst meth="repeat">
-      <a:schemeClr val="dk1"/>
-    </dgm:txFillClrLst>
-    <dgm:txEffectClrLst/>
-  </dgm:styleLbl>
-  <dgm:styleLbl name="fgAcc4">
-    <dgm:fillClrLst meth="repeat">
-      <a:schemeClr val="lt1">
-        <a:alpha val="90000"/>
-      </a:schemeClr>
-    </dgm:fillClrLst>
-    <dgm:linClrLst>
-      <a:schemeClr val="accent5"/>
-    </dgm:linClrLst>
-    <dgm:effectClrLst/>
-    <dgm:txLinClrLst/>
-    <dgm:txFillClrLst meth="repeat">
-      <a:schemeClr val="dk1"/>
-    </dgm:txFillClrLst>
-    <dgm:txEffectClrLst/>
-  </dgm:styleLbl>
-  <dgm:styleLbl name="bgShp">
-    <dgm:fillClrLst meth="repeat">
-      <a:schemeClr val="accent2">
-        <a:tint val="40000"/>
-      </a:schemeClr>
-    </dgm:fillClrLst>
-    <dgm:linClrLst meth="repeat">
-      <a:schemeClr val="dk1"/>
-    </dgm:linClrLst>
-    <dgm:effectClrLst/>
-    <dgm:txLinClrLst/>
-    <dgm:txFillClrLst meth="repeat">
-      <a:schemeClr val="dk1"/>
-    </dgm:txFillClrLst>
-    <dgm:txEffectClrLst/>
-  </dgm:styleLbl>
-  <dgm:styleLbl name="dkBgShp">
-    <dgm:fillClrLst meth="repeat">
-      <a:schemeClr val="accent2">
-        <a:shade val="90000"/>
-      </a:schemeClr>
-    </dgm:fillClrLst>
-    <dgm:linClrLst meth="repeat">
-      <a:schemeClr val="dk1"/>
-    </dgm:linClrLst>
-    <dgm:effectClrLst/>
-    <dgm:txLinClrLst/>
-    <dgm:txFillClrLst meth="repeat">
-      <a:schemeClr val="lt1"/>
-    </dgm:txFillClrLst>
-    <dgm:txEffectClrLst/>
-  </dgm:styleLbl>
-  <dgm:styleLbl name="trBgShp">
-    <dgm:fillClrLst meth="repeat">
-      <a:schemeClr val="accent2">
-        <a:tint val="50000"/>
-        <a:alpha val="40000"/>
-      </a:schemeClr>
-    </dgm:fillClrLst>
-    <dgm:linClrLst meth="repeat">
-      <a:schemeClr val="accent2"/>
-    </dgm:linClrLst>
-    <dgm:effectClrLst/>
-    <dgm:txLinClrLst/>
-    <dgm:txFillClrLst meth="repeat">
-      <a:schemeClr val="lt1"/>
-    </dgm:txFillClrLst>
-    <dgm:txEffectClrLst/>
-  </dgm:styleLbl>
-  <dgm:styleLbl name="fgShp">
-    <dgm:fillClrLst meth="repeat">
-      <a:schemeClr val="accent2">
-        <a:tint val="40000"/>
-      </a:schemeClr>
-    </dgm:fillClrLst>
-    <dgm:linClrLst meth="repeat">
-      <a:schemeClr val="lt1"/>
-    </dgm:linClrLst>
-    <dgm:effectClrLst/>
-    <dgm:txLinClrLst/>
-    <dgm:txFillClrLst meth="repeat">
-      <a:schemeClr val="dk1"/>
-    </dgm:txFillClrLst>
-    <dgm:txEffectClrLst/>
-  </dgm:styleLbl>
-  <dgm:styleLbl name="revTx">
-    <dgm:fillClrLst meth="repeat">
-      <a:schemeClr val="lt1">
-        <a:alpha val="0"/>
-      </a:schemeClr>
-    </dgm:fillClrLst>
-    <dgm:linClrLst meth="repeat">
-      <a:schemeClr val="dk1">
-        <a:alpha val="0"/>
-      </a:schemeClr>
-    </dgm:linClrLst>
-    <dgm:effectClrLst/>
-    <dgm:txLinClrLst/>
-    <dgm:txFillClrLst meth="repeat">
-      <a:schemeClr val="tx1"/>
-    </dgm:txFillClrLst>
-    <dgm:txEffectClrLst/>
-  </dgm:styleLbl>
-</dgm:colorsDef>
-</file>
-
-<file path=ppt/diagrams/data1.xml><?xml version="1.0" encoding="utf-8"?>
-<dgm:dataModel xmlns:dgm="http://schemas.openxmlformats.org/drawingml/2006/diagram" xmlns:a="http://schemas.openxmlformats.org/drawingml/2006/main">
-  <dgm:ptLst>
-    <dgm:pt modelId="{3F442EA2-39BA-4C9A-AD59-755D4917D532}" type="doc">
-      <dgm:prSet loTypeId="urn:microsoft.com/office/officeart/2005/8/layout/cycle4" loCatId="cycle" qsTypeId="urn:microsoft.com/office/officeart/2005/8/quickstyle/simple1" qsCatId="simple" csTypeId="urn:microsoft.com/office/officeart/2005/8/colors/colorful2" csCatId="colorful" phldr="1"/>
-      <dgm:spPr/>
-      <dgm:t>
-        <a:bodyPr/>
-        <a:lstStyle/>
-        <a:p>
-          <a:endParaRPr lang="en-US"/>
-        </a:p>
-      </dgm:t>
-    </dgm:pt>
-    <dgm:pt modelId="{4DF9FE7B-F642-4898-A360-D4E3814E1A3D}">
-      <dgm:prSet phldrT="[Text]"/>
-      <dgm:spPr/>
-      <dgm:t>
-        <a:bodyPr/>
-        <a:lstStyle/>
-        <a:p>
-          <a:r>
-            <a:rPr lang="en-US" dirty="0"/>
-            <a:t>Group A</a:t>
-          </a:r>
-        </a:p>
-      </dgm:t>
-      <dgm:extLst>
-        <a:ext uri="{E40237B7-FDA0-4F09-8148-C483321AD2D9}">
-          <dgm14:cNvPr xmlns:dgm14="http://schemas.microsoft.com/office/drawing/2010/diagram" id="0" name="" title="Group A title"/>
-        </a:ext>
-      </dgm:extLst>
-    </dgm:pt>
-    <dgm:pt modelId="{1C10F06D-860A-4604-A7AD-02E614FE3976}" type="parTrans" cxnId="{EBD8BE8D-6018-43E2-B081-034BB5656EB6}">
-      <dgm:prSet/>
-      <dgm:spPr/>
-      <dgm:t>
-        <a:bodyPr/>
-        <a:lstStyle/>
-        <a:p>
-          <a:endParaRPr lang="en-US"/>
-        </a:p>
-      </dgm:t>
-    </dgm:pt>
-    <dgm:pt modelId="{43C18EFF-81FC-4D70-8C6B-E95FF3730413}" type="sibTrans" cxnId="{EBD8BE8D-6018-43E2-B081-034BB5656EB6}">
-      <dgm:prSet/>
-      <dgm:spPr/>
-      <dgm:t>
-        <a:bodyPr/>
-        <a:lstStyle/>
-        <a:p>
-          <a:endParaRPr lang="en-US"/>
-        </a:p>
-      </dgm:t>
-    </dgm:pt>
-    <dgm:pt modelId="{EFF2750D-B4B3-474C-8B62-8B638DC31F7E}">
-      <dgm:prSet phldrT="[Text]"/>
-      <dgm:spPr/>
-      <dgm:t>
-        <a:bodyPr/>
-        <a:lstStyle/>
-        <a:p>
-          <a:r>
-            <a:rPr lang="en-US" dirty="0"/>
-            <a:t>Task 1</a:t>
-          </a:r>
-        </a:p>
-      </dgm:t>
-      <dgm:extLst>
-        <a:ext uri="{E40237B7-FDA0-4F09-8148-C483321AD2D9}">
-          <dgm14:cNvPr xmlns:dgm14="http://schemas.microsoft.com/office/drawing/2010/diagram" id="0" name="" title="Task 1 and task 2 under group A"/>
-        </a:ext>
-      </dgm:extLst>
-    </dgm:pt>
-    <dgm:pt modelId="{AEBC78E6-CDDC-4C8F-A157-3C51E907FACD}" type="parTrans" cxnId="{A058DDA2-48CA-4E5B-B389-F71A59C262B0}">
-      <dgm:prSet/>
-      <dgm:spPr/>
-      <dgm:t>
-        <a:bodyPr/>
-        <a:lstStyle/>
-        <a:p>
-          <a:endParaRPr lang="en-US"/>
-        </a:p>
-      </dgm:t>
-    </dgm:pt>
-    <dgm:pt modelId="{75C067D7-FCD2-4969-8F27-4BBDA88E75ED}" type="sibTrans" cxnId="{A058DDA2-48CA-4E5B-B389-F71A59C262B0}">
-      <dgm:prSet/>
-      <dgm:spPr/>
-      <dgm:t>
-        <a:bodyPr/>
-        <a:lstStyle/>
-        <a:p>
-          <a:endParaRPr lang="en-US"/>
-        </a:p>
-      </dgm:t>
-    </dgm:pt>
-    <dgm:pt modelId="{789CD6DB-3A68-4A41-90BD-4F0CBB3617D1}">
-      <dgm:prSet phldrT="[Text]"/>
-      <dgm:spPr/>
-      <dgm:t>
-        <a:bodyPr/>
-        <a:lstStyle/>
-        <a:p>
-          <a:r>
-            <a:rPr lang="en-US" dirty="0"/>
-            <a:t>Task 2</a:t>
-          </a:r>
-        </a:p>
-      </dgm:t>
-    </dgm:pt>
-    <dgm:pt modelId="{C0BEB5FF-8DFB-40B9-A228-C0C6097DDDC4}" type="parTrans" cxnId="{62C10234-45D3-426A-8820-4C0D1D8CBA21}">
-      <dgm:prSet/>
-      <dgm:spPr/>
-      <dgm:t>
-        <a:bodyPr/>
-        <a:lstStyle/>
-        <a:p>
-          <a:endParaRPr lang="en-US"/>
-        </a:p>
-      </dgm:t>
-    </dgm:pt>
-    <dgm:pt modelId="{1A702531-A59F-4EE2-8246-E2EB0955D8B1}" type="sibTrans" cxnId="{62C10234-45D3-426A-8820-4C0D1D8CBA21}">
-      <dgm:prSet/>
-      <dgm:spPr/>
-      <dgm:t>
-        <a:bodyPr/>
-        <a:lstStyle/>
-        <a:p>
-          <a:endParaRPr lang="en-US"/>
-        </a:p>
-      </dgm:t>
-    </dgm:pt>
-    <dgm:pt modelId="{3929B1E1-4BC4-4C73-ABE8-27CEF96A3652}">
-      <dgm:prSet phldrT="[Text]"/>
-      <dgm:spPr/>
-      <dgm:t>
-        <a:bodyPr/>
-        <a:lstStyle/>
-        <a:p>
-          <a:r>
-            <a:rPr lang="en-US" dirty="0"/>
-            <a:t>Group B</a:t>
-          </a:r>
-        </a:p>
-      </dgm:t>
-      <dgm:extLst>
-        <a:ext uri="{E40237B7-FDA0-4F09-8148-C483321AD2D9}">
-          <dgm14:cNvPr xmlns:dgm14="http://schemas.microsoft.com/office/drawing/2010/diagram" id="0" name="" title="Group B title"/>
-        </a:ext>
-      </dgm:extLst>
-    </dgm:pt>
-    <dgm:pt modelId="{F356CC76-9117-4B79-A270-BBBAFD3E9C79}" type="parTrans" cxnId="{1339090C-9A95-4C05-841C-FA3AF987601B}">
-      <dgm:prSet/>
-      <dgm:spPr/>
-      <dgm:t>
-        <a:bodyPr/>
-        <a:lstStyle/>
-        <a:p>
-          <a:endParaRPr lang="en-US"/>
-        </a:p>
-      </dgm:t>
-    </dgm:pt>
-    <dgm:pt modelId="{19BA0C22-38BB-4E9F-89D5-0FF5FF9F12CE}" type="sibTrans" cxnId="{1339090C-9A95-4C05-841C-FA3AF987601B}">
-      <dgm:prSet/>
-      <dgm:spPr/>
-      <dgm:t>
-        <a:bodyPr/>
-        <a:lstStyle/>
-        <a:p>
-          <a:endParaRPr lang="en-US"/>
-        </a:p>
-      </dgm:t>
-    </dgm:pt>
-    <dgm:pt modelId="{99E0600D-9954-43F4-8926-13B8777FAAA1}">
-      <dgm:prSet phldrT="[Text]"/>
-      <dgm:spPr/>
-      <dgm:t>
-        <a:bodyPr/>
-        <a:lstStyle/>
-        <a:p>
-          <a:r>
-            <a:rPr lang="en-US" dirty="0"/>
-            <a:t>Task 1</a:t>
-          </a:r>
-        </a:p>
-      </dgm:t>
-      <dgm:extLst>
-        <a:ext uri="{E40237B7-FDA0-4F09-8148-C483321AD2D9}">
-          <dgm14:cNvPr xmlns:dgm14="http://schemas.microsoft.com/office/drawing/2010/diagram" id="0" name="" title="Task 1 and task 2 under group B"/>
-        </a:ext>
-      </dgm:extLst>
-    </dgm:pt>
-    <dgm:pt modelId="{BE23F476-2C5C-42ED-BF2B-CD5FC7ADDDF6}" type="parTrans" cxnId="{09FCCB9D-A30A-4326-970E-26252D39327F}">
-      <dgm:prSet/>
-      <dgm:spPr/>
-      <dgm:t>
-        <a:bodyPr/>
-        <a:lstStyle/>
-        <a:p>
-          <a:endParaRPr lang="en-US"/>
-        </a:p>
-      </dgm:t>
-    </dgm:pt>
-    <dgm:pt modelId="{C44937DC-4907-4769-AA8B-1B3E7391D7B0}" type="sibTrans" cxnId="{09FCCB9D-A30A-4326-970E-26252D39327F}">
-      <dgm:prSet/>
-      <dgm:spPr/>
-      <dgm:t>
-        <a:bodyPr/>
-        <a:lstStyle/>
-        <a:p>
-          <a:endParaRPr lang="en-US"/>
-        </a:p>
-      </dgm:t>
-    </dgm:pt>
-    <dgm:pt modelId="{0791135C-9DAB-47F6-BE9C-A3E56A2DDA50}">
-      <dgm:prSet phldrT="[Text]"/>
-      <dgm:spPr/>
-      <dgm:t>
-        <a:bodyPr/>
-        <a:lstStyle/>
-        <a:p>
-          <a:r>
-            <a:rPr lang="en-US" dirty="0"/>
-            <a:t>Task 2</a:t>
-          </a:r>
-        </a:p>
-      </dgm:t>
-    </dgm:pt>
-    <dgm:pt modelId="{D6057E63-9793-4991-97C1-30FC405E95A5}" type="parTrans" cxnId="{B3B26E9A-58E5-497B-BD59-F5567958C609}">
-      <dgm:prSet/>
-      <dgm:spPr/>
-      <dgm:t>
-        <a:bodyPr/>
-        <a:lstStyle/>
-        <a:p>
-          <a:endParaRPr lang="en-US"/>
-        </a:p>
-      </dgm:t>
-    </dgm:pt>
-    <dgm:pt modelId="{B670C2A7-83CB-4F4C-BC19-A3A7C066A822}" type="sibTrans" cxnId="{B3B26E9A-58E5-497B-BD59-F5567958C609}">
-      <dgm:prSet/>
-      <dgm:spPr/>
-      <dgm:t>
-        <a:bodyPr/>
-        <a:lstStyle/>
-        <a:p>
-          <a:endParaRPr lang="en-US"/>
-        </a:p>
-      </dgm:t>
-    </dgm:pt>
-    <dgm:pt modelId="{60CDF8D0-D4FC-4467-A51E-79C5A58B0B2C}">
-      <dgm:prSet phldrT="[Text]"/>
-      <dgm:spPr/>
-      <dgm:t>
-        <a:bodyPr/>
-        <a:lstStyle/>
-        <a:p>
-          <a:r>
-            <a:rPr lang="en-US" dirty="0"/>
-            <a:t>Group C</a:t>
-          </a:r>
-        </a:p>
-      </dgm:t>
-      <dgm:extLst>
-        <a:ext uri="{E40237B7-FDA0-4F09-8148-C483321AD2D9}">
-          <dgm14:cNvPr xmlns:dgm14="http://schemas.microsoft.com/office/drawing/2010/diagram" id="0" name="" title="Group C title"/>
-        </a:ext>
-      </dgm:extLst>
-    </dgm:pt>
-    <dgm:pt modelId="{E12A269F-AB82-486A-9077-80F2BBBE48C2}" type="parTrans" cxnId="{2BA65DEC-E719-4ED3-8135-48349D42DD04}">
-      <dgm:prSet/>
-      <dgm:spPr/>
-      <dgm:t>
-        <a:bodyPr/>
-        <a:lstStyle/>
-        <a:p>
-          <a:endParaRPr lang="en-US"/>
-        </a:p>
-      </dgm:t>
-    </dgm:pt>
-    <dgm:pt modelId="{3F7FD59D-A716-4310-A89A-AB6F740D9FFF}" type="sibTrans" cxnId="{2BA65DEC-E719-4ED3-8135-48349D42DD04}">
-      <dgm:prSet/>
-      <dgm:spPr/>
-      <dgm:t>
-        <a:bodyPr/>
-        <a:lstStyle/>
-        <a:p>
-          <a:endParaRPr lang="en-US"/>
-        </a:p>
-      </dgm:t>
-    </dgm:pt>
-    <dgm:pt modelId="{54825EE2-1B65-4071-9129-E74F2079E880}">
-      <dgm:prSet phldrT="[Text]"/>
-      <dgm:spPr/>
-      <dgm:t>
-        <a:bodyPr/>
-        <a:lstStyle/>
-        <a:p>
-          <a:r>
-            <a:rPr lang="en-US" dirty="0"/>
-            <a:t>Task 1</a:t>
-          </a:r>
-        </a:p>
-      </dgm:t>
-      <dgm:extLst>
-        <a:ext uri="{E40237B7-FDA0-4F09-8148-C483321AD2D9}">
-          <dgm14:cNvPr xmlns:dgm14="http://schemas.microsoft.com/office/drawing/2010/diagram" id="0" name="" title="Task 1 and task 2 under group C"/>
-        </a:ext>
-      </dgm:extLst>
-    </dgm:pt>
-    <dgm:pt modelId="{988CFF2C-C1C9-47A7-9F87-167A16D22A0A}" type="parTrans" cxnId="{910B1C1D-E032-40B4-8292-8B754F9D4E5E}">
-      <dgm:prSet/>
-      <dgm:spPr/>
-      <dgm:t>
-        <a:bodyPr/>
-        <a:lstStyle/>
-        <a:p>
-          <a:endParaRPr lang="en-US"/>
-        </a:p>
-      </dgm:t>
-    </dgm:pt>
-    <dgm:pt modelId="{2098E436-BEEF-4426-9B2A-9E151774E6FA}" type="sibTrans" cxnId="{910B1C1D-E032-40B4-8292-8B754F9D4E5E}">
-      <dgm:prSet/>
-      <dgm:spPr/>
-      <dgm:t>
-        <a:bodyPr/>
-        <a:lstStyle/>
-        <a:p>
-          <a:endParaRPr lang="en-US"/>
-        </a:p>
-      </dgm:t>
-    </dgm:pt>
-    <dgm:pt modelId="{3A752AA3-E3BC-4672-B651-B55A45CCAB1F}">
-      <dgm:prSet phldrT="[Text]"/>
-      <dgm:spPr/>
-      <dgm:t>
-        <a:bodyPr/>
-        <a:lstStyle/>
-        <a:p>
-          <a:r>
-            <a:rPr lang="en-US" dirty="0"/>
-            <a:t>Task 2</a:t>
-          </a:r>
-        </a:p>
-      </dgm:t>
-    </dgm:pt>
-    <dgm:pt modelId="{C5983856-2767-4DAF-BA42-CB1E09883F52}" type="parTrans" cxnId="{FAE81242-CF21-46F8-9432-A505F9255816}">
-      <dgm:prSet/>
-      <dgm:spPr/>
-      <dgm:t>
-        <a:bodyPr/>
-        <a:lstStyle/>
-        <a:p>
-          <a:endParaRPr lang="en-US"/>
-        </a:p>
-      </dgm:t>
-    </dgm:pt>
-    <dgm:pt modelId="{670EB4D7-8689-423E-B50E-8565E1D57AC9}" type="sibTrans" cxnId="{FAE81242-CF21-46F8-9432-A505F9255816}">
-      <dgm:prSet/>
-      <dgm:spPr/>
-      <dgm:t>
-        <a:bodyPr/>
-        <a:lstStyle/>
-        <a:p>
-          <a:endParaRPr lang="en-US"/>
-        </a:p>
-      </dgm:t>
-    </dgm:pt>
-    <dgm:pt modelId="{D9339EBD-06BA-4C5F-AE28-1B5A4D583BC4}">
-      <dgm:prSet phldrT="[Text]"/>
-      <dgm:spPr/>
-      <dgm:t>
-        <a:bodyPr/>
-        <a:lstStyle/>
-        <a:p>
-          <a:r>
-            <a:rPr lang="en-US" dirty="0"/>
-            <a:t>Group D</a:t>
-          </a:r>
-        </a:p>
-      </dgm:t>
-      <dgm:extLst>
-        <a:ext uri="{E40237B7-FDA0-4F09-8148-C483321AD2D9}">
-          <dgm14:cNvPr xmlns:dgm14="http://schemas.microsoft.com/office/drawing/2010/diagram" id="0" name="" title="Group D title"/>
-        </a:ext>
-      </dgm:extLst>
-    </dgm:pt>
-    <dgm:pt modelId="{B1EFD117-29F2-4066-9B00-0019297912D0}" type="parTrans" cxnId="{E771CA49-0507-4DB4-A5A3-16063BCEF6E4}">
-      <dgm:prSet/>
-      <dgm:spPr/>
-      <dgm:t>
-        <a:bodyPr/>
-        <a:lstStyle/>
-        <a:p>
-          <a:endParaRPr lang="en-US"/>
-        </a:p>
-      </dgm:t>
-    </dgm:pt>
-    <dgm:pt modelId="{EBE3D870-6FCF-4B1D-BC5A-AFAB8EE05378}" type="sibTrans" cxnId="{E771CA49-0507-4DB4-A5A3-16063BCEF6E4}">
-      <dgm:prSet/>
-      <dgm:spPr/>
-      <dgm:t>
-        <a:bodyPr/>
-        <a:lstStyle/>
-        <a:p>
-          <a:endParaRPr lang="en-US"/>
-        </a:p>
-      </dgm:t>
-    </dgm:pt>
-    <dgm:pt modelId="{B2AB27E4-FB41-42CB-A099-8EA4767C5084}">
-      <dgm:prSet phldrT="[Text]"/>
-      <dgm:spPr/>
-      <dgm:t>
-        <a:bodyPr/>
-        <a:lstStyle/>
-        <a:p>
-          <a:r>
-            <a:rPr lang="en-US" dirty="0"/>
-            <a:t>Task 1</a:t>
-          </a:r>
-        </a:p>
-      </dgm:t>
-      <dgm:extLst>
-        <a:ext uri="{E40237B7-FDA0-4F09-8148-C483321AD2D9}">
-          <dgm14:cNvPr xmlns:dgm14="http://schemas.microsoft.com/office/drawing/2010/diagram" id="0" name="" title="Task 1 and task 2 under group D"/>
-        </a:ext>
-      </dgm:extLst>
-    </dgm:pt>
-    <dgm:pt modelId="{50705557-B3BD-43E1-9C6D-66B5E16EA32E}" type="parTrans" cxnId="{8A9051C5-9258-4D40-A38B-EB228F858E1A}">
-      <dgm:prSet/>
-      <dgm:spPr/>
-      <dgm:t>
-        <a:bodyPr/>
-        <a:lstStyle/>
-        <a:p>
-          <a:endParaRPr lang="en-US"/>
-        </a:p>
-      </dgm:t>
-    </dgm:pt>
-    <dgm:pt modelId="{13C97A91-1DD6-4B61-8377-F2F677C430B1}" type="sibTrans" cxnId="{8A9051C5-9258-4D40-A38B-EB228F858E1A}">
-      <dgm:prSet/>
-      <dgm:spPr/>
-      <dgm:t>
-        <a:bodyPr/>
-        <a:lstStyle/>
-        <a:p>
-          <a:endParaRPr lang="en-US"/>
-        </a:p>
-      </dgm:t>
-    </dgm:pt>
-    <dgm:pt modelId="{A51D2499-6221-4BFD-9E64-5A1D8C60613B}">
-      <dgm:prSet phldrT="[Text]"/>
-      <dgm:spPr/>
-      <dgm:t>
-        <a:bodyPr/>
-        <a:lstStyle/>
-        <a:p>
-          <a:r>
-            <a:rPr lang="en-US" dirty="0"/>
-            <a:t>Task 2</a:t>
-          </a:r>
-        </a:p>
-      </dgm:t>
-    </dgm:pt>
-    <dgm:pt modelId="{B67B0669-AF8D-463F-8F6A-E1F8A8C687B6}" type="parTrans" cxnId="{188ED4D6-D954-41EE-BBFB-6C8744679C38}">
-      <dgm:prSet/>
-      <dgm:spPr/>
-      <dgm:t>
-        <a:bodyPr/>
-        <a:lstStyle/>
-        <a:p>
-          <a:endParaRPr lang="en-US"/>
-        </a:p>
-      </dgm:t>
-    </dgm:pt>
-    <dgm:pt modelId="{DC11601F-ED06-4E79-86F1-7B57A2096352}" type="sibTrans" cxnId="{188ED4D6-D954-41EE-BBFB-6C8744679C38}">
-      <dgm:prSet/>
-      <dgm:spPr/>
-      <dgm:t>
-        <a:bodyPr/>
-        <a:lstStyle/>
-        <a:p>
-          <a:endParaRPr lang="en-US"/>
-        </a:p>
-      </dgm:t>
-    </dgm:pt>
-    <dgm:pt modelId="{4A4689FF-1AD8-47FE-A3D7-AB163334256A}" type="pres">
-      <dgm:prSet presAssocID="{3F442EA2-39BA-4C9A-AD59-755D4917D532}" presName="cycleMatrixDiagram" presStyleCnt="0">
-        <dgm:presLayoutVars>
-          <dgm:chMax val="1"/>
-          <dgm:dir/>
-          <dgm:animLvl val="lvl"/>
-          <dgm:resizeHandles val="exact"/>
-        </dgm:presLayoutVars>
-      </dgm:prSet>
-      <dgm:spPr/>
-      <dgm:t>
-        <a:bodyPr/>
-        <a:lstStyle/>
-        <a:p>
-          <a:endParaRPr lang="en-US"/>
-        </a:p>
-      </dgm:t>
-    </dgm:pt>
-    <dgm:pt modelId="{7D1BE536-1524-4F1E-8279-2E337A3E001B}" type="pres">
-      <dgm:prSet presAssocID="{3F442EA2-39BA-4C9A-AD59-755D4917D532}" presName="children" presStyleCnt="0"/>
-      <dgm:spPr/>
-    </dgm:pt>
-    <dgm:pt modelId="{FC30FC85-C46F-401D-9210-FFE7FD8D7D6C}" type="pres">
-      <dgm:prSet presAssocID="{3F442EA2-39BA-4C9A-AD59-755D4917D532}" presName="child1group" presStyleCnt="0"/>
-      <dgm:spPr/>
-    </dgm:pt>
-    <dgm:pt modelId="{5F294424-128F-4F49-A947-AE61973EAE00}" type="pres">
-      <dgm:prSet presAssocID="{3F442EA2-39BA-4C9A-AD59-755D4917D532}" presName="child1" presStyleLbl="bgAcc1" presStyleIdx="0" presStyleCnt="4"/>
-      <dgm:spPr/>
-      <dgm:t>
-        <a:bodyPr/>
-        <a:lstStyle/>
-        <a:p>
-          <a:endParaRPr lang="en-US"/>
-        </a:p>
-      </dgm:t>
-    </dgm:pt>
-    <dgm:pt modelId="{CBCDA14D-5AEE-47A2-8093-B71CA12EEE53}" type="pres">
-      <dgm:prSet presAssocID="{3F442EA2-39BA-4C9A-AD59-755D4917D532}" presName="child1Text" presStyleLbl="bgAcc1" presStyleIdx="0" presStyleCnt="4">
-        <dgm:presLayoutVars>
-          <dgm:bulletEnabled val="1"/>
-        </dgm:presLayoutVars>
-      </dgm:prSet>
-      <dgm:spPr/>
-      <dgm:t>
-        <a:bodyPr/>
-        <a:lstStyle/>
-        <a:p>
-          <a:endParaRPr lang="en-US"/>
-        </a:p>
-      </dgm:t>
-    </dgm:pt>
-    <dgm:pt modelId="{4668DD4C-C74F-49FF-99B6-291E8D142562}" type="pres">
-      <dgm:prSet presAssocID="{3F442EA2-39BA-4C9A-AD59-755D4917D532}" presName="child2group" presStyleCnt="0"/>
-      <dgm:spPr/>
-    </dgm:pt>
-    <dgm:pt modelId="{2B7E178D-D2B9-45A7-971B-5ACDCF619DB8}" type="pres">
-      <dgm:prSet presAssocID="{3F442EA2-39BA-4C9A-AD59-755D4917D532}" presName="child2" presStyleLbl="bgAcc1" presStyleIdx="1" presStyleCnt="4"/>
-      <dgm:spPr/>
-      <dgm:t>
-        <a:bodyPr/>
-        <a:lstStyle/>
-        <a:p>
-          <a:endParaRPr lang="en-US"/>
-        </a:p>
-      </dgm:t>
-    </dgm:pt>
-    <dgm:pt modelId="{C464CBCE-A35B-4EFA-BE1E-2E249D734B67}" type="pres">
-      <dgm:prSet presAssocID="{3F442EA2-39BA-4C9A-AD59-755D4917D532}" presName="child2Text" presStyleLbl="bgAcc1" presStyleIdx="1" presStyleCnt="4">
-        <dgm:presLayoutVars>
-          <dgm:bulletEnabled val="1"/>
-        </dgm:presLayoutVars>
-      </dgm:prSet>
-      <dgm:spPr/>
-      <dgm:t>
-        <a:bodyPr/>
-        <a:lstStyle/>
-        <a:p>
-          <a:endParaRPr lang="en-US"/>
-        </a:p>
-      </dgm:t>
-    </dgm:pt>
-    <dgm:pt modelId="{FF76F8AA-C054-4BE6-BCBA-A23AA7D7991D}" type="pres">
-      <dgm:prSet presAssocID="{3F442EA2-39BA-4C9A-AD59-755D4917D532}" presName="child3group" presStyleCnt="0"/>
-      <dgm:spPr/>
-    </dgm:pt>
-    <dgm:pt modelId="{7F858A0B-2BB0-410F-A358-03F7132D0C59}" type="pres">
-      <dgm:prSet presAssocID="{3F442EA2-39BA-4C9A-AD59-755D4917D532}" presName="child3" presStyleLbl="bgAcc1" presStyleIdx="2" presStyleCnt="4"/>
-      <dgm:spPr/>
-      <dgm:t>
-        <a:bodyPr/>
-        <a:lstStyle/>
-        <a:p>
-          <a:endParaRPr lang="en-US"/>
-        </a:p>
-      </dgm:t>
-    </dgm:pt>
-    <dgm:pt modelId="{7211D049-B987-4973-88A3-12B719D60AE9}" type="pres">
-      <dgm:prSet presAssocID="{3F442EA2-39BA-4C9A-AD59-755D4917D532}" presName="child3Text" presStyleLbl="bgAcc1" presStyleIdx="2" presStyleCnt="4">
-        <dgm:presLayoutVars>
-          <dgm:bulletEnabled val="1"/>
-        </dgm:presLayoutVars>
-      </dgm:prSet>
-      <dgm:spPr/>
-      <dgm:t>
-        <a:bodyPr/>
-        <a:lstStyle/>
-        <a:p>
-          <a:endParaRPr lang="en-US"/>
-        </a:p>
-      </dgm:t>
-    </dgm:pt>
-    <dgm:pt modelId="{729FCC80-E58F-493B-915B-81CB95DBA265}" type="pres">
-      <dgm:prSet presAssocID="{3F442EA2-39BA-4C9A-AD59-755D4917D532}" presName="child4group" presStyleCnt="0"/>
-      <dgm:spPr/>
-    </dgm:pt>
-    <dgm:pt modelId="{70FB8B28-4F62-4D1E-9753-45B29BD7208F}" type="pres">
-      <dgm:prSet presAssocID="{3F442EA2-39BA-4C9A-AD59-755D4917D532}" presName="child4" presStyleLbl="bgAcc1" presStyleIdx="3" presStyleCnt="4"/>
-      <dgm:spPr/>
-      <dgm:t>
-        <a:bodyPr/>
-        <a:lstStyle/>
-        <a:p>
-          <a:endParaRPr lang="en-US"/>
-        </a:p>
-      </dgm:t>
-    </dgm:pt>
-    <dgm:pt modelId="{A2109B93-2746-4853-8757-B67EC4D87349}" type="pres">
-      <dgm:prSet presAssocID="{3F442EA2-39BA-4C9A-AD59-755D4917D532}" presName="child4Text" presStyleLbl="bgAcc1" presStyleIdx="3" presStyleCnt="4">
-        <dgm:presLayoutVars>
-          <dgm:bulletEnabled val="1"/>
-        </dgm:presLayoutVars>
-      </dgm:prSet>
-      <dgm:spPr/>
-      <dgm:t>
-        <a:bodyPr/>
-        <a:lstStyle/>
-        <a:p>
-          <a:endParaRPr lang="en-US"/>
-        </a:p>
-      </dgm:t>
-    </dgm:pt>
-    <dgm:pt modelId="{82A2F169-6804-4400-8469-E8C27799A984}" type="pres">
-      <dgm:prSet presAssocID="{3F442EA2-39BA-4C9A-AD59-755D4917D532}" presName="childPlaceholder" presStyleCnt="0"/>
-      <dgm:spPr/>
-    </dgm:pt>
-    <dgm:pt modelId="{D417759D-00A5-43BD-8D7D-CA7159B2DDC0}" type="pres">
-      <dgm:prSet presAssocID="{3F442EA2-39BA-4C9A-AD59-755D4917D532}" presName="circle" presStyleCnt="0"/>
-      <dgm:spPr/>
-    </dgm:pt>
-    <dgm:pt modelId="{D8D2586A-3166-43FC-936A-5541FDB4A7FD}" type="pres">
-      <dgm:prSet presAssocID="{3F442EA2-39BA-4C9A-AD59-755D4917D532}" presName="quadrant1" presStyleLbl="node1" presStyleIdx="0" presStyleCnt="4">
-        <dgm:presLayoutVars>
-          <dgm:chMax val="1"/>
-          <dgm:bulletEnabled val="1"/>
-        </dgm:presLayoutVars>
-      </dgm:prSet>
-      <dgm:spPr/>
-      <dgm:t>
-        <a:bodyPr/>
-        <a:lstStyle/>
-        <a:p>
-          <a:endParaRPr lang="en-US"/>
-        </a:p>
-      </dgm:t>
-    </dgm:pt>
-    <dgm:pt modelId="{9545ED95-F510-4B44-85DB-C0CC48BFB181}" type="pres">
-      <dgm:prSet presAssocID="{3F442EA2-39BA-4C9A-AD59-755D4917D532}" presName="quadrant2" presStyleLbl="node1" presStyleIdx="1" presStyleCnt="4">
-        <dgm:presLayoutVars>
-          <dgm:chMax val="1"/>
-          <dgm:bulletEnabled val="1"/>
-        </dgm:presLayoutVars>
-      </dgm:prSet>
-      <dgm:spPr/>
-      <dgm:t>
-        <a:bodyPr/>
-        <a:lstStyle/>
-        <a:p>
-          <a:endParaRPr lang="en-US"/>
-        </a:p>
-      </dgm:t>
-    </dgm:pt>
-    <dgm:pt modelId="{49BA61B3-9627-4C11-A21B-B127063AFCA8}" type="pres">
-      <dgm:prSet presAssocID="{3F442EA2-39BA-4C9A-AD59-755D4917D532}" presName="quadrant3" presStyleLbl="node1" presStyleIdx="2" presStyleCnt="4">
-        <dgm:presLayoutVars>
-          <dgm:chMax val="1"/>
-          <dgm:bulletEnabled val="1"/>
-        </dgm:presLayoutVars>
-      </dgm:prSet>
-      <dgm:spPr/>
-      <dgm:t>
-        <a:bodyPr/>
-        <a:lstStyle/>
-        <a:p>
-          <a:endParaRPr lang="en-US"/>
-        </a:p>
-      </dgm:t>
-    </dgm:pt>
-    <dgm:pt modelId="{D50D1F1D-B5AC-43F9-9F8B-397D80CFC0BD}" type="pres">
-      <dgm:prSet presAssocID="{3F442EA2-39BA-4C9A-AD59-755D4917D532}" presName="quadrant4" presStyleLbl="node1" presStyleIdx="3" presStyleCnt="4">
-        <dgm:presLayoutVars>
-          <dgm:chMax val="1"/>
-          <dgm:bulletEnabled val="1"/>
-        </dgm:presLayoutVars>
-      </dgm:prSet>
-      <dgm:spPr/>
-      <dgm:t>
-        <a:bodyPr/>
-        <a:lstStyle/>
-        <a:p>
-          <a:endParaRPr lang="en-US"/>
-        </a:p>
-      </dgm:t>
-    </dgm:pt>
-    <dgm:pt modelId="{40FB2119-8D51-4032-87E3-4FAED781E2B8}" type="pres">
-      <dgm:prSet presAssocID="{3F442EA2-39BA-4C9A-AD59-755D4917D532}" presName="quadrantPlaceholder" presStyleCnt="0"/>
-      <dgm:spPr/>
-    </dgm:pt>
-    <dgm:pt modelId="{FCA88EAA-36C5-478E-95E4-724920FABFE8}" type="pres">
-      <dgm:prSet presAssocID="{3F442EA2-39BA-4C9A-AD59-755D4917D532}" presName="center1" presStyleLbl="fgShp" presStyleIdx="0" presStyleCnt="2"/>
-      <dgm:spPr/>
-      <dgm:extLst>
-        <a:ext uri="{E40237B7-FDA0-4F09-8148-C483321AD2D9}">
-          <dgm14:cNvPr xmlns:dgm14="http://schemas.microsoft.com/office/drawing/2010/diagram" id="0" name="" title="Arrow pointing from Group A to Group B"/>
-        </a:ext>
-      </dgm:extLst>
-    </dgm:pt>
-    <dgm:pt modelId="{C38EF9AB-AD1F-4BBA-9BD6-D73C6F715F30}" type="pres">
-      <dgm:prSet presAssocID="{3F442EA2-39BA-4C9A-AD59-755D4917D532}" presName="center2" presStyleLbl="fgShp" presStyleIdx="1" presStyleCnt="2"/>
-      <dgm:spPr/>
-      <dgm:extLst>
-        <a:ext uri="{E40237B7-FDA0-4F09-8148-C483321AD2D9}">
-          <dgm14:cNvPr xmlns:dgm14="http://schemas.microsoft.com/office/drawing/2010/diagram" id="0" name="" title="Arrow pointing from Group C to Group D"/>
-        </a:ext>
-      </dgm:extLst>
-    </dgm:pt>
-  </dgm:ptLst>
-  <dgm:cxnLst>
-    <dgm:cxn modelId="{A48987B0-518D-4CBC-85DF-89A72074B6E9}" type="presOf" srcId="{54825EE2-1B65-4071-9129-E74F2079E880}" destId="{7211D049-B987-4973-88A3-12B719D60AE9}" srcOrd="1" destOrd="0" presId="urn:microsoft.com/office/officeart/2005/8/layout/cycle4"/>
-    <dgm:cxn modelId="{0D112FE4-DCAE-4EAA-A975-D2E361BA8489}" type="presOf" srcId="{789CD6DB-3A68-4A41-90BD-4F0CBB3617D1}" destId="{5F294424-128F-4F49-A947-AE61973EAE00}" srcOrd="0" destOrd="1" presId="urn:microsoft.com/office/officeart/2005/8/layout/cycle4"/>
-    <dgm:cxn modelId="{188ED4D6-D954-41EE-BBFB-6C8744679C38}" srcId="{D9339EBD-06BA-4C5F-AE28-1B5A4D583BC4}" destId="{A51D2499-6221-4BFD-9E64-5A1D8C60613B}" srcOrd="1" destOrd="0" parTransId="{B67B0669-AF8D-463F-8F6A-E1F8A8C687B6}" sibTransId="{DC11601F-ED06-4E79-86F1-7B57A2096352}"/>
-    <dgm:cxn modelId="{7F4193B3-09C4-4687-952C-1817E8AC1AAE}" type="presOf" srcId="{0791135C-9DAB-47F6-BE9C-A3E56A2DDA50}" destId="{2B7E178D-D2B9-45A7-971B-5ACDCF619DB8}" srcOrd="0" destOrd="1" presId="urn:microsoft.com/office/officeart/2005/8/layout/cycle4"/>
-    <dgm:cxn modelId="{D9DFDC50-D0C1-405A-8656-753637798F66}" type="presOf" srcId="{D9339EBD-06BA-4C5F-AE28-1B5A4D583BC4}" destId="{D50D1F1D-B5AC-43F9-9F8B-397D80CFC0BD}" srcOrd="0" destOrd="0" presId="urn:microsoft.com/office/officeart/2005/8/layout/cycle4"/>
-    <dgm:cxn modelId="{EBE60F5C-8E60-4DEF-B4C5-9722E19E636C}" type="presOf" srcId="{EFF2750D-B4B3-474C-8B62-8B638DC31F7E}" destId="{5F294424-128F-4F49-A947-AE61973EAE00}" srcOrd="0" destOrd="0" presId="urn:microsoft.com/office/officeart/2005/8/layout/cycle4"/>
-    <dgm:cxn modelId="{BE790535-7553-4C41-9CC9-89A85EBB6937}" type="presOf" srcId="{3A752AA3-E3BC-4672-B651-B55A45CCAB1F}" destId="{7F858A0B-2BB0-410F-A358-03F7132D0C59}" srcOrd="0" destOrd="1" presId="urn:microsoft.com/office/officeart/2005/8/layout/cycle4"/>
-    <dgm:cxn modelId="{EBD8BE8D-6018-43E2-B081-034BB5656EB6}" srcId="{3F442EA2-39BA-4C9A-AD59-755D4917D532}" destId="{4DF9FE7B-F642-4898-A360-D4E3814E1A3D}" srcOrd="0" destOrd="0" parTransId="{1C10F06D-860A-4604-A7AD-02E614FE3976}" sibTransId="{43C18EFF-81FC-4D70-8C6B-E95FF3730413}"/>
-    <dgm:cxn modelId="{09FCCB9D-A30A-4326-970E-26252D39327F}" srcId="{3929B1E1-4BC4-4C73-ABE8-27CEF96A3652}" destId="{99E0600D-9954-43F4-8926-13B8777FAAA1}" srcOrd="0" destOrd="0" parTransId="{BE23F476-2C5C-42ED-BF2B-CD5FC7ADDDF6}" sibTransId="{C44937DC-4907-4769-AA8B-1B3E7391D7B0}"/>
-    <dgm:cxn modelId="{62C10234-45D3-426A-8820-4C0D1D8CBA21}" srcId="{4DF9FE7B-F642-4898-A360-D4E3814E1A3D}" destId="{789CD6DB-3A68-4A41-90BD-4F0CBB3617D1}" srcOrd="1" destOrd="0" parTransId="{C0BEB5FF-8DFB-40B9-A228-C0C6097DDDC4}" sibTransId="{1A702531-A59F-4EE2-8246-E2EB0955D8B1}"/>
-    <dgm:cxn modelId="{BC921419-EB78-47AB-A373-BDFFC7684A2B}" type="presOf" srcId="{A51D2499-6221-4BFD-9E64-5A1D8C60613B}" destId="{A2109B93-2746-4853-8757-B67EC4D87349}" srcOrd="1" destOrd="1" presId="urn:microsoft.com/office/officeart/2005/8/layout/cycle4"/>
-    <dgm:cxn modelId="{6DA86587-E2F7-4AA9-AA7C-DF0C587C024A}" type="presOf" srcId="{99E0600D-9954-43F4-8926-13B8777FAAA1}" destId="{C464CBCE-A35B-4EFA-BE1E-2E249D734B67}" srcOrd="1" destOrd="0" presId="urn:microsoft.com/office/officeart/2005/8/layout/cycle4"/>
-    <dgm:cxn modelId="{FCDF0E67-B8B4-4147-A4CE-FDC2E4431EED}" type="presOf" srcId="{4DF9FE7B-F642-4898-A360-D4E3814E1A3D}" destId="{D8D2586A-3166-43FC-936A-5541FDB4A7FD}" srcOrd="0" destOrd="0" presId="urn:microsoft.com/office/officeart/2005/8/layout/cycle4"/>
-    <dgm:cxn modelId="{E82834FB-907E-4D70-A25B-6AF1AD429C04}" type="presOf" srcId="{B2AB27E4-FB41-42CB-A099-8EA4767C5084}" destId="{A2109B93-2746-4853-8757-B67EC4D87349}" srcOrd="1" destOrd="0" presId="urn:microsoft.com/office/officeart/2005/8/layout/cycle4"/>
-    <dgm:cxn modelId="{910B1C1D-E032-40B4-8292-8B754F9D4E5E}" srcId="{60CDF8D0-D4FC-4467-A51E-79C5A58B0B2C}" destId="{54825EE2-1B65-4071-9129-E74F2079E880}" srcOrd="0" destOrd="0" parTransId="{988CFF2C-C1C9-47A7-9F87-167A16D22A0A}" sibTransId="{2098E436-BEEF-4426-9B2A-9E151774E6FA}"/>
-    <dgm:cxn modelId="{D2BAEF0C-5621-4EE2-A552-0D009E0C8CAE}" type="presOf" srcId="{99E0600D-9954-43F4-8926-13B8777FAAA1}" destId="{2B7E178D-D2B9-45A7-971B-5ACDCF619DB8}" srcOrd="0" destOrd="0" presId="urn:microsoft.com/office/officeart/2005/8/layout/cycle4"/>
-    <dgm:cxn modelId="{784E3809-7DCF-462C-A6C9-D405E392A188}" type="presOf" srcId="{3A752AA3-E3BC-4672-B651-B55A45CCAB1F}" destId="{7211D049-B987-4973-88A3-12B719D60AE9}" srcOrd="1" destOrd="1" presId="urn:microsoft.com/office/officeart/2005/8/layout/cycle4"/>
-    <dgm:cxn modelId="{6CBCF15E-3B9D-486E-84A2-1237B58468E5}" type="presOf" srcId="{B2AB27E4-FB41-42CB-A099-8EA4767C5084}" destId="{70FB8B28-4F62-4D1E-9753-45B29BD7208F}" srcOrd="0" destOrd="0" presId="urn:microsoft.com/office/officeart/2005/8/layout/cycle4"/>
-    <dgm:cxn modelId="{E63FCB00-2933-440C-AEA9-9B09F709EE7F}" type="presOf" srcId="{54825EE2-1B65-4071-9129-E74F2079E880}" destId="{7F858A0B-2BB0-410F-A358-03F7132D0C59}" srcOrd="0" destOrd="0" presId="urn:microsoft.com/office/officeart/2005/8/layout/cycle4"/>
-    <dgm:cxn modelId="{188843B7-DAF7-4B6B-BDE7-573826EE7A3D}" type="presOf" srcId="{789CD6DB-3A68-4A41-90BD-4F0CBB3617D1}" destId="{CBCDA14D-5AEE-47A2-8093-B71CA12EEE53}" srcOrd="1" destOrd="1" presId="urn:microsoft.com/office/officeart/2005/8/layout/cycle4"/>
-    <dgm:cxn modelId="{B3B26E9A-58E5-497B-BD59-F5567958C609}" srcId="{3929B1E1-4BC4-4C73-ABE8-27CEF96A3652}" destId="{0791135C-9DAB-47F6-BE9C-A3E56A2DDA50}" srcOrd="1" destOrd="0" parTransId="{D6057E63-9793-4991-97C1-30FC405E95A5}" sibTransId="{B670C2A7-83CB-4F4C-BC19-A3A7C066A822}"/>
-    <dgm:cxn modelId="{1339090C-9A95-4C05-841C-FA3AF987601B}" srcId="{3F442EA2-39BA-4C9A-AD59-755D4917D532}" destId="{3929B1E1-4BC4-4C73-ABE8-27CEF96A3652}" srcOrd="1" destOrd="0" parTransId="{F356CC76-9117-4B79-A270-BBBAFD3E9C79}" sibTransId="{19BA0C22-38BB-4E9F-89D5-0FF5FF9F12CE}"/>
-    <dgm:cxn modelId="{A058DDA2-48CA-4E5B-B389-F71A59C262B0}" srcId="{4DF9FE7B-F642-4898-A360-D4E3814E1A3D}" destId="{EFF2750D-B4B3-474C-8B62-8B638DC31F7E}" srcOrd="0" destOrd="0" parTransId="{AEBC78E6-CDDC-4C8F-A157-3C51E907FACD}" sibTransId="{75C067D7-FCD2-4969-8F27-4BBDA88E75ED}"/>
-    <dgm:cxn modelId="{72C8785F-5AFD-4F22-BDB5-E2B984078D22}" type="presOf" srcId="{3929B1E1-4BC4-4C73-ABE8-27CEF96A3652}" destId="{9545ED95-F510-4B44-85DB-C0CC48BFB181}" srcOrd="0" destOrd="0" presId="urn:microsoft.com/office/officeart/2005/8/layout/cycle4"/>
-    <dgm:cxn modelId="{1994B20A-D4A1-40E0-A847-F093DEA8F896}" type="presOf" srcId="{A51D2499-6221-4BFD-9E64-5A1D8C60613B}" destId="{70FB8B28-4F62-4D1E-9753-45B29BD7208F}" srcOrd="0" destOrd="1" presId="urn:microsoft.com/office/officeart/2005/8/layout/cycle4"/>
-    <dgm:cxn modelId="{8A9051C5-9258-4D40-A38B-EB228F858E1A}" srcId="{D9339EBD-06BA-4C5F-AE28-1B5A4D583BC4}" destId="{B2AB27E4-FB41-42CB-A099-8EA4767C5084}" srcOrd="0" destOrd="0" parTransId="{50705557-B3BD-43E1-9C6D-66B5E16EA32E}" sibTransId="{13C97A91-1DD6-4B61-8377-F2F677C430B1}"/>
-    <dgm:cxn modelId="{DBBBFD32-0CC3-4EC0-A104-5B43EDEE739C}" type="presOf" srcId="{0791135C-9DAB-47F6-BE9C-A3E56A2DDA50}" destId="{C464CBCE-A35B-4EFA-BE1E-2E249D734B67}" srcOrd="1" destOrd="1" presId="urn:microsoft.com/office/officeart/2005/8/layout/cycle4"/>
-    <dgm:cxn modelId="{DF58128E-61C8-4992-BEE2-F7C060CD94EE}" type="presOf" srcId="{60CDF8D0-D4FC-4467-A51E-79C5A58B0B2C}" destId="{49BA61B3-9627-4C11-A21B-B127063AFCA8}" srcOrd="0" destOrd="0" presId="urn:microsoft.com/office/officeart/2005/8/layout/cycle4"/>
-    <dgm:cxn modelId="{2BA65DEC-E719-4ED3-8135-48349D42DD04}" srcId="{3F442EA2-39BA-4C9A-AD59-755D4917D532}" destId="{60CDF8D0-D4FC-4467-A51E-79C5A58B0B2C}" srcOrd="2" destOrd="0" parTransId="{E12A269F-AB82-486A-9077-80F2BBBE48C2}" sibTransId="{3F7FD59D-A716-4310-A89A-AB6F740D9FFF}"/>
-    <dgm:cxn modelId="{E771CA49-0507-4DB4-A5A3-16063BCEF6E4}" srcId="{3F442EA2-39BA-4C9A-AD59-755D4917D532}" destId="{D9339EBD-06BA-4C5F-AE28-1B5A4D583BC4}" srcOrd="3" destOrd="0" parTransId="{B1EFD117-29F2-4066-9B00-0019297912D0}" sibTransId="{EBE3D870-6FCF-4B1D-BC5A-AFAB8EE05378}"/>
-    <dgm:cxn modelId="{FAE81242-CF21-46F8-9432-A505F9255816}" srcId="{60CDF8D0-D4FC-4467-A51E-79C5A58B0B2C}" destId="{3A752AA3-E3BC-4672-B651-B55A45CCAB1F}" srcOrd="1" destOrd="0" parTransId="{C5983856-2767-4DAF-BA42-CB1E09883F52}" sibTransId="{670EB4D7-8689-423E-B50E-8565E1D57AC9}"/>
-    <dgm:cxn modelId="{362EEAE1-FE17-4A9D-976B-2C76A93C63B2}" type="presOf" srcId="{EFF2750D-B4B3-474C-8B62-8B638DC31F7E}" destId="{CBCDA14D-5AEE-47A2-8093-B71CA12EEE53}" srcOrd="1" destOrd="0" presId="urn:microsoft.com/office/officeart/2005/8/layout/cycle4"/>
-    <dgm:cxn modelId="{90093FC6-106B-40B8-B2D8-BDC679A6E175}" type="presOf" srcId="{3F442EA2-39BA-4C9A-AD59-755D4917D532}" destId="{4A4689FF-1AD8-47FE-A3D7-AB163334256A}" srcOrd="0" destOrd="0" presId="urn:microsoft.com/office/officeart/2005/8/layout/cycle4"/>
-    <dgm:cxn modelId="{8CA4CBC5-30D7-40F4-93E2-B729D6727269}" type="presParOf" srcId="{4A4689FF-1AD8-47FE-A3D7-AB163334256A}" destId="{7D1BE536-1524-4F1E-8279-2E337A3E001B}" srcOrd="0" destOrd="0" presId="urn:microsoft.com/office/officeart/2005/8/layout/cycle4"/>
-    <dgm:cxn modelId="{D73B3935-2017-46CD-9188-071AD8CFE71C}" type="presParOf" srcId="{7D1BE536-1524-4F1E-8279-2E337A3E001B}" destId="{FC30FC85-C46F-401D-9210-FFE7FD8D7D6C}" srcOrd="0" destOrd="0" presId="urn:microsoft.com/office/officeart/2005/8/layout/cycle4"/>
-    <dgm:cxn modelId="{A7596D1B-573A-4C33-ABFF-E89F79A024E6}" type="presParOf" srcId="{FC30FC85-C46F-401D-9210-FFE7FD8D7D6C}" destId="{5F294424-128F-4F49-A947-AE61973EAE00}" srcOrd="0" destOrd="0" presId="urn:microsoft.com/office/officeart/2005/8/layout/cycle4"/>
-    <dgm:cxn modelId="{4C64A786-2101-465F-BA2A-D4C359852A69}" type="presParOf" srcId="{FC30FC85-C46F-401D-9210-FFE7FD8D7D6C}" destId="{CBCDA14D-5AEE-47A2-8093-B71CA12EEE53}" srcOrd="1" destOrd="0" presId="urn:microsoft.com/office/officeart/2005/8/layout/cycle4"/>
-    <dgm:cxn modelId="{89AC0F46-EEC9-40F9-9A64-3FFC941F321C}" type="presParOf" srcId="{7D1BE536-1524-4F1E-8279-2E337A3E001B}" destId="{4668DD4C-C74F-49FF-99B6-291E8D142562}" srcOrd="1" destOrd="0" presId="urn:microsoft.com/office/officeart/2005/8/layout/cycle4"/>
-    <dgm:cxn modelId="{DADBC15D-CE1E-4552-8D53-890E4808967B}" type="presParOf" srcId="{4668DD4C-C74F-49FF-99B6-291E8D142562}" destId="{2B7E178D-D2B9-45A7-971B-5ACDCF619DB8}" srcOrd="0" destOrd="0" presId="urn:microsoft.com/office/officeart/2005/8/layout/cycle4"/>
-    <dgm:cxn modelId="{D1CEEE68-12AC-4718-8764-9866F2A4FCA7}" type="presParOf" srcId="{4668DD4C-C74F-49FF-99B6-291E8D142562}" destId="{C464CBCE-A35B-4EFA-BE1E-2E249D734B67}" srcOrd="1" destOrd="0" presId="urn:microsoft.com/office/officeart/2005/8/layout/cycle4"/>
-    <dgm:cxn modelId="{9BC83F88-F948-4DB9-8243-802BB105C4E9}" type="presParOf" srcId="{7D1BE536-1524-4F1E-8279-2E337A3E001B}" destId="{FF76F8AA-C054-4BE6-BCBA-A23AA7D7991D}" srcOrd="2" destOrd="0" presId="urn:microsoft.com/office/officeart/2005/8/layout/cycle4"/>
-    <dgm:cxn modelId="{578E3240-8E2A-4099-A068-DF19697C39B9}" type="presParOf" srcId="{FF76F8AA-C054-4BE6-BCBA-A23AA7D7991D}" destId="{7F858A0B-2BB0-410F-A358-03F7132D0C59}" srcOrd="0" destOrd="0" presId="urn:microsoft.com/office/officeart/2005/8/layout/cycle4"/>
-    <dgm:cxn modelId="{4AAA0BB6-083D-4906-95EF-6C96BD288204}" type="presParOf" srcId="{FF76F8AA-C054-4BE6-BCBA-A23AA7D7991D}" destId="{7211D049-B987-4973-88A3-12B719D60AE9}" srcOrd="1" destOrd="0" presId="urn:microsoft.com/office/officeart/2005/8/layout/cycle4"/>
-    <dgm:cxn modelId="{E4D93A8B-F631-486B-90CE-6D78E1F1E226}" type="presParOf" srcId="{7D1BE536-1524-4F1E-8279-2E337A3E001B}" destId="{729FCC80-E58F-493B-915B-81CB95DBA265}" srcOrd="3" destOrd="0" presId="urn:microsoft.com/office/officeart/2005/8/layout/cycle4"/>
-    <dgm:cxn modelId="{17AF54EA-8FD5-4095-BFA5-4B22EA8B31A1}" type="presParOf" srcId="{729FCC80-E58F-493B-915B-81CB95DBA265}" destId="{70FB8B28-4F62-4D1E-9753-45B29BD7208F}" srcOrd="0" destOrd="0" presId="urn:microsoft.com/office/officeart/2005/8/layout/cycle4"/>
-    <dgm:cxn modelId="{C1F98CA8-B083-4645-8EB9-B33E608BEE27}" type="presParOf" srcId="{729FCC80-E58F-493B-915B-81CB95DBA265}" destId="{A2109B93-2746-4853-8757-B67EC4D87349}" srcOrd="1" destOrd="0" presId="urn:microsoft.com/office/officeart/2005/8/layout/cycle4"/>
-    <dgm:cxn modelId="{B03E88F9-E9AF-4CB5-A903-4B863247CF7B}" type="presParOf" srcId="{7D1BE536-1524-4F1E-8279-2E337A3E001B}" destId="{82A2F169-6804-4400-8469-E8C27799A984}" srcOrd="4" destOrd="0" presId="urn:microsoft.com/office/officeart/2005/8/layout/cycle4"/>
-    <dgm:cxn modelId="{4EAB819F-D344-4836-AD75-92349F99F884}" type="presParOf" srcId="{4A4689FF-1AD8-47FE-A3D7-AB163334256A}" destId="{D417759D-00A5-43BD-8D7D-CA7159B2DDC0}" srcOrd="1" destOrd="0" presId="urn:microsoft.com/office/officeart/2005/8/layout/cycle4"/>
-    <dgm:cxn modelId="{ECD2A63E-3BA5-434B-BA23-A6C41332A961}" type="presParOf" srcId="{D417759D-00A5-43BD-8D7D-CA7159B2DDC0}" destId="{D8D2586A-3166-43FC-936A-5541FDB4A7FD}" srcOrd="0" destOrd="0" presId="urn:microsoft.com/office/officeart/2005/8/layout/cycle4"/>
-    <dgm:cxn modelId="{EC205D7E-C58A-43E2-B958-0AFAC24F9FAA}" type="presParOf" srcId="{D417759D-00A5-43BD-8D7D-CA7159B2DDC0}" destId="{9545ED95-F510-4B44-85DB-C0CC48BFB181}" srcOrd="1" destOrd="0" presId="urn:microsoft.com/office/officeart/2005/8/layout/cycle4"/>
-    <dgm:cxn modelId="{21AA5FB0-EA45-4FB3-9C18-3E6288E407A9}" type="presParOf" srcId="{D417759D-00A5-43BD-8D7D-CA7159B2DDC0}" destId="{49BA61B3-9627-4C11-A21B-B127063AFCA8}" srcOrd="2" destOrd="0" presId="urn:microsoft.com/office/officeart/2005/8/layout/cycle4"/>
-    <dgm:cxn modelId="{BA517ACF-1FC1-40A2-897A-DA620275AF28}" type="presParOf" srcId="{D417759D-00A5-43BD-8D7D-CA7159B2DDC0}" destId="{D50D1F1D-B5AC-43F9-9F8B-397D80CFC0BD}" srcOrd="3" destOrd="0" presId="urn:microsoft.com/office/officeart/2005/8/layout/cycle4"/>
-    <dgm:cxn modelId="{FCFF7BF8-0660-4B11-96C9-D5E9F67A7556}" type="presParOf" srcId="{D417759D-00A5-43BD-8D7D-CA7159B2DDC0}" destId="{40FB2119-8D51-4032-87E3-4FAED781E2B8}" srcOrd="4" destOrd="0" presId="urn:microsoft.com/office/officeart/2005/8/layout/cycle4"/>
-    <dgm:cxn modelId="{788D4BF8-9C51-4EAC-908F-D2E71BFEFD75}" type="presParOf" srcId="{4A4689FF-1AD8-47FE-A3D7-AB163334256A}" destId="{FCA88EAA-36C5-478E-95E4-724920FABFE8}" srcOrd="2" destOrd="0" presId="urn:microsoft.com/office/officeart/2005/8/layout/cycle4"/>
-    <dgm:cxn modelId="{E603A3F1-1B87-485D-828B-D759BCCCB28D}" type="presParOf" srcId="{4A4689FF-1AD8-47FE-A3D7-AB163334256A}" destId="{C38EF9AB-AD1F-4BBA-9BD6-D73C6F715F30}" srcOrd="3" destOrd="0" presId="urn:microsoft.com/office/officeart/2005/8/layout/cycle4"/>
-  </dgm:cxnLst>
-  <dgm:bg/>
-  <dgm:whole/>
-  <dgm:extLst>
-    <a:ext uri="http://schemas.microsoft.com/office/drawing/2008/diagram">
-      <dsp:dataModelExt xmlns:dsp="http://schemas.microsoft.com/office/drawing/2008/diagram" relId="rId6" minVer="http://schemas.openxmlformats.org/drawingml/2006/diagram"/>
-    </a:ext>
-  </dgm:extLst>
-</dgm:dataModel>
-</file>
-
-<file path=ppt/diagrams/drawing1.xml><?xml version="1.0" encoding="utf-8"?>
-<dsp:drawing xmlns:dgm="http://schemas.openxmlformats.org/drawingml/2006/diagram" xmlns:dsp="http://schemas.microsoft.com/office/drawing/2008/diagram" xmlns:a="http://schemas.openxmlformats.org/drawingml/2006/main">
-  <dsp:spTree>
-    <dsp:nvGrpSpPr>
-      <dsp:cNvPr id="0" name=""/>
-      <dsp:cNvGrpSpPr/>
-    </dsp:nvGrpSpPr>
-    <dsp:grpSpPr/>
-    <dsp:sp modelId="{7F858A0B-2BB0-410F-A358-03F7132D0C59}">
-      <dsp:nvSpPr>
-        <dsp:cNvPr id="0" name=""/>
-        <dsp:cNvSpPr/>
-      </dsp:nvSpPr>
-      <dsp:spPr>
-        <a:xfrm>
-          <a:off x="3212591" y="2893121"/>
-          <a:ext cx="1969008" cy="1275470"/>
-        </a:xfrm>
-        <a:prstGeom prst="roundRect">
-          <a:avLst>
-            <a:gd name="adj" fmla="val 10000"/>
-          </a:avLst>
-        </a:prstGeom>
-        <a:solidFill>
-          <a:schemeClr val="lt1">
-            <a:alpha val="90000"/>
-            <a:hueOff val="0"/>
-            <a:satOff val="0"/>
-            <a:lumOff val="0"/>
-            <a:alphaOff val="0"/>
-          </a:schemeClr>
-        </a:solidFill>
-        <a:ln w="12700" cap="flat" cmpd="sng" algn="ctr">
-          <a:solidFill>
-            <a:schemeClr val="accent2">
-              <a:hueOff val="26025"/>
-              <a:satOff val="-17917"/>
-              <a:lumOff val="-4575"/>
-              <a:alphaOff val="0"/>
-            </a:schemeClr>
-          </a:solidFill>
-          <a:prstDash val="solid"/>
-          <a:miter lim="800000"/>
-        </a:ln>
-        <a:effectLst/>
-      </dsp:spPr>
-      <dsp:style>
-        <a:lnRef idx="2">
-          <a:scrgbClr r="0" g="0" b="0"/>
-        </a:lnRef>
-        <a:fillRef idx="1">
-          <a:scrgbClr r="0" g="0" b="0"/>
-        </a:fillRef>
-        <a:effectRef idx="0">
-          <a:scrgbClr r="0" g="0" b="0"/>
-        </a:effectRef>
-        <a:fontRef idx="minor"/>
-      </dsp:style>
-      <dsp:txBody>
-        <a:bodyPr spcFirstLastPara="0" vert="horz" wrap="square" lIns="114300" tIns="114300" rIns="114300" bIns="114300" numCol="1" spcCol="1270" anchor="t" anchorCtr="0">
-          <a:noAutofit/>
-        </a:bodyPr>
-        <a:lstStyle/>
-        <a:p>
-          <a:pPr marL="228600" lvl="1" indent="-228600" algn="l" defTabSz="1022350">
-            <a:lnSpc>
-              <a:spcPct val="90000"/>
-            </a:lnSpc>
-            <a:spcBef>
-              <a:spcPct val="0"/>
-            </a:spcBef>
-            <a:spcAft>
-              <a:spcPct val="15000"/>
-            </a:spcAft>
-            <a:buChar char="••"/>
-          </a:pPr>
-          <a:r>
-            <a:rPr lang="en-US" sz="2300" kern="1200" dirty="0"/>
-            <a:t>Task 1</a:t>
-          </a:r>
-        </a:p>
-        <a:p>
-          <a:pPr marL="228600" lvl="1" indent="-228600" algn="l" defTabSz="1022350">
-            <a:lnSpc>
-              <a:spcPct val="90000"/>
-            </a:lnSpc>
-            <a:spcBef>
-              <a:spcPct val="0"/>
-            </a:spcBef>
-            <a:spcAft>
-              <a:spcPct val="15000"/>
-            </a:spcAft>
-            <a:buChar char="••"/>
-          </a:pPr>
-          <a:r>
-            <a:rPr lang="en-US" sz="2300" kern="1200" dirty="0"/>
-            <a:t>Task 2</a:t>
-          </a:r>
-        </a:p>
-      </dsp:txBody>
-      <dsp:txXfrm>
-        <a:off x="3831312" y="3240006"/>
-        <a:ext cx="1322269" cy="900567"/>
-      </dsp:txXfrm>
-    </dsp:sp>
-    <dsp:sp modelId="{70FB8B28-4F62-4D1E-9753-45B29BD7208F}">
-      <dsp:nvSpPr>
-        <dsp:cNvPr id="0" name=""/>
-        <dsp:cNvSpPr/>
-      </dsp:nvSpPr>
-      <dsp:spPr>
-        <a:xfrm>
-          <a:off x="0" y="2893121"/>
-          <a:ext cx="1969008" cy="1275470"/>
-        </a:xfrm>
-        <a:prstGeom prst="roundRect">
-          <a:avLst>
-            <a:gd name="adj" fmla="val 10000"/>
-          </a:avLst>
-        </a:prstGeom>
-        <a:solidFill>
-          <a:schemeClr val="lt1">
-            <a:alpha val="90000"/>
-            <a:hueOff val="0"/>
-            <a:satOff val="0"/>
-            <a:lumOff val="0"/>
-            <a:alphaOff val="0"/>
-          </a:schemeClr>
-        </a:solidFill>
-        <a:ln w="12700" cap="flat" cmpd="sng" algn="ctr">
-          <a:solidFill>
-            <a:schemeClr val="accent2">
-              <a:hueOff val="39038"/>
-              <a:satOff val="-26876"/>
-              <a:lumOff val="-6863"/>
-              <a:alphaOff val="0"/>
-            </a:schemeClr>
-          </a:solidFill>
-          <a:prstDash val="solid"/>
-          <a:miter lim="800000"/>
-        </a:ln>
-        <a:effectLst/>
-      </dsp:spPr>
-      <dsp:style>
-        <a:lnRef idx="2">
-          <a:scrgbClr r="0" g="0" b="0"/>
-        </a:lnRef>
-        <a:fillRef idx="1">
-          <a:scrgbClr r="0" g="0" b="0"/>
-        </a:fillRef>
-        <a:effectRef idx="0">
-          <a:scrgbClr r="0" g="0" b="0"/>
-        </a:effectRef>
-        <a:fontRef idx="minor"/>
-      </dsp:style>
-      <dsp:txBody>
-        <a:bodyPr spcFirstLastPara="0" vert="horz" wrap="square" lIns="114300" tIns="114300" rIns="114300" bIns="114300" numCol="1" spcCol="1270" anchor="t" anchorCtr="0">
-          <a:noAutofit/>
-        </a:bodyPr>
-        <a:lstStyle/>
-        <a:p>
-          <a:pPr marL="228600" lvl="1" indent="-228600" algn="l" defTabSz="1022350">
-            <a:lnSpc>
-              <a:spcPct val="90000"/>
-            </a:lnSpc>
-            <a:spcBef>
-              <a:spcPct val="0"/>
-            </a:spcBef>
-            <a:spcAft>
-              <a:spcPct val="15000"/>
-            </a:spcAft>
-            <a:buChar char="••"/>
-          </a:pPr>
-          <a:r>
-            <a:rPr lang="en-US" sz="2300" kern="1200" dirty="0"/>
-            <a:t>Task 1</a:t>
-          </a:r>
-        </a:p>
-        <a:p>
-          <a:pPr marL="228600" lvl="1" indent="-228600" algn="l" defTabSz="1022350">
-            <a:lnSpc>
-              <a:spcPct val="90000"/>
-            </a:lnSpc>
-            <a:spcBef>
-              <a:spcPct val="0"/>
-            </a:spcBef>
-            <a:spcAft>
-              <a:spcPct val="15000"/>
-            </a:spcAft>
-            <a:buChar char="••"/>
-          </a:pPr>
-          <a:r>
-            <a:rPr lang="en-US" sz="2300" kern="1200" dirty="0"/>
-            <a:t>Task 2</a:t>
-          </a:r>
-        </a:p>
-      </dsp:txBody>
-      <dsp:txXfrm>
-        <a:off x="28018" y="3240006"/>
-        <a:ext cx="1322269" cy="900567"/>
-      </dsp:txXfrm>
-    </dsp:sp>
-    <dsp:sp modelId="{2B7E178D-D2B9-45A7-971B-5ACDCF619DB8}">
-      <dsp:nvSpPr>
-        <dsp:cNvPr id="0" name=""/>
-        <dsp:cNvSpPr/>
-      </dsp:nvSpPr>
-      <dsp:spPr>
-        <a:xfrm>
-          <a:off x="3212591" y="182745"/>
-          <a:ext cx="1969008" cy="1275470"/>
-        </a:xfrm>
-        <a:prstGeom prst="roundRect">
-          <a:avLst>
-            <a:gd name="adj" fmla="val 10000"/>
-          </a:avLst>
-        </a:prstGeom>
-        <a:solidFill>
-          <a:schemeClr val="lt1">
-            <a:alpha val="90000"/>
-            <a:hueOff val="0"/>
-            <a:satOff val="0"/>
-            <a:lumOff val="0"/>
-            <a:alphaOff val="0"/>
-          </a:schemeClr>
-        </a:solidFill>
-        <a:ln w="12700" cap="flat" cmpd="sng" algn="ctr">
-          <a:solidFill>
-            <a:schemeClr val="accent2">
-              <a:hueOff val="13013"/>
-              <a:satOff val="-8959"/>
-              <a:lumOff val="-2288"/>
-              <a:alphaOff val="0"/>
-            </a:schemeClr>
-          </a:solidFill>
-          <a:prstDash val="solid"/>
-          <a:miter lim="800000"/>
-        </a:ln>
-        <a:effectLst/>
-      </dsp:spPr>
-      <dsp:style>
-        <a:lnRef idx="2">
-          <a:scrgbClr r="0" g="0" b="0"/>
-        </a:lnRef>
-        <a:fillRef idx="1">
-          <a:scrgbClr r="0" g="0" b="0"/>
-        </a:fillRef>
-        <a:effectRef idx="0">
-          <a:scrgbClr r="0" g="0" b="0"/>
-        </a:effectRef>
-        <a:fontRef idx="minor"/>
-      </dsp:style>
-      <dsp:txBody>
-        <a:bodyPr spcFirstLastPara="0" vert="horz" wrap="square" lIns="114300" tIns="114300" rIns="114300" bIns="114300" numCol="1" spcCol="1270" anchor="t" anchorCtr="0">
-          <a:noAutofit/>
-        </a:bodyPr>
-        <a:lstStyle/>
-        <a:p>
-          <a:pPr marL="228600" lvl="1" indent="-228600" algn="l" defTabSz="1022350">
-            <a:lnSpc>
-              <a:spcPct val="90000"/>
-            </a:lnSpc>
-            <a:spcBef>
-              <a:spcPct val="0"/>
-            </a:spcBef>
-            <a:spcAft>
-              <a:spcPct val="15000"/>
-            </a:spcAft>
-            <a:buChar char="••"/>
-          </a:pPr>
-          <a:r>
-            <a:rPr lang="en-US" sz="2300" kern="1200" dirty="0"/>
-            <a:t>Task 1</a:t>
-          </a:r>
-        </a:p>
-        <a:p>
-          <a:pPr marL="228600" lvl="1" indent="-228600" algn="l" defTabSz="1022350">
-            <a:lnSpc>
-              <a:spcPct val="90000"/>
-            </a:lnSpc>
-            <a:spcBef>
-              <a:spcPct val="0"/>
-            </a:spcBef>
-            <a:spcAft>
-              <a:spcPct val="15000"/>
-            </a:spcAft>
-            <a:buChar char="••"/>
-          </a:pPr>
-          <a:r>
-            <a:rPr lang="en-US" sz="2300" kern="1200" dirty="0"/>
-            <a:t>Task 2</a:t>
-          </a:r>
-        </a:p>
-      </dsp:txBody>
-      <dsp:txXfrm>
-        <a:off x="3831312" y="210763"/>
-        <a:ext cx="1322269" cy="900567"/>
-      </dsp:txXfrm>
-    </dsp:sp>
-    <dsp:sp modelId="{5F294424-128F-4F49-A947-AE61973EAE00}">
-      <dsp:nvSpPr>
-        <dsp:cNvPr id="0" name=""/>
-        <dsp:cNvSpPr/>
-      </dsp:nvSpPr>
-      <dsp:spPr>
-        <a:xfrm>
-          <a:off x="0" y="182745"/>
-          <a:ext cx="1969008" cy="1275470"/>
-        </a:xfrm>
-        <a:prstGeom prst="roundRect">
-          <a:avLst>
-            <a:gd name="adj" fmla="val 10000"/>
-          </a:avLst>
-        </a:prstGeom>
-        <a:solidFill>
-          <a:schemeClr val="lt1">
-            <a:alpha val="90000"/>
-            <a:hueOff val="0"/>
-            <a:satOff val="0"/>
-            <a:lumOff val="0"/>
-            <a:alphaOff val="0"/>
-          </a:schemeClr>
-        </a:solidFill>
-        <a:ln w="12700" cap="flat" cmpd="sng" algn="ctr">
-          <a:solidFill>
-            <a:schemeClr val="accent2">
-              <a:hueOff val="0"/>
-              <a:satOff val="0"/>
-              <a:lumOff val="0"/>
-              <a:alphaOff val="0"/>
-            </a:schemeClr>
-          </a:solidFill>
-          <a:prstDash val="solid"/>
-          <a:miter lim="800000"/>
-        </a:ln>
-        <a:effectLst/>
-      </dsp:spPr>
-      <dsp:style>
-        <a:lnRef idx="2">
-          <a:scrgbClr r="0" g="0" b="0"/>
-        </a:lnRef>
-        <a:fillRef idx="1">
-          <a:scrgbClr r="0" g="0" b="0"/>
-        </a:fillRef>
-        <a:effectRef idx="0">
-          <a:scrgbClr r="0" g="0" b="0"/>
-        </a:effectRef>
-        <a:fontRef idx="minor"/>
-      </dsp:style>
-      <dsp:txBody>
-        <a:bodyPr spcFirstLastPara="0" vert="horz" wrap="square" lIns="114300" tIns="114300" rIns="114300" bIns="114300" numCol="1" spcCol="1270" anchor="t" anchorCtr="0">
-          <a:noAutofit/>
-        </a:bodyPr>
-        <a:lstStyle/>
-        <a:p>
-          <a:pPr marL="228600" lvl="1" indent="-228600" algn="l" defTabSz="1022350">
-            <a:lnSpc>
-              <a:spcPct val="90000"/>
-            </a:lnSpc>
-            <a:spcBef>
-              <a:spcPct val="0"/>
-            </a:spcBef>
-            <a:spcAft>
-              <a:spcPct val="15000"/>
-            </a:spcAft>
-            <a:buChar char="••"/>
-          </a:pPr>
-          <a:r>
-            <a:rPr lang="en-US" sz="2300" kern="1200" dirty="0"/>
-            <a:t>Task 1</a:t>
-          </a:r>
-        </a:p>
-        <a:p>
-          <a:pPr marL="228600" lvl="1" indent="-228600" algn="l" defTabSz="1022350">
-            <a:lnSpc>
-              <a:spcPct val="90000"/>
-            </a:lnSpc>
-            <a:spcBef>
-              <a:spcPct val="0"/>
-            </a:spcBef>
-            <a:spcAft>
-              <a:spcPct val="15000"/>
-            </a:spcAft>
-            <a:buChar char="••"/>
-          </a:pPr>
-          <a:r>
-            <a:rPr lang="en-US" sz="2300" kern="1200" dirty="0"/>
-            <a:t>Task 2</a:t>
-          </a:r>
-        </a:p>
-      </dsp:txBody>
-      <dsp:txXfrm>
-        <a:off x="28018" y="210763"/>
-        <a:ext cx="1322269" cy="900567"/>
-      </dsp:txXfrm>
-    </dsp:sp>
-    <dsp:sp modelId="{D8D2586A-3166-43FC-936A-5541FDB4A7FD}">
-      <dsp:nvSpPr>
-        <dsp:cNvPr id="0" name=""/>
-        <dsp:cNvSpPr/>
-      </dsp:nvSpPr>
-      <dsp:spPr>
-        <a:xfrm>
-          <a:off x="825070" y="409939"/>
-          <a:ext cx="1725871" cy="1725871"/>
-        </a:xfrm>
-        <a:prstGeom prst="pieWedge">
-          <a:avLst/>
-        </a:prstGeom>
-        <a:solidFill>
-          <a:schemeClr val="accent2">
-            <a:hueOff val="0"/>
-            <a:satOff val="0"/>
-            <a:lumOff val="0"/>
-            <a:alphaOff val="0"/>
-          </a:schemeClr>
-        </a:solidFill>
-        <a:ln w="12700" cap="flat" cmpd="sng" algn="ctr">
-          <a:solidFill>
-            <a:schemeClr val="lt1">
-              <a:hueOff val="0"/>
-              <a:satOff val="0"/>
-              <a:lumOff val="0"/>
-              <a:alphaOff val="0"/>
-            </a:schemeClr>
-          </a:solidFill>
-          <a:prstDash val="solid"/>
-          <a:miter lim="800000"/>
-        </a:ln>
-        <a:effectLst/>
-      </dsp:spPr>
-      <dsp:style>
-        <a:lnRef idx="2">
-          <a:scrgbClr r="0" g="0" b="0"/>
-        </a:lnRef>
-        <a:fillRef idx="1">
-          <a:scrgbClr r="0" g="0" b="0"/>
-        </a:fillRef>
-        <a:effectRef idx="0">
-          <a:scrgbClr r="0" g="0" b="0"/>
-        </a:effectRef>
-        <a:fontRef idx="minor">
-          <a:schemeClr val="lt1"/>
-        </a:fontRef>
-      </dsp:style>
-      <dsp:txBody>
-        <a:bodyPr spcFirstLastPara="0" vert="horz" wrap="square" lIns="170688" tIns="170688" rIns="170688" bIns="170688" numCol="1" spcCol="1270" anchor="ctr" anchorCtr="0">
-          <a:noAutofit/>
-        </a:bodyPr>
-        <a:lstStyle/>
-        <a:p>
-          <a:pPr lvl="0" algn="ctr" defTabSz="1066800">
-            <a:lnSpc>
-              <a:spcPct val="90000"/>
-            </a:lnSpc>
-            <a:spcBef>
-              <a:spcPct val="0"/>
-            </a:spcBef>
-            <a:spcAft>
-              <a:spcPct val="35000"/>
-            </a:spcAft>
-          </a:pPr>
-          <a:r>
-            <a:rPr lang="en-US" sz="2400" kern="1200" dirty="0"/>
-            <a:t>Group A</a:t>
-          </a:r>
-        </a:p>
-      </dsp:txBody>
-      <dsp:txXfrm>
-        <a:off x="1330566" y="915435"/>
-        <a:ext cx="1220375" cy="1220375"/>
-      </dsp:txXfrm>
-    </dsp:sp>
-    <dsp:sp modelId="{9545ED95-F510-4B44-85DB-C0CC48BFB181}">
-      <dsp:nvSpPr>
-        <dsp:cNvPr id="0" name=""/>
-        <dsp:cNvSpPr/>
-      </dsp:nvSpPr>
-      <dsp:spPr>
-        <a:xfrm rot="5400000">
-          <a:off x="2630658" y="409939"/>
-          <a:ext cx="1725871" cy="1725871"/>
-        </a:xfrm>
-        <a:prstGeom prst="pieWedge">
-          <a:avLst/>
-        </a:prstGeom>
-        <a:solidFill>
-          <a:schemeClr val="accent2">
-            <a:hueOff val="13013"/>
-            <a:satOff val="-8959"/>
-            <a:lumOff val="-2288"/>
-            <a:alphaOff val="0"/>
-          </a:schemeClr>
-        </a:solidFill>
-        <a:ln w="12700" cap="flat" cmpd="sng" algn="ctr">
-          <a:solidFill>
-            <a:schemeClr val="lt1">
-              <a:hueOff val="0"/>
-              <a:satOff val="0"/>
-              <a:lumOff val="0"/>
-              <a:alphaOff val="0"/>
-            </a:schemeClr>
-          </a:solidFill>
-          <a:prstDash val="solid"/>
-          <a:miter lim="800000"/>
-        </a:ln>
-        <a:effectLst/>
-      </dsp:spPr>
-      <dsp:style>
-        <a:lnRef idx="2">
-          <a:scrgbClr r="0" g="0" b="0"/>
-        </a:lnRef>
-        <a:fillRef idx="1">
-          <a:scrgbClr r="0" g="0" b="0"/>
-        </a:fillRef>
-        <a:effectRef idx="0">
-          <a:scrgbClr r="0" g="0" b="0"/>
-        </a:effectRef>
-        <a:fontRef idx="minor">
-          <a:schemeClr val="lt1"/>
-        </a:fontRef>
-      </dsp:style>
-      <dsp:txBody>
-        <a:bodyPr spcFirstLastPara="0" vert="horz" wrap="square" lIns="170688" tIns="170688" rIns="170688" bIns="170688" numCol="1" spcCol="1270" anchor="ctr" anchorCtr="0">
-          <a:noAutofit/>
-        </a:bodyPr>
-        <a:lstStyle/>
-        <a:p>
-          <a:pPr lvl="0" algn="ctr" defTabSz="1066800">
-            <a:lnSpc>
-              <a:spcPct val="90000"/>
-            </a:lnSpc>
-            <a:spcBef>
-              <a:spcPct val="0"/>
-            </a:spcBef>
-            <a:spcAft>
-              <a:spcPct val="35000"/>
-            </a:spcAft>
-          </a:pPr>
-          <a:r>
-            <a:rPr lang="en-US" sz="2400" kern="1200" dirty="0"/>
-            <a:t>Group B</a:t>
-          </a:r>
-        </a:p>
-      </dsp:txBody>
-      <dsp:txXfrm rot="-5400000">
-        <a:off x="2630658" y="915435"/>
-        <a:ext cx="1220375" cy="1220375"/>
-      </dsp:txXfrm>
-    </dsp:sp>
-    <dsp:sp modelId="{49BA61B3-9627-4C11-A21B-B127063AFCA8}">
-      <dsp:nvSpPr>
-        <dsp:cNvPr id="0" name=""/>
-        <dsp:cNvSpPr/>
-      </dsp:nvSpPr>
-      <dsp:spPr>
-        <a:xfrm rot="10800000">
-          <a:off x="2630658" y="2215527"/>
-          <a:ext cx="1725871" cy="1725871"/>
-        </a:xfrm>
-        <a:prstGeom prst="pieWedge">
-          <a:avLst/>
-        </a:prstGeom>
-        <a:solidFill>
-          <a:schemeClr val="accent2">
-            <a:hueOff val="26025"/>
-            <a:satOff val="-17917"/>
-            <a:lumOff val="-4575"/>
-            <a:alphaOff val="0"/>
-          </a:schemeClr>
-        </a:solidFill>
-        <a:ln w="12700" cap="flat" cmpd="sng" algn="ctr">
-          <a:solidFill>
-            <a:schemeClr val="lt1">
-              <a:hueOff val="0"/>
-              <a:satOff val="0"/>
-              <a:lumOff val="0"/>
-              <a:alphaOff val="0"/>
-            </a:schemeClr>
-          </a:solidFill>
-          <a:prstDash val="solid"/>
-          <a:miter lim="800000"/>
-        </a:ln>
-        <a:effectLst/>
-      </dsp:spPr>
-      <dsp:style>
-        <a:lnRef idx="2">
-          <a:scrgbClr r="0" g="0" b="0"/>
-        </a:lnRef>
-        <a:fillRef idx="1">
-          <a:scrgbClr r="0" g="0" b="0"/>
-        </a:fillRef>
-        <a:effectRef idx="0">
-          <a:scrgbClr r="0" g="0" b="0"/>
-        </a:effectRef>
-        <a:fontRef idx="minor">
-          <a:schemeClr val="lt1"/>
-        </a:fontRef>
-      </dsp:style>
-      <dsp:txBody>
-        <a:bodyPr spcFirstLastPara="0" vert="horz" wrap="square" lIns="170688" tIns="170688" rIns="170688" bIns="170688" numCol="1" spcCol="1270" anchor="ctr" anchorCtr="0">
-          <a:noAutofit/>
-        </a:bodyPr>
-        <a:lstStyle/>
-        <a:p>
-          <a:pPr lvl="0" algn="ctr" defTabSz="1066800">
-            <a:lnSpc>
-              <a:spcPct val="90000"/>
-            </a:lnSpc>
-            <a:spcBef>
-              <a:spcPct val="0"/>
-            </a:spcBef>
-            <a:spcAft>
-              <a:spcPct val="35000"/>
-            </a:spcAft>
-          </a:pPr>
-          <a:r>
-            <a:rPr lang="en-US" sz="2400" kern="1200" dirty="0"/>
-            <a:t>Group C</a:t>
-          </a:r>
-        </a:p>
-      </dsp:txBody>
-      <dsp:txXfrm rot="10800000">
-        <a:off x="2630658" y="2215527"/>
-        <a:ext cx="1220375" cy="1220375"/>
-      </dsp:txXfrm>
-    </dsp:sp>
-    <dsp:sp modelId="{D50D1F1D-B5AC-43F9-9F8B-397D80CFC0BD}">
-      <dsp:nvSpPr>
-        <dsp:cNvPr id="0" name=""/>
-        <dsp:cNvSpPr/>
-      </dsp:nvSpPr>
-      <dsp:spPr>
-        <a:xfrm rot="16200000">
-          <a:off x="825070" y="2215527"/>
-          <a:ext cx="1725871" cy="1725871"/>
-        </a:xfrm>
-        <a:prstGeom prst="pieWedge">
-          <a:avLst/>
-        </a:prstGeom>
-        <a:solidFill>
-          <a:schemeClr val="accent2">
-            <a:hueOff val="39038"/>
-            <a:satOff val="-26876"/>
-            <a:lumOff val="-6863"/>
-            <a:alphaOff val="0"/>
-          </a:schemeClr>
-        </a:solidFill>
-        <a:ln w="12700" cap="flat" cmpd="sng" algn="ctr">
-          <a:solidFill>
-            <a:schemeClr val="lt1">
-              <a:hueOff val="0"/>
-              <a:satOff val="0"/>
-              <a:lumOff val="0"/>
-              <a:alphaOff val="0"/>
-            </a:schemeClr>
-          </a:solidFill>
-          <a:prstDash val="solid"/>
-          <a:miter lim="800000"/>
-        </a:ln>
-        <a:effectLst/>
-      </dsp:spPr>
-      <dsp:style>
-        <a:lnRef idx="2">
-          <a:scrgbClr r="0" g="0" b="0"/>
-        </a:lnRef>
-        <a:fillRef idx="1">
-          <a:scrgbClr r="0" g="0" b="0"/>
-        </a:fillRef>
-        <a:effectRef idx="0">
-          <a:scrgbClr r="0" g="0" b="0"/>
-        </a:effectRef>
-        <a:fontRef idx="minor">
-          <a:schemeClr val="lt1"/>
-        </a:fontRef>
-      </dsp:style>
-      <dsp:txBody>
-        <a:bodyPr spcFirstLastPara="0" vert="horz" wrap="square" lIns="170688" tIns="170688" rIns="170688" bIns="170688" numCol="1" spcCol="1270" anchor="ctr" anchorCtr="0">
-          <a:noAutofit/>
-        </a:bodyPr>
-        <a:lstStyle/>
-        <a:p>
-          <a:pPr lvl="0" algn="ctr" defTabSz="1066800">
-            <a:lnSpc>
-              <a:spcPct val="90000"/>
-            </a:lnSpc>
-            <a:spcBef>
-              <a:spcPct val="0"/>
-            </a:spcBef>
-            <a:spcAft>
-              <a:spcPct val="35000"/>
-            </a:spcAft>
-          </a:pPr>
-          <a:r>
-            <a:rPr lang="en-US" sz="2400" kern="1200" dirty="0"/>
-            <a:t>Group D</a:t>
-          </a:r>
-        </a:p>
-      </dsp:txBody>
-      <dsp:txXfrm rot="5400000">
-        <a:off x="1330566" y="2215527"/>
-        <a:ext cx="1220375" cy="1220375"/>
-      </dsp:txXfrm>
-    </dsp:sp>
-    <dsp:sp modelId="{FCA88EAA-36C5-478E-95E4-724920FABFE8}">
-      <dsp:nvSpPr>
-        <dsp:cNvPr id="0" name=""/>
-        <dsp:cNvSpPr/>
-      </dsp:nvSpPr>
-      <dsp:spPr>
-        <a:xfrm>
-          <a:off x="2292858" y="1816942"/>
-          <a:ext cx="595884" cy="518160"/>
-        </a:xfrm>
-        <a:prstGeom prst="circularArrow">
-          <a:avLst/>
-        </a:prstGeom>
-        <a:solidFill>
-          <a:schemeClr val="accent2">
-            <a:tint val="40000"/>
-            <a:hueOff val="0"/>
-            <a:satOff val="0"/>
-            <a:lumOff val="0"/>
-            <a:alphaOff val="0"/>
-          </a:schemeClr>
-        </a:solidFill>
-        <a:ln w="12700" cap="flat" cmpd="sng" algn="ctr">
-          <a:solidFill>
-            <a:schemeClr val="lt1">
-              <a:hueOff val="0"/>
-              <a:satOff val="0"/>
-              <a:lumOff val="0"/>
-              <a:alphaOff val="0"/>
-            </a:schemeClr>
-          </a:solidFill>
-          <a:prstDash val="solid"/>
-          <a:miter lim="800000"/>
-        </a:ln>
-        <a:effectLst/>
-      </dsp:spPr>
-      <dsp:style>
-        <a:lnRef idx="2">
-          <a:scrgbClr r="0" g="0" b="0"/>
-        </a:lnRef>
-        <a:fillRef idx="1">
-          <a:scrgbClr r="0" g="0" b="0"/>
-        </a:fillRef>
-        <a:effectRef idx="0">
-          <a:scrgbClr r="0" g="0" b="0"/>
-        </a:effectRef>
-        <a:fontRef idx="minor"/>
-      </dsp:style>
-    </dsp:sp>
-    <dsp:sp modelId="{C38EF9AB-AD1F-4BBA-9BD6-D73C6F715F30}">
-      <dsp:nvSpPr>
-        <dsp:cNvPr id="0" name=""/>
-        <dsp:cNvSpPr/>
-      </dsp:nvSpPr>
-      <dsp:spPr>
-        <a:xfrm rot="10800000">
-          <a:off x="2292858" y="2016235"/>
-          <a:ext cx="595884" cy="518160"/>
-        </a:xfrm>
-        <a:prstGeom prst="circularArrow">
-          <a:avLst/>
-        </a:prstGeom>
-        <a:solidFill>
-          <a:schemeClr val="accent2">
-            <a:tint val="40000"/>
-            <a:hueOff val="0"/>
-            <a:satOff val="0"/>
-            <a:lumOff val="0"/>
-            <a:alphaOff val="0"/>
-          </a:schemeClr>
-        </a:solidFill>
-        <a:ln w="12700" cap="flat" cmpd="sng" algn="ctr">
-          <a:solidFill>
-            <a:schemeClr val="lt1">
-              <a:hueOff val="0"/>
-              <a:satOff val="0"/>
-              <a:lumOff val="0"/>
-              <a:alphaOff val="0"/>
-            </a:schemeClr>
-          </a:solidFill>
-          <a:prstDash val="solid"/>
-          <a:miter lim="800000"/>
-        </a:ln>
-        <a:effectLst/>
-      </dsp:spPr>
-      <dsp:style>
-        <a:lnRef idx="2">
-          <a:scrgbClr r="0" g="0" b="0"/>
-        </a:lnRef>
-        <a:fillRef idx="1">
-          <a:scrgbClr r="0" g="0" b="0"/>
-        </a:fillRef>
-        <a:effectRef idx="0">
-          <a:scrgbClr r="0" g="0" b="0"/>
-        </a:effectRef>
-        <a:fontRef idx="minor"/>
-      </dsp:style>
-    </dsp:sp>
-  </dsp:spTree>
-</dsp:drawing>
-</file>
-
-<file path=ppt/diagrams/layout1.xml><?xml version="1.0" encoding="utf-8"?>
-<dgm:layoutDef xmlns:dgm="http://schemas.openxmlformats.org/drawingml/2006/diagram" xmlns:a="http://schemas.openxmlformats.org/drawingml/2006/main" uniqueId="urn:microsoft.com/office/officeart/2005/8/layout/cycle4">
-  <dgm:title val=""/>
-  <dgm:desc val=""/>
-  <dgm:catLst>
-    <dgm:cat type="relationship" pri="26000"/>
-    <dgm:cat type="cycle" pri="13000"/>
-    <dgm:cat type="matrix" pri="4000"/>
-  </dgm:catLst>
-  <dgm:sampData>
-    <dgm:dataModel>
-      <dgm:ptLst>
-        <dgm:pt modelId="0" type="doc"/>
-        <dgm:pt modelId="1">
-          <dgm:prSet phldr="1"/>
-        </dgm:pt>
-        <dgm:pt modelId="11">
-          <dgm:prSet phldr="1"/>
-        </dgm:pt>
-        <dgm:pt modelId="2">
-          <dgm:prSet phldr="1"/>
-        </dgm:pt>
-        <dgm:pt modelId="21">
-          <dgm:prSet phldr="1"/>
-        </dgm:pt>
-        <dgm:pt modelId="3">
-          <dgm:prSet phldr="1"/>
-        </dgm:pt>
-        <dgm:pt modelId="31">
-          <dgm:prSet phldr="1"/>
-        </dgm:pt>
-        <dgm:pt modelId="4">
-          <dgm:prSet phldr="1"/>
-        </dgm:pt>
-        <dgm:pt modelId="41">
-          <dgm:prSet phldr="1"/>
-        </dgm:pt>
-      </dgm:ptLst>
-      <dgm:cxnLst>
-        <dgm:cxn modelId="5" srcId="0" destId="1" srcOrd="0" destOrd="0"/>
-        <dgm:cxn modelId="6" srcId="0" destId="2" srcOrd="1" destOrd="0"/>
-        <dgm:cxn modelId="7" srcId="0" destId="3" srcOrd="2" destOrd="0"/>
-        <dgm:cxn modelId="8" srcId="0" destId="4" srcOrd="3" destOrd="0"/>
-        <dgm:cxn modelId="13" srcId="1" destId="11" srcOrd="0" destOrd="0"/>
-        <dgm:cxn modelId="23" srcId="2" destId="21" srcOrd="0" destOrd="0"/>
-        <dgm:cxn modelId="33" srcId="3" destId="31" srcOrd="0" destOrd="0"/>
-        <dgm:cxn modelId="43" srcId="4" destId="41" srcOrd="0" destOrd="0"/>
-      </dgm:cxnLst>
-      <dgm:bg/>
-      <dgm:whole/>
-    </dgm:dataModel>
-  </dgm:sampData>
-  <dgm:styleData>
-    <dgm:dataModel>
-      <dgm:ptLst>
-        <dgm:pt modelId="0" type="doc"/>
-        <dgm:pt modelId="1"/>
-        <dgm:pt modelId="11"/>
-        <dgm:pt modelId="2"/>
-        <dgm:pt modelId="21"/>
-        <dgm:pt modelId="3"/>
-        <dgm:pt modelId="31"/>
-        <dgm:pt modelId="4"/>
-        <dgm:pt modelId="41"/>
-      </dgm:ptLst>
-      <dgm:cxnLst>
-        <dgm:cxn modelId="5" srcId="0" destId="1" srcOrd="0" destOrd="0"/>
-        <dgm:cxn modelId="6" srcId="0" destId="2" srcOrd="1" destOrd="0"/>
-        <dgm:cxn modelId="7" srcId="0" destId="3" srcOrd="2" destOrd="0"/>
-        <dgm:cxn modelId="8" srcId="0" destId="4" srcOrd="3" destOrd="0"/>
-        <dgm:cxn modelId="13" srcId="1" destId="11" srcOrd="0" destOrd="0"/>
-        <dgm:cxn modelId="23" srcId="2" destId="21" srcOrd="0" destOrd="0"/>
-        <dgm:cxn modelId="33" srcId="3" destId="31" srcOrd="0" destOrd="0"/>
-        <dgm:cxn modelId="43" srcId="4" destId="41" srcOrd="0" destOrd="0"/>
-      </dgm:cxnLst>
-      <dgm:bg/>
-      <dgm:whole/>
-    </dgm:dataModel>
-  </dgm:styleData>
-  <dgm:clrData>
-    <dgm:dataModel>
-      <dgm:ptLst>
-        <dgm:pt modelId="0" type="doc"/>
-        <dgm:pt modelId="1"/>
-        <dgm:pt modelId="11"/>
-        <dgm:pt modelId="2"/>
-        <dgm:pt modelId="21"/>
-        <dgm:pt modelId="3"/>
-        <dgm:pt modelId="31"/>
-        <dgm:pt modelId="4"/>
-        <dgm:pt modelId="41"/>
-      </dgm:ptLst>
-      <dgm:cxnLst>
-        <dgm:cxn modelId="5" srcId="0" destId="1" srcOrd="0" destOrd="0"/>
-        <dgm:cxn modelId="6" srcId="0" destId="2" srcOrd="1" destOrd="0"/>
-        <dgm:cxn modelId="7" srcId="0" destId="3" srcOrd="2" destOrd="0"/>
-        <dgm:cxn modelId="8" srcId="0" destId="4" srcOrd="3" destOrd="0"/>
-        <dgm:cxn modelId="13" srcId="1" destId="11" srcOrd="0" destOrd="0"/>
-        <dgm:cxn modelId="23" srcId="2" destId="21" srcOrd="0" destOrd="0"/>
-        <dgm:cxn modelId="33" srcId="3" destId="31" srcOrd="0" destOrd="0"/>
-        <dgm:cxn modelId="43" srcId="4" destId="41" srcOrd="0" destOrd="0"/>
-      </dgm:cxnLst>
-      <dgm:bg/>
-      <dgm:whole/>
-    </dgm:dataModel>
-  </dgm:clrData>
-  <dgm:layoutNode name="cycleMatrixDiagram">
-    <dgm:varLst>
-      <dgm:chMax val="1"/>
-      <dgm:dir/>
-      <dgm:animLvl val="lvl"/>
-      <dgm:resizeHandles val="exact"/>
-    </dgm:varLst>
-    <dgm:alg type="composite">
-      <dgm:param type="ar" val="1.3"/>
-    </dgm:alg>
-    <dgm:shape xmlns:r="http://schemas.openxmlformats.org/officeDocument/2006/relationships" r:blip="">
-      <dgm:adjLst/>
-    </dgm:shape>
-    <dgm:presOf/>
-    <dgm:constrLst>
-      <dgm:constr type="w" for="ch" forName="children" refType="w"/>
-      <dgm:constr type="h" for="ch" forName="children" refType="w" refFor="ch" refForName="children" fact="0.77"/>
-      <dgm:constr type="ctrX" for="ch" forName="children" refType="w" fact="0.5"/>
-      <dgm:constr type="ctrY" for="ch" forName="children" refType="h" fact="0.5"/>
-      <dgm:constr type="w" for="ch" forName="circle" refType="w"/>
-      <dgm:constr type="h" for="ch" forName="circle" refType="h"/>
-      <dgm:constr type="ctrX" for="ch" forName="circle" refType="w" fact="0.5"/>
-      <dgm:constr type="ctrY" for="ch" forName="circle" refType="h" fact="0.5"/>
-      <dgm:constr type="w" for="ch" forName="center1" refType="w" fact="0.115"/>
-      <dgm:constr type="h" for="ch" forName="center1" refType="w" fact="0.1"/>
-      <dgm:constr type="ctrX" for="ch" forName="center1" refType="w" fact="0.5"/>
-      <dgm:constr type="ctrY" for="ch" forName="center1" refType="h" fact="0.475"/>
-      <dgm:constr type="w" for="ch" forName="center2" refType="w" fact="0.115"/>
-      <dgm:constr type="h" for="ch" forName="center2" refType="w" fact="0.1"/>
-      <dgm:constr type="ctrX" for="ch" forName="center2" refType="w" fact="0.5"/>
-      <dgm:constr type="ctrY" for="ch" forName="center2" refType="h" fact="0.525"/>
-    </dgm:constrLst>
-    <dgm:ruleLst/>
-    <dgm:choose name="Name0">
-      <dgm:if name="Name1" axis="ch" ptType="node" func="cnt" op="gte" val="1">
-        <dgm:layoutNode name="children">
-          <dgm:alg type="composite">
-            <dgm:param type="ar" val="1.3"/>
-          </dgm:alg>
-          <dgm:shape xmlns:r="http://schemas.openxmlformats.org/officeDocument/2006/relationships" r:blip="">
-            <dgm:adjLst/>
-          </dgm:shape>
-          <dgm:presOf/>
-          <dgm:choose name="Name2">
-            <dgm:if name="Name3" func="var" arg="dir" op="equ" val="norm">
-              <dgm:constrLst>
-                <dgm:constr type="primFontSz" for="des" ptType="node" op="equ" val="65"/>
-                <dgm:constr type="w" for="ch" forName="child1group" refType="w" fact="0.38"/>
-                <dgm:constr type="h" for="ch" forName="child1group" refType="h" fact="0.32"/>
-                <dgm:constr type="t" for="ch" forName="child1group"/>
-                <dgm:constr type="l" for="ch" forName="child1group"/>
-                <dgm:constr type="w" for="ch" forName="child2group" refType="w" fact="0.38"/>
-                <dgm:constr type="h" for="ch" forName="child2group" refType="h" fact="0.32"/>
-                <dgm:constr type="t" for="ch" forName="child2group"/>
-                <dgm:constr type="r" for="ch" forName="child2group" refType="w"/>
-                <dgm:constr type="w" for="ch" forName="child3group" refType="w" fact="0.38"/>
-                <dgm:constr type="h" for="ch" forName="child3group" refType="h" fact="0.32"/>
-                <dgm:constr type="b" for="ch" forName="child3group" refType="h"/>
-                <dgm:constr type="r" for="ch" forName="child3group" refType="w"/>
-                <dgm:constr type="w" for="ch" forName="child4group" refType="w" fact="0.38"/>
-                <dgm:constr type="h" for="ch" forName="child4group" refType="h" fact="0.32"/>
-                <dgm:constr type="b" for="ch" forName="child4group" refType="h"/>
-                <dgm:constr type="l" for="ch" forName="child4group"/>
-              </dgm:constrLst>
-            </dgm:if>
-            <dgm:else name="Name4">
-              <dgm:constrLst>
-                <dgm:constr type="primFontSz" for="des" ptType="node" op="equ" val="65"/>
-                <dgm:constr type="w" for="ch" forName="child1group" refType="w" fact="0.38"/>
-                <dgm:constr type="h" for="ch" forName="child1group" refType="h" fact="0.32"/>
-                <dgm:constr type="t" for="ch" forName="child1group"/>
-                <dgm:constr type="r" for="ch" forName="child1group" refType="w"/>
-                <dgm:constr type="w" for="ch" forName="child2group" refType="w" fact="0.38"/>
-                <dgm:constr type="h" for="ch" forName="child2group" refType="h" fact="0.32"/>
-                <dgm:constr type="t" for="ch" forName="child2group"/>
-                <dgm:constr type="l" for="ch" forName="child2group"/>
-                <dgm:constr type="w" for="ch" forName="child3group" refType="w" fact="0.38"/>
-                <dgm:constr type="h" for="ch" forName="child3group" refType="h" fact="0.32"/>
-                <dgm:constr type="b" for="ch" forName="child3group" refType="h"/>
-                <dgm:constr type="l" for="ch" forName="child3group"/>
-                <dgm:constr type="w" for="ch" forName="child4group" refType="w" fact="0.38"/>
-                <dgm:constr type="h" for="ch" forName="child4group" refType="h" fact="0.32"/>
-                <dgm:constr type="b" for="ch" forName="child4group" refType="h"/>
-                <dgm:constr type="r" for="ch" forName="child4group" refType="w"/>
-              </dgm:constrLst>
-            </dgm:else>
-          </dgm:choose>
-          <dgm:ruleLst/>
-          <dgm:choose name="Name5">
-            <dgm:if name="Name6" axis="ch ch" ptType="node node" st="1 1" cnt="1 0" func="cnt" op="gte" val="1">
-              <dgm:layoutNode name="child1group">
-                <dgm:alg type="composite">
-                  <dgm:param type="horzAlign" val="none"/>
-                  <dgm:param type="vertAlign" val="none"/>
-                </dgm:alg>
-                <dgm:shape xmlns:r="http://schemas.openxmlformats.org/officeDocument/2006/relationships" r:blip="">
-                  <dgm:adjLst/>
-                </dgm:shape>
-                <dgm:presOf/>
-                <dgm:choose name="Name7">
-                  <dgm:if name="Name8" func="var" arg="dir" op="equ" val="norm">
-                    <dgm:constrLst>
-                      <dgm:constr type="w" for="ch" forName="child1" refType="w"/>
-                      <dgm:constr type="h" for="ch" forName="child1" refType="h"/>
-                      <dgm:constr type="t" for="ch" forName="child1"/>
-                      <dgm:constr type="l" for="ch" forName="child1"/>
-                      <dgm:constr type="w" for="ch" forName="child1Text" refType="w" fact="0.7"/>
-                      <dgm:constr type="h" for="ch" forName="child1Text" refType="h" fact="0.75"/>
-                      <dgm:constr type="t" for="ch" forName="child1Text"/>
-                      <dgm:constr type="l" for="ch" forName="child1Text"/>
-                    </dgm:constrLst>
-                  </dgm:if>
-                  <dgm:else name="Name9">
-                    <dgm:constrLst>
-                      <dgm:constr type="w" for="ch" forName="child1" refType="w"/>
-                      <dgm:constr type="h" for="ch" forName="child1" refType="h"/>
-                      <dgm:constr type="t" for="ch" forName="child1"/>
-                      <dgm:constr type="r" for="ch" forName="child1" refType="w"/>
-                      <dgm:constr type="w" for="ch" forName="child1Text" refType="w" fact="0.7"/>
-                      <dgm:constr type="h" for="ch" forName="child1Text" refType="h" fact="0.75"/>
-                      <dgm:constr type="t" for="ch" forName="child1Text"/>
-                      <dgm:constr type="r" for="ch" forName="child1Text" refType="w"/>
-                    </dgm:constrLst>
-                  </dgm:else>
-                </dgm:choose>
-                <dgm:ruleLst/>
-                <dgm:layoutNode name="child1" styleLbl="bgAcc1">
-                  <dgm:alg type="sp"/>
-                  <dgm:shape xmlns:r="http://schemas.openxmlformats.org/officeDocument/2006/relationships" type="roundRect" r:blip="" zOrderOff="-2">
-                    <dgm:adjLst>
-                      <dgm:adj idx="1" val="0.1"/>
-                    </dgm:adjLst>
-                  </dgm:shape>
-                  <dgm:presOf axis="ch des" ptType="node node" st="1 1" cnt="1 0"/>
-                  <dgm:constrLst/>
-                  <dgm:ruleLst/>
-                </dgm:layoutNode>
-                <dgm:layoutNode name="child1Text" styleLbl="bgAcc1">
-                  <dgm:varLst>
-                    <dgm:bulletEnabled val="1"/>
-                  </dgm:varLst>
-                  <dgm:alg type="tx">
-                    <dgm:param type="stBulletLvl" val="1"/>
-                  </dgm:alg>
-                  <dgm:shape xmlns:r="http://schemas.openxmlformats.org/officeDocument/2006/relationships" type="roundRect" r:blip="" zOrderOff="-2" hideGeom="1">
-                    <dgm:adjLst>
-                      <dgm:adj idx="1" val="0.1"/>
-                    </dgm:adjLst>
-                  </dgm:shape>
-                  <dgm:presOf axis="ch des" ptType="node node" st="1 1" cnt="1 0"/>
-                  <dgm:constrLst>
-                    <dgm:constr type="tMarg" refType="primFontSz" fact="0.3"/>
-                    <dgm:constr type="bMarg" refType="primFontSz" fact="0.3"/>
-                    <dgm:constr type="lMarg" refType="primFontSz" fact="0.3"/>
-                    <dgm:constr type="rMarg" refType="primFontSz" fact="0.3"/>
-                  </dgm:constrLst>
-                  <dgm:ruleLst>
-                    <dgm:rule type="primFontSz" val="5" fact="NaN" max="NaN"/>
-                  </dgm:ruleLst>
-                </dgm:layoutNode>
-              </dgm:layoutNode>
-            </dgm:if>
-            <dgm:else name="Name10"/>
-          </dgm:choose>
-          <dgm:choose name="Name11">
-            <dgm:if name="Name12" axis="ch ch" ptType="node node" st="2 1" cnt="1 0" func="cnt" op="gte" val="1">
-              <dgm:layoutNode name="child2group">
-                <dgm:alg type="composite">
-                  <dgm:param type="horzAlign" val="none"/>
-                  <dgm:param type="vertAlign" val="none"/>
-                </dgm:alg>
-                <dgm:shape xmlns:r="http://schemas.openxmlformats.org/officeDocument/2006/relationships" r:blip="">
-                  <dgm:adjLst/>
-                </dgm:shape>
-                <dgm:choose name="Name13">
-                  <dgm:if name="Name14" func="var" arg="dir" op="equ" val="norm">
-                    <dgm:constrLst>
-                      <dgm:constr type="w" for="ch" forName="child2" refType="w"/>
-                      <dgm:constr type="h" for="ch" forName="child2" refType="h"/>
-                      <dgm:constr type="t" for="ch" forName="child2"/>
-                      <dgm:constr type="r" for="ch" forName="child2" refType="w"/>
-                      <dgm:constr type="w" for="ch" forName="child2Text" refType="w" fact="0.7"/>
-                      <dgm:constr type="h" for="ch" forName="child2Text" refType="h" fact="0.75"/>
-                      <dgm:constr type="t" for="ch" forName="child2Text"/>
-                      <dgm:constr type="r" for="ch" forName="child2Text" refType="w"/>
-                    </dgm:constrLst>
-                  </dgm:if>
-                  <dgm:else name="Name15">
-                    <dgm:constrLst>
-                      <dgm:constr type="w" for="ch" forName="child2" refType="w"/>
-                      <dgm:constr type="h" for="ch" forName="child2" refType="h"/>
-                      <dgm:constr type="t" for="ch" forName="child2"/>
-                      <dgm:constr type="l" for="ch" forName="child2"/>
-                      <dgm:constr type="w" for="ch" forName="child2Text" refType="w" fact="0.7"/>
-                      <dgm:constr type="h" for="ch" forName="child2Text" refType="h" fact="0.75"/>
-                      <dgm:constr type="t" for="ch" forName="child2Text"/>
-                      <dgm:constr type="l" for="ch" forName="child2Text"/>
-                    </dgm:constrLst>
-                  </dgm:else>
-                </dgm:choose>
-                <dgm:ruleLst/>
-                <dgm:layoutNode name="child2" styleLbl="bgAcc1">
-                  <dgm:alg type="sp"/>
-                  <dgm:shape xmlns:r="http://schemas.openxmlformats.org/officeDocument/2006/relationships" type="roundRect" r:blip="" zOrderOff="-2">
-                    <dgm:adjLst>
-                      <dgm:adj idx="1" val="0.1"/>
-                    </dgm:adjLst>
-                  </dgm:shape>
-                  <dgm:presOf axis="ch des" ptType="node node" st="2 1" cnt="1 0"/>
-                  <dgm:constrLst/>
-                  <dgm:ruleLst/>
-                </dgm:layoutNode>
-                <dgm:layoutNode name="child2Text" styleLbl="bgAcc1">
-                  <dgm:varLst>
-                    <dgm:bulletEnabled val="1"/>
-                  </dgm:varLst>
-                  <dgm:alg type="tx">
-                    <dgm:param type="stBulletLvl" val="1"/>
-                  </dgm:alg>
-                  <dgm:shape xmlns:r="http://schemas.openxmlformats.org/officeDocument/2006/relationships" type="roundRect" r:blip="" zOrderOff="-2" hideGeom="1">
-                    <dgm:adjLst>
-                      <dgm:adj idx="1" val="0.1"/>
-                    </dgm:adjLst>
-                  </dgm:shape>
-                  <dgm:presOf axis="ch des" ptType="node node" st="2 1" cnt="1 0"/>
-                  <dgm:constrLst>
-                    <dgm:constr type="tMarg" refType="primFontSz" fact="0.3"/>
-                    <dgm:constr type="bMarg" refType="primFontSz" fact="0.3"/>
-                    <dgm:constr type="lMarg" refType="primFontSz" fact="0.3"/>
-                    <dgm:constr type="rMarg" refType="primFontSz" fact="0.3"/>
-                  </dgm:constrLst>
-                  <dgm:ruleLst>
-                    <dgm:rule type="primFontSz" val="5" fact="NaN" max="NaN"/>
-                  </dgm:ruleLst>
-                </dgm:layoutNode>
-              </dgm:layoutNode>
-            </dgm:if>
-            <dgm:else name="Name16"/>
-          </dgm:choose>
-          <dgm:choose name="Name17">
-            <dgm:if name="Name18" axis="ch ch" ptType="node node" st="3 1" cnt="1 0" func="cnt" op="gte" val="1">
-              <dgm:layoutNode name="child3group">
-                <dgm:alg type="composite">
-                  <dgm:param type="horzAlign" val="none"/>
-                  <dgm:param type="vertAlign" val="none"/>
-                </dgm:alg>
-                <dgm:shape xmlns:r="http://schemas.openxmlformats.org/officeDocument/2006/relationships" r:blip="">
-                  <dgm:adjLst/>
-                </dgm:shape>
-                <dgm:presOf/>
-                <dgm:choose name="Name19">
-                  <dgm:if name="Name20" func="var" arg="dir" op="equ" val="norm">
-                    <dgm:constrLst>
-                      <dgm:constr type="w" for="ch" forName="child3" refType="w"/>
-                      <dgm:constr type="h" for="ch" forName="child3" refType="h"/>
-                      <dgm:constr type="b" for="ch" forName="child3" refType="h"/>
-                      <dgm:constr type="r" for="ch" forName="child3" refType="w"/>
-                      <dgm:constr type="w" for="ch" forName="child3Text" refType="w" fact="0.7"/>
-                      <dgm:constr type="h" for="ch" forName="child3Text" refType="h" fact="0.75"/>
-                      <dgm:constr type="b" for="ch" forName="child3Text" refType="h"/>
-                      <dgm:constr type="r" for="ch" forName="child3Text" refType="w"/>
-                    </dgm:constrLst>
-                  </dgm:if>
-                  <dgm:else name="Name21">
-                    <dgm:constrLst>
-                      <dgm:constr type="w" for="ch" forName="child3" refType="w"/>
-                      <dgm:constr type="h" for="ch" forName="child3" refType="h"/>
-                      <dgm:constr type="b" for="ch" forName="child3" refType="h"/>
-                      <dgm:constr type="l" for="ch" forName="child3"/>
-                      <dgm:constr type="w" for="ch" forName="child3Text" refType="w" fact="0.7"/>
-                      <dgm:constr type="h" for="ch" forName="child3Text" refType="h" fact="0.75"/>
-                      <dgm:constr type="b" for="ch" forName="child3Text" refType="h"/>
-                      <dgm:constr type="l" for="ch" forName="child3Text"/>
-                    </dgm:constrLst>
-                  </dgm:else>
-                </dgm:choose>
-                <dgm:ruleLst/>
-                <dgm:layoutNode name="child3" styleLbl="bgAcc1">
-                  <dgm:alg type="sp"/>
-                  <dgm:shape xmlns:r="http://schemas.openxmlformats.org/officeDocument/2006/relationships" type="roundRect" r:blip="" zOrderOff="-4">
-                    <dgm:adjLst>
-                      <dgm:adj idx="1" val="0.1"/>
-                    </dgm:adjLst>
-                  </dgm:shape>
-                  <dgm:presOf axis="ch des" ptType="node node" st="3 1" cnt="1 0"/>
-                  <dgm:constrLst/>
-                  <dgm:ruleLst/>
-                </dgm:layoutNode>
-                <dgm:layoutNode name="child3Text" styleLbl="bgAcc1">
-                  <dgm:varLst>
-                    <dgm:bulletEnabled val="1"/>
-                  </dgm:varLst>
-                  <dgm:alg type="tx">
-                    <dgm:param type="stBulletLvl" val="1"/>
-                  </dgm:alg>
-                  <dgm:shape xmlns:r="http://schemas.openxmlformats.org/officeDocument/2006/relationships" type="roundRect" r:blip="" zOrderOff="-4" hideGeom="1">
-                    <dgm:adjLst>
-                      <dgm:adj idx="1" val="0.1"/>
-                    </dgm:adjLst>
-                  </dgm:shape>
-                  <dgm:presOf axis="ch des" ptType="node node" st="3 1" cnt="1 0"/>
-                  <dgm:constrLst>
-                    <dgm:constr type="tMarg" refType="primFontSz" fact="0.3"/>
-                    <dgm:constr type="bMarg" refType="primFontSz" fact="0.3"/>
-                    <dgm:constr type="lMarg" refType="primFontSz" fact="0.3"/>
-                    <dgm:constr type="rMarg" refType="primFontSz" fact="0.3"/>
-                  </dgm:constrLst>
-                  <dgm:ruleLst>
-                    <dgm:rule type="primFontSz" val="5" fact="NaN" max="NaN"/>
-                  </dgm:ruleLst>
-                </dgm:layoutNode>
-              </dgm:layoutNode>
-            </dgm:if>
-            <dgm:else name="Name22"/>
-          </dgm:choose>
-          <dgm:choose name="Name23">
-            <dgm:if name="Name24" axis="ch ch" ptType="node node" st="4 1" cnt="1 0" func="cnt" op="gte" val="1">
-              <dgm:layoutNode name="child4group">
-                <dgm:alg type="composite">
-                  <dgm:param type="horzAlign" val="none"/>
-                  <dgm:param type="vertAlign" val="none"/>
-                </dgm:alg>
-                <dgm:shape xmlns:r="http://schemas.openxmlformats.org/officeDocument/2006/relationships" r:blip="">
-                  <dgm:adjLst/>
-                </dgm:shape>
-                <dgm:presOf/>
-                <dgm:choose name="Name25">
-                  <dgm:if name="Name26" func="var" arg="dir" op="equ" val="norm">
-                    <dgm:constrLst>
-                      <dgm:constr type="w" for="ch" forName="child4" refType="w"/>
-                      <dgm:constr type="h" for="ch" forName="child4" refType="h"/>
-                      <dgm:constr type="b" for="ch" forName="child4" refType="h"/>
-                      <dgm:constr type="l" for="ch" forName="child4"/>
-                      <dgm:constr type="w" for="ch" forName="child4Text" refType="w" fact="0.7"/>
-                      <dgm:constr type="h" for="ch" forName="child4Text" refType="h" fact="0.75"/>
-                      <dgm:constr type="b" for="ch" forName="child4Text" refType="h"/>
-                      <dgm:constr type="l" for="ch" forName="child4Text"/>
-                    </dgm:constrLst>
-                  </dgm:if>
-                  <dgm:else name="Name27">
-                    <dgm:constrLst>
-                      <dgm:constr type="w" for="ch" forName="child4" refType="w"/>
-                      <dgm:constr type="h" for="ch" forName="child4" refType="h"/>
-                      <dgm:constr type="b" for="ch" forName="child4" refType="h"/>
-                      <dgm:constr type="r" for="ch" forName="child4" refType="w"/>
-                      <dgm:constr type="w" for="ch" forName="child4Text" refType="w" fact="0.7"/>
-                      <dgm:constr type="h" for="ch" forName="child4Text" refType="h" fact="0.75"/>
-                      <dgm:constr type="b" for="ch" forName="child4Text" refType="h"/>
-                      <dgm:constr type="r" for="ch" forName="child4Text" refType="w"/>
-                    </dgm:constrLst>
-                  </dgm:else>
-                </dgm:choose>
-                <dgm:ruleLst/>
-                <dgm:layoutNode name="child4" styleLbl="bgAcc1">
-                  <dgm:alg type="sp"/>
-                  <dgm:shape xmlns:r="http://schemas.openxmlformats.org/officeDocument/2006/relationships" type="roundRect" r:blip="" zOrderOff="-4">
-                    <dgm:adjLst>
-                      <dgm:adj idx="1" val="0.1"/>
-                    </dgm:adjLst>
-                  </dgm:shape>
-                  <dgm:presOf axis="ch des" ptType="node node" st="4 1" cnt="1 0"/>
-                  <dgm:constrLst/>
-                  <dgm:ruleLst/>
-                </dgm:layoutNode>
-                <dgm:layoutNode name="child4Text" styleLbl="bgAcc1">
-                  <dgm:varLst>
-                    <dgm:bulletEnabled val="1"/>
-                  </dgm:varLst>
-                  <dgm:alg type="tx">
-                    <dgm:param type="stBulletLvl" val="1"/>
-                  </dgm:alg>
-                  <dgm:shape xmlns:r="http://schemas.openxmlformats.org/officeDocument/2006/relationships" type="roundRect" r:blip="" zOrderOff="-4" hideGeom="1">
-                    <dgm:adjLst>
-                      <dgm:adj idx="1" val="0.1"/>
-                    </dgm:adjLst>
-                  </dgm:shape>
-                  <dgm:presOf axis="ch des" ptType="node node" st="4 1" cnt="1 0"/>
-                  <dgm:constrLst>
-                    <dgm:constr type="tMarg" refType="primFontSz" fact="0.3"/>
-                    <dgm:constr type="bMarg" refType="primFontSz" fact="0.3"/>
-                    <dgm:constr type="lMarg" refType="primFontSz" fact="0.3"/>
-                    <dgm:constr type="rMarg" refType="primFontSz" fact="0.3"/>
-                  </dgm:constrLst>
-                  <dgm:ruleLst>
-                    <dgm:rule type="primFontSz" val="5" fact="NaN" max="NaN"/>
-                  </dgm:ruleLst>
-                </dgm:layoutNode>
-              </dgm:layoutNode>
-            </dgm:if>
-            <dgm:else name="Name28"/>
-          </dgm:choose>
-          <dgm:layoutNode name="childPlaceholder">
-            <dgm:alg type="sp"/>
-            <dgm:shape xmlns:r="http://schemas.openxmlformats.org/officeDocument/2006/relationships" r:blip="">
-              <dgm:adjLst/>
-            </dgm:shape>
-            <dgm:presOf/>
-            <dgm:constrLst/>
-            <dgm:ruleLst/>
-          </dgm:layoutNode>
-        </dgm:layoutNode>
-        <dgm:layoutNode name="circle">
-          <dgm:alg type="composite">
-            <dgm:param type="ar" val="1"/>
-          </dgm:alg>
-          <dgm:shape xmlns:r="http://schemas.openxmlformats.org/officeDocument/2006/relationships" r:blip="">
-            <dgm:adjLst/>
-          </dgm:shape>
-          <dgm:presOf/>
-          <dgm:choose name="Name29">
-            <dgm:if name="Name30" func="var" arg="dir" op="equ" val="norm">
-              <dgm:constrLst>
-                <dgm:constr type="primFontSz" for="ch" ptType="node" op="equ" val="65"/>
-                <dgm:constr type="w" for="ch" forName="quadrant1" refType="w" fact="0.433"/>
-                <dgm:constr type="h" for="ch" forName="quadrant1" refType="h" fact="0.433"/>
-                <dgm:constr type="b" for="ch" forName="quadrant1" refType="h" fact="0.5"/>
-                <dgm:constr type="bOff" for="ch" forName="quadrant1" refType="h" fact="-0.01"/>
-                <dgm:constr type="r" for="ch" forName="quadrant1" refType="w" fact="0.5"/>
-                <dgm:constr type="rOff" for="ch" forName="quadrant1" refType="w" fact="-0.01"/>
-                <dgm:constr type="w" for="ch" forName="quadrant2" refType="w" fact="0.433"/>
-                <dgm:constr type="h" for="ch" forName="quadrant2" refType="h" fact="0.433"/>
-                <dgm:constr type="b" for="ch" forName="quadrant2" refType="h" fact="0.5"/>
-                <dgm:constr type="bOff" for="ch" forName="quadrant2" refType="h" fact="-0.01"/>
-                <dgm:constr type="l" for="ch" forName="quadrant2" refType="w" fact="0.5"/>
-                <dgm:constr type="lOff" for="ch" forName="quadrant2" refType="w" fact="0.01"/>
-                <dgm:constr type="w" for="ch" forName="quadrant3" refType="w" fact="0.433"/>
-                <dgm:constr type="h" for="ch" forName="quadrant3" refType="h" fact="0.433"/>
-                <dgm:constr type="t" for="ch" forName="quadrant3" refType="h" fact="0.5"/>
-                <dgm:constr type="tOff" for="ch" forName="quadrant3" refType="h" fact="0.01"/>
-                <dgm:constr type="l" for="ch" forName="quadrant3" refType="w" fact="0.5"/>
-                <dgm:constr type="lOff" for="ch" forName="quadrant3" refType="w" fact="0.01"/>
-                <dgm:constr type="w" for="ch" forName="quadrant4" refType="w" fact="0.433"/>
-                <dgm:constr type="h" for="ch" forName="quadrant4" refType="h" fact="0.433"/>
-                <dgm:constr type="t" for="ch" forName="quadrant4" refType="h" fact="0.5"/>
-                <dgm:constr type="tOff" for="ch" forName="quadrant4" refType="h" fact="0.01"/>
-                <dgm:constr type="r" for="ch" forName="quadrant4" refType="w" fact="0.5"/>
-                <dgm:constr type="rOff" for="ch" forName="quadrant4" refType="w" fact="-0.01"/>
-              </dgm:constrLst>
-            </dgm:if>
-            <dgm:else name="Name31">
-              <dgm:constrLst>
-                <dgm:constr type="primFontSz" for="ch" ptType="node" op="equ" val="65"/>
-                <dgm:constr type="w" for="ch" forName="quadrant1" refType="w" fact="0.433"/>
-                <dgm:constr type="h" for="ch" forName="quadrant1" refType="h" fact="0.433"/>
-                <dgm:constr type="b" for="ch" forName="quadrant1" refType="h" fact="0.5"/>
-                <dgm:constr type="bOff" for="ch" forName="quadrant1" refType="h" fact="-0.01"/>
-                <dgm:constr type="l" for="ch" forName="quadrant1" refType="w" fact="0.5"/>
-                <dgm:constr type="lOff" for="ch" forName="quadrant1" refType="w" fact="0.01"/>
-                <dgm:constr type="w" for="ch" forName="quadrant2" refType="w" fact="0.433"/>
-                <dgm:constr type="h" for="ch" forName="quadrant2" refType="h" fact="0.433"/>
-                <dgm:constr type="b" for="ch" forName="quadrant2" refType="h" fact="0.5"/>
-                <dgm:constr type="bOff" for="ch" forName="quadrant2" refType="h" fact="-0.01"/>
-                <dgm:constr type="r" for="ch" forName="quadrant2" refType="w" fact="0.5"/>
-                <dgm:constr type="rOff" for="ch" forName="quadrant2" refType="w" fact="-0.01"/>
-                <dgm:constr type="w" for="ch" forName="quadrant3" refType="w" fact="0.433"/>
-                <dgm:constr type="h" for="ch" forName="quadrant3" refType="h" fact="0.433"/>
-                <dgm:constr type="t" for="ch" forName="quadrant3" refType="h" fact="0.5"/>
-                <dgm:constr type="tOff" for="ch" forName="quadrant3" refType="h" fact="0.01"/>
-                <dgm:constr type="r" for="ch" forName="quadrant3" refType="w" fact="0.5"/>
-                <dgm:constr type="rOff" for="ch" forName="quadrant3" refType="w" fact="-0.01"/>
-                <dgm:constr type="w" for="ch" forName="quadrant4" refType="w" fact="0.433"/>
-                <dgm:constr type="h" for="ch" forName="quadrant4" refType="h" fact="0.433"/>
-                <dgm:constr type="t" for="ch" forName="quadrant4" refType="h" fact="0.5"/>
-                <dgm:constr type="tOff" for="ch" forName="quadrant4" refType="h" fact="0.01"/>
-                <dgm:constr type="l" for="ch" forName="quadrant4" refType="w" fact="0.5"/>
-                <dgm:constr type="lOff" for="ch" forName="quadrant4" refType="w" fact="0.01"/>
-              </dgm:constrLst>
-            </dgm:else>
-          </dgm:choose>
-          <dgm:ruleLst/>
-          <dgm:layoutNode name="quadrant1" styleLbl="node1">
-            <dgm:varLst>
-              <dgm:chMax val="1"/>
-              <dgm:bulletEnabled val="1"/>
-            </dgm:varLst>
-            <dgm:alg type="tx"/>
-            <dgm:choose name="Name32">
-              <dgm:if name="Name33" func="var" arg="dir" op="equ" val="norm">
-                <dgm:shape xmlns:r="http://schemas.openxmlformats.org/officeDocument/2006/relationships" type="pieWedge" r:blip="">
-                  <dgm:adjLst/>
-                </dgm:shape>
-              </dgm:if>
-              <dgm:else name="Name34">
-                <dgm:shape xmlns:r="http://schemas.openxmlformats.org/officeDocument/2006/relationships" rot="90" type="pieWedge" r:blip="">
-                  <dgm:adjLst/>
-                </dgm:shape>
-              </dgm:else>
-            </dgm:choose>
-            <dgm:presOf axis="ch" ptType="node" cnt="1"/>
-            <dgm:constrLst/>
-            <dgm:ruleLst>
-              <dgm:rule type="primFontSz" val="5" fact="NaN" max="NaN"/>
-            </dgm:ruleLst>
-          </dgm:layoutNode>
-          <dgm:layoutNode name="quadrant2" styleLbl="node1">
-            <dgm:varLst>
-              <dgm:chMax val="1"/>
-              <dgm:bulletEnabled val="1"/>
-            </dgm:varLst>
-            <dgm:alg type="tx"/>
-            <dgm:choose name="Name35">
-              <dgm:if name="Name36" func="var" arg="dir" op="equ" val="norm">
-                <dgm:shape xmlns:r="http://schemas.openxmlformats.org/officeDocument/2006/relationships" rot="90" type="pieWedge" r:blip="">
-                  <dgm:adjLst/>
-                </dgm:shape>
-              </dgm:if>
-              <dgm:else name="Name37">
-                <dgm:shape xmlns:r="http://schemas.openxmlformats.org/officeDocument/2006/relationships" type="pieWedge" r:blip="">
-                  <dgm:adjLst/>
-                </dgm:shape>
-              </dgm:else>
-            </dgm:choose>
-            <dgm:presOf axis="ch" ptType="node" st="2" cnt="1"/>
-            <dgm:constrLst/>
-            <dgm:ruleLst>
-              <dgm:rule type="primFontSz" val="5" fact="NaN" max="NaN"/>
-            </dgm:ruleLst>
-          </dgm:layoutNode>
-          <dgm:layoutNode name="quadrant3" styleLbl="node1">
-            <dgm:varLst>
-              <dgm:chMax val="1"/>
-              <dgm:bulletEnabled val="1"/>
-            </dgm:varLst>
-            <dgm:alg type="tx"/>
-            <dgm:choose name="Name38">
-              <dgm:if name="Name39" func="var" arg="dir" op="equ" val="norm">
-                <dgm:shape xmlns:r="http://schemas.openxmlformats.org/officeDocument/2006/relationships" rot="180" type="pieWedge" r:blip="">
-                  <dgm:adjLst/>
-                </dgm:shape>
-              </dgm:if>
-              <dgm:else name="Name40">
-                <dgm:shape xmlns:r="http://schemas.openxmlformats.org/officeDocument/2006/relationships" rot="270" type="pieWedge" r:blip="">
-                  <dgm:adjLst/>
-                </dgm:shape>
-              </dgm:else>
-            </dgm:choose>
-            <dgm:presOf axis="ch" ptType="node" st="3" cnt="1"/>
-            <dgm:constrLst/>
-            <dgm:ruleLst>
-              <dgm:rule type="primFontSz" val="5" fact="NaN" max="NaN"/>
-            </dgm:ruleLst>
-          </dgm:layoutNode>
-          <dgm:layoutNode name="quadrant4" styleLbl="node1">
-            <dgm:varLst>
-              <dgm:chMax val="1"/>
-              <dgm:bulletEnabled val="1"/>
-            </dgm:varLst>
-            <dgm:alg type="tx"/>
-            <dgm:choose name="Name41">
-              <dgm:if name="Name42" func="var" arg="dir" op="equ" val="norm">
-                <dgm:shape xmlns:r="http://schemas.openxmlformats.org/officeDocument/2006/relationships" rot="270" type="pieWedge" r:blip="">
-                  <dgm:adjLst/>
-                </dgm:shape>
-              </dgm:if>
-              <dgm:else name="Name43">
-                <dgm:shape xmlns:r="http://schemas.openxmlformats.org/officeDocument/2006/relationships" rot="180" type="pieWedge" r:blip="">
-                  <dgm:adjLst/>
-                </dgm:shape>
-              </dgm:else>
-            </dgm:choose>
-            <dgm:presOf axis="ch" ptType="node" st="4" cnt="1"/>
-            <dgm:constrLst/>
-            <dgm:ruleLst>
-              <dgm:rule type="primFontSz" val="5" fact="NaN" max="NaN"/>
-            </dgm:ruleLst>
-          </dgm:layoutNode>
-          <dgm:layoutNode name="quadrantPlaceholder">
-            <dgm:alg type="sp"/>
-            <dgm:shape xmlns:r="http://schemas.openxmlformats.org/officeDocument/2006/relationships" r:blip="">
-              <dgm:adjLst/>
-            </dgm:shape>
-            <dgm:presOf/>
-            <dgm:constrLst/>
-            <dgm:ruleLst/>
-          </dgm:layoutNode>
-        </dgm:layoutNode>
-        <dgm:layoutNode name="center1" styleLbl="fgShp">
-          <dgm:alg type="sp"/>
-          <dgm:choose name="Name44">
-            <dgm:if name="Name45" func="var" arg="dir" op="equ" val="norm">
-              <dgm:shape xmlns:r="http://schemas.openxmlformats.org/officeDocument/2006/relationships" type="circularArrow" r:blip="" zOrderOff="16">
-                <dgm:adjLst/>
-              </dgm:shape>
-            </dgm:if>
-            <dgm:else name="Name46">
-              <dgm:shape xmlns:r="http://schemas.openxmlformats.org/officeDocument/2006/relationships" rot="180" type="leftCircularArrow" r:blip="" zOrderOff="16">
-                <dgm:adjLst/>
-              </dgm:shape>
-            </dgm:else>
-          </dgm:choose>
-          <dgm:presOf/>
-          <dgm:constrLst/>
-          <dgm:ruleLst/>
-        </dgm:layoutNode>
-        <dgm:layoutNode name="center2" styleLbl="fgShp">
-          <dgm:alg type="sp"/>
-          <dgm:choose name="Name47">
-            <dgm:if name="Name48" func="var" arg="dir" op="equ" val="norm">
-              <dgm:shape xmlns:r="http://schemas.openxmlformats.org/officeDocument/2006/relationships" rot="180" type="circularArrow" r:blip="" zOrderOff="16">
-                <dgm:adjLst/>
-              </dgm:shape>
-            </dgm:if>
-            <dgm:else name="Name49">
-              <dgm:shape xmlns:r="http://schemas.openxmlformats.org/officeDocument/2006/relationships" type="leftCircularArrow" r:blip="" zOrderOff="16">
-                <dgm:adjLst/>
-              </dgm:shape>
-            </dgm:else>
-          </dgm:choose>
-          <dgm:presOf/>
-          <dgm:constrLst/>
-          <dgm:ruleLst/>
-        </dgm:layoutNode>
-      </dgm:if>
-      <dgm:else name="Name50"/>
-    </dgm:choose>
-  </dgm:layoutNode>
-</dgm:layoutDef>
-</file>
-
-<file path=ppt/diagrams/quickStyle1.xml><?xml version="1.0" encoding="utf-8"?>
-<dgm:styleDef xmlns:dgm="http://schemas.openxmlformats.org/drawingml/2006/diagram" xmlns:a="http://schemas.openxmlformats.org/drawingml/2006/main" uniqueId="urn:microsoft.com/office/officeart/2005/8/quickstyle/simple1">
-  <dgm:title val=""/>
-  <dgm:desc val=""/>
-  <dgm:catLst>
-    <dgm:cat type="simple" pri="10100"/>
-  </dgm:catLst>
-  <dgm:scene3d>
-    <a:camera prst="orthographicFront"/>
-    <a:lightRig rig="threePt" dir="t"/>
-  </dgm:scene3d>
-  <dgm:styleLbl name="node0">
-    <dgm:scene3d>
-      <a:camera prst="orthographicFront"/>
-      <a:lightRig rig="threePt" dir="t"/>
-    </dgm:scene3d>
-    <dgm:sp3d/>
-    <dgm:txPr/>
-    <dgm:style>
-      <a:lnRef idx="2">
-        <a:scrgbClr r="0" g="0" b="0"/>
-      </a:lnRef>
-      <a:fillRef idx="1">
-        <a:scrgbClr r="0" g="0" b="0"/>
-      </a:fillRef>
-      <a:effectRef idx="0">
-        <a:scrgbClr r="0" g="0" b="0"/>
-      </a:effectRef>
-      <a:fontRef idx="minor">
-        <a:schemeClr val="lt1"/>
-      </a:fontRef>
-    </dgm:style>
-  </dgm:styleLbl>
-  <dgm:styleLbl name="lnNode1">
-    <dgm:scene3d>
-      <a:camera prst="orthographicFront"/>
-      <a:lightRig rig="threePt" dir="t"/>
-    </dgm:scene3d>
-    <dgm:sp3d/>
-    <dgm:txPr/>
-    <dgm:style>
-      <a:lnRef idx="2">
-        <a:scrgbClr r="0" g="0" b="0"/>
-      </a:lnRef>
-      <a:fillRef idx="1">
-        <a:scrgbClr r="0" g="0" b="0"/>
-      </a:fillRef>
-      <a:effectRef idx="0">
-        <a:scrgbClr r="0" g="0" b="0"/>
-      </a:effectRef>
-      <a:fontRef idx="minor">
-        <a:schemeClr val="lt1"/>
-      </a:fontRef>
-    </dgm:style>
-  </dgm:styleLbl>
-  <dgm:styleLbl name="vennNode1">
-    <dgm:scene3d>
-      <a:camera prst="orthographicFront"/>
-      <a:lightRig rig="threePt" dir="t"/>
-    </dgm:scene3d>
-    <dgm:sp3d/>
-    <dgm:txPr/>
-    <dgm:style>
-      <a:lnRef idx="2">
-        <a:scrgbClr r="0" g="0" b="0"/>
-      </a:lnRef>
-      <a:fillRef idx="1">
-        <a:scrgbClr r="0" g="0" b="0"/>
-      </a:fillRef>
-      <a:effectRef idx="0">
-        <a:scrgbClr r="0" g="0" b="0"/>
-      </a:effectRef>
-      <a:fontRef idx="minor">
-        <a:schemeClr val="tx1"/>
-      </a:fontRef>
-    </dgm:style>
-  </dgm:styleLbl>
-  <dgm:styleLbl name="alignNode1">
-    <dgm:scene3d>
-      <a:camera prst="orthographicFront"/>
-      <a:lightRig rig="threePt" dir="t"/>
-    </dgm:scene3d>
-    <dgm:sp3d/>
-    <dgm:txPr/>
-    <dgm:style>
-      <a:lnRef idx="2">
-        <a:scrgbClr r="0" g="0" b="0"/>
-      </a:lnRef>
-      <a:fillRef idx="1">
-        <a:scrgbClr r="0" g="0" b="0"/>
-      </a:fillRef>
-      <a:effectRef idx="0">
-        <a:scrgbClr r="0" g="0" b="0"/>
-      </a:effectRef>
-      <a:fontRef idx="minor">
-        <a:schemeClr val="lt1"/>
-      </a:fontRef>
-    </dgm:style>
-  </dgm:styleLbl>
-  <dgm:styleLbl name="node1">
-    <dgm:scene3d>
-      <a:camera prst="orthographicFront"/>
-      <a:lightRig rig="threePt" dir="t"/>
-    </dgm:scene3d>
-    <dgm:sp3d/>
-    <dgm:txPr/>
-    <dgm:style>
-      <a:lnRef idx="2">
-        <a:scrgbClr r="0" g="0" b="0"/>
-      </a:lnRef>
-      <a:fillRef idx="1">
-        <a:scrgbClr r="0" g="0" b="0"/>
-      </a:fillRef>
-      <a:effectRef idx="0">
-        <a:scrgbClr r="0" g="0" b="0"/>
-      </a:effectRef>
-      <a:fontRef idx="minor">
-        <a:schemeClr val="lt1"/>
-      </a:fontRef>
-    </dgm:style>
-  </dgm:styleLbl>
-  <dgm:styleLbl name="node2">
-    <dgm:scene3d>
-      <a:camera prst="orthographicFront"/>
-      <a:lightRig rig="threePt" dir="t"/>
-    </dgm:scene3d>
-    <dgm:sp3d/>
-    <dgm:txPr/>
-    <dgm:style>
-      <a:lnRef idx="2">
-        <a:scrgbClr r="0" g="0" b="0"/>
-      </a:lnRef>
-      <a:fillRef idx="1">
-        <a:scrgbClr r="0" g="0" b="0"/>
-      </a:fillRef>
-      <a:effectRef idx="0">
-        <a:scrgbClr r="0" g="0" b="0"/>
-      </a:effectRef>
-      <a:fontRef idx="minor">
-        <a:schemeClr val="lt1"/>
-      </a:fontRef>
-    </dgm:style>
-  </dgm:styleLbl>
-  <dgm:styleLbl name="node3">
-    <dgm:scene3d>
-      <a:camera prst="orthographicFront"/>
-      <a:lightRig rig="threePt" dir="t"/>
-    </dgm:scene3d>
-    <dgm:sp3d/>
-    <dgm:txPr/>
-    <dgm:style>
-      <a:lnRef idx="2">
-        <a:scrgbClr r="0" g="0" b="0"/>
-      </a:lnRef>
-      <a:fillRef idx="1">
-        <a:scrgbClr r="0" g="0" b="0"/>
-      </a:fillRef>
-      <a:effectRef idx="0">
-        <a:scrgbClr r="0" g="0" b="0"/>
-      </a:effectRef>
-      <a:fontRef idx="minor">
-        <a:schemeClr val="lt1"/>
-      </a:fontRef>
-    </dgm:style>
-  </dgm:styleLbl>
-  <dgm:styleLbl name="node4">
-    <dgm:scene3d>
-      <a:camera prst="orthographicFront"/>
-      <a:lightRig rig="threePt" dir="t"/>
-    </dgm:scene3d>
-    <dgm:sp3d/>
-    <dgm:txPr/>
-    <dgm:style>
-      <a:lnRef idx="2">
-        <a:scrgbClr r="0" g="0" b="0"/>
-      </a:lnRef>
-      <a:fillRef idx="1">
-        <a:scrgbClr r="0" g="0" b="0"/>
-      </a:fillRef>
-      <a:effectRef idx="0">
-        <a:scrgbClr r="0" g="0" b="0"/>
-      </a:effectRef>
-      <a:fontRef idx="minor">
-        <a:schemeClr val="lt1"/>
-      </a:fontRef>
-    </dgm:style>
-  </dgm:styleLbl>
-  <dgm:styleLbl name="fgImgPlace1">
-    <dgm:scene3d>
-      <a:camera prst="orthographicFront"/>
-      <a:lightRig rig="threePt" dir="t"/>
-    </dgm:scene3d>
-    <dgm:sp3d/>
-    <dgm:txPr/>
-    <dgm:style>
-      <a:lnRef idx="2">
-        <a:scrgbClr r="0" g="0" b="0"/>
-      </a:lnRef>
-      <a:fillRef idx="1">
-        <a:scrgbClr r="0" g="0" b="0"/>
-      </a:fillRef>
-      <a:effectRef idx="0">
-        <a:scrgbClr r="0" g="0" b="0"/>
-      </a:effectRef>
-      <a:fontRef idx="minor"/>
-    </dgm:style>
-  </dgm:styleLbl>
-  <dgm:styleLbl name="alignImgPlace1">
-    <dgm:scene3d>
-      <a:camera prst="orthographicFront"/>
-      <a:lightRig rig="threePt" dir="t"/>
-    </dgm:scene3d>
-    <dgm:sp3d/>
-    <dgm:txPr/>
-    <dgm:style>
-      <a:lnRef idx="2">
-        <a:scrgbClr r="0" g="0" b="0"/>
-      </a:lnRef>
-      <a:fillRef idx="1">
-        <a:scrgbClr r="0" g="0" b="0"/>
-      </a:fillRef>
-      <a:effectRef idx="0">
-        <a:scrgbClr r="0" g="0" b="0"/>
-      </a:effectRef>
-      <a:fontRef idx="minor"/>
-    </dgm:style>
-  </dgm:styleLbl>
-  <dgm:styleLbl name="bgImgPlace1">
-    <dgm:scene3d>
-      <a:camera prst="orthographicFront"/>
-      <a:lightRig rig="threePt" dir="t"/>
-    </dgm:scene3d>
-    <dgm:sp3d/>
-    <dgm:txPr/>
-    <dgm:style>
-      <a:lnRef idx="2">
-        <a:scrgbClr r="0" g="0" b="0"/>
-      </a:lnRef>
-      <a:fillRef idx="1">
-        <a:scrgbClr r="0" g="0" b="0"/>
-      </a:fillRef>
-      <a:effectRef idx="0">
-        <a:scrgbClr r="0" g="0" b="0"/>
-      </a:effectRef>
-      <a:fontRef idx="minor"/>
-    </dgm:style>
-  </dgm:styleLbl>
-  <dgm:styleLbl name="sibTrans2D1">
-    <dgm:scene3d>
-      <a:camera prst="orthographicFront"/>
-      <a:lightRig rig="threePt" dir="t"/>
-    </dgm:scene3d>
-    <dgm:sp3d/>
-    <dgm:txPr/>
-    <dgm:style>
-      <a:lnRef idx="0">
-        <a:scrgbClr r="0" g="0" b="0"/>
-      </a:lnRef>
-      <a:fillRef idx="1">
-        <a:scrgbClr r="0" g="0" b="0"/>
-      </a:fillRef>
-      <a:effectRef idx="0">
-        <a:scrgbClr r="0" g="0" b="0"/>
-      </a:effectRef>
-      <a:fontRef idx="minor">
-        <a:schemeClr val="lt1"/>
-      </a:fontRef>
-    </dgm:style>
-  </dgm:styleLbl>
-  <dgm:styleLbl name="fgSibTrans2D1">
-    <dgm:scene3d>
-      <a:camera prst="orthographicFront"/>
-      <a:lightRig rig="threePt" dir="t"/>
-    </dgm:scene3d>
-    <dgm:sp3d/>
-    <dgm:txPr/>
-    <dgm:style>
-      <a:lnRef idx="0">
-        <a:scrgbClr r="0" g="0" b="0"/>
-      </a:lnRef>
-      <a:fillRef idx="1">
-        <a:scrgbClr r="0" g="0" b="0"/>
-      </a:fillRef>
-      <a:effectRef idx="0">
-        <a:scrgbClr r="0" g="0" b="0"/>
-      </a:effectRef>
-      <a:fontRef idx="minor">
-        <a:schemeClr val="lt1"/>
-      </a:fontRef>
-    </dgm:style>
-  </dgm:styleLbl>
-  <dgm:styleLbl name="bgSibTrans2D1">
-    <dgm:scene3d>
-      <a:camera prst="orthographicFront"/>
-      <a:lightRig rig="threePt" dir="t"/>
-    </dgm:scene3d>
-    <dgm:sp3d/>
-    <dgm:txPr/>
-    <dgm:style>
-      <a:lnRef idx="0">
-        <a:scrgbClr r="0" g="0" b="0"/>
-      </a:lnRef>
-      <a:fillRef idx="1">
-        <a:scrgbClr r="0" g="0" b="0"/>
-      </a:fillRef>
-      <a:effectRef idx="0">
-        <a:scrgbClr r="0" g="0" b="0"/>
-      </a:effectRef>
-      <a:fontRef idx="minor">
-        <a:schemeClr val="lt1"/>
-      </a:fontRef>
-    </dgm:style>
-  </dgm:styleLbl>
-  <dgm:styleLbl name="sibTrans1D1">
-    <dgm:scene3d>
-      <a:camera prst="orthographicFront"/>
-      <a:lightRig rig="threePt" dir="t"/>
-    </dgm:scene3d>
-    <dgm:sp3d/>
-    <dgm:txPr/>
-    <dgm:style>
-      <a:lnRef idx="1">
-        <a:scrgbClr r="0" g="0" b="0"/>
-      </a:lnRef>
-      <a:fillRef idx="0">
-        <a:scrgbClr r="0" g="0" b="0"/>
-      </a:fillRef>
-      <a:effectRef idx="0">
-        <a:scrgbClr r="0" g="0" b="0"/>
-      </a:effectRef>
-      <a:fontRef idx="minor"/>
-    </dgm:style>
-  </dgm:styleLbl>
-  <dgm:styleLbl name="callout">
-    <dgm:scene3d>
-      <a:camera prst="orthographicFront"/>
-      <a:lightRig rig="threePt" dir="t"/>
-    </dgm:scene3d>
-    <dgm:sp3d/>
-    <dgm:txPr/>
-    <dgm:style>
-      <a:lnRef idx="2">
-        <a:scrgbClr r="0" g="0" b="0"/>
-      </a:lnRef>
-      <a:fillRef idx="1">
-        <a:scrgbClr r="0" g="0" b="0"/>
-      </a:fillRef>
-      <a:effectRef idx="0">
-        <a:scrgbClr r="0" g="0" b="0"/>
-      </a:effectRef>
-      <a:fontRef idx="minor"/>
-    </dgm:style>
-  </dgm:styleLbl>
-  <dgm:styleLbl name="asst0">
-    <dgm:scene3d>
-      <a:camera prst="orthographicFront"/>
-      <a:lightRig rig="threePt" dir="t"/>
-    </dgm:scene3d>
-    <dgm:sp3d/>
-    <dgm:txPr/>
-    <dgm:style>
-      <a:lnRef idx="2">
-        <a:scrgbClr r="0" g="0" b="0"/>
-      </a:lnRef>
-      <a:fillRef idx="1">
-        <a:scrgbClr r="0" g="0" b="0"/>
-      </a:fillRef>
-      <a:effectRef idx="0">
-        <a:scrgbClr r="0" g="0" b="0"/>
-      </a:effectRef>
-      <a:fontRef idx="minor">
-        <a:schemeClr val="lt1"/>
-      </a:fontRef>
-    </dgm:style>
-  </dgm:styleLbl>
-  <dgm:styleLbl name="asst1">
-    <dgm:scene3d>
-      <a:camera prst="orthographicFront"/>
-      <a:lightRig rig="threePt" dir="t"/>
-    </dgm:scene3d>
-    <dgm:sp3d/>
-    <dgm:txPr/>
-    <dgm:style>
-      <a:lnRef idx="2">
-        <a:scrgbClr r="0" g="0" b="0"/>
-      </a:lnRef>
-      <a:fillRef idx="1">
-        <a:scrgbClr r="0" g="0" b="0"/>
-      </a:fillRef>
-      <a:effectRef idx="0">
-        <a:scrgbClr r="0" g="0" b="0"/>
-      </a:effectRef>
-      <a:fontRef idx="minor">
-        <a:schemeClr val="lt1"/>
-      </a:fontRef>
-    </dgm:style>
-  </dgm:styleLbl>
-  <dgm:styleLbl name="asst2">
-    <dgm:scene3d>
-      <a:camera prst="orthographicFront"/>
-      <a:lightRig rig="threePt" dir="t"/>
-    </dgm:scene3d>
-    <dgm:sp3d/>
-    <dgm:txPr/>
-    <dgm:style>
-      <a:lnRef idx="2">
-        <a:scrgbClr r="0" g="0" b="0"/>
-      </a:lnRef>
-      <a:fillRef idx="1">
-        <a:scrgbClr r="0" g="0" b="0"/>
-      </a:fillRef>
-      <a:effectRef idx="0">
-        <a:scrgbClr r="0" g="0" b="0"/>
-      </a:effectRef>
-      <a:fontRef idx="minor">
-        <a:schemeClr val="lt1"/>
-      </a:fontRef>
-    </dgm:style>
-  </dgm:styleLbl>
-  <dgm:styleLbl name="asst3">
-    <dgm:scene3d>
-      <a:camera prst="orthographicFront"/>
-      <a:lightRig rig="threePt" dir="t"/>
-    </dgm:scene3d>
-    <dgm:sp3d/>
-    <dgm:txPr/>
-    <dgm:style>
-      <a:lnRef idx="2">
-        <a:scrgbClr r="0" g="0" b="0"/>
-      </a:lnRef>
-      <a:fillRef idx="1">
-        <a:scrgbClr r="0" g="0" b="0"/>
-      </a:fillRef>
-      <a:effectRef idx="0">
-        <a:scrgbClr r="0" g="0" b="0"/>
-      </a:effectRef>
-      <a:fontRef idx="minor">
-        <a:schemeClr val="lt1"/>
-      </a:fontRef>
-    </dgm:style>
-  </dgm:styleLbl>
-  <dgm:styleLbl name="asst4">
-    <dgm:scene3d>
-      <a:camera prst="orthographicFront"/>
-      <a:lightRig rig="threePt" dir="t"/>
-    </dgm:scene3d>
-    <dgm:sp3d/>
-    <dgm:txPr/>
-    <dgm:style>
-      <a:lnRef idx="2">
-        <a:scrgbClr r="0" g="0" b="0"/>
-      </a:lnRef>
-      <a:fillRef idx="1">
-        <a:scrgbClr r="0" g="0" b="0"/>
-      </a:fillRef>
-      <a:effectRef idx="0">
-        <a:scrgbClr r="0" g="0" b="0"/>
-      </a:effectRef>
-      <a:fontRef idx="minor">
-        <a:schemeClr val="lt1"/>
-      </a:fontRef>
-    </dgm:style>
-  </dgm:styleLbl>
-  <dgm:styleLbl name="parChTrans2D1">
-    <dgm:scene3d>
-      <a:camera prst="orthographicFront"/>
-      <a:lightRig rig="threePt" dir="t"/>
-    </dgm:scene3d>
-    <dgm:sp3d/>
-    <dgm:txPr/>
-    <dgm:style>
-      <a:lnRef idx="2">
-        <a:scrgbClr r="0" g="0" b="0"/>
-      </a:lnRef>
-      <a:fillRef idx="1">
-        <a:scrgbClr r="0" g="0" b="0"/>
-      </a:fillRef>
-      <a:effectRef idx="0">
-        <a:scrgbClr r="0" g="0" b="0"/>
-      </a:effectRef>
-      <a:fontRef idx="minor">
-        <a:schemeClr val="lt1"/>
-      </a:fontRef>
-    </dgm:style>
-  </dgm:styleLbl>
-  <dgm:styleLbl name="parChTrans2D2">
-    <dgm:scene3d>
-      <a:camera prst="orthographicFront"/>
-      <a:lightRig rig="threePt" dir="t"/>
-    </dgm:scene3d>
-    <dgm:sp3d/>
-    <dgm:txPr/>
-    <dgm:style>
-      <a:lnRef idx="2">
-        <a:scrgbClr r="0" g="0" b="0"/>
-      </a:lnRef>
-      <a:fillRef idx="1">
-        <a:scrgbClr r="0" g="0" b="0"/>
-      </a:fillRef>
-      <a:effectRef idx="0">
-        <a:scrgbClr r="0" g="0" b="0"/>
-      </a:effectRef>
-      <a:fontRef idx="minor">
-        <a:schemeClr val="lt1"/>
-      </a:fontRef>
-    </dgm:style>
-  </dgm:styleLbl>
-  <dgm:styleLbl name="parChTrans2D3">
-    <dgm:scene3d>
-      <a:camera prst="orthographicFront"/>
-      <a:lightRig rig="threePt" dir="t"/>
-    </dgm:scene3d>
-    <dgm:sp3d/>
-    <dgm:txPr/>
-    <dgm:style>
-      <a:lnRef idx="2">
-        <a:scrgbClr r="0" g="0" b="0"/>
-      </a:lnRef>
-      <a:fillRef idx="1">
-        <a:scrgbClr r="0" g="0" b="0"/>
-      </a:fillRef>
-      <a:effectRef idx="0">
-        <a:scrgbClr r="0" g="0" b="0"/>
-      </a:effectRef>
-      <a:fontRef idx="minor">
-        <a:schemeClr val="lt1"/>
-      </a:fontRef>
-    </dgm:style>
-  </dgm:styleLbl>
-  <dgm:styleLbl name="parChTrans2D4">
-    <dgm:scene3d>
-      <a:camera prst="orthographicFront"/>
-      <a:lightRig rig="threePt" dir="t"/>
-    </dgm:scene3d>
-    <dgm:sp3d/>
-    <dgm:txPr/>
-    <dgm:style>
-      <a:lnRef idx="2">
-        <a:scrgbClr r="0" g="0" b="0"/>
-      </a:lnRef>
-      <a:fillRef idx="1">
-        <a:scrgbClr r="0" g="0" b="0"/>
-      </a:fillRef>
-      <a:effectRef idx="0">
-        <a:scrgbClr r="0" g="0" b="0"/>
-      </a:effectRef>
-      <a:fontRef idx="minor">
-        <a:schemeClr val="lt1"/>
-      </a:fontRef>
-    </dgm:style>
-  </dgm:styleLbl>
-  <dgm:styleLbl name="parChTrans1D1">
-    <dgm:scene3d>
-      <a:camera prst="orthographicFront"/>
-      <a:lightRig rig="threePt" dir="t"/>
-    </dgm:scene3d>
-    <dgm:sp3d/>
-    <dgm:txPr/>
-    <dgm:style>
-      <a:lnRef idx="2">
-        <a:scrgbClr r="0" g="0" b="0"/>
-      </a:lnRef>
-      <a:fillRef idx="0">
-        <a:scrgbClr r="0" g="0" b="0"/>
-      </a:fillRef>
-      <a:effectRef idx="0">
-        <a:scrgbClr r="0" g="0" b="0"/>
-      </a:effectRef>
-      <a:fontRef idx="minor"/>
-    </dgm:style>
-  </dgm:styleLbl>
-  <dgm:styleLbl name="parChTrans1D2">
-    <dgm:scene3d>
-      <a:camera prst="orthographicFront"/>
-      <a:lightRig rig="threePt" dir="t"/>
-    </dgm:scene3d>
-    <dgm:sp3d/>
-    <dgm:txPr/>
-    <dgm:style>
-      <a:lnRef idx="2">
-        <a:scrgbClr r="0" g="0" b="0"/>
-      </a:lnRef>
-      <a:fillRef idx="0">
-        <a:scrgbClr r="0" g="0" b="0"/>
-      </a:fillRef>
-      <a:effectRef idx="0">
-        <a:scrgbClr r="0" g="0" b="0"/>
-      </a:effectRef>
-      <a:fontRef idx="minor"/>
-    </dgm:style>
-  </dgm:styleLbl>
-  <dgm:styleLbl name="parChTrans1D3">
-    <dgm:scene3d>
-      <a:camera prst="orthographicFront"/>
-      <a:lightRig rig="threePt" dir="t"/>
-    </dgm:scene3d>
-    <dgm:sp3d/>
-    <dgm:txPr/>
-    <dgm:style>
-      <a:lnRef idx="2">
-        <a:scrgbClr r="0" g="0" b="0"/>
-      </a:lnRef>
-      <a:fillRef idx="0">
-        <a:scrgbClr r="0" g="0" b="0"/>
-      </a:fillRef>
-      <a:effectRef idx="0">
-        <a:scrgbClr r="0" g="0" b="0"/>
-      </a:effectRef>
-      <a:fontRef idx="minor"/>
-    </dgm:style>
-  </dgm:styleLbl>
-  <dgm:styleLbl name="parChTrans1D4">
-    <dgm:scene3d>
-      <a:camera prst="orthographicFront"/>
-      <a:lightRig rig="threePt" dir="t"/>
-    </dgm:scene3d>
-    <dgm:sp3d/>
-    <dgm:txPr/>
-    <dgm:style>
-      <a:lnRef idx="2">
-        <a:scrgbClr r="0" g="0" b="0"/>
-      </a:lnRef>
-      <a:fillRef idx="0">
-        <a:scrgbClr r="0" g="0" b="0"/>
-      </a:fillRef>
-      <a:effectRef idx="0">
-        <a:scrgbClr r="0" g="0" b="0"/>
-      </a:effectRef>
-      <a:fontRef idx="minor"/>
-    </dgm:style>
-  </dgm:styleLbl>
-  <dgm:styleLbl name="fgAcc1">
-    <dgm:scene3d>
-      <a:camera prst="orthographicFront"/>
-      <a:lightRig rig="threePt" dir="t"/>
-    </dgm:scene3d>
-    <dgm:sp3d/>
-    <dgm:txPr/>
-    <dgm:style>
-      <a:lnRef idx="2">
-        <a:scrgbClr r="0" g="0" b="0"/>
-      </a:lnRef>
-      <a:fillRef idx="1">
-        <a:scrgbClr r="0" g="0" b="0"/>
-      </a:fillRef>
-      <a:effectRef idx="0">
-        <a:scrgbClr r="0" g="0" b="0"/>
-      </a:effectRef>
-      <a:fontRef idx="minor"/>
-    </dgm:style>
-  </dgm:styleLbl>
-  <dgm:styleLbl name="conFgAcc1">
-    <dgm:scene3d>
-      <a:camera prst="orthographicFront"/>
-      <a:lightRig rig="threePt" dir="t"/>
-    </dgm:scene3d>
-    <dgm:sp3d/>
-    <dgm:txPr/>
-    <dgm:style>
-      <a:lnRef idx="2">
-        <a:scrgbClr r="0" g="0" b="0"/>
-      </a:lnRef>
-      <a:fillRef idx="1">
-        <a:scrgbClr r="0" g="0" b="0"/>
-      </a:fillRef>
-      <a:effectRef idx="0">
-        <a:scrgbClr r="0" g="0" b="0"/>
-      </a:effectRef>
-      <a:fontRef idx="minor"/>
-    </dgm:style>
-  </dgm:styleLbl>
-  <dgm:styleLbl name="alignAcc1">
-    <dgm:scene3d>
-      <a:camera prst="orthographicFront"/>
-      <a:lightRig rig="threePt" dir="t"/>
-    </dgm:scene3d>
-    <dgm:sp3d/>
-    <dgm:txPr/>
-    <dgm:style>
-      <a:lnRef idx="2">
-        <a:scrgbClr r="0" g="0" b="0"/>
-      </a:lnRef>
-      <a:fillRef idx="1">
-        <a:scrgbClr r="0" g="0" b="0"/>
-      </a:fillRef>
-      <a:effectRef idx="0">
-        <a:scrgbClr r="0" g="0" b="0"/>
-      </a:effectRef>
-      <a:fontRef idx="minor"/>
-    </dgm:style>
-  </dgm:styleLbl>
-  <dgm:styleLbl name="trAlignAcc1">
-    <dgm:scene3d>
-      <a:camera prst="orthographicFront"/>
-      <a:lightRig rig="threePt" dir="t"/>
-    </dgm:scene3d>
-    <dgm:sp3d/>
-    <dgm:txPr/>
-    <dgm:style>
-      <a:lnRef idx="1">
-        <a:scrgbClr r="0" g="0" b="0"/>
-      </a:lnRef>
-      <a:fillRef idx="1">
-        <a:scrgbClr r="0" g="0" b="0"/>
-      </a:fillRef>
-      <a:effectRef idx="0">
-        <a:scrgbClr r="0" g="0" b="0"/>
-      </a:effectRef>
-      <a:fontRef idx="minor"/>
-    </dgm:style>
-  </dgm:styleLbl>
-  <dgm:styleLbl name="bgAcc1">
-    <dgm:scene3d>
-      <a:camera prst="orthographicFront"/>
-      <a:lightRig rig="threePt" dir="t"/>
-    </dgm:scene3d>
-    <dgm:sp3d/>
-    <dgm:txPr/>
-    <dgm:style>
-      <a:lnRef idx="2">
-        <a:scrgbClr r="0" g="0" b="0"/>
-      </a:lnRef>
-      <a:fillRef idx="1">
-        <a:scrgbClr r="0" g="0" b="0"/>
-      </a:fillRef>
-      <a:effectRef idx="0">
-        <a:scrgbClr r="0" g="0" b="0"/>
-      </a:effectRef>
-      <a:fontRef idx="minor"/>
-    </dgm:style>
-  </dgm:styleLbl>
-  <dgm:styleLbl name="solidFgAcc1">
-    <dgm:scene3d>
-      <a:camera prst="orthographicFront"/>
-      <a:lightRig rig="threePt" dir="t"/>
-    </dgm:scene3d>
-    <dgm:sp3d/>
-    <dgm:txPr/>
-    <dgm:style>
-      <a:lnRef idx="2">
-        <a:scrgbClr r="0" g="0" b="0"/>
-      </a:lnRef>
-      <a:fillRef idx="1">
-        <a:scrgbClr r="0" g="0" b="0"/>
-      </a:fillRef>
-      <a:effectRef idx="0">
-        <a:scrgbClr r="0" g="0" b="0"/>
-      </a:effectRef>
-      <a:fontRef idx="minor"/>
-    </dgm:style>
-  </dgm:styleLbl>
-  <dgm:styleLbl name="solidAlignAcc1">
-    <dgm:scene3d>
-      <a:camera prst="orthographicFront"/>
-      <a:lightRig rig="threePt" dir="t"/>
-    </dgm:scene3d>
-    <dgm:sp3d/>
-    <dgm:txPr/>
-    <dgm:style>
-      <a:lnRef idx="2">
-        <a:scrgbClr r="0" g="0" b="0"/>
-      </a:lnRef>
-      <a:fillRef idx="1">
-        <a:scrgbClr r="0" g="0" b="0"/>
-      </a:fillRef>
-      <a:effectRef idx="0">
-        <a:scrgbClr r="0" g="0" b="0"/>
-      </a:effectRef>
-      <a:fontRef idx="minor"/>
-    </dgm:style>
-  </dgm:styleLbl>
-  <dgm:styleLbl name="solidBgAcc1">
-    <dgm:scene3d>
-      <a:camera prst="orthographicFront"/>
-      <a:lightRig rig="threePt" dir="t"/>
-    </dgm:scene3d>
-    <dgm:sp3d/>
-    <dgm:txPr/>
-    <dgm:style>
-      <a:lnRef idx="2">
-        <a:scrgbClr r="0" g="0" b="0"/>
-      </a:lnRef>
-      <a:fillRef idx="1">
-        <a:scrgbClr r="0" g="0" b="0"/>
-      </a:fillRef>
-      <a:effectRef idx="0">
-        <a:scrgbClr r="0" g="0" b="0"/>
-      </a:effectRef>
-      <a:fontRef idx="minor"/>
-    </dgm:style>
-  </dgm:styleLbl>
-  <dgm:styleLbl name="fgAccFollowNode1">
-    <dgm:scene3d>
-      <a:camera prst="orthographicFront"/>
-      <a:lightRig rig="threePt" dir="t"/>
-    </dgm:scene3d>
-    <dgm:sp3d/>
-    <dgm:txPr/>
-    <dgm:style>
-      <a:lnRef idx="2">
-        <a:scrgbClr r="0" g="0" b="0"/>
-      </a:lnRef>
-      <a:fillRef idx="1">
-        <a:scrgbClr r="0" g="0" b="0"/>
-      </a:fillRef>
-      <a:effectRef idx="0">
-        <a:scrgbClr r="0" g="0" b="0"/>
-      </a:effectRef>
-      <a:fontRef idx="minor"/>
-    </dgm:style>
-  </dgm:styleLbl>
-  <dgm:styleLbl name="alignAccFollowNode1">
-    <dgm:scene3d>
-      <a:camera prst="orthographicFront"/>
-      <a:lightRig rig="threePt" dir="t"/>
-    </dgm:scene3d>
-    <dgm:sp3d/>
-    <dgm:txPr/>
-    <dgm:style>
-      <a:lnRef idx="2">
-        <a:scrgbClr r="0" g="0" b="0"/>
-      </a:lnRef>
-      <a:fillRef idx="1">
-        <a:scrgbClr r="0" g="0" b="0"/>
-      </a:fillRef>
-      <a:effectRef idx="0">
-        <a:scrgbClr r="0" g="0" b="0"/>
-      </a:effectRef>
-      <a:fontRef idx="minor"/>
-    </dgm:style>
-  </dgm:styleLbl>
-  <dgm:styleLbl name="bgAccFollowNode1">
-    <dgm:scene3d>
-      <a:camera prst="orthographicFront"/>
-      <a:lightRig rig="threePt" dir="t"/>
-    </dgm:scene3d>
-    <dgm:sp3d/>
-    <dgm:txPr/>
-    <dgm:style>
-      <a:lnRef idx="2">
-        <a:scrgbClr r="0" g="0" b="0"/>
-      </a:lnRef>
-      <a:fillRef idx="1">
-        <a:scrgbClr r="0" g="0" b="0"/>
-      </a:fillRef>
-      <a:effectRef idx="0">
-        <a:scrgbClr r="0" g="0" b="0"/>
-      </a:effectRef>
-      <a:fontRef idx="minor"/>
-    </dgm:style>
-  </dgm:styleLbl>
-  <dgm:styleLbl name="fgAcc0">
-    <dgm:scene3d>
-      <a:camera prst="orthographicFront"/>
-      <a:lightRig rig="threePt" dir="t"/>
-    </dgm:scene3d>
-    <dgm:sp3d/>
-    <dgm:txPr/>
-    <dgm:style>
-      <a:lnRef idx="2">
-        <a:scrgbClr r="0" g="0" b="0"/>
-      </a:lnRef>
-      <a:fillRef idx="1">
-        <a:scrgbClr r="0" g="0" b="0"/>
-      </a:fillRef>
-      <a:effectRef idx="0">
-        <a:scrgbClr r="0" g="0" b="0"/>
-      </a:effectRef>
-      <a:fontRef idx="minor"/>
-    </dgm:style>
-  </dgm:styleLbl>
-  <dgm:styleLbl name="fgAcc2">
-    <dgm:scene3d>
-      <a:camera prst="orthographicFront"/>
-      <a:lightRig rig="threePt" dir="t"/>
-    </dgm:scene3d>
-    <dgm:sp3d/>
-    <dgm:txPr/>
-    <dgm:style>
-      <a:lnRef idx="2">
-        <a:scrgbClr r="0" g="0" b="0"/>
-      </a:lnRef>
-      <a:fillRef idx="1">
-        <a:scrgbClr r="0" g="0" b="0"/>
-      </a:fillRef>
-      <a:effectRef idx="0">
-        <a:scrgbClr r="0" g="0" b="0"/>
-      </a:effectRef>
-      <a:fontRef idx="minor"/>
-    </dgm:style>
-  </dgm:styleLbl>
-  <dgm:styleLbl name="fgAcc3">
-    <dgm:scene3d>
-      <a:camera prst="orthographicFront"/>
-      <a:lightRig rig="threePt" dir="t"/>
-    </dgm:scene3d>
-    <dgm:sp3d/>
-    <dgm:txPr/>
-    <dgm:style>
-      <a:lnRef idx="2">
-        <a:scrgbClr r="0" g="0" b="0"/>
-      </a:lnRef>
-      <a:fillRef idx="1">
-        <a:scrgbClr r="0" g="0" b="0"/>
-      </a:fillRef>
-      <a:effectRef idx="0">
-        <a:scrgbClr r="0" g="0" b="0"/>
-      </a:effectRef>
-      <a:fontRef idx="minor"/>
-    </dgm:style>
-  </dgm:styleLbl>
-  <dgm:styleLbl name="fgAcc4">
-    <dgm:scene3d>
-      <a:camera prst="orthographicFront"/>
-      <a:lightRig rig="threePt" dir="t"/>
-    </dgm:scene3d>
-    <dgm:sp3d/>
-    <dgm:txPr/>
-    <dgm:style>
-      <a:lnRef idx="2">
-        <a:scrgbClr r="0" g="0" b="0"/>
-      </a:lnRef>
-      <a:fillRef idx="1">
-        <a:scrgbClr r="0" g="0" b="0"/>
-      </a:fillRef>
-      <a:effectRef idx="0">
-        <a:scrgbClr r="0" g="0" b="0"/>
-      </a:effectRef>
-      <a:fontRef idx="minor"/>
-    </dgm:style>
-  </dgm:styleLbl>
-  <dgm:styleLbl name="bgShp">
-    <dgm:scene3d>
-      <a:camera prst="orthographicFront"/>
-      <a:lightRig rig="threePt" dir="t"/>
-    </dgm:scene3d>
-    <dgm:sp3d/>
-    <dgm:txPr/>
-    <dgm:style>
-      <a:lnRef idx="0">
-        <a:scrgbClr r="0" g="0" b="0"/>
-      </a:lnRef>
-      <a:fillRef idx="1">
-        <a:scrgbClr r="0" g="0" b="0"/>
-      </a:fillRef>
-      <a:effectRef idx="0">
-        <a:scrgbClr r="0" g="0" b="0"/>
-      </a:effectRef>
-      <a:fontRef idx="minor"/>
-    </dgm:style>
-  </dgm:styleLbl>
-  <dgm:styleLbl name="dkBgShp">
-    <dgm:scene3d>
-      <a:camera prst="orthographicFront"/>
-      <a:lightRig rig="threePt" dir="t"/>
-    </dgm:scene3d>
-    <dgm:sp3d/>
-    <dgm:txPr/>
-    <dgm:style>
-      <a:lnRef idx="0">
-        <a:scrgbClr r="0" g="0" b="0"/>
-      </a:lnRef>
-      <a:fillRef idx="1">
-        <a:scrgbClr r="0" g="0" b="0"/>
-      </a:fillRef>
-      <a:effectRef idx="0">
-        <a:scrgbClr r="0" g="0" b="0"/>
-      </a:effectRef>
-      <a:fontRef idx="minor"/>
-    </dgm:style>
-  </dgm:styleLbl>
-  <dgm:styleLbl name="trBgShp">
-    <dgm:scene3d>
-      <a:camera prst="orthographicFront"/>
-      <a:lightRig rig="threePt" dir="t"/>
-    </dgm:scene3d>
-    <dgm:sp3d/>
-    <dgm:txPr/>
-    <dgm:style>
-      <a:lnRef idx="0">
-        <a:scrgbClr r="0" g="0" b="0"/>
-      </a:lnRef>
-      <a:fillRef idx="1">
-        <a:scrgbClr r="0" g="0" b="0"/>
-      </a:fillRef>
-      <a:effectRef idx="0">
-        <a:scrgbClr r="0" g="0" b="0"/>
-      </a:effectRef>
-      <a:fontRef idx="minor"/>
-    </dgm:style>
-  </dgm:styleLbl>
-  <dgm:styleLbl name="fgShp">
-    <dgm:scene3d>
-      <a:camera prst="orthographicFront"/>
-      <a:lightRig rig="threePt" dir="t"/>
-    </dgm:scene3d>
-    <dgm:sp3d/>
-    <dgm:txPr/>
-    <dgm:style>
-      <a:lnRef idx="2">
-        <a:scrgbClr r="0" g="0" b="0"/>
-      </a:lnRef>
-      <a:fillRef idx="1">
-        <a:scrgbClr r="0" g="0" b="0"/>
-      </a:fillRef>
-      <a:effectRef idx="0">
-        <a:scrgbClr r="0" g="0" b="0"/>
-      </a:effectRef>
-      <a:fontRef idx="minor"/>
-    </dgm:style>
-  </dgm:styleLbl>
-  <dgm:styleLbl name="revTx">
-    <dgm:scene3d>
-      <a:camera prst="orthographicFront"/>
-      <a:lightRig rig="threePt" dir="t"/>
-    </dgm:scene3d>
-    <dgm:sp3d/>
-    <dgm:txPr/>
-    <dgm:style>
-      <a:lnRef idx="0">
-        <a:scrgbClr r="0" g="0" b="0"/>
-      </a:lnRef>
-      <a:fillRef idx="0">
-        <a:scrgbClr r="0" g="0" b="0"/>
-      </a:fillRef>
-      <a:effectRef idx="0">
-        <a:scrgbClr r="0" g="0" b="0"/>
-      </a:effectRef>
-      <a:fontRef idx="minor"/>
-    </dgm:style>
-  </dgm:styleLbl>
-</dgm:styleDef>
-</file>
-
 <file path=ppt/handoutMasters/handoutMaster1.xml><?xml version="1.0" encoding="utf-8"?>
 <p:handoutMaster xmlns:a="http://schemas.openxmlformats.org/drawingml/2006/main" xmlns:r="http://schemas.openxmlformats.org/officeDocument/2006/relationships" xmlns:p="http://schemas.openxmlformats.org/presentationml/2006/main">
   <p:cSld>
@@ -4359,7 +224,7 @@
           <a:p>
             <a:fld id="{56D91178-905E-4181-A080-73FBE2A7F10F}" type="datetimeFigureOut">
               <a:rPr lang="en-US" smtClean="0"/>
-              <a:t>6/22/2020</a:t>
+              <a:t>6/23/2020</a:t>
             </a:fld>
             <a:endParaRPr lang="en-US"/>
           </a:p>
@@ -4524,7 +389,7 @@
           <a:p>
             <a:fld id="{F3649B93-516E-447E-9C4C-C287614C6398}" type="datetimeFigureOut">
               <a:rPr lang="en-US" smtClean="0"/>
-              <a:t>6/22/2020</a:t>
+              <a:t>6/23/2020</a:t>
             </a:fld>
             <a:endParaRPr lang="en-US"/>
           </a:p>
@@ -4940,7 +805,7 @@
           <a:p>
             <a:fld id="{887908AF-65BE-457F-9D87-289A548E61FF}" type="slidenum">
               <a:rPr lang="en-US" smtClean="0"/>
-              <a:t>3</a:t>
+              <a:t>4</a:t>
             </a:fld>
             <a:endParaRPr lang="en-US"/>
           </a:p>
@@ -5024,7 +889,7 @@
           <a:p>
             <a:fld id="{887908AF-65BE-457F-9D87-289A548E61FF}" type="slidenum">
               <a:rPr lang="en-US" smtClean="0"/>
-              <a:t>4</a:t>
+              <a:t>5</a:t>
             </a:fld>
             <a:endParaRPr lang="en-US"/>
           </a:p>
@@ -5108,7 +973,7 @@
           <a:p>
             <a:fld id="{887908AF-65BE-457F-9D87-289A548E61FF}" type="slidenum">
               <a:rPr lang="en-US" smtClean="0"/>
-              <a:t>8</a:t>
+              <a:t>9</a:t>
             </a:fld>
             <a:endParaRPr lang="en-US"/>
           </a:p>
@@ -5118,6 +983,90 @@
     <p:extLst>
       <p:ext uri="{BB962C8B-B14F-4D97-AF65-F5344CB8AC3E}">
         <p14:creationId xmlns:p14="http://schemas.microsoft.com/office/powerpoint/2010/main" val="3497706936"/>
+      </p:ext>
+    </p:extLst>
+  </p:cSld>
+  <p:clrMapOvr>
+    <a:masterClrMapping/>
+  </p:clrMapOvr>
+</p:notes>
+</file>
+
+<file path=ppt/notesSlides/notesSlide5.xml><?xml version="1.0" encoding="utf-8"?>
+<p:notes xmlns:a="http://schemas.openxmlformats.org/drawingml/2006/main" xmlns:r="http://schemas.openxmlformats.org/officeDocument/2006/relationships" xmlns:p="http://schemas.openxmlformats.org/presentationml/2006/main">
+  <p:cSld>
+    <p:spTree>
+      <p:nvGrpSpPr>
+        <p:cNvPr id="1" name=""/>
+        <p:cNvGrpSpPr/>
+        <p:nvPr/>
+      </p:nvGrpSpPr>
+      <p:grpSpPr>
+        <a:xfrm>
+          <a:off x="0" y="0"/>
+          <a:ext cx="0" cy="0"/>
+          <a:chOff x="0" y="0"/>
+          <a:chExt cx="0" cy="0"/>
+        </a:xfrm>
+      </p:grpSpPr>
+      <p:sp>
+        <p:nvSpPr>
+          <p:cNvPr id="2" name="Slide Image Placeholder 1"/>
+          <p:cNvSpPr>
+            <a:spLocks noGrp="1" noRot="1" noChangeAspect="1"/>
+          </p:cNvSpPr>
+          <p:nvPr>
+            <p:ph type="sldImg"/>
+          </p:nvPr>
+        </p:nvSpPr>
+        <p:spPr/>
+      </p:sp>
+      <p:sp>
+        <p:nvSpPr>
+          <p:cNvPr id="3" name="Notes Placeholder 2"/>
+          <p:cNvSpPr>
+            <a:spLocks noGrp="1"/>
+          </p:cNvSpPr>
+          <p:nvPr>
+            <p:ph type="body" idx="1"/>
+          </p:nvPr>
+        </p:nvSpPr>
+        <p:spPr/>
+        <p:txBody>
+          <a:bodyPr/>
+          <a:lstStyle/>
+          <a:p>
+            <a:endParaRPr lang="en-US"/>
+          </a:p>
+        </p:txBody>
+      </p:sp>
+      <p:sp>
+        <p:nvSpPr>
+          <p:cNvPr id="4" name="Slide Number Placeholder 3"/>
+          <p:cNvSpPr>
+            <a:spLocks noGrp="1"/>
+          </p:cNvSpPr>
+          <p:nvPr>
+            <p:ph type="sldNum" sz="quarter" idx="10"/>
+          </p:nvPr>
+        </p:nvSpPr>
+        <p:spPr/>
+        <p:txBody>
+          <a:bodyPr/>
+          <a:lstStyle/>
+          <a:p>
+            <a:fld id="{887908AF-65BE-457F-9D87-289A548E61FF}" type="slidenum">
+              <a:rPr lang="en-US" smtClean="0"/>
+              <a:t>11</a:t>
+            </a:fld>
+            <a:endParaRPr lang="en-US"/>
+          </a:p>
+        </p:txBody>
+      </p:sp>
+    </p:spTree>
+    <p:extLst>
+      <p:ext uri="{BB962C8B-B14F-4D97-AF65-F5344CB8AC3E}">
+        <p14:creationId xmlns:p14="http://schemas.microsoft.com/office/powerpoint/2010/main" val="665221933"/>
       </p:ext>
     </p:extLst>
   </p:cSld>
@@ -5239,7 +1188,7 @@
           </a:lstStyle>
           <a:p>
             <a:r>
-              <a:rPr lang="en-US" smtClean="0"/>
+              <a:rPr lang="en-US"/>
               <a:t>Click to edit Master title style</a:t>
             </a:r>
             <a:endParaRPr lang="en-US" dirty="0"/>
@@ -5317,10 +1266,9 @@
           </a:lstStyle>
           <a:p>
             <a:r>
-              <a:rPr lang="en-US" smtClean="0"/>
+              <a:rPr lang="en-US"/>
               <a:t>Click to edit Master subtitle style</a:t>
             </a:r>
-            <a:endParaRPr lang="en-US"/>
           </a:p>
         </p:txBody>
       </p:sp>
@@ -5341,7 +1289,7 @@
           <a:p>
             <a:fld id="{D747B1E0-F476-4322-AA53-0018286DBC2F}" type="datetime1">
               <a:rPr lang="en-US" smtClean="0"/>
-              <a:t>6/22/2020</a:t>
+              <a:t>6/23/2020</a:t>
             </a:fld>
             <a:endParaRPr lang="en-US" dirty="0"/>
           </a:p>
@@ -5450,10 +1398,9 @@
           <a:lstStyle/>
           <a:p>
             <a:r>
-              <a:rPr lang="en-US" smtClean="0"/>
+              <a:rPr lang="en-US"/>
               <a:t>Click to edit Master title style</a:t>
             </a:r>
-            <a:endParaRPr lang="en-US"/>
           </a:p>
         </p:txBody>
       </p:sp>
@@ -5474,38 +1421,37 @@
           <a:p>
             <a:pPr lvl="0"/>
             <a:r>
-              <a:rPr lang="en-US" smtClean="0"/>
+              <a:rPr lang="en-US"/>
               <a:t>Edit Master text styles</a:t>
             </a:r>
           </a:p>
           <a:p>
             <a:pPr lvl="1"/>
             <a:r>
-              <a:rPr lang="en-US" smtClean="0"/>
+              <a:rPr lang="en-US"/>
               <a:t>Second level</a:t>
             </a:r>
           </a:p>
           <a:p>
             <a:pPr lvl="2"/>
             <a:r>
-              <a:rPr lang="en-US" smtClean="0"/>
+              <a:rPr lang="en-US"/>
               <a:t>Third level</a:t>
             </a:r>
           </a:p>
           <a:p>
             <a:pPr lvl="3"/>
             <a:r>
-              <a:rPr lang="en-US" smtClean="0"/>
+              <a:rPr lang="en-US"/>
               <a:t>Fourth level</a:t>
             </a:r>
           </a:p>
           <a:p>
             <a:pPr lvl="4"/>
             <a:r>
-              <a:rPr lang="en-US" smtClean="0"/>
+              <a:rPr lang="en-US"/>
               <a:t>Fifth level</a:t>
             </a:r>
-            <a:endParaRPr lang="en-US"/>
           </a:p>
         </p:txBody>
       </p:sp>
@@ -5526,7 +1472,7 @@
           <a:p>
             <a:fld id="{938E9944-B6E8-44FA-B3BC-28C8F3B97A63}" type="datetime1">
               <a:rPr lang="en-US" smtClean="0"/>
-              <a:t>6/22/2020</a:t>
+              <a:t>6/23/2020</a:t>
             </a:fld>
             <a:endParaRPr lang="en-US"/>
           </a:p>
@@ -5640,10 +1586,9 @@
           <a:lstStyle/>
           <a:p>
             <a:r>
-              <a:rPr lang="en-US" smtClean="0"/>
+              <a:rPr lang="en-US"/>
               <a:t>Click to edit Master title style</a:t>
             </a:r>
-            <a:endParaRPr lang="en-US"/>
           </a:p>
         </p:txBody>
       </p:sp>
@@ -5669,38 +1614,37 @@
           <a:p>
             <a:pPr lvl="0"/>
             <a:r>
-              <a:rPr lang="en-US" smtClean="0"/>
+              <a:rPr lang="en-US"/>
               <a:t>Edit Master text styles</a:t>
             </a:r>
           </a:p>
           <a:p>
             <a:pPr lvl="1"/>
             <a:r>
-              <a:rPr lang="en-US" smtClean="0"/>
+              <a:rPr lang="en-US"/>
               <a:t>Second level</a:t>
             </a:r>
           </a:p>
           <a:p>
             <a:pPr lvl="2"/>
             <a:r>
-              <a:rPr lang="en-US" smtClean="0"/>
+              <a:rPr lang="en-US"/>
               <a:t>Third level</a:t>
             </a:r>
           </a:p>
           <a:p>
             <a:pPr lvl="3"/>
             <a:r>
-              <a:rPr lang="en-US" smtClean="0"/>
+              <a:rPr lang="en-US"/>
               <a:t>Fourth level</a:t>
             </a:r>
           </a:p>
           <a:p>
             <a:pPr lvl="4"/>
             <a:r>
-              <a:rPr lang="en-US" smtClean="0"/>
+              <a:rPr lang="en-US"/>
               <a:t>Fifth level</a:t>
             </a:r>
-            <a:endParaRPr lang="en-US"/>
           </a:p>
         </p:txBody>
       </p:sp>
@@ -5721,7 +1665,7 @@
           <a:p>
             <a:fld id="{19D6BA2A-22AB-40C3-A6FE-08AE8F5EAD50}" type="datetime1">
               <a:rPr lang="en-US" smtClean="0"/>
-              <a:t>6/22/2020</a:t>
+              <a:t>6/23/2020</a:t>
             </a:fld>
             <a:endParaRPr lang="en-US"/>
           </a:p>
@@ -5830,10 +1774,9 @@
           <a:lstStyle/>
           <a:p>
             <a:r>
-              <a:rPr lang="en-US" smtClean="0"/>
+              <a:rPr lang="en-US"/>
               <a:t>Click to edit Master title style</a:t>
             </a:r>
-            <a:endParaRPr lang="en-US"/>
           </a:p>
         </p:txBody>
       </p:sp>
@@ -5854,38 +1797,37 @@
           <a:p>
             <a:pPr lvl="0"/>
             <a:r>
-              <a:rPr lang="en-US" smtClean="0"/>
+              <a:rPr lang="en-US"/>
               <a:t>Edit Master text styles</a:t>
             </a:r>
           </a:p>
           <a:p>
             <a:pPr lvl="1"/>
             <a:r>
-              <a:rPr lang="en-US" smtClean="0"/>
+              <a:rPr lang="en-US"/>
               <a:t>Second level</a:t>
             </a:r>
           </a:p>
           <a:p>
             <a:pPr lvl="2"/>
             <a:r>
-              <a:rPr lang="en-US" smtClean="0"/>
+              <a:rPr lang="en-US"/>
               <a:t>Third level</a:t>
             </a:r>
           </a:p>
           <a:p>
             <a:pPr lvl="3"/>
             <a:r>
-              <a:rPr lang="en-US" smtClean="0"/>
+              <a:rPr lang="en-US"/>
               <a:t>Fourth level</a:t>
             </a:r>
           </a:p>
           <a:p>
             <a:pPr lvl="4"/>
             <a:r>
-              <a:rPr lang="en-US" smtClean="0"/>
+              <a:rPr lang="en-US"/>
               <a:t>Fifth level</a:t>
             </a:r>
-            <a:endParaRPr lang="en-US"/>
           </a:p>
         </p:txBody>
       </p:sp>
@@ -5906,7 +1848,7 @@
           <a:p>
             <a:fld id="{D1399E97-DADD-4C08-B07A-21ABC2EC9C0C}" type="datetime1">
               <a:rPr lang="en-US" smtClean="0"/>
-              <a:t>6/22/2020</a:t>
+              <a:t>6/23/2020</a:t>
             </a:fld>
             <a:endParaRPr lang="en-US"/>
           </a:p>
@@ -6024,10 +1966,9 @@
           </a:lstStyle>
           <a:p>
             <a:r>
-              <a:rPr lang="en-US" smtClean="0"/>
+              <a:rPr lang="en-US"/>
               <a:t>Click to edit Master title style</a:t>
             </a:r>
-            <a:endParaRPr lang="en-US"/>
           </a:p>
         </p:txBody>
       </p:sp>
@@ -6090,7 +2031,7 @@
           <a:p>
             <a:pPr lvl="0"/>
             <a:r>
-              <a:rPr lang="en-US" smtClean="0"/>
+              <a:rPr lang="en-US"/>
               <a:t>Edit Master text styles</a:t>
             </a:r>
           </a:p>
@@ -6113,7 +2054,7 @@
           <a:p>
             <a:fld id="{79426430-5DC0-47CA-BF30-F2CEF34F1CCC}" type="datetime1">
               <a:rPr lang="en-US" smtClean="0"/>
-              <a:t>6/22/2020</a:t>
+              <a:t>6/23/2020</a:t>
             </a:fld>
             <a:endParaRPr lang="en-US"/>
           </a:p>
@@ -6222,10 +2163,9 @@
           <a:lstStyle/>
           <a:p>
             <a:r>
-              <a:rPr lang="en-US" smtClean="0"/>
+              <a:rPr lang="en-US"/>
               <a:t>Click to edit Master title style</a:t>
             </a:r>
-            <a:endParaRPr lang="en-US"/>
           </a:p>
         </p:txBody>
       </p:sp>
@@ -6279,38 +2219,37 @@
           <a:p>
             <a:pPr lvl="0"/>
             <a:r>
-              <a:rPr lang="en-US" smtClean="0"/>
+              <a:rPr lang="en-US"/>
               <a:t>Edit Master text styles</a:t>
             </a:r>
           </a:p>
           <a:p>
             <a:pPr lvl="1"/>
             <a:r>
-              <a:rPr lang="en-US" smtClean="0"/>
+              <a:rPr lang="en-US"/>
               <a:t>Second level</a:t>
             </a:r>
           </a:p>
           <a:p>
             <a:pPr lvl="2"/>
             <a:r>
-              <a:rPr lang="en-US" smtClean="0"/>
+              <a:rPr lang="en-US"/>
               <a:t>Third level</a:t>
             </a:r>
           </a:p>
           <a:p>
             <a:pPr lvl="3"/>
             <a:r>
-              <a:rPr lang="en-US" smtClean="0"/>
+              <a:rPr lang="en-US"/>
               <a:t>Fourth level</a:t>
             </a:r>
           </a:p>
           <a:p>
             <a:pPr lvl="4"/>
             <a:r>
-              <a:rPr lang="en-US" smtClean="0"/>
+              <a:rPr lang="en-US"/>
               <a:t>Fifth level</a:t>
             </a:r>
-            <a:endParaRPr lang="en-US"/>
           </a:p>
         </p:txBody>
       </p:sp>
@@ -6364,38 +2303,37 @@
           <a:p>
             <a:pPr lvl="0"/>
             <a:r>
-              <a:rPr lang="en-US" smtClean="0"/>
+              <a:rPr lang="en-US"/>
               <a:t>Edit Master text styles</a:t>
             </a:r>
           </a:p>
           <a:p>
             <a:pPr lvl="1"/>
             <a:r>
-              <a:rPr lang="en-US" smtClean="0"/>
+              <a:rPr lang="en-US"/>
               <a:t>Second level</a:t>
             </a:r>
           </a:p>
           <a:p>
             <a:pPr lvl="2"/>
             <a:r>
-              <a:rPr lang="en-US" smtClean="0"/>
+              <a:rPr lang="en-US"/>
               <a:t>Third level</a:t>
             </a:r>
           </a:p>
           <a:p>
             <a:pPr lvl="3"/>
             <a:r>
-              <a:rPr lang="en-US" smtClean="0"/>
+              <a:rPr lang="en-US"/>
               <a:t>Fourth level</a:t>
             </a:r>
           </a:p>
           <a:p>
             <a:pPr lvl="4"/>
             <a:r>
-              <a:rPr lang="en-US" smtClean="0"/>
+              <a:rPr lang="en-US"/>
               <a:t>Fifth level</a:t>
             </a:r>
-            <a:endParaRPr lang="en-US"/>
           </a:p>
         </p:txBody>
       </p:sp>
@@ -6416,7 +2354,7 @@
           <a:p>
             <a:fld id="{F762E9D0-9F88-4809-9326-E87DB6BC4685}" type="datetime1">
               <a:rPr lang="en-US" smtClean="0"/>
-              <a:t>6/22/2020</a:t>
+              <a:t>6/23/2020</a:t>
             </a:fld>
             <a:endParaRPr lang="en-US"/>
           </a:p>
@@ -6530,10 +2468,9 @@
           <a:lstStyle/>
           <a:p>
             <a:r>
-              <a:rPr lang="en-US" smtClean="0"/>
+              <a:rPr lang="en-US"/>
               <a:t>Click to edit Master title style</a:t>
             </a:r>
-            <a:endParaRPr lang="en-US"/>
           </a:p>
         </p:txBody>
       </p:sp>
@@ -6596,7 +2533,7 @@
           <a:p>
             <a:pPr lvl="0"/>
             <a:r>
-              <a:rPr lang="en-US" smtClean="0"/>
+              <a:rPr lang="en-US"/>
               <a:t>Edit Master text styles</a:t>
             </a:r>
           </a:p>
@@ -6652,38 +2589,37 @@
           <a:p>
             <a:pPr lvl="0"/>
             <a:r>
-              <a:rPr lang="en-US" smtClean="0"/>
+              <a:rPr lang="en-US"/>
               <a:t>Edit Master text styles</a:t>
             </a:r>
           </a:p>
           <a:p>
             <a:pPr lvl="1"/>
             <a:r>
-              <a:rPr lang="en-US" smtClean="0"/>
+              <a:rPr lang="en-US"/>
               <a:t>Second level</a:t>
             </a:r>
           </a:p>
           <a:p>
             <a:pPr lvl="2"/>
             <a:r>
-              <a:rPr lang="en-US" smtClean="0"/>
+              <a:rPr lang="en-US"/>
               <a:t>Third level</a:t>
             </a:r>
           </a:p>
           <a:p>
             <a:pPr lvl="3"/>
             <a:r>
-              <a:rPr lang="en-US" smtClean="0"/>
+              <a:rPr lang="en-US"/>
               <a:t>Fourth level</a:t>
             </a:r>
           </a:p>
           <a:p>
             <a:pPr lvl="4"/>
             <a:r>
-              <a:rPr lang="en-US" smtClean="0"/>
+              <a:rPr lang="en-US"/>
               <a:t>Fifth level</a:t>
             </a:r>
-            <a:endParaRPr lang="en-US"/>
           </a:p>
         </p:txBody>
       </p:sp>
@@ -6746,7 +2682,7 @@
           <a:p>
             <a:pPr lvl="0"/>
             <a:r>
-              <a:rPr lang="en-US" smtClean="0"/>
+              <a:rPr lang="en-US"/>
               <a:t>Edit Master text styles</a:t>
             </a:r>
           </a:p>
@@ -6802,38 +2738,37 @@
           <a:p>
             <a:pPr lvl="0"/>
             <a:r>
-              <a:rPr lang="en-US" smtClean="0"/>
+              <a:rPr lang="en-US"/>
               <a:t>Edit Master text styles</a:t>
             </a:r>
           </a:p>
           <a:p>
             <a:pPr lvl="1"/>
             <a:r>
-              <a:rPr lang="en-US" smtClean="0"/>
+              <a:rPr lang="en-US"/>
               <a:t>Second level</a:t>
             </a:r>
           </a:p>
           <a:p>
             <a:pPr lvl="2"/>
             <a:r>
-              <a:rPr lang="en-US" smtClean="0"/>
+              <a:rPr lang="en-US"/>
               <a:t>Third level</a:t>
             </a:r>
           </a:p>
           <a:p>
             <a:pPr lvl="3"/>
             <a:r>
-              <a:rPr lang="en-US" smtClean="0"/>
+              <a:rPr lang="en-US"/>
               <a:t>Fourth level</a:t>
             </a:r>
           </a:p>
           <a:p>
             <a:pPr lvl="4"/>
             <a:r>
-              <a:rPr lang="en-US" smtClean="0"/>
+              <a:rPr lang="en-US"/>
               <a:t>Fifth level</a:t>
             </a:r>
-            <a:endParaRPr lang="en-US"/>
           </a:p>
         </p:txBody>
       </p:sp>
@@ -6854,7 +2789,7 @@
           <a:p>
             <a:fld id="{E6DBD937-36D5-440B-91A0-6786F6EDBFCD}" type="datetime1">
               <a:rPr lang="en-US" smtClean="0"/>
-              <a:t>6/22/2020</a:t>
+              <a:t>6/23/2020</a:t>
             </a:fld>
             <a:endParaRPr lang="en-US"/>
           </a:p>
@@ -6963,10 +2898,9 @@
           <a:lstStyle/>
           <a:p>
             <a:r>
-              <a:rPr lang="en-US" smtClean="0"/>
+              <a:rPr lang="en-US"/>
               <a:t>Click to edit Master title style</a:t>
             </a:r>
-            <a:endParaRPr lang="en-US"/>
           </a:p>
         </p:txBody>
       </p:sp>
@@ -6987,7 +2921,7 @@
           <a:p>
             <a:fld id="{E1AD020A-2292-4331-AC54-713AADF8BC0C}" type="datetime1">
               <a:rPr lang="en-US" smtClean="0"/>
-              <a:t>6/22/2020</a:t>
+              <a:t>6/23/2020</a:t>
             </a:fld>
             <a:endParaRPr lang="en-US"/>
           </a:p>
@@ -7097,7 +3031,7 @@
           <a:p>
             <a:fld id="{FC19A559-F34C-48D0-A2A2-37B0B078BBAB}" type="datetime1">
               <a:rPr lang="en-US" smtClean="0"/>
-              <a:t>6/22/2020</a:t>
+              <a:t>6/23/2020</a:t>
             </a:fld>
             <a:endParaRPr lang="en-US"/>
           </a:p>
@@ -7215,10 +3149,9 @@
           </a:lstStyle>
           <a:p>
             <a:r>
-              <a:rPr lang="en-US" smtClean="0"/>
+              <a:rPr lang="en-US"/>
               <a:t>Click to edit Master title style</a:t>
             </a:r>
-            <a:endParaRPr lang="en-US"/>
           </a:p>
         </p:txBody>
       </p:sp>
@@ -7272,38 +3205,37 @@
           <a:p>
             <a:pPr lvl="0"/>
             <a:r>
-              <a:rPr lang="en-US" smtClean="0"/>
+              <a:rPr lang="en-US"/>
               <a:t>Edit Master text styles</a:t>
             </a:r>
           </a:p>
           <a:p>
             <a:pPr lvl="1"/>
             <a:r>
-              <a:rPr lang="en-US" smtClean="0"/>
+              <a:rPr lang="en-US"/>
               <a:t>Second level</a:t>
             </a:r>
           </a:p>
           <a:p>
             <a:pPr lvl="2"/>
             <a:r>
-              <a:rPr lang="en-US" smtClean="0"/>
+              <a:rPr lang="en-US"/>
               <a:t>Third level</a:t>
             </a:r>
           </a:p>
           <a:p>
             <a:pPr lvl="3"/>
             <a:r>
-              <a:rPr lang="en-US" smtClean="0"/>
+              <a:rPr lang="en-US"/>
               <a:t>Fourth level</a:t>
             </a:r>
           </a:p>
           <a:p>
             <a:pPr lvl="4"/>
             <a:r>
-              <a:rPr lang="en-US" smtClean="0"/>
+              <a:rPr lang="en-US"/>
               <a:t>Fifth level</a:t>
             </a:r>
-            <a:endParaRPr lang="en-US"/>
           </a:p>
         </p:txBody>
       </p:sp>
@@ -7366,7 +3298,7 @@
           <a:p>
             <a:pPr lvl="0"/>
             <a:r>
-              <a:rPr lang="en-US" smtClean="0"/>
+              <a:rPr lang="en-US"/>
               <a:t>Edit Master text styles</a:t>
             </a:r>
           </a:p>
@@ -7389,7 +3321,7 @@
           <a:p>
             <a:fld id="{3F9AB5B2-44EC-4F73-968D-750C1952CA62}" type="datetime1">
               <a:rPr lang="en-US" smtClean="0"/>
-              <a:t>6/22/2020</a:t>
+              <a:t>6/23/2020</a:t>
             </a:fld>
             <a:endParaRPr lang="en-US"/>
           </a:p>
@@ -7507,10 +3439,9 @@
           </a:lstStyle>
           <a:p>
             <a:r>
-              <a:rPr lang="en-US" smtClean="0"/>
+              <a:rPr lang="en-US"/>
               <a:t>Click to edit Master title style</a:t>
             </a:r>
-            <a:endParaRPr lang="en-US"/>
           </a:p>
         </p:txBody>
       </p:sp>
@@ -7572,10 +3503,9 @@
           </a:lstStyle>
           <a:p>
             <a:r>
-              <a:rPr lang="en-US" smtClean="0"/>
+              <a:rPr lang="en-US"/>
               <a:t>Click icon to add picture</a:t>
             </a:r>
-            <a:endParaRPr lang="en-US"/>
           </a:p>
         </p:txBody>
       </p:sp>
@@ -7638,7 +3568,7 @@
           <a:p>
             <a:pPr lvl="0"/>
             <a:r>
-              <a:rPr lang="en-US" smtClean="0"/>
+              <a:rPr lang="en-US"/>
               <a:t>Edit Master text styles</a:t>
             </a:r>
           </a:p>
@@ -7661,7 +3591,7 @@
           <a:p>
             <a:fld id="{0F3D9984-D554-4F72-BAB6-CB2CCA8D58F4}" type="datetime1">
               <a:rPr lang="en-US" smtClean="0"/>
-              <a:t>6/22/2020</a:t>
+              <a:t>6/23/2020</a:t>
             </a:fld>
             <a:endParaRPr lang="en-US"/>
           </a:p>
@@ -7801,7 +3731,7 @@
           <a:lstStyle/>
           <a:p>
             <a:r>
-              <a:rPr lang="en-US" smtClean="0"/>
+              <a:rPr lang="en-US"/>
               <a:t>Click to edit Master title style</a:t>
             </a:r>
             <a:endParaRPr lang="en-US" dirty="0"/>
@@ -7842,35 +3772,35 @@
           <a:p>
             <a:pPr lvl="0"/>
             <a:r>
-              <a:rPr lang="en-US" smtClean="0"/>
+              <a:rPr lang="en-US"/>
               <a:t>Edit Master text styles</a:t>
             </a:r>
           </a:p>
           <a:p>
             <a:pPr lvl="1"/>
             <a:r>
-              <a:rPr lang="en-US" smtClean="0"/>
+              <a:rPr lang="en-US"/>
               <a:t>Second level</a:t>
             </a:r>
           </a:p>
           <a:p>
             <a:pPr lvl="2"/>
             <a:r>
-              <a:rPr lang="en-US" smtClean="0"/>
+              <a:rPr lang="en-US"/>
               <a:t>Third level</a:t>
             </a:r>
           </a:p>
           <a:p>
             <a:pPr lvl="3"/>
             <a:r>
-              <a:rPr lang="en-US" smtClean="0"/>
+              <a:rPr lang="en-US"/>
               <a:t>Fourth level</a:t>
             </a:r>
           </a:p>
           <a:p>
             <a:pPr lvl="4"/>
             <a:r>
-              <a:rPr lang="en-US" smtClean="0"/>
+              <a:rPr lang="en-US"/>
               <a:t>Fifth level</a:t>
             </a:r>
             <a:endParaRPr lang="en-US" dirty="0"/>
@@ -7911,7 +3841,7 @@
             <a:fld id="{ABCC73E2-E386-4A38-B838-238D9BA645F8}" type="datetime1">
               <a:rPr lang="en-US" smtClean="0"/>
               <a:pPr/>
-              <a:t>6/22/2020</a:t>
+              <a:t>6/23/2020</a:t>
             </a:fld>
             <a:endParaRPr lang="en-US" dirty="0"/>
           </a:p>
@@ -8398,10 +4328,9 @@
           <a:lstStyle/>
           <a:p>
             <a:r>
-              <a:rPr lang="en-US" dirty="0" smtClean="0"/>
+              <a:rPr lang="en-US" dirty="0"/>
               <a:t>Spotify Data Analysis</a:t>
             </a:r>
-            <a:endParaRPr lang="en-US" dirty="0"/>
           </a:p>
         </p:txBody>
       </p:sp>
@@ -8421,21 +4350,336 @@
           <a:lstStyle/>
           <a:p>
             <a:r>
-              <a:rPr lang="en-US" dirty="0" err="1" smtClean="0"/>
-              <a:t>Deepika</a:t>
-            </a:r>
-            <a:r>
-              <a:rPr lang="en-US" dirty="0" smtClean="0"/>
-              <a:t>, Maria, Tanner</a:t>
+              <a:rPr lang="en-US" dirty="0"/>
+              <a:t>Deepika Awasthi, Maria Lara, Tanner </a:t>
+            </a:r>
+            <a:r>
+              <a:rPr lang="en-US" dirty="0" err="1"/>
+              <a:t>Lievois</a:t>
             </a:r>
             <a:endParaRPr lang="en-US" dirty="0"/>
           </a:p>
         </p:txBody>
       </p:sp>
+      <p:pic>
+        <p:nvPicPr>
+          <p:cNvPr id="9" name="Picture 8" descr="A close up of a logo&#10;&#10;Description automatically generated">
+            <a:extLst>
+              <a:ext uri="{FF2B5EF4-FFF2-40B4-BE49-F238E27FC236}">
+                <a16:creationId xmlns:a16="http://schemas.microsoft.com/office/drawing/2014/main" id="{CF1289AC-D153-423A-8655-49FE90193DAD}"/>
+              </a:ext>
+            </a:extLst>
+          </p:cNvPr>
+          <p:cNvPicPr>
+            <a:picLocks noChangeAspect="1"/>
+          </p:cNvPicPr>
+          <p:nvPr/>
+        </p:nvPicPr>
+        <p:blipFill>
+          <a:blip r:embed="rId3"/>
+          <a:stretch>
+            <a:fillRect/>
+          </a:stretch>
+        </p:blipFill>
+        <p:spPr>
+          <a:xfrm>
+            <a:off x="10386844" y="202361"/>
+            <a:ext cx="1608261" cy="482070"/>
+          </a:xfrm>
+          <a:prstGeom prst="rect">
+            <a:avLst/>
+          </a:prstGeom>
+        </p:spPr>
+      </p:pic>
     </p:spTree>
     <p:extLst>
       <p:ext uri="{BB962C8B-B14F-4D97-AF65-F5344CB8AC3E}">
         <p14:creationId xmlns:p14="http://schemas.microsoft.com/office/powerpoint/2010/main" val="2211167003"/>
+      </p:ext>
+    </p:extLst>
+  </p:cSld>
+  <p:clrMapOvr>
+    <a:masterClrMapping/>
+  </p:clrMapOvr>
+  <mc:AlternateContent xmlns:mc="http://schemas.openxmlformats.org/markup-compatibility/2006" xmlns:p14="http://schemas.microsoft.com/office/powerpoint/2010/main">
+    <mc:Choice Requires="p14">
+      <p:transition spd="med" p14:dur="700">
+        <p:fade/>
+      </p:transition>
+    </mc:Choice>
+    <mc:Fallback xmlns="">
+      <p:transition spd="med">
+        <p:fade/>
+      </p:transition>
+    </mc:Fallback>
+  </mc:AlternateContent>
+  <p:timing>
+    <p:tnLst>
+      <p:par>
+        <p:cTn id="1" dur="indefinite" restart="never" nodeType="tmRoot"/>
+      </p:par>
+    </p:tnLst>
+  </p:timing>
+</p:sld>
+</file>
+
+<file path=ppt/slides/slide10.xml><?xml version="1.0" encoding="utf-8"?>
+<p:sld xmlns:a="http://schemas.openxmlformats.org/drawingml/2006/main" xmlns:r="http://schemas.openxmlformats.org/officeDocument/2006/relationships" xmlns:p="http://schemas.openxmlformats.org/presentationml/2006/main">
+  <p:cSld>
+    <p:spTree>
+      <p:nvGrpSpPr>
+        <p:cNvPr id="1" name=""/>
+        <p:cNvGrpSpPr/>
+        <p:nvPr/>
+      </p:nvGrpSpPr>
+      <p:grpSpPr>
+        <a:xfrm>
+          <a:off x="0" y="0"/>
+          <a:ext cx="0" cy="0"/>
+          <a:chOff x="0" y="0"/>
+          <a:chExt cx="0" cy="0"/>
+        </a:xfrm>
+      </p:grpSpPr>
+      <p:sp>
+        <p:nvSpPr>
+          <p:cNvPr id="2" name="Title 1"/>
+          <p:cNvSpPr>
+            <a:spLocks noGrp="1"/>
+          </p:cNvSpPr>
+          <p:nvPr>
+            <p:ph type="title"/>
+          </p:nvPr>
+        </p:nvSpPr>
+        <p:spPr/>
+        <p:txBody>
+          <a:bodyPr/>
+          <a:lstStyle/>
+          <a:p>
+            <a:r>
+              <a:rPr lang="en-US" dirty="0"/>
+              <a:t>Post Mortem</a:t>
+            </a:r>
+          </a:p>
+        </p:txBody>
+      </p:sp>
+      <p:sp>
+        <p:nvSpPr>
+          <p:cNvPr id="10" name="Content Placeholder 9"/>
+          <p:cNvSpPr>
+            <a:spLocks noGrp="1"/>
+          </p:cNvSpPr>
+          <p:nvPr>
+            <p:ph sz="half" idx="1"/>
+          </p:nvPr>
+        </p:nvSpPr>
+        <p:spPr>
+          <a:xfrm>
+            <a:off x="838200" y="1825625"/>
+            <a:ext cx="10515600" cy="4351338"/>
+          </a:xfrm>
+        </p:spPr>
+        <p:txBody>
+          <a:bodyPr/>
+          <a:lstStyle/>
+          <a:p>
+            <a:endParaRPr lang="en-US" dirty="0" smtClean="0"/>
+          </a:p>
+          <a:p>
+            <a:endParaRPr lang="en-US" dirty="0"/>
+          </a:p>
+          <a:p>
+            <a:r>
+              <a:rPr lang="en-US" dirty="0" smtClean="0"/>
+              <a:t>Genre Popularity</a:t>
+            </a:r>
+            <a:endParaRPr lang="en-US" dirty="0"/>
+          </a:p>
+          <a:p>
+            <a:r>
+              <a:rPr lang="en-US" dirty="0" smtClean="0"/>
+              <a:t>Different locations</a:t>
+            </a:r>
+          </a:p>
+          <a:p>
+            <a:r>
+              <a:rPr lang="en-US" dirty="0" smtClean="0"/>
+              <a:t>Compare with another API</a:t>
+            </a:r>
+          </a:p>
+          <a:p>
+            <a:r>
+              <a:rPr lang="en-US" dirty="0" smtClean="0"/>
+              <a:t>Sampling and T-Test</a:t>
+            </a:r>
+            <a:endParaRPr lang="en-US" dirty="0"/>
+          </a:p>
+        </p:txBody>
+      </p:sp>
+      <p:pic>
+        <p:nvPicPr>
+          <p:cNvPr id="6" name="Picture 5" descr="A close up of a logo&#10;&#10;Description automatically generated">
+            <a:extLst>
+              <a:ext uri="{FF2B5EF4-FFF2-40B4-BE49-F238E27FC236}">
+                <a16:creationId xmlns:a16="http://schemas.microsoft.com/office/drawing/2014/main" id="{CACD2D4E-80C9-4ED7-BAD9-A2589AD364DB}"/>
+              </a:ext>
+            </a:extLst>
+          </p:cNvPr>
+          <p:cNvPicPr>
+            <a:picLocks noChangeAspect="1"/>
+          </p:cNvPicPr>
+          <p:nvPr/>
+        </p:nvPicPr>
+        <p:blipFill>
+          <a:blip r:embed="rId2"/>
+          <a:stretch>
+            <a:fillRect/>
+          </a:stretch>
+        </p:blipFill>
+        <p:spPr>
+          <a:xfrm>
+            <a:off x="10031666" y="716057"/>
+            <a:ext cx="1040377" cy="311849"/>
+          </a:xfrm>
+          <a:prstGeom prst="rect">
+            <a:avLst/>
+          </a:prstGeom>
+        </p:spPr>
+      </p:pic>
+    </p:spTree>
+    <p:extLst>
+      <p:ext uri="{BB962C8B-B14F-4D97-AF65-F5344CB8AC3E}">
+        <p14:creationId xmlns:p14="http://schemas.microsoft.com/office/powerpoint/2010/main" val="2025100519"/>
+      </p:ext>
+    </p:extLst>
+  </p:cSld>
+  <p:clrMapOvr>
+    <a:masterClrMapping/>
+  </p:clrMapOvr>
+  <mc:AlternateContent xmlns:mc="http://schemas.openxmlformats.org/markup-compatibility/2006" xmlns:p14="http://schemas.microsoft.com/office/powerpoint/2010/main">
+    <mc:Choice Requires="p14">
+      <p:transition spd="med" p14:dur="700">
+        <p:fade/>
+      </p:transition>
+    </mc:Choice>
+    <mc:Fallback xmlns="">
+      <p:transition spd="med">
+        <p:fade/>
+      </p:transition>
+    </mc:Fallback>
+  </mc:AlternateContent>
+  <p:timing>
+    <p:tnLst>
+      <p:par>
+        <p:cTn id="1" dur="indefinite" restart="never" nodeType="tmRoot"/>
+      </p:par>
+    </p:tnLst>
+  </p:timing>
+</p:sld>
+</file>
+
+<file path=ppt/slides/slide11.xml><?xml version="1.0" encoding="utf-8"?>
+<p:sld xmlns:a="http://schemas.openxmlformats.org/drawingml/2006/main" xmlns:r="http://schemas.openxmlformats.org/officeDocument/2006/relationships" xmlns:p="http://schemas.openxmlformats.org/presentationml/2006/main">
+  <p:cSld>
+    <p:spTree>
+      <p:nvGrpSpPr>
+        <p:cNvPr id="1" name=""/>
+        <p:cNvGrpSpPr/>
+        <p:nvPr/>
+      </p:nvGrpSpPr>
+      <p:grpSpPr>
+        <a:xfrm>
+          <a:off x="0" y="0"/>
+          <a:ext cx="0" cy="0"/>
+          <a:chOff x="0" y="0"/>
+          <a:chExt cx="0" cy="0"/>
+        </a:xfrm>
+      </p:grpSpPr>
+      <p:sp>
+        <p:nvSpPr>
+          <p:cNvPr id="2" name="Title 1" title="Title and Content Layout with Chart"/>
+          <p:cNvSpPr>
+            <a:spLocks noGrp="1"/>
+          </p:cNvSpPr>
+          <p:nvPr>
+            <p:ph type="title"/>
+          </p:nvPr>
+        </p:nvSpPr>
+        <p:spPr/>
+        <p:txBody>
+          <a:bodyPr/>
+          <a:lstStyle/>
+          <a:p>
+            <a:r>
+              <a:rPr lang="en-US" dirty="0" smtClean="0"/>
+              <a:t>Questions?</a:t>
+            </a:r>
+            <a:endParaRPr lang="en-US" dirty="0"/>
+          </a:p>
+        </p:txBody>
+      </p:sp>
+      <p:pic>
+        <p:nvPicPr>
+          <p:cNvPr id="5" name="Content Placeholder 4"/>
+          <p:cNvPicPr>
+            <a:picLocks noGrp="1" noChangeAspect="1"/>
+          </p:cNvPicPr>
+          <p:nvPr>
+            <p:ph idx="1"/>
+          </p:nvPr>
+        </p:nvPicPr>
+        <p:blipFill>
+          <a:blip r:embed="rId3">
+            <a:extLst>
+              <a:ext uri="{28A0092B-C50C-407E-A947-70E740481C1C}">
+                <a14:useLocalDpi xmlns:a14="http://schemas.microsoft.com/office/drawing/2010/main" val="0"/>
+              </a:ext>
+            </a:extLst>
+          </a:blip>
+          <a:stretch>
+            <a:fillRect/>
+          </a:stretch>
+        </p:blipFill>
+        <p:spPr>
+          <a:xfrm>
+            <a:off x="3331131" y="2124205"/>
+            <a:ext cx="4895255" cy="4351338"/>
+          </a:xfrm>
+        </p:spPr>
+      </p:pic>
+      <p:pic>
+        <p:nvPicPr>
+          <p:cNvPr id="4" name="Picture 3" descr="A close up of a logo&#10;&#10;Description automatically generated">
+            <a:extLst>
+              <a:ext uri="{FF2B5EF4-FFF2-40B4-BE49-F238E27FC236}">
+                <a16:creationId xmlns:a16="http://schemas.microsoft.com/office/drawing/2014/main" id="{82329371-C9BF-4BA9-9F5F-9FE93B816858}"/>
+              </a:ext>
+            </a:extLst>
+          </p:cNvPr>
+          <p:cNvPicPr>
+            <a:picLocks noChangeAspect="1"/>
+          </p:cNvPicPr>
+          <p:nvPr/>
+        </p:nvPicPr>
+        <p:blipFill>
+          <a:blip r:embed="rId4"/>
+          <a:stretch>
+            <a:fillRect/>
+          </a:stretch>
+        </p:blipFill>
+        <p:spPr>
+          <a:xfrm>
+            <a:off x="10140449" y="525112"/>
+            <a:ext cx="1040377" cy="311849"/>
+          </a:xfrm>
+          <a:prstGeom prst="rect">
+            <a:avLst/>
+          </a:prstGeom>
+        </p:spPr>
+      </p:pic>
+    </p:spTree>
+    <p:extLst>
+      <p:ext uri="{BB962C8B-B14F-4D97-AF65-F5344CB8AC3E}">
+        <p14:creationId xmlns:p14="http://schemas.microsoft.com/office/powerpoint/2010/main" val="405362518"/>
       </p:ext>
     </p:extLst>
   </p:cSld>
@@ -8491,16 +4735,20 @@
             <p:ph type="title"/>
           </p:nvPr>
         </p:nvSpPr>
-        <p:spPr/>
+        <p:spPr>
+          <a:xfrm>
+            <a:off x="838200" y="793940"/>
+            <a:ext cx="10515600" cy="896748"/>
+          </a:xfrm>
+        </p:spPr>
         <p:txBody>
           <a:bodyPr/>
           <a:lstStyle/>
           <a:p>
             <a:r>
-              <a:rPr lang="en-US" dirty="0" smtClean="0"/>
+              <a:rPr lang="en-US" dirty="0"/>
               <a:t>Summary</a:t>
             </a:r>
-            <a:endParaRPr lang="en-US" dirty="0"/>
           </a:p>
         </p:txBody>
       </p:sp>
@@ -8520,40 +4768,67 @@
           <a:lstStyle/>
           <a:p>
             <a:r>
-              <a:rPr lang="en-US" dirty="0"/>
-              <a:t>Artist popularity</a:t>
+              <a:rPr lang="en-US" sz="2000" dirty="0"/>
+              <a:t>How </a:t>
+            </a:r>
+            <a:r>
+              <a:rPr lang="en-US" sz="2000" b="1" dirty="0"/>
+              <a:t>Artists Popularity </a:t>
+            </a:r>
+            <a:r>
+              <a:rPr lang="en-US" sz="2000" dirty="0"/>
+              <a:t>is defined?</a:t>
             </a:r>
           </a:p>
           <a:p>
             <a:pPr lvl="1"/>
             <a:r>
-              <a:rPr lang="en-US" dirty="0"/>
+              <a:rPr lang="en-US" sz="2000" dirty="0"/>
               <a:t>Genre</a:t>
             </a:r>
           </a:p>
           <a:p>
             <a:pPr lvl="1"/>
             <a:r>
-              <a:rPr lang="en-US" dirty="0"/>
+              <a:rPr lang="en-US" sz="2000" dirty="0"/>
               <a:t>Audio Features</a:t>
             </a:r>
           </a:p>
           <a:p>
             <a:pPr lvl="1"/>
             <a:r>
-              <a:rPr lang="en-US" dirty="0" smtClean="0"/>
-              <a:t>Total Songs </a:t>
-            </a:r>
-            <a:r>
-              <a:rPr lang="en-US" dirty="0"/>
-              <a:t>released in a Year </a:t>
-            </a:r>
-          </a:p>
-          <a:p>
-            <a:r>
-              <a:rPr lang="en-US" dirty="0" smtClean="0"/>
+              <a:rPr lang="en-US" sz="2000" dirty="0"/>
+              <a:t>Artists Followers</a:t>
+            </a:r>
+          </a:p>
+          <a:p>
+            <a:pPr lvl="1"/>
+            <a:r>
+              <a:rPr lang="en-US" sz="2000" dirty="0" smtClean="0"/>
+              <a:t>Yearly releases</a:t>
+            </a:r>
+          </a:p>
+          <a:p>
+            <a:pPr lvl="1"/>
+            <a:r>
+              <a:rPr lang="en-US" sz="2000" dirty="0" smtClean="0"/>
+              <a:t>Song Trends</a:t>
+            </a:r>
+            <a:r>
+              <a:rPr lang="en-US" sz="2000" dirty="0" smtClean="0"/>
+              <a:t> </a:t>
+            </a:r>
+            <a:endParaRPr lang="en-US" sz="2000" dirty="0"/>
+          </a:p>
+          <a:p>
+            <a:endParaRPr lang="en-US" sz="2000" dirty="0" smtClean="0"/>
+          </a:p>
+          <a:p>
+            <a:r>
+              <a:rPr lang="en-US" sz="2000" dirty="0" smtClean="0"/>
               <a:t>Findings</a:t>
             </a:r>
+            <a:endParaRPr lang="en-US" sz="2000" dirty="0"/>
           </a:p>
           <a:p>
             <a:pPr lvl="1"/>
@@ -8583,8 +4858,38 @@
         </p:blipFill>
         <p:spPr>
           <a:xfrm>
-            <a:off x="1677784" y="4207672"/>
+            <a:off x="2639784" y="4512396"/>
             <a:ext cx="1331422" cy="1331422"/>
+          </a:xfrm>
+          <a:prstGeom prst="rect">
+            <a:avLst/>
+          </a:prstGeom>
+        </p:spPr>
+      </p:pic>
+      <p:pic>
+        <p:nvPicPr>
+          <p:cNvPr id="6" name="Picture 5" descr="A close up of a logo&#10;&#10;Description automatically generated">
+            <a:extLst>
+              <a:ext uri="{FF2B5EF4-FFF2-40B4-BE49-F238E27FC236}">
+                <a16:creationId xmlns:a16="http://schemas.microsoft.com/office/drawing/2014/main" id="{69858717-B2E9-433D-9585-7AB52AD206BE}"/>
+              </a:ext>
+            </a:extLst>
+          </p:cNvPr>
+          <p:cNvPicPr>
+            <a:picLocks noChangeAspect="1"/>
+          </p:cNvPicPr>
+          <p:nvPr/>
+        </p:nvPicPr>
+        <p:blipFill>
+          <a:blip r:embed="rId3"/>
+          <a:stretch>
+            <a:fillRect/>
+          </a:stretch>
+        </p:blipFill>
+        <p:spPr>
+          <a:xfrm>
+            <a:off x="10052842" y="930465"/>
+            <a:ext cx="1040377" cy="311849"/>
           </a:xfrm>
           <a:prstGeom prst="rect">
             <a:avLst/>
@@ -8642,7 +4947,13 @@
       </p:grpSpPr>
       <p:sp>
         <p:nvSpPr>
-          <p:cNvPr id="2" name="Title 1" title="Title and Content Layout with Chart"/>
+          <p:cNvPr id="2" name="Title 1">
+            <a:extLst>
+              <a:ext uri="{FF2B5EF4-FFF2-40B4-BE49-F238E27FC236}">
+                <a16:creationId xmlns:a16="http://schemas.microsoft.com/office/drawing/2014/main" id="{D1464B20-8D6A-4E2C-9429-38F88C35F5BA}"/>
+              </a:ext>
+            </a:extLst>
+          </p:cNvPr>
           <p:cNvSpPr>
             <a:spLocks noGrp="1"/>
           </p:cNvSpPr>
@@ -8650,96 +4961,221 @@
             <p:ph type="title"/>
           </p:nvPr>
         </p:nvSpPr>
-        <p:spPr/>
-        <p:txBody>
-          <a:bodyPr/>
+        <p:spPr>
+          <a:xfrm>
+            <a:off x="748352" y="848947"/>
+            <a:ext cx="10896143" cy="782738"/>
+          </a:xfrm>
+        </p:spPr>
+        <p:txBody>
+          <a:bodyPr anchor="b">
+            <a:normAutofit/>
+          </a:bodyPr>
           <a:lstStyle/>
           <a:p>
             <a:r>
-              <a:rPr lang="en-US" dirty="0" smtClean="0"/>
-              <a:t>Data Analysis</a:t>
-            </a:r>
-            <a:endParaRPr lang="en-US" dirty="0"/>
-          </a:p>
-        </p:txBody>
-      </p:sp>
-      <p:sp>
-        <p:nvSpPr>
-          <p:cNvPr id="3" name="Content Placeholder 2"/>
-          <p:cNvSpPr>
-            <a:spLocks noGrp="1"/>
-          </p:cNvSpPr>
-          <p:nvPr>
-            <p:ph idx="1"/>
-          </p:nvPr>
-        </p:nvSpPr>
-        <p:spPr/>
-        <p:txBody>
-          <a:bodyPr/>
-          <a:lstStyle/>
-          <a:p>
-            <a:r>
-              <a:rPr lang="en-US" dirty="0" smtClean="0"/>
-              <a:t>Track Duration Analysis</a:t>
-            </a:r>
-            <a:endParaRPr lang="en-US" dirty="0"/>
+              <a:rPr lang="en-US" sz="4400" dirty="0"/>
+              <a:t>Data Clean up &amp; Exploration</a:t>
+            </a:r>
           </a:p>
         </p:txBody>
       </p:sp>
       <p:pic>
         <p:nvPicPr>
-          <p:cNvPr id="5" name="Content Placeholder 3"/>
+          <p:cNvPr id="7" name="Content Placeholder 6">
+            <a:extLst>
+              <a:ext uri="{FF2B5EF4-FFF2-40B4-BE49-F238E27FC236}">
+                <a16:creationId xmlns:a16="http://schemas.microsoft.com/office/drawing/2014/main" id="{E3FDD00E-4514-4ABB-867C-43D46571F4E5}"/>
+              </a:ext>
+            </a:extLst>
+          </p:cNvPr>
+          <p:cNvPicPr>
+            <a:picLocks noGrp="1" noChangeAspect="1"/>
+          </p:cNvPicPr>
+          <p:nvPr>
+            <p:ph idx="1"/>
+          </p:nvPr>
+        </p:nvPicPr>
+        <p:blipFill>
+          <a:blip r:embed="rId2"/>
+          <a:stretch>
+            <a:fillRect/>
+          </a:stretch>
+        </p:blipFill>
+        <p:spPr>
+          <a:xfrm>
+            <a:off x="5453146" y="2211358"/>
+            <a:ext cx="6608621" cy="4480387"/>
+          </a:xfrm>
+          <a:prstGeom prst="rect">
+            <a:avLst/>
+          </a:prstGeom>
+          <a:noFill/>
+        </p:spPr>
+      </p:pic>
+      <p:sp>
+        <p:nvSpPr>
+          <p:cNvPr id="12" name="Text Placeholder 3">
+            <a:extLst>
+              <a:ext uri="{FF2B5EF4-FFF2-40B4-BE49-F238E27FC236}">
+                <a16:creationId xmlns:a16="http://schemas.microsoft.com/office/drawing/2014/main" id="{FAD31DB5-46C5-423C-A875-349A47F48BA1}"/>
+              </a:ext>
+            </a:extLst>
+          </p:cNvPr>
+          <p:cNvSpPr>
+            <a:spLocks noGrp="1"/>
+          </p:cNvSpPr>
+          <p:nvPr>
+            <p:ph type="body" sz="half" idx="2"/>
+          </p:nvPr>
+        </p:nvSpPr>
+        <p:spPr>
+          <a:xfrm>
+            <a:off x="748351" y="2381473"/>
+            <a:ext cx="3890151" cy="2739168"/>
+          </a:xfrm>
+        </p:spPr>
+        <p:txBody>
+          <a:bodyPr>
+            <a:normAutofit/>
+          </a:bodyPr>
+          <a:lstStyle/>
+          <a:p>
+            <a:pPr marL="285750" indent="-285750">
+              <a:buFont typeface="Wingdings" panose="05000000000000000000" pitchFamily="2" charset="2"/>
+              <a:buChar char="§"/>
+            </a:pPr>
+            <a:r>
+              <a:rPr lang="en-US" sz="2000" dirty="0"/>
+              <a:t>Spotify </a:t>
+            </a:r>
+            <a:r>
+              <a:rPr lang="en-US" sz="2000" dirty="0" smtClean="0"/>
+              <a:t>API</a:t>
+            </a:r>
+            <a:endParaRPr lang="en-US" sz="2000" dirty="0"/>
+          </a:p>
+          <a:p>
+            <a:pPr marL="285750" indent="-285750">
+              <a:buFont typeface="Wingdings" panose="05000000000000000000" pitchFamily="2" charset="2"/>
+              <a:buChar char="§"/>
+            </a:pPr>
+            <a:r>
+              <a:rPr lang="en-US" sz="2000" dirty="0" smtClean="0"/>
+              <a:t>Top 1000 Artists </a:t>
+            </a:r>
+          </a:p>
+          <a:p>
+            <a:pPr marL="285750" indent="-285750">
+              <a:buFont typeface="Wingdings" panose="05000000000000000000" pitchFamily="2" charset="2"/>
+              <a:buChar char="§"/>
+            </a:pPr>
+            <a:r>
+              <a:rPr lang="en-US" sz="2000" dirty="0" smtClean="0"/>
+              <a:t>Top 10 Tracks</a:t>
+            </a:r>
+            <a:endParaRPr lang="en-US" sz="2000" dirty="0"/>
+          </a:p>
+          <a:p>
+            <a:pPr marL="285750" indent="-285750">
+              <a:buFont typeface="Wingdings" panose="05000000000000000000" pitchFamily="2" charset="2"/>
+              <a:buChar char="§"/>
+            </a:pPr>
+            <a:r>
+              <a:rPr lang="en-US" sz="2000" dirty="0"/>
+              <a:t>Dropping “</a:t>
+            </a:r>
+            <a:r>
+              <a:rPr lang="en-US" sz="2000" dirty="0" err="1"/>
+              <a:t>NaN</a:t>
+            </a:r>
+            <a:r>
+              <a:rPr lang="en-US" sz="2000" dirty="0"/>
+              <a:t>” </a:t>
+            </a:r>
+            <a:r>
+              <a:rPr lang="en-US" sz="2000" dirty="0" smtClean="0"/>
+              <a:t>values</a:t>
+            </a:r>
+            <a:endParaRPr lang="en-US" sz="2000" dirty="0"/>
+          </a:p>
+          <a:p>
+            <a:pPr marL="285750" indent="-285750">
+              <a:buFont typeface="Wingdings" panose="05000000000000000000" pitchFamily="2" charset="2"/>
+              <a:buChar char="§"/>
+            </a:pPr>
+            <a:r>
+              <a:rPr lang="en-US" sz="2000" dirty="0" smtClean="0"/>
+              <a:t>Popularity </a:t>
+            </a:r>
+            <a:r>
+              <a:rPr lang="en-US" sz="2000" dirty="0"/>
+              <a:t>&amp; </a:t>
+            </a:r>
+            <a:r>
+              <a:rPr lang="en-US" sz="2000" dirty="0" smtClean="0"/>
+              <a:t>Decade bins</a:t>
+            </a:r>
+            <a:endParaRPr lang="en-US" sz="2000" dirty="0"/>
+          </a:p>
+          <a:p>
+            <a:pPr marL="285750" indent="-285750">
+              <a:buFont typeface="Wingdings" panose="05000000000000000000" pitchFamily="2" charset="2"/>
+              <a:buChar char="§"/>
+            </a:pPr>
+            <a:r>
+              <a:rPr lang="en-US" sz="2000" dirty="0" smtClean="0"/>
+              <a:t>Filter/Sort</a:t>
+            </a:r>
+            <a:endParaRPr lang="en-US" sz="2000" dirty="0"/>
+          </a:p>
+          <a:p>
+            <a:pPr marL="285750" indent="-285750">
+              <a:buFont typeface="Wingdings" panose="05000000000000000000" pitchFamily="2" charset="2"/>
+              <a:buChar char="§"/>
+            </a:pPr>
+            <a:r>
+              <a:rPr lang="en-US" sz="2000" dirty="0"/>
+              <a:t>CSV </a:t>
+            </a:r>
+            <a:r>
+              <a:rPr lang="en-US" sz="2000" dirty="0" smtClean="0"/>
+              <a:t>files</a:t>
+            </a:r>
+            <a:endParaRPr lang="en-US" dirty="0"/>
+          </a:p>
+          <a:p>
+            <a:endParaRPr lang="en-US" dirty="0"/>
+          </a:p>
+          <a:p>
+            <a:endParaRPr lang="en-US" dirty="0"/>
+          </a:p>
+        </p:txBody>
+      </p:sp>
+      <p:pic>
+        <p:nvPicPr>
+          <p:cNvPr id="10" name="Picture 9" descr="A close up of a logo&#10;&#10;Description automatically generated">
+            <a:extLst>
+              <a:ext uri="{FF2B5EF4-FFF2-40B4-BE49-F238E27FC236}">
+                <a16:creationId xmlns:a16="http://schemas.microsoft.com/office/drawing/2014/main" id="{D78BA95A-DF1F-43D8-8096-4A865A66C4A2}"/>
+              </a:ext>
+            </a:extLst>
+          </p:cNvPr>
           <p:cNvPicPr>
             <a:picLocks noChangeAspect="1"/>
           </p:cNvPicPr>
           <p:nvPr/>
         </p:nvPicPr>
         <p:blipFill>
-          <a:blip r:embed="rId3">
-            <a:extLst>
-              <a:ext uri="{28A0092B-C50C-407E-A947-70E740481C1C}">
-                <a14:useLocalDpi xmlns:a14="http://schemas.microsoft.com/office/drawing/2010/main" val="0"/>
-              </a:ext>
-            </a:extLst>
-          </a:blip>
+          <a:blip r:embed="rId3"/>
           <a:stretch>
             <a:fillRect/>
           </a:stretch>
         </p:blipFill>
         <p:spPr>
           <a:xfrm>
-            <a:off x="1981543" y="2443941"/>
-            <a:ext cx="4082277" cy="3067397"/>
-          </a:xfrm>
-          <a:prstGeom prst="rect">
-            <a:avLst/>
-          </a:prstGeom>
-        </p:spPr>
-      </p:pic>
-      <p:pic>
-        <p:nvPicPr>
-          <p:cNvPr id="7" name="Picture 6"/>
-          <p:cNvPicPr>
-            <a:picLocks noChangeAspect="1"/>
-          </p:cNvPicPr>
-          <p:nvPr/>
-        </p:nvPicPr>
-        <p:blipFill>
-          <a:blip r:embed="rId4">
-            <a:extLst>
-              <a:ext uri="{28A0092B-C50C-407E-A947-70E740481C1C}">
-                <a14:useLocalDpi xmlns:a14="http://schemas.microsoft.com/office/drawing/2010/main" val="0"/>
-              </a:ext>
-            </a:extLst>
-          </a:blip>
-          <a:stretch>
-            <a:fillRect/>
-          </a:stretch>
-        </p:blipFill>
-        <p:spPr>
-          <a:xfrm>
-            <a:off x="7051444" y="2443940"/>
-            <a:ext cx="3198149" cy="3067399"/>
+            <a:off x="10403271" y="848947"/>
+            <a:ext cx="1040377" cy="311849"/>
           </a:xfrm>
           <a:prstGeom prst="rect">
             <a:avLst/>
@@ -8749,7 +5185,7 @@
     </p:spTree>
     <p:extLst>
       <p:ext uri="{BB962C8B-B14F-4D97-AF65-F5344CB8AC3E}">
-        <p14:creationId xmlns:p14="http://schemas.microsoft.com/office/powerpoint/2010/main" val="3582640037"/>
+        <p14:creationId xmlns:p14="http://schemas.microsoft.com/office/powerpoint/2010/main" val="2096145891"/>
       </p:ext>
     </p:extLst>
   </p:cSld>
@@ -8805,14 +5241,19 @@
             <p:ph type="title"/>
           </p:nvPr>
         </p:nvSpPr>
-        <p:spPr/>
+        <p:spPr>
+          <a:xfrm>
+            <a:off x="838200" y="777514"/>
+            <a:ext cx="10515600" cy="913174"/>
+          </a:xfrm>
+        </p:spPr>
         <p:txBody>
           <a:bodyPr/>
           <a:lstStyle/>
           <a:p>
             <a:r>
               <a:rPr lang="en-US" dirty="0" smtClean="0"/>
-              <a:t>Data Analysis</a:t>
+              <a:t>Track Duration Analysis</a:t>
             </a:r>
             <a:endParaRPr lang="en-US" dirty="0"/>
           </a:p>
@@ -8833,42 +5274,37 @@
           <a:bodyPr/>
           <a:lstStyle/>
           <a:p>
-            <a:r>
-              <a:rPr lang="en-US" dirty="0" smtClean="0"/>
-              <a:t>Audio </a:t>
-            </a:r>
-            <a:r>
-              <a:rPr lang="en-US" dirty="0" smtClean="0"/>
-              <a:t>Features analysis</a:t>
-            </a:r>
+            <a:pPr marL="0" indent="0">
+              <a:buNone/>
+            </a:pPr>
             <a:endParaRPr lang="en-US" dirty="0"/>
           </a:p>
         </p:txBody>
       </p:sp>
       <p:pic>
         <p:nvPicPr>
-          <p:cNvPr id="6" name="Picture 5"/>
+          <p:cNvPr id="8" name="Picture 7" descr="A close up of a logo&#10;&#10;Description automatically generated">
+            <a:extLst>
+              <a:ext uri="{FF2B5EF4-FFF2-40B4-BE49-F238E27FC236}">
+                <a16:creationId xmlns:a16="http://schemas.microsoft.com/office/drawing/2014/main" id="{A8463715-823A-4530-BF3D-E12B99E1495B}"/>
+              </a:ext>
+            </a:extLst>
+          </p:cNvPr>
           <p:cNvPicPr>
             <a:picLocks noChangeAspect="1"/>
           </p:cNvPicPr>
           <p:nvPr/>
         </p:nvPicPr>
         <p:blipFill>
-          <a:blip r:embed="rId3">
-            <a:extLst>
-              <a:ext uri="{28A0092B-C50C-407E-A947-70E740481C1C}">
-                <a14:useLocalDpi xmlns:a14="http://schemas.microsoft.com/office/drawing/2010/main" val="0"/>
-              </a:ext>
-            </a:extLst>
-          </a:blip>
+          <a:blip r:embed="rId3"/>
           <a:stretch>
             <a:fillRect/>
           </a:stretch>
         </p:blipFill>
         <p:spPr>
           <a:xfrm>
-            <a:off x="1433948" y="2423078"/>
-            <a:ext cx="3196244" cy="3196244"/>
+            <a:off x="10052842" y="930465"/>
+            <a:ext cx="1040377" cy="311849"/>
           </a:xfrm>
           <a:prstGeom prst="rect">
             <a:avLst/>
@@ -8877,7 +5313,7 @@
       </p:pic>
       <p:pic>
         <p:nvPicPr>
-          <p:cNvPr id="8" name="Content Placeholder 6"/>
+          <p:cNvPr id="4" name="Picture 3"/>
           <p:cNvPicPr>
             <a:picLocks noChangeAspect="1"/>
           </p:cNvPicPr>
@@ -8897,18 +5333,76 @@
         </p:blipFill>
         <p:spPr>
           <a:xfrm>
-            <a:off x="5166363" y="2423078"/>
-            <a:ext cx="5437679" cy="3129824"/>
+            <a:off x="1212980" y="2172478"/>
+            <a:ext cx="4572000" cy="3588903"/>
           </a:xfrm>
           <a:prstGeom prst="rect">
             <a:avLst/>
           </a:prstGeom>
+          <a:ln>
+            <a:solidFill>
+              <a:schemeClr val="bg2">
+                <a:lumMod val="10000"/>
+              </a:schemeClr>
+            </a:solidFill>
+          </a:ln>
+          <a:effectLst>
+            <a:outerShdw blurRad="50800" dist="38100" dir="2700000" algn="tl" rotWithShape="0">
+              <a:prstClr val="black">
+                <a:alpha val="40000"/>
+              </a:prstClr>
+            </a:outerShdw>
+          </a:effectLst>
+        </p:spPr>
+      </p:pic>
+      <p:pic>
+        <p:nvPicPr>
+          <p:cNvPr id="6" name="Picture 5"/>
+          <p:cNvPicPr>
+            <a:picLocks noChangeAspect="1"/>
+          </p:cNvPicPr>
+          <p:nvPr/>
+        </p:nvPicPr>
+        <p:blipFill>
+          <a:blip r:embed="rId5">
+            <a:extLst>
+              <a:ext uri="{28A0092B-C50C-407E-A947-70E740481C1C}">
+                <a14:useLocalDpi xmlns:a14="http://schemas.microsoft.com/office/drawing/2010/main" val="0"/>
+              </a:ext>
+            </a:extLst>
+          </a:blip>
+          <a:stretch>
+            <a:fillRect/>
+          </a:stretch>
+        </p:blipFill>
+        <p:spPr>
+          <a:xfrm>
+            <a:off x="6355619" y="2164701"/>
+            <a:ext cx="4572000" cy="3572867"/>
+          </a:xfrm>
+          <a:prstGeom prst="rect">
+            <a:avLst/>
+          </a:prstGeom>
+          <a:ln>
+            <a:solidFill>
+              <a:schemeClr val="bg2">
+                <a:lumMod val="10000"/>
+              </a:schemeClr>
+            </a:solidFill>
+          </a:ln>
+          <a:effectLst>
+            <a:outerShdw blurRad="50800" dist="38100" dir="2700000" algn="tl" rotWithShape="0">
+              <a:prstClr val="black">
+                <a:alpha val="40000"/>
+              </a:prstClr>
+            </a:outerShdw>
+          </a:effectLst>
         </p:spPr>
       </p:pic>
     </p:spTree>
     <p:extLst>
       <p:ext uri="{BB962C8B-B14F-4D97-AF65-F5344CB8AC3E}">
-        <p14:creationId xmlns:p14="http://schemas.microsoft.com/office/powerpoint/2010/main" val="1789788056"/>
+        <p14:creationId xmlns:p14="http://schemas.microsoft.com/office/powerpoint/2010/main" val="3582640037"/>
       </p:ext>
     </p:extLst>
   </p:cSld>
@@ -8956,6 +5450,142 @@
       </p:grpSpPr>
       <p:sp>
         <p:nvSpPr>
+          <p:cNvPr id="2" name="Title 1" title="Title and Content Layout with Chart"/>
+          <p:cNvSpPr>
+            <a:spLocks noGrp="1"/>
+          </p:cNvSpPr>
+          <p:nvPr>
+            <p:ph type="title"/>
+          </p:nvPr>
+        </p:nvSpPr>
+        <p:spPr>
+          <a:xfrm>
+            <a:off x="838200" y="733710"/>
+            <a:ext cx="10515600" cy="956978"/>
+          </a:xfrm>
+        </p:spPr>
+        <p:txBody>
+          <a:bodyPr/>
+          <a:lstStyle/>
+          <a:p>
+            <a:r>
+              <a:rPr lang="en-US" dirty="0" smtClean="0"/>
+              <a:t>Audio feature Analysis</a:t>
+            </a:r>
+            <a:endParaRPr lang="en-US" dirty="0"/>
+          </a:p>
+        </p:txBody>
+      </p:sp>
+      <p:pic>
+        <p:nvPicPr>
+          <p:cNvPr id="7" name="Content Placeholder 6"/>
+          <p:cNvPicPr>
+            <a:picLocks noGrp="1" noChangeAspect="1"/>
+          </p:cNvPicPr>
+          <p:nvPr>
+            <p:ph idx="1"/>
+          </p:nvPr>
+        </p:nvPicPr>
+        <p:blipFill>
+          <a:blip r:embed="rId3">
+            <a:extLst>
+              <a:ext uri="{28A0092B-C50C-407E-A947-70E740481C1C}">
+                <a14:useLocalDpi xmlns:a14="http://schemas.microsoft.com/office/drawing/2010/main" val="0"/>
+              </a:ext>
+            </a:extLst>
+          </a:blip>
+          <a:stretch>
+            <a:fillRect/>
+          </a:stretch>
+        </p:blipFill>
+        <p:spPr>
+          <a:xfrm>
+            <a:off x="1037519" y="1843580"/>
+            <a:ext cx="10116962" cy="4315427"/>
+          </a:xfrm>
+        </p:spPr>
+      </p:pic>
+      <p:pic>
+        <p:nvPicPr>
+          <p:cNvPr id="9" name="Picture 8" descr="A close up of a logo&#10;&#10;Description automatically generated">
+            <a:extLst>
+              <a:ext uri="{FF2B5EF4-FFF2-40B4-BE49-F238E27FC236}">
+                <a16:creationId xmlns:a16="http://schemas.microsoft.com/office/drawing/2014/main" id="{BB574A81-F5E0-482E-9217-C1398EF54E8D}"/>
+              </a:ext>
+            </a:extLst>
+          </p:cNvPr>
+          <p:cNvPicPr>
+            <a:picLocks noChangeAspect="1"/>
+          </p:cNvPicPr>
+          <p:nvPr/>
+        </p:nvPicPr>
+        <p:blipFill>
+          <a:blip r:embed="rId4"/>
+          <a:stretch>
+            <a:fillRect/>
+          </a:stretch>
+        </p:blipFill>
+        <p:spPr>
+          <a:xfrm>
+            <a:off x="10052842" y="930465"/>
+            <a:ext cx="1040377" cy="311849"/>
+          </a:xfrm>
+          <a:prstGeom prst="rect">
+            <a:avLst/>
+          </a:prstGeom>
+        </p:spPr>
+      </p:pic>
+    </p:spTree>
+    <p:extLst>
+      <p:ext uri="{BB962C8B-B14F-4D97-AF65-F5344CB8AC3E}">
+        <p14:creationId xmlns:p14="http://schemas.microsoft.com/office/powerpoint/2010/main" val="1789788056"/>
+      </p:ext>
+    </p:extLst>
+  </p:cSld>
+  <p:clrMapOvr>
+    <a:masterClrMapping/>
+  </p:clrMapOvr>
+  <mc:AlternateContent xmlns:mc="http://schemas.openxmlformats.org/markup-compatibility/2006" xmlns:p14="http://schemas.microsoft.com/office/powerpoint/2010/main">
+    <mc:Choice Requires="p14">
+      <p:transition spd="med" p14:dur="700">
+        <p:fade/>
+      </p:transition>
+    </mc:Choice>
+    <mc:Fallback xmlns="">
+      <p:transition spd="med">
+        <p:fade/>
+      </p:transition>
+    </mc:Fallback>
+  </mc:AlternateContent>
+  <p:timing>
+    <p:tnLst>
+      <p:par>
+        <p:cTn id="1" dur="indefinite" restart="never" nodeType="tmRoot"/>
+      </p:par>
+    </p:tnLst>
+  </p:timing>
+</p:sld>
+</file>
+
+<file path=ppt/slides/slide6.xml><?xml version="1.0" encoding="utf-8"?>
+<p:sld xmlns:a="http://schemas.openxmlformats.org/drawingml/2006/main" xmlns:r="http://schemas.openxmlformats.org/officeDocument/2006/relationships" xmlns:p="http://schemas.openxmlformats.org/presentationml/2006/main">
+  <p:cSld>
+    <p:spTree>
+      <p:nvGrpSpPr>
+        <p:cNvPr id="1" name=""/>
+        <p:cNvGrpSpPr/>
+        <p:nvPr/>
+      </p:nvGrpSpPr>
+      <p:grpSpPr>
+        <a:xfrm>
+          <a:off x="0" y="0"/>
+          <a:ext cx="0" cy="0"/>
+          <a:chOff x="0" y="0"/>
+          <a:chExt cx="0" cy="0"/>
+        </a:xfrm>
+      </p:grpSpPr>
+      <p:sp>
+        <p:nvSpPr>
           <p:cNvPr id="2" name="Title 1">
             <a:extLst>
               <a:ext uri="{FF2B5EF4-FFF2-40B4-BE49-F238E27FC236}">
@@ -8972,7 +5602,7 @@
         </p:nvSpPr>
         <p:spPr>
           <a:xfrm>
-            <a:off x="125083" y="236746"/>
+            <a:off x="760047" y="403922"/>
             <a:ext cx="10462404" cy="888581"/>
           </a:xfrm>
         </p:spPr>
@@ -8984,8 +5614,21 @@
           <a:p>
             <a:r>
               <a:rPr lang="en-US" sz="3200" dirty="0"/>
-              <a:t>Data Analysis</a:t>
-            </a:r>
+              <a:t>Does Tracks Features </a:t>
+            </a:r>
+            <a:r>
+              <a:rPr lang="en-US" sz="3200" dirty="0" smtClean="0"/>
+              <a:t>affect </a:t>
+            </a:r>
+            <a:r>
+              <a:rPr lang="en-US" sz="3200" dirty="0"/>
+              <a:t>songs popularity</a:t>
+            </a:r>
+            <a:r>
+              <a:rPr lang="en-US" sz="3200" dirty="0" smtClean="0"/>
+              <a:t>?</a:t>
+            </a:r>
+            <a:endParaRPr lang="en-US" sz="3200" dirty="0"/>
           </a:p>
         </p:txBody>
       </p:sp>
@@ -9007,21 +5650,20 @@
         </p:nvSpPr>
         <p:spPr>
           <a:xfrm>
-            <a:off x="125083" y="977660"/>
-            <a:ext cx="11228717" cy="5199303"/>
+            <a:off x="714212" y="1370410"/>
+            <a:ext cx="10508239" cy="5155482"/>
           </a:xfrm>
         </p:spPr>
         <p:txBody>
           <a:bodyPr/>
           <a:lstStyle/>
           <a:p>
-            <a:pPr>
-              <a:buFont typeface="Wingdings" panose="05000000000000000000" pitchFamily="2" charset="2"/>
-              <a:buChar char="§"/>
+            <a:pPr marL="0" indent="0">
+              <a:buNone/>
             </a:pPr>
             <a:r>
               <a:rPr lang="en-US" sz="2400" dirty="0"/>
-              <a:t> Does Tracks Features (danceability, energy…) affect songs popularity? Any relationship?</a:t>
+              <a:t> </a:t>
             </a:r>
           </a:p>
           <a:p>
@@ -9068,8 +5710,8 @@
         </p:blipFill>
         <p:spPr>
           <a:xfrm>
-            <a:off x="282862" y="2047335"/>
-            <a:ext cx="4484602" cy="3998635"/>
+            <a:off x="1312370" y="1735494"/>
+            <a:ext cx="4320819" cy="4202176"/>
           </a:xfrm>
           <a:prstGeom prst="rect">
             <a:avLst/>
@@ -9092,197 +5734,6 @@
       </p:pic>
       <p:grpSp>
         <p:nvGrpSpPr>
-          <p:cNvPr id="27" name="Group 26">
-            <a:extLst>
-              <a:ext uri="{FF2B5EF4-FFF2-40B4-BE49-F238E27FC236}">
-                <a16:creationId xmlns:a16="http://schemas.microsoft.com/office/drawing/2014/main" id="{6F7F7A2F-D868-49C7-B70D-7A932D481C58}"/>
-              </a:ext>
-            </a:extLst>
-          </p:cNvPr>
-          <p:cNvGrpSpPr/>
-          <p:nvPr/>
-        </p:nvGrpSpPr>
-        <p:grpSpPr>
-          <a:xfrm>
-            <a:off x="4878234" y="3616193"/>
-            <a:ext cx="2955543" cy="1226734"/>
-            <a:chOff x="4878234" y="3616193"/>
-            <a:chExt cx="2955543" cy="1226734"/>
-          </a:xfrm>
-        </p:grpSpPr>
-        <p:pic>
-          <p:nvPicPr>
-            <p:cNvPr id="6" name="Picture 5">
-              <a:extLst>
-                <a:ext uri="{FF2B5EF4-FFF2-40B4-BE49-F238E27FC236}">
-                  <a16:creationId xmlns:a16="http://schemas.microsoft.com/office/drawing/2014/main" id="{C6A4B74A-2C63-4779-A073-0BB833CCDC37}"/>
-                </a:ext>
-              </a:extLst>
-            </p:cNvPr>
-            <p:cNvPicPr>
-              <a:picLocks noChangeAspect="1"/>
-            </p:cNvPicPr>
-            <p:nvPr/>
-          </p:nvPicPr>
-          <p:blipFill>
-            <a:blip r:embed="rId3"/>
-            <a:stretch>
-              <a:fillRect/>
-            </a:stretch>
-          </p:blipFill>
-          <p:spPr>
-            <a:xfrm>
-              <a:off x="4878234" y="3976142"/>
-              <a:ext cx="2955543" cy="361709"/>
-            </a:xfrm>
-            <a:prstGeom prst="rect">
-              <a:avLst/>
-            </a:prstGeom>
-          </p:spPr>
-        </p:pic>
-        <p:sp>
-          <p:nvSpPr>
-            <p:cNvPr id="7" name="Arrow: Right 6">
-              <a:extLst>
-                <a:ext uri="{FF2B5EF4-FFF2-40B4-BE49-F238E27FC236}">
-                  <a16:creationId xmlns:a16="http://schemas.microsoft.com/office/drawing/2014/main" id="{C498D293-98DB-4E50-96E5-C8CB091BE865}"/>
-                </a:ext>
-              </a:extLst>
-            </p:cNvPr>
-            <p:cNvSpPr/>
-            <p:nvPr/>
-          </p:nvSpPr>
-          <p:spPr>
-            <a:xfrm>
-              <a:off x="5040122" y="4447309"/>
-              <a:ext cx="2561523" cy="395618"/>
-            </a:xfrm>
-            <a:prstGeom prst="rightArrow">
-              <a:avLst/>
-            </a:prstGeom>
-            <a:solidFill>
-              <a:schemeClr val="bg2">
-                <a:lumMod val="50000"/>
-              </a:schemeClr>
-            </a:solidFill>
-            <a:ln>
-              <a:solidFill>
-                <a:schemeClr val="bg2">
-                  <a:lumMod val="50000"/>
-                </a:schemeClr>
-              </a:solidFill>
-            </a:ln>
-          </p:spPr>
-          <p:style>
-            <a:lnRef idx="2">
-              <a:schemeClr val="accent1">
-                <a:shade val="50000"/>
-              </a:schemeClr>
-            </a:lnRef>
-            <a:fillRef idx="1">
-              <a:schemeClr val="accent1"/>
-            </a:fillRef>
-            <a:effectRef idx="0">
-              <a:schemeClr val="accent1"/>
-            </a:effectRef>
-            <a:fontRef idx="minor">
-              <a:schemeClr val="lt1"/>
-            </a:fontRef>
-          </p:style>
-          <p:txBody>
-            <a:bodyPr rtlCol="0" anchor="ctr"/>
-            <a:lstStyle/>
-            <a:p>
-              <a:pPr algn="ctr"/>
-              <a:endParaRPr lang="en-US"/>
-            </a:p>
-          </p:txBody>
-        </p:sp>
-        <p:sp>
-          <p:nvSpPr>
-            <p:cNvPr id="8" name="TextBox 7">
-              <a:extLst>
-                <a:ext uri="{FF2B5EF4-FFF2-40B4-BE49-F238E27FC236}">
-                  <a16:creationId xmlns:a16="http://schemas.microsoft.com/office/drawing/2014/main" id="{4FFF5E80-D1F7-4C51-B7B6-0DF3CA1693BE}"/>
-                </a:ext>
-              </a:extLst>
-            </p:cNvPr>
-            <p:cNvSpPr txBox="1"/>
-            <p:nvPr/>
-          </p:nvSpPr>
-          <p:spPr>
-            <a:xfrm>
-              <a:off x="5155002" y="3616193"/>
-              <a:ext cx="2204082" cy="307777"/>
-            </a:xfrm>
-            <a:prstGeom prst="rect">
-              <a:avLst/>
-            </a:prstGeom>
-            <a:noFill/>
-          </p:spPr>
-          <p:txBody>
-            <a:bodyPr wrap="square" rtlCol="0">
-              <a:spAutoFit/>
-            </a:bodyPr>
-            <a:lstStyle/>
-            <a:p>
-              <a:r>
-                <a:rPr lang="en-US" sz="1400" b="1" dirty="0"/>
-                <a:t>Multiple Linear Regression</a:t>
-              </a:r>
-            </a:p>
-          </p:txBody>
-        </p:sp>
-      </p:grpSp>
-      <p:sp>
-        <p:nvSpPr>
-          <p:cNvPr id="9" name="TextBox 8">
-            <a:extLst>
-              <a:ext uri="{FF2B5EF4-FFF2-40B4-BE49-F238E27FC236}">
-                <a16:creationId xmlns:a16="http://schemas.microsoft.com/office/drawing/2014/main" id="{BBAB70B8-3E52-4725-96B4-4FB22A203319}"/>
-              </a:ext>
-            </a:extLst>
-          </p:cNvPr>
-          <p:cNvSpPr txBox="1"/>
-          <p:nvPr/>
-        </p:nvSpPr>
-        <p:spPr>
-          <a:xfrm>
-            <a:off x="-1" y="6414835"/>
-            <a:ext cx="7165675" cy="261610"/>
-          </a:xfrm>
-          <a:prstGeom prst="rect">
-            <a:avLst/>
-          </a:prstGeom>
-          <a:noFill/>
-        </p:spPr>
-        <p:txBody>
-          <a:bodyPr wrap="square" rtlCol="0">
-            <a:spAutoFit/>
-          </a:bodyPr>
-          <a:lstStyle/>
-          <a:p>
-            <a:r>
-              <a:rPr lang="en-US" sz="1100" b="1" dirty="0"/>
-              <a:t>Source: </a:t>
-            </a:r>
-            <a:r>
-              <a:rPr lang="en-US" sz="1100" dirty="0"/>
-              <a:t>An Introduction to Statistical Learning, James G., Witten D., Hastie., </a:t>
-            </a:r>
-            <a:r>
-              <a:rPr lang="en-US" sz="1100" dirty="0" err="1"/>
-              <a:t>Tibshirani</a:t>
-            </a:r>
-            <a:r>
-              <a:rPr lang="en-US" sz="1100" dirty="0"/>
-              <a:t> R.</a:t>
-            </a:r>
-          </a:p>
-        </p:txBody>
-      </p:sp>
-      <p:grpSp>
-        <p:nvGrpSpPr>
           <p:cNvPr id="19" name="Group 18">
             <a:extLst>
               <a:ext uri="{FF2B5EF4-FFF2-40B4-BE49-F238E27FC236}">
@@ -9295,8 +5746,8 @@
         </p:nvGrpSpPr>
         <p:grpSpPr>
           <a:xfrm>
-            <a:off x="7960299" y="1788948"/>
-            <a:ext cx="3907419" cy="4548220"/>
+            <a:off x="6569659" y="1548882"/>
+            <a:ext cx="4240127" cy="4660277"/>
             <a:chOff x="7960299" y="1788948"/>
             <a:chExt cx="3907419" cy="4548220"/>
           </a:xfrm>
@@ -9316,7 +5767,7 @@
             <p:nvPr/>
           </p:nvPicPr>
           <p:blipFill>
-            <a:blip r:embed="rId4"/>
+            <a:blip r:embed="rId3"/>
             <a:stretch>
               <a:fillRect/>
             </a:stretch>
@@ -9360,7 +5811,7 @@
             <p:nvPr/>
           </p:nvPicPr>
           <p:blipFill>
-            <a:blip r:embed="rId5"/>
+            <a:blip r:embed="rId4"/>
             <a:stretch>
               <a:fillRect/>
             </a:stretch>
@@ -9504,9 +5955,9 @@
         </p:nvGrpSpPr>
         <p:grpSpPr>
           <a:xfrm>
-            <a:off x="7968314" y="1768167"/>
-            <a:ext cx="3915628" cy="4566717"/>
-            <a:chOff x="7960297" y="1770451"/>
+            <a:off x="6569659" y="1548882"/>
+            <a:ext cx="4242816" cy="4663440"/>
+            <a:chOff x="7960298" y="1770451"/>
             <a:chExt cx="3915628" cy="4566717"/>
           </a:xfrm>
         </p:grpSpPr>
@@ -9525,7 +5976,7 @@
             <p:nvPr/>
           </p:nvPicPr>
           <p:blipFill>
-            <a:blip r:embed="rId6"/>
+            <a:blip r:embed="rId5"/>
             <a:stretch>
               <a:fillRect/>
             </a:stretch>
@@ -9533,7 +5984,7 @@
           <p:spPr>
             <a:xfrm>
               <a:off x="7960298" y="1770451"/>
-              <a:ext cx="3895444" cy="1986316"/>
+              <a:ext cx="3895444" cy="1969362"/>
             </a:xfrm>
             <a:prstGeom prst="rect">
               <a:avLst/>
@@ -9569,14 +6020,14 @@
             <p:nvPr/>
           </p:nvPicPr>
           <p:blipFill>
-            <a:blip r:embed="rId7"/>
+            <a:blip r:embed="rId6"/>
             <a:stretch>
               <a:fillRect/>
             </a:stretch>
           </p:blipFill>
           <p:spPr>
             <a:xfrm>
-              <a:off x="8003393" y="4156996"/>
+              <a:off x="8003394" y="4156996"/>
               <a:ext cx="3872532" cy="2180172"/>
             </a:xfrm>
             <a:prstGeom prst="rect">
@@ -9660,14 +6111,18 @@
           </p:nvSpPr>
           <p:spPr>
             <a:xfrm>
-              <a:off x="7960297" y="3048539"/>
+              <a:off x="7974108" y="3066589"/>
               <a:ext cx="1229711" cy="617299"/>
             </a:xfrm>
             <a:prstGeom prst="rect">
               <a:avLst/>
             </a:prstGeom>
             <a:noFill/>
-            <a:ln w="19050"/>
+            <a:ln w="19050">
+              <a:solidFill>
+                <a:srgbClr val="0070C0"/>
+              </a:solidFill>
+            </a:ln>
           </p:spPr>
           <p:style>
             <a:lnRef idx="2">
@@ -9710,15 +6165,15 @@
           <p:nvPr/>
         </p:nvPicPr>
         <p:blipFill>
-          <a:blip r:embed="rId8"/>
+          <a:blip r:embed="rId7"/>
           <a:stretch>
             <a:fillRect/>
           </a:stretch>
         </p:blipFill>
         <p:spPr>
           <a:xfrm>
-            <a:off x="7392982" y="2105273"/>
-            <a:ext cx="4516156" cy="3998635"/>
+            <a:off x="6248088" y="1735494"/>
+            <a:ext cx="4325112" cy="4202175"/>
           </a:xfrm>
           <a:prstGeom prst="rect">
             <a:avLst/>
@@ -9741,10 +6196,10 @@
       </p:pic>
       <p:pic>
         <p:nvPicPr>
-          <p:cNvPr id="28" name="Picture 27">
+          <p:cNvPr id="25" name="Picture 24" descr="A close up of a logo&#10;&#10;Description automatically generated">
             <a:extLst>
               <a:ext uri="{FF2B5EF4-FFF2-40B4-BE49-F238E27FC236}">
-                <a16:creationId xmlns:a16="http://schemas.microsoft.com/office/drawing/2014/main" id="{0BF9F1EF-CC71-4AEB-84FD-0C135C56DB6C}"/>
+                <a16:creationId xmlns:a16="http://schemas.microsoft.com/office/drawing/2014/main" id="{39D04A9C-13A4-489F-9EC9-99C07EE90582}"/>
               </a:ext>
             </a:extLst>
           </p:cNvPr>
@@ -9754,15 +6209,15 @@
           <p:nvPr/>
         </p:nvPicPr>
         <p:blipFill>
-          <a:blip r:embed="rId9"/>
+          <a:blip r:embed="rId8"/>
           <a:stretch>
             <a:fillRect/>
           </a:stretch>
         </p:blipFill>
         <p:spPr>
           <a:xfrm>
-            <a:off x="5107553" y="3593760"/>
-            <a:ext cx="3206774" cy="1316850"/>
+            <a:off x="9883103" y="536363"/>
+            <a:ext cx="1040377" cy="311849"/>
           </a:xfrm>
           <a:prstGeom prst="rect">
             <a:avLst/>
@@ -9852,33 +6307,6 @@
                                           </p:stCondLst>
                                         </p:cTn>
                                         <p:tgtEl>
-                                          <p:spTgt spid="28"/>
-                                        </p:tgtEl>
-                                        <p:attrNameLst>
-                                          <p:attrName>style.visibility</p:attrName>
-                                        </p:attrNameLst>
-                                      </p:cBhvr>
-                                      <p:to>
-                                        <p:strVal val="hidden"/>
-                                      </p:to>
-                                    </p:set>
-                                  </p:childTnLst>
-                                </p:cTn>
-                              </p:par>
-                              <p:par>
-                                <p:cTn id="9" presetID="1" presetClass="exit" presetSubtype="0" fill="hold" nodeType="withEffect">
-                                  <p:stCondLst>
-                                    <p:cond delay="0"/>
-                                  </p:stCondLst>
-                                  <p:childTnLst>
-                                    <p:set>
-                                      <p:cBhvr>
-                                        <p:cTn id="10" dur="1" fill="hold">
-                                          <p:stCondLst>
-                                            <p:cond delay="0"/>
-                                          </p:stCondLst>
-                                        </p:cTn>
-                                        <p:tgtEl>
                                           <p:spTgt spid="26"/>
                                         </p:tgtEl>
                                         <p:attrNameLst>
@@ -9893,41 +6321,14 @@
                                 </p:cTn>
                               </p:par>
                               <p:par>
-                                <p:cTn id="11" presetID="1" presetClass="entr" presetSubtype="0" fill="hold" nodeType="withEffect">
+                                <p:cTn id="9" presetID="1" presetClass="entr" presetSubtype="0" fill="hold" nodeType="withEffect">
                                   <p:stCondLst>
                                     <p:cond delay="0"/>
                                   </p:stCondLst>
                                   <p:childTnLst>
                                     <p:set>
                                       <p:cBhvr>
-                                        <p:cTn id="12" dur="1" fill="hold">
-                                          <p:stCondLst>
-                                            <p:cond delay="0"/>
-                                          </p:stCondLst>
-                                        </p:cTn>
-                                        <p:tgtEl>
-                                          <p:spTgt spid="27"/>
-                                        </p:tgtEl>
-                                        <p:attrNameLst>
-                                          <p:attrName>style.visibility</p:attrName>
-                                        </p:attrNameLst>
-                                      </p:cBhvr>
-                                      <p:to>
-                                        <p:strVal val="visible"/>
-                                      </p:to>
-                                    </p:set>
-                                  </p:childTnLst>
-                                </p:cTn>
-                              </p:par>
-                              <p:par>
-                                <p:cTn id="13" presetID="1" presetClass="entr" presetSubtype="0" fill="hold" nodeType="withEffect">
-                                  <p:stCondLst>
-                                    <p:cond delay="0"/>
-                                  </p:stCondLst>
-                                  <p:childTnLst>
-                                    <p:set>
-                                      <p:cBhvr>
-                                        <p:cTn id="14" dur="1" fill="hold">
+                                        <p:cTn id="10" dur="1" fill="hold">
                                           <p:stCondLst>
                                             <p:cond delay="0"/>
                                           </p:stCondLst>
@@ -9947,14 +6348,14 @@
                                 </p:cTn>
                               </p:par>
                               <p:par>
-                                <p:cTn id="15" presetID="1" presetClass="entr" presetSubtype="0" fill="hold" nodeType="withEffect">
+                                <p:cTn id="11" presetID="1" presetClass="entr" presetSubtype="0" fill="hold" nodeType="withEffect">
                                   <p:stCondLst>
                                     <p:cond delay="0"/>
                                   </p:stCondLst>
                                   <p:childTnLst>
                                     <p:set>
                                       <p:cBhvr>
-                                        <p:cTn id="16" dur="1" fill="hold">
+                                        <p:cTn id="12" dur="1" fill="hold">
                                           <p:stCondLst>
                                             <p:cond delay="0"/>
                                           </p:stCondLst>
@@ -9980,26 +6381,26 @@
                     </p:cTn>
                   </p:par>
                   <p:par>
-                    <p:cTn id="17" fill="hold">
+                    <p:cTn id="13" fill="hold">
                       <p:stCondLst>
                         <p:cond delay="indefinite"/>
                       </p:stCondLst>
                       <p:childTnLst>
                         <p:par>
-                          <p:cTn id="18" fill="hold">
+                          <p:cTn id="14" fill="hold">
                             <p:stCondLst>
                               <p:cond delay="0"/>
                             </p:stCondLst>
                             <p:childTnLst>
                               <p:par>
-                                <p:cTn id="19" presetID="1" presetClass="entr" presetSubtype="0" fill="hold" nodeType="clickEffect">
+                                <p:cTn id="15" presetID="1" presetClass="entr" presetSubtype="0" fill="hold" nodeType="clickEffect">
                                   <p:stCondLst>
                                     <p:cond delay="0"/>
                                   </p:stCondLst>
                                   <p:childTnLst>
                                     <p:set>
                                       <p:cBhvr>
-                                        <p:cTn id="20" dur="1" fill="hold">
+                                        <p:cTn id="16" dur="1" fill="hold">
                                           <p:stCondLst>
                                             <p:cond delay="0"/>
                                           </p:stCondLst>
@@ -10049,7 +6450,7 @@
 </p:sld>
 </file>
 
-<file path=ppt/slides/slide6.xml><?xml version="1.0" encoding="utf-8"?>
+<file path=ppt/slides/slide7.xml><?xml version="1.0" encoding="utf-8"?>
 <p:sld xmlns:a="http://schemas.openxmlformats.org/drawingml/2006/main" xmlns:r="http://schemas.openxmlformats.org/officeDocument/2006/relationships" xmlns:p="http://schemas.openxmlformats.org/presentationml/2006/main">
   <p:cSld>
     <p:spTree>
@@ -10084,8 +6485,8 @@
         </p:nvSpPr>
         <p:spPr>
           <a:xfrm>
-            <a:off x="125083" y="236746"/>
-            <a:ext cx="10462404" cy="888581"/>
+            <a:off x="481641" y="346116"/>
+            <a:ext cx="11228716" cy="888581"/>
           </a:xfrm>
         </p:spPr>
         <p:txBody>
@@ -10095,9 +6496,10 @@
           <a:lstStyle/>
           <a:p>
             <a:r>
-              <a:rPr lang="en-US" sz="3200" dirty="0"/>
-              <a:t>Data Analysis</a:t>
-            </a:r>
+              <a:rPr lang="en-US" sz="3200" dirty="0" smtClean="0"/>
+              <a:t>Are diverse artists more popular?</a:t>
+            </a:r>
+            <a:endParaRPr lang="en-US" sz="3200" dirty="0"/>
           </a:p>
         </p:txBody>
       </p:sp>
@@ -10119,7 +6521,7 @@
         </p:nvSpPr>
         <p:spPr>
           <a:xfrm>
-            <a:off x="125083" y="977660"/>
+            <a:off x="481641" y="1360941"/>
             <a:ext cx="11228717" cy="5199303"/>
           </a:xfrm>
         </p:spPr>
@@ -10127,13 +6529,12 @@
           <a:bodyPr/>
           <a:lstStyle/>
           <a:p>
-            <a:pPr>
-              <a:buFont typeface="Wingdings" panose="05000000000000000000" pitchFamily="2" charset="2"/>
-              <a:buChar char="§"/>
+            <a:pPr marL="0" indent="0">
+              <a:buNone/>
             </a:pPr>
             <a:r>
               <a:rPr lang="en-US" sz="2400" dirty="0"/>
-              <a:t> The higher Genre Count per artist, the higher Artist Popularity and  Artist Followers?</a:t>
+              <a:t> </a:t>
             </a:r>
           </a:p>
           <a:p>
@@ -10179,8 +6580,8 @@
         </p:blipFill>
         <p:spPr>
           <a:xfrm>
-            <a:off x="602412" y="2030084"/>
-            <a:ext cx="5048609" cy="3590008"/>
+            <a:off x="832098" y="1782147"/>
+            <a:ext cx="5048609" cy="4193850"/>
           </a:xfrm>
           <a:prstGeom prst="rect">
             <a:avLst/>
@@ -10223,8 +6624,8 @@
         </p:blipFill>
         <p:spPr>
           <a:xfrm>
-            <a:off x="6311294" y="2063134"/>
-            <a:ext cx="5295186" cy="3559833"/>
+            <a:off x="6095999" y="1782147"/>
+            <a:ext cx="5047488" cy="4193849"/>
           </a:xfrm>
           <a:prstGeom prst="rect">
             <a:avLst/>
@@ -10245,152 +6646,12 @@
           </a:effectLst>
         </p:spPr>
       </p:pic>
-    </p:spTree>
-    <p:extLst>
-      <p:ext uri="{BB962C8B-B14F-4D97-AF65-F5344CB8AC3E}">
-        <p14:creationId xmlns:p14="http://schemas.microsoft.com/office/powerpoint/2010/main" val="4245649538"/>
-      </p:ext>
-    </p:extLst>
-  </p:cSld>
-  <p:clrMapOvr>
-    <a:masterClrMapping/>
-  </p:clrMapOvr>
-  <mc:AlternateContent xmlns:mc="http://schemas.openxmlformats.org/markup-compatibility/2006" xmlns:p14="http://schemas.microsoft.com/office/powerpoint/2010/main">
-    <mc:Choice Requires="p14">
-      <p:transition spd="med" p14:dur="700">
-        <p:fade/>
-      </p:transition>
-    </mc:Choice>
-    <mc:Fallback xmlns="">
-      <p:transition spd="med">
-        <p:fade/>
-      </p:transition>
-    </mc:Fallback>
-  </mc:AlternateContent>
-  <p:timing>
-    <p:tnLst>
-      <p:par>
-        <p:cTn id="1" dur="indefinite" restart="never" nodeType="tmRoot"/>
-      </p:par>
-    </p:tnLst>
-  </p:timing>
-</p:sld>
-</file>
-
-<file path=ppt/slides/slide7.xml><?xml version="1.0" encoding="utf-8"?>
-<p:sld xmlns:a="http://schemas.openxmlformats.org/drawingml/2006/main" xmlns:r="http://schemas.openxmlformats.org/officeDocument/2006/relationships" xmlns:p="http://schemas.openxmlformats.org/presentationml/2006/main">
-  <p:cSld>
-    <p:spTree>
-      <p:nvGrpSpPr>
-        <p:cNvPr id="1" name=""/>
-        <p:cNvGrpSpPr/>
-        <p:nvPr/>
-      </p:nvGrpSpPr>
-      <p:grpSpPr>
-        <a:xfrm>
-          <a:off x="0" y="0"/>
-          <a:ext cx="0" cy="0"/>
-          <a:chOff x="0" y="0"/>
-          <a:chExt cx="0" cy="0"/>
-        </a:xfrm>
-      </p:grpSpPr>
-      <p:sp>
-        <p:nvSpPr>
-          <p:cNvPr id="2" name="Title 1">
+      <p:pic>
+        <p:nvPicPr>
+          <p:cNvPr id="6" name="Picture 5" descr="A close up of a logo&#10;&#10;Description automatically generated">
             <a:extLst>
               <a:ext uri="{FF2B5EF4-FFF2-40B4-BE49-F238E27FC236}">
-                <a16:creationId xmlns:a16="http://schemas.microsoft.com/office/drawing/2014/main" id="{7FF21670-1053-4819-9CE7-E0E0ABBD868E}"/>
-              </a:ext>
-            </a:extLst>
-          </p:cNvPr>
-          <p:cNvSpPr>
-            <a:spLocks noGrp="1"/>
-          </p:cNvSpPr>
-          <p:nvPr>
-            <p:ph type="title"/>
-          </p:nvPr>
-        </p:nvSpPr>
-        <p:spPr>
-          <a:xfrm>
-            <a:off x="125083" y="236746"/>
-            <a:ext cx="10462404" cy="888581"/>
-          </a:xfrm>
-        </p:spPr>
-        <p:txBody>
-          <a:bodyPr>
-            <a:normAutofit/>
-          </a:bodyPr>
-          <a:lstStyle/>
-          <a:p>
-            <a:r>
-              <a:rPr lang="en-US" sz="3200" dirty="0"/>
-              <a:t>Data Analysis</a:t>
-            </a:r>
-          </a:p>
-        </p:txBody>
-      </p:sp>
-      <p:sp>
-        <p:nvSpPr>
-          <p:cNvPr id="3" name="Content Placeholder 2">
-            <a:extLst>
-              <a:ext uri="{FF2B5EF4-FFF2-40B4-BE49-F238E27FC236}">
-                <a16:creationId xmlns:a16="http://schemas.microsoft.com/office/drawing/2014/main" id="{1DA79AED-3CAD-4F80-8462-30F9D905E68A}"/>
-              </a:ext>
-            </a:extLst>
-          </p:cNvPr>
-          <p:cNvSpPr>
-            <a:spLocks noGrp="1"/>
-          </p:cNvSpPr>
-          <p:nvPr>
-            <p:ph idx="1"/>
-          </p:nvPr>
-        </p:nvSpPr>
-        <p:spPr>
-          <a:xfrm>
-            <a:off x="125083" y="977660"/>
-            <a:ext cx="11228717" cy="5199303"/>
-          </a:xfrm>
-        </p:spPr>
-        <p:txBody>
-          <a:bodyPr/>
-          <a:lstStyle/>
-          <a:p>
-            <a:pPr>
-              <a:buFont typeface="Wingdings" panose="05000000000000000000" pitchFamily="2" charset="2"/>
-              <a:buChar char="§"/>
-            </a:pPr>
-            <a:r>
-              <a:rPr lang="en-US" sz="2400" dirty="0"/>
-              <a:t> Main Genre per Artist and the relationship with their Popularity and Followers</a:t>
-            </a:r>
-          </a:p>
-          <a:p>
-            <a:pPr marL="0" indent="0">
-              <a:buNone/>
-            </a:pPr>
-            <a:endParaRPr lang="en-US" dirty="0"/>
-          </a:p>
-          <a:p>
-            <a:pPr marL="0" indent="0">
-              <a:buNone/>
-            </a:pPr>
-            <a:r>
-              <a:rPr lang="en-US" dirty="0"/>
-              <a:t/>
-            </a:r>
-            <a:br>
-              <a:rPr lang="en-US" dirty="0"/>
-            </a:br>
-            <a:endParaRPr lang="en-US" dirty="0"/>
-          </a:p>
-        </p:txBody>
-      </p:sp>
-      <p:pic>
-        <p:nvPicPr>
-          <p:cNvPr id="4" name="Picture 3">
-            <a:extLst>
-              <a:ext uri="{FF2B5EF4-FFF2-40B4-BE49-F238E27FC236}">
-                <a16:creationId xmlns:a16="http://schemas.microsoft.com/office/drawing/2014/main" id="{FD8596DD-F5B9-47CE-AA1B-ABF1CECD8130}"/>
+                <a16:creationId xmlns:a16="http://schemas.microsoft.com/office/drawing/2014/main" id="{9DB858EA-B818-4FB8-9642-21D52C7DE3E7}"/>
               </a:ext>
             </a:extLst>
           </p:cNvPr>
@@ -10400,39 +6661,25 @@
           <p:nvPr/>
         </p:nvPicPr>
         <p:blipFill>
-          <a:blip r:embed="rId2"/>
+          <a:blip r:embed="rId4"/>
           <a:stretch>
             <a:fillRect/>
           </a:stretch>
         </p:blipFill>
         <p:spPr>
           <a:xfrm>
-            <a:off x="1911927" y="1756546"/>
-            <a:ext cx="8112086" cy="4568053"/>
+            <a:off x="10518256" y="478557"/>
+            <a:ext cx="1040377" cy="311849"/>
           </a:xfrm>
           <a:prstGeom prst="rect">
             <a:avLst/>
           </a:prstGeom>
-          <a:ln>
-            <a:solidFill>
-              <a:schemeClr val="bg2">
-                <a:lumMod val="10000"/>
-              </a:schemeClr>
-            </a:solidFill>
-          </a:ln>
-          <a:effectLst>
-            <a:outerShdw blurRad="50800" dist="38100" dir="2700000" algn="tl" rotWithShape="0">
-              <a:prstClr val="black">
-                <a:alpha val="40000"/>
-              </a:prstClr>
-            </a:outerShdw>
-          </a:effectLst>
         </p:spPr>
       </p:pic>
     </p:spTree>
     <p:extLst>
       <p:ext uri="{BB962C8B-B14F-4D97-AF65-F5344CB8AC3E}">
-        <p14:creationId xmlns:p14="http://schemas.microsoft.com/office/powerpoint/2010/main" val="3891677464"/>
+        <p14:creationId xmlns:p14="http://schemas.microsoft.com/office/powerpoint/2010/main" val="4245649538"/>
       </p:ext>
     </p:extLst>
   </p:cSld>
@@ -10480,7 +6727,13 @@
       </p:grpSpPr>
       <p:sp>
         <p:nvSpPr>
-          <p:cNvPr id="2" name="Title 1" title="Title and Content Layout with Chart"/>
+          <p:cNvPr id="2" name="Title 1">
+            <a:extLst>
+              <a:ext uri="{FF2B5EF4-FFF2-40B4-BE49-F238E27FC236}">
+                <a16:creationId xmlns:a16="http://schemas.microsoft.com/office/drawing/2014/main" id="{7FF21670-1053-4819-9CE7-E0E0ABBD868E}"/>
+              </a:ext>
+            </a:extLst>
+          </p:cNvPr>
           <p:cNvSpPr>
             <a:spLocks noGrp="1"/>
           </p:cNvSpPr>
@@ -10488,53 +6741,151 @@
             <p:ph type="title"/>
           </p:nvPr>
         </p:nvSpPr>
-        <p:spPr/>
+        <p:spPr>
+          <a:xfrm>
+            <a:off x="481641" y="291577"/>
+            <a:ext cx="11228716" cy="888581"/>
+          </a:xfrm>
+        </p:spPr>
+        <p:txBody>
+          <a:bodyPr>
+            <a:normAutofit/>
+          </a:bodyPr>
+          <a:lstStyle/>
+          <a:p>
+            <a:r>
+              <a:rPr lang="en-US" sz="3200" dirty="0" smtClean="0"/>
+              <a:t>Genre makes an artist popular and most followed?</a:t>
+            </a:r>
+            <a:endParaRPr lang="en-US" sz="3200" dirty="0"/>
+          </a:p>
+        </p:txBody>
+      </p:sp>
+      <p:sp>
+        <p:nvSpPr>
+          <p:cNvPr id="3" name="Content Placeholder 2">
+            <a:extLst>
+              <a:ext uri="{FF2B5EF4-FFF2-40B4-BE49-F238E27FC236}">
+                <a16:creationId xmlns:a16="http://schemas.microsoft.com/office/drawing/2014/main" id="{1DA79AED-3CAD-4F80-8462-30F9D905E68A}"/>
+              </a:ext>
+            </a:extLst>
+          </p:cNvPr>
+          <p:cNvSpPr>
+            <a:spLocks noGrp="1"/>
+          </p:cNvSpPr>
+          <p:nvPr>
+            <p:ph idx="1"/>
+          </p:nvPr>
+        </p:nvSpPr>
+        <p:spPr>
+          <a:xfrm>
+            <a:off x="481641" y="1306187"/>
+            <a:ext cx="11228717" cy="5199303"/>
+          </a:xfrm>
+        </p:spPr>
         <p:txBody>
           <a:bodyPr/>
           <a:lstStyle/>
           <a:p>
-            <a:r>
-              <a:rPr lang="en-US" dirty="0" smtClean="0"/>
-              <a:t>Discussion</a:t>
-            </a:r>
+            <a:pPr>
+              <a:buFont typeface="Wingdings" panose="05000000000000000000" pitchFamily="2" charset="2"/>
+              <a:buChar char="§"/>
+            </a:pPr>
             <a:endParaRPr lang="en-US" dirty="0"/>
           </a:p>
-        </p:txBody>
-      </p:sp>
-      <p:sp>
-        <p:nvSpPr>
-          <p:cNvPr id="3" name="Content Placeholder 2"/>
-          <p:cNvSpPr>
-            <a:spLocks noGrp="1"/>
-          </p:cNvSpPr>
-          <p:nvPr>
-            <p:ph idx="1"/>
-          </p:nvPr>
-        </p:nvSpPr>
-        <p:spPr/>
-        <p:txBody>
-          <a:bodyPr/>
-          <a:lstStyle/>
-          <a:p>
-            <a:r>
-              <a:rPr lang="en-US" dirty="0" smtClean="0"/>
-              <a:t>Track Duration Analysis</a:t>
-            </a:r>
-          </a:p>
-          <a:p>
-            <a:pPr lvl="1"/>
-            <a:r>
-              <a:rPr lang="en-US" dirty="0" smtClean="0"/>
-              <a:t>XYZ</a:t>
-            </a:r>
+          <a:p>
+            <a:pPr marL="0" indent="0">
+              <a:buNone/>
+            </a:pPr>
+            <a:r>
+              <a:rPr lang="en-US" dirty="0"/>
+              <a:t/>
+            </a:r>
+            <a:br>
+              <a:rPr lang="en-US" dirty="0"/>
+            </a:br>
             <a:endParaRPr lang="en-US" dirty="0"/>
           </a:p>
         </p:txBody>
       </p:sp>
+      <p:pic>
+        <p:nvPicPr>
+          <p:cNvPr id="4" name="Picture 3">
+            <a:extLst>
+              <a:ext uri="{FF2B5EF4-FFF2-40B4-BE49-F238E27FC236}">
+                <a16:creationId xmlns:a16="http://schemas.microsoft.com/office/drawing/2014/main" id="{FD8596DD-F5B9-47CE-AA1B-ABF1CECD8130}"/>
+              </a:ext>
+            </a:extLst>
+          </p:cNvPr>
+          <p:cNvPicPr>
+            <a:picLocks noChangeAspect="1"/>
+          </p:cNvPicPr>
+          <p:nvPr/>
+        </p:nvPicPr>
+        <p:blipFill>
+          <a:blip r:embed="rId2"/>
+          <a:stretch>
+            <a:fillRect/>
+          </a:stretch>
+        </p:blipFill>
+        <p:spPr>
+          <a:xfrm>
+            <a:off x="1017044" y="1602107"/>
+            <a:ext cx="10030407" cy="4568053"/>
+          </a:xfrm>
+          <a:prstGeom prst="rect">
+            <a:avLst/>
+          </a:prstGeom>
+          <a:ln>
+            <a:solidFill>
+              <a:schemeClr val="bg2">
+                <a:lumMod val="10000"/>
+              </a:schemeClr>
+            </a:solidFill>
+          </a:ln>
+          <a:effectLst>
+            <a:outerShdw blurRad="50800" dist="38100" dir="2700000" algn="tl" rotWithShape="0">
+              <a:prstClr val="black">
+                <a:alpha val="40000"/>
+              </a:prstClr>
+            </a:outerShdw>
+          </a:effectLst>
+        </p:spPr>
+      </p:pic>
+      <p:pic>
+        <p:nvPicPr>
+          <p:cNvPr id="5" name="Picture 4" descr="A close up of a logo&#10;&#10;Description automatically generated">
+            <a:extLst>
+              <a:ext uri="{FF2B5EF4-FFF2-40B4-BE49-F238E27FC236}">
+                <a16:creationId xmlns:a16="http://schemas.microsoft.com/office/drawing/2014/main" id="{CACD2D4E-80C9-4ED7-BAD9-A2589AD364DB}"/>
+              </a:ext>
+            </a:extLst>
+          </p:cNvPr>
+          <p:cNvPicPr>
+            <a:picLocks noChangeAspect="1"/>
+          </p:cNvPicPr>
+          <p:nvPr/>
+        </p:nvPicPr>
+        <p:blipFill>
+          <a:blip r:embed="rId3"/>
+          <a:stretch>
+            <a:fillRect/>
+          </a:stretch>
+        </p:blipFill>
+        <p:spPr>
+          <a:xfrm>
+            <a:off x="10414221" y="503380"/>
+            <a:ext cx="1040377" cy="311849"/>
+          </a:xfrm>
+          <a:prstGeom prst="rect">
+            <a:avLst/>
+          </a:prstGeom>
+        </p:spPr>
+      </p:pic>
     </p:spTree>
     <p:extLst>
       <p:ext uri="{BB962C8B-B14F-4D97-AF65-F5344CB8AC3E}">
-        <p14:creationId xmlns:p14="http://schemas.microsoft.com/office/powerpoint/2010/main" val="959404854"/>
+        <p14:creationId xmlns:p14="http://schemas.microsoft.com/office/powerpoint/2010/main" val="3891677464"/>
       </p:ext>
     </p:extLst>
   </p:cSld>
@@ -10582,7 +6933,7 @@
       </p:grpSpPr>
       <p:sp>
         <p:nvSpPr>
-          <p:cNvPr id="2" name="Title 1"/>
+          <p:cNvPr id="2" name="Title 1" title="Title and Content Layout with Chart"/>
           <p:cNvSpPr>
             <a:spLocks noGrp="1"/>
           </p:cNvSpPr>
@@ -10596,82 +6947,147 @@
           <a:lstStyle/>
           <a:p>
             <a:r>
+              <a:rPr lang="en-US" dirty="0"/>
+              <a:t>Discussion</a:t>
+            </a:r>
+          </a:p>
+        </p:txBody>
+      </p:sp>
+      <p:sp>
+        <p:nvSpPr>
+          <p:cNvPr id="3" name="Content Placeholder 2"/>
+          <p:cNvSpPr>
+            <a:spLocks noGrp="1"/>
+          </p:cNvSpPr>
+          <p:nvPr>
+            <p:ph idx="1"/>
+          </p:nvPr>
+        </p:nvSpPr>
+        <p:spPr/>
+        <p:txBody>
+          <a:bodyPr>
+            <a:normAutofit/>
+          </a:bodyPr>
+          <a:lstStyle/>
+          <a:p>
+            <a:r>
               <a:rPr lang="en-US" dirty="0" smtClean="0"/>
-              <a:t>Post Mortem</a:t>
-            </a:r>
+              <a:t>Conclusions –</a:t>
+            </a:r>
+          </a:p>
+          <a:p>
+            <a:pPr lvl="1"/>
+            <a:r>
+              <a:rPr lang="en-US" dirty="0" smtClean="0"/>
+              <a:t>Narrow scale </a:t>
+            </a:r>
+            <a:r>
+              <a:rPr lang="en-US" dirty="0" smtClean="0"/>
+              <a:t>show </a:t>
+            </a:r>
+            <a:r>
+              <a:rPr lang="en-US" dirty="0" smtClean="0"/>
+              <a:t>clea</a:t>
+            </a:r>
+            <a:r>
+              <a:rPr lang="en-US" dirty="0" smtClean="0"/>
+              <a:t>r trends</a:t>
+            </a:r>
+          </a:p>
+          <a:p>
+            <a:pPr lvl="1"/>
+            <a:r>
+              <a:rPr lang="en-US" dirty="0" smtClean="0"/>
+              <a:t>No Universal Rule for popularity</a:t>
+            </a:r>
+          </a:p>
+          <a:p>
+            <a:pPr lvl="1"/>
+            <a:r>
+              <a:rPr lang="en-US" dirty="0" smtClean="0"/>
+              <a:t>Genre Diversity not related to popularity</a:t>
+            </a:r>
+          </a:p>
+          <a:p>
+            <a:pPr lvl="1"/>
+            <a:endParaRPr lang="en-US" dirty="0" smtClean="0"/>
+          </a:p>
+          <a:p>
+            <a:r>
+              <a:rPr lang="en-US" dirty="0" smtClean="0"/>
+              <a:t>New Questions</a:t>
+            </a:r>
+            <a:r>
+              <a:rPr lang="en-US" dirty="0" smtClean="0"/>
+              <a:t> –</a:t>
+            </a:r>
+          </a:p>
+          <a:p>
+            <a:pPr lvl="1"/>
+            <a:r>
+              <a:rPr lang="en-US" dirty="0" smtClean="0"/>
+              <a:t>Genre definition</a:t>
+            </a:r>
+          </a:p>
+          <a:p>
+            <a:pPr lvl="1"/>
+            <a:r>
+              <a:rPr lang="en-US" dirty="0" smtClean="0"/>
+              <a:t>Predict future trends</a:t>
+            </a:r>
+            <a:endParaRPr lang="en-US" dirty="0" smtClean="0"/>
+          </a:p>
+          <a:p>
+            <a:pPr lvl="1"/>
             <a:endParaRPr lang="en-US" dirty="0"/>
           </a:p>
-        </p:txBody>
-      </p:sp>
-      <p:graphicFrame>
-        <p:nvGraphicFramePr>
-          <p:cNvPr id="9" name="Content Placeholder 8" descr="Cycle Matrix diagram showing four groups in a pie shape with tasks in bullet points coming out of each group"/>
-          <p:cNvGraphicFramePr>
-            <a:graphicFrameLocks noGrp="1"/>
-          </p:cNvGraphicFramePr>
-          <p:nvPr>
-            <p:ph sz="half" idx="2"/>
-            <p:extLst>
-              <p:ext uri="{D42A27DB-BD31-4B8C-83A1-F6EECF244321}">
-                <p14:modId xmlns:p14="http://schemas.microsoft.com/office/powerpoint/2010/main" val="3167353494"/>
-              </p:ext>
-            </p:extLst>
-          </p:nvPr>
-        </p:nvGraphicFramePr>
-        <p:xfrm>
-          <a:off x="6172200" y="1825625"/>
-          <a:ext cx="5181600" cy="4351338"/>
-        </p:xfrm>
-        <a:graphic>
-          <a:graphicData uri="http://schemas.openxmlformats.org/drawingml/2006/diagram">
-            <dgm:relIds xmlns:dgm="http://schemas.openxmlformats.org/drawingml/2006/diagram" xmlns:r="http://schemas.openxmlformats.org/officeDocument/2006/relationships" r:dm="rId2" r:lo="rId3" r:qs="rId4" r:cs="rId5"/>
-          </a:graphicData>
-        </a:graphic>
-      </p:graphicFrame>
-      <p:sp>
-        <p:nvSpPr>
-          <p:cNvPr id="10" name="Content Placeholder 9"/>
-          <p:cNvSpPr>
-            <a:spLocks noGrp="1"/>
-          </p:cNvSpPr>
-          <p:nvPr>
-            <p:ph sz="half" idx="1"/>
-          </p:nvPr>
-        </p:nvSpPr>
-        <p:spPr/>
-        <p:txBody>
-          <a:bodyPr/>
-          <a:lstStyle/>
-          <a:p>
-            <a:r>
-              <a:rPr lang="en-US" dirty="0" smtClean="0"/>
-              <a:t>Discuss </a:t>
-            </a:r>
-            <a:r>
-              <a:rPr lang="en-US" dirty="0"/>
-              <a:t>any difficulties that arose, and how you dealt with </a:t>
-            </a:r>
-            <a:r>
-              <a:rPr lang="en-US" dirty="0" smtClean="0"/>
-              <a:t>them</a:t>
-            </a:r>
-          </a:p>
-          <a:p>
-            <a:r>
-              <a:rPr lang="en-US" dirty="0" smtClean="0"/>
-              <a:t>Discuss </a:t>
-            </a:r>
-            <a:r>
-              <a:rPr lang="en-US" dirty="0"/>
-              <a:t>any additional questions that came up, but which you didn't have time to answer: What would you research next, if you had two more weeks?</a:t>
-            </a:r>
-          </a:p>
-        </p:txBody>
-      </p:sp>
+          <a:p>
+            <a:endParaRPr lang="en-US" dirty="0" smtClean="0"/>
+          </a:p>
+          <a:p>
+            <a:pPr lvl="1"/>
+            <a:endParaRPr lang="en-US" dirty="0"/>
+          </a:p>
+          <a:p>
+            <a:pPr lvl="1"/>
+            <a:endParaRPr lang="en-US" dirty="0"/>
+          </a:p>
+        </p:txBody>
+      </p:sp>
+      <p:pic>
+        <p:nvPicPr>
+          <p:cNvPr id="4" name="Picture 3" descr="A close up of a logo&#10;&#10;Description automatically generated">
+            <a:extLst>
+              <a:ext uri="{FF2B5EF4-FFF2-40B4-BE49-F238E27FC236}">
+                <a16:creationId xmlns:a16="http://schemas.microsoft.com/office/drawing/2014/main" id="{82329371-C9BF-4BA9-9F5F-9FE93B816858}"/>
+              </a:ext>
+            </a:extLst>
+          </p:cNvPr>
+          <p:cNvPicPr>
+            <a:picLocks noChangeAspect="1"/>
+          </p:cNvPicPr>
+          <p:nvPr/>
+        </p:nvPicPr>
+        <p:blipFill>
+          <a:blip r:embed="rId3"/>
+          <a:stretch>
+            <a:fillRect/>
+          </a:stretch>
+        </p:blipFill>
+        <p:spPr>
+          <a:xfrm>
+            <a:off x="10140449" y="525112"/>
+            <a:ext cx="1040377" cy="311849"/>
+          </a:xfrm>
+          <a:prstGeom prst="rect">
+            <a:avLst/>
+          </a:prstGeom>
+        </p:spPr>
+      </p:pic>
     </p:spTree>
     <p:extLst>
       <p:ext uri="{BB962C8B-B14F-4D97-AF65-F5344CB8AC3E}">
-        <p14:creationId xmlns:p14="http://schemas.microsoft.com/office/powerpoint/2010/main" val="2025100519"/>
+        <p14:creationId xmlns:p14="http://schemas.microsoft.com/office/powerpoint/2010/main" val="959404854"/>
       </p:ext>
     </p:extLst>
   </p:cSld>

--- a/Spotify Data Analysis1.pptx
+++ b/Spotify Data Analysis1.pptx
@@ -4812,11 +4812,7 @@
             <a:pPr lvl="1"/>
             <a:r>
               <a:rPr lang="en-US" sz="2000" dirty="0" smtClean="0"/>
-              <a:t>Song Trends</a:t>
-            </a:r>
-            <a:r>
-              <a:rPr lang="en-US" sz="2000" dirty="0" smtClean="0"/>
-              <a:t> </a:t>
+              <a:t>Song Trends </a:t>
             </a:r>
             <a:endParaRPr lang="en-US" sz="2000" dirty="0"/>
           </a:p>
@@ -5478,35 +5474,6 @@
       </p:sp>
       <p:pic>
         <p:nvPicPr>
-          <p:cNvPr id="7" name="Content Placeholder 6"/>
-          <p:cNvPicPr>
-            <a:picLocks noGrp="1" noChangeAspect="1"/>
-          </p:cNvPicPr>
-          <p:nvPr>
-            <p:ph idx="1"/>
-          </p:nvPr>
-        </p:nvPicPr>
-        <p:blipFill>
-          <a:blip r:embed="rId3">
-            <a:extLst>
-              <a:ext uri="{28A0092B-C50C-407E-A947-70E740481C1C}">
-                <a14:useLocalDpi xmlns:a14="http://schemas.microsoft.com/office/drawing/2010/main" val="0"/>
-              </a:ext>
-            </a:extLst>
-          </a:blip>
-          <a:stretch>
-            <a:fillRect/>
-          </a:stretch>
-        </p:blipFill>
-        <p:spPr>
-          <a:xfrm>
-            <a:off x="1037519" y="1843580"/>
-            <a:ext cx="10116962" cy="4315427"/>
-          </a:xfrm>
-        </p:spPr>
-      </p:pic>
-      <p:pic>
-        <p:nvPicPr>
           <p:cNvPr id="9" name="Picture 8" descr="A close up of a logo&#10;&#10;Description automatically generated">
             <a:extLst>
               <a:ext uri="{FF2B5EF4-FFF2-40B4-BE49-F238E27FC236}">
@@ -5520,7 +5487,7 @@
           <p:nvPr/>
         </p:nvPicPr>
         <p:blipFill>
-          <a:blip r:embed="rId4"/>
+          <a:blip r:embed="rId3"/>
           <a:stretch>
             <a:fillRect/>
           </a:stretch>
@@ -5533,6 +5500,35 @@
           <a:prstGeom prst="rect">
             <a:avLst/>
           </a:prstGeom>
+        </p:spPr>
+      </p:pic>
+      <p:pic>
+        <p:nvPicPr>
+          <p:cNvPr id="4" name="Content Placeholder 3"/>
+          <p:cNvPicPr>
+            <a:picLocks noGrp="1" noChangeAspect="1"/>
+          </p:cNvPicPr>
+          <p:nvPr>
+            <p:ph idx="1"/>
+          </p:nvPr>
+        </p:nvPicPr>
+        <p:blipFill>
+          <a:blip r:embed="rId4">
+            <a:extLst>
+              <a:ext uri="{28A0092B-C50C-407E-A947-70E740481C1C}">
+                <a14:useLocalDpi xmlns:a14="http://schemas.microsoft.com/office/drawing/2010/main" val="0"/>
+              </a:ext>
+            </a:extLst>
+          </a:blip>
+          <a:stretch>
+            <a:fillRect/>
+          </a:stretch>
+        </p:blipFill>
+        <p:spPr>
+          <a:xfrm>
+            <a:off x="838201" y="2053159"/>
+            <a:ext cx="10515600" cy="3896269"/>
+          </a:xfrm>
         </p:spPr>
       </p:pic>
     </p:spTree>
@@ -6979,19 +6975,7 @@
             <a:pPr lvl="1"/>
             <a:r>
               <a:rPr lang="en-US" dirty="0" smtClean="0"/>
-              <a:t>Narrow scale </a:t>
-            </a:r>
-            <a:r>
-              <a:rPr lang="en-US" dirty="0" smtClean="0"/>
-              <a:t>show </a:t>
-            </a:r>
-            <a:r>
-              <a:rPr lang="en-US" dirty="0" smtClean="0"/>
-              <a:t>clea</a:t>
-            </a:r>
-            <a:r>
-              <a:rPr lang="en-US" dirty="0" smtClean="0"/>
-              <a:t>r trends</a:t>
+              <a:t>Narrow scale show clear trends</a:t>
             </a:r>
           </a:p>
           <a:p>
@@ -7015,11 +6999,7 @@
           <a:p>
             <a:r>
               <a:rPr lang="en-US" dirty="0" smtClean="0"/>
-              <a:t>New Questions</a:t>
-            </a:r>
-            <a:r>
-              <a:rPr lang="en-US" dirty="0" smtClean="0"/>
-              <a:t> –</a:t>
+              <a:t>New Questions –</a:t>
             </a:r>
           </a:p>
           <a:p>
@@ -7035,7 +7015,6 @@
               <a:rPr lang="en-US" dirty="0" smtClean="0"/>
               <a:t>Predict future trends</a:t>
             </a:r>
-            <a:endParaRPr lang="en-US" dirty="0" smtClean="0"/>
           </a:p>
           <a:p>
             <a:pPr lvl="1"/>

--- a/Spotify Data Analysis1.pptx
+++ b/Spotify Data Analysis1.pptx
@@ -224,7 +224,7 @@
           <a:p>
             <a:fld id="{56D91178-905E-4181-A080-73FBE2A7F10F}" type="datetimeFigureOut">
               <a:rPr lang="en-US" smtClean="0"/>
-              <a:t>6/23/2020</a:t>
+              <a:t>6/24/2020</a:t>
             </a:fld>
             <a:endParaRPr lang="en-US"/>
           </a:p>
@@ -389,7 +389,7 @@
           <a:p>
             <a:fld id="{F3649B93-516E-447E-9C4C-C287614C6398}" type="datetimeFigureOut">
               <a:rPr lang="en-US" smtClean="0"/>
-              <a:t>6/23/2020</a:t>
+              <a:t>6/24/2020</a:t>
             </a:fld>
             <a:endParaRPr lang="en-US"/>
           </a:p>
@@ -1289,7 +1289,7 @@
           <a:p>
             <a:fld id="{D747B1E0-F476-4322-AA53-0018286DBC2F}" type="datetime1">
               <a:rPr lang="en-US" smtClean="0"/>
-              <a:t>6/23/2020</a:t>
+              <a:t>6/24/2020</a:t>
             </a:fld>
             <a:endParaRPr lang="en-US" dirty="0"/>
           </a:p>
@@ -1472,7 +1472,7 @@
           <a:p>
             <a:fld id="{938E9944-B6E8-44FA-B3BC-28C8F3B97A63}" type="datetime1">
               <a:rPr lang="en-US" smtClean="0"/>
-              <a:t>6/23/2020</a:t>
+              <a:t>6/24/2020</a:t>
             </a:fld>
             <a:endParaRPr lang="en-US"/>
           </a:p>
@@ -1665,7 +1665,7 @@
           <a:p>
             <a:fld id="{19D6BA2A-22AB-40C3-A6FE-08AE8F5EAD50}" type="datetime1">
               <a:rPr lang="en-US" smtClean="0"/>
-              <a:t>6/23/2020</a:t>
+              <a:t>6/24/2020</a:t>
             </a:fld>
             <a:endParaRPr lang="en-US"/>
           </a:p>
@@ -1848,7 +1848,7 @@
           <a:p>
             <a:fld id="{D1399E97-DADD-4C08-B07A-21ABC2EC9C0C}" type="datetime1">
               <a:rPr lang="en-US" smtClean="0"/>
-              <a:t>6/23/2020</a:t>
+              <a:t>6/24/2020</a:t>
             </a:fld>
             <a:endParaRPr lang="en-US"/>
           </a:p>
@@ -2054,7 +2054,7 @@
           <a:p>
             <a:fld id="{79426430-5DC0-47CA-BF30-F2CEF34F1CCC}" type="datetime1">
               <a:rPr lang="en-US" smtClean="0"/>
-              <a:t>6/23/2020</a:t>
+              <a:t>6/24/2020</a:t>
             </a:fld>
             <a:endParaRPr lang="en-US"/>
           </a:p>
@@ -2354,7 +2354,7 @@
           <a:p>
             <a:fld id="{F762E9D0-9F88-4809-9326-E87DB6BC4685}" type="datetime1">
               <a:rPr lang="en-US" smtClean="0"/>
-              <a:t>6/23/2020</a:t>
+              <a:t>6/24/2020</a:t>
             </a:fld>
             <a:endParaRPr lang="en-US"/>
           </a:p>
@@ -2789,7 +2789,7 @@
           <a:p>
             <a:fld id="{E6DBD937-36D5-440B-91A0-6786F6EDBFCD}" type="datetime1">
               <a:rPr lang="en-US" smtClean="0"/>
-              <a:t>6/23/2020</a:t>
+              <a:t>6/24/2020</a:t>
             </a:fld>
             <a:endParaRPr lang="en-US"/>
           </a:p>
@@ -2921,7 +2921,7 @@
           <a:p>
             <a:fld id="{E1AD020A-2292-4331-AC54-713AADF8BC0C}" type="datetime1">
               <a:rPr lang="en-US" smtClean="0"/>
-              <a:t>6/23/2020</a:t>
+              <a:t>6/24/2020</a:t>
             </a:fld>
             <a:endParaRPr lang="en-US"/>
           </a:p>
@@ -3031,7 +3031,7 @@
           <a:p>
             <a:fld id="{FC19A559-F34C-48D0-A2A2-37B0B078BBAB}" type="datetime1">
               <a:rPr lang="en-US" smtClean="0"/>
-              <a:t>6/23/2020</a:t>
+              <a:t>6/24/2020</a:t>
             </a:fld>
             <a:endParaRPr lang="en-US"/>
           </a:p>
@@ -3321,7 +3321,7 @@
           <a:p>
             <a:fld id="{3F9AB5B2-44EC-4F73-968D-750C1952CA62}" type="datetime1">
               <a:rPr lang="en-US" smtClean="0"/>
-              <a:t>6/23/2020</a:t>
+              <a:t>6/24/2020</a:t>
             </a:fld>
             <a:endParaRPr lang="en-US"/>
           </a:p>
@@ -3591,7 +3591,7 @@
           <a:p>
             <a:fld id="{0F3D9984-D554-4F72-BAB6-CB2CCA8D58F4}" type="datetime1">
               <a:rPr lang="en-US" smtClean="0"/>
-              <a:t>6/23/2020</a:t>
+              <a:t>6/24/2020</a:t>
             </a:fld>
             <a:endParaRPr lang="en-US"/>
           </a:p>
@@ -3841,7 +3841,7 @@
             <a:fld id="{ABCC73E2-E386-4A38-B838-238D9BA645F8}" type="datetime1">
               <a:rPr lang="en-US" smtClean="0"/>
               <a:pPr/>
-              <a:t>6/23/2020</a:t>
+              <a:t>6/24/2020</a:t>
             </a:fld>
             <a:endParaRPr lang="en-US" dirty="0"/>
           </a:p>
@@ -5251,28 +5251,6 @@
               <a:rPr lang="en-US" dirty="0" smtClean="0"/>
               <a:t>Track Duration Analysis</a:t>
             </a:r>
-            <a:endParaRPr lang="en-US" dirty="0"/>
-          </a:p>
-        </p:txBody>
-      </p:sp>
-      <p:sp>
-        <p:nvSpPr>
-          <p:cNvPr id="3" name="Content Placeholder 2"/>
-          <p:cNvSpPr>
-            <a:spLocks noGrp="1"/>
-          </p:cNvSpPr>
-          <p:nvPr>
-            <p:ph idx="1"/>
-          </p:nvPr>
-        </p:nvSpPr>
-        <p:spPr/>
-        <p:txBody>
-          <a:bodyPr/>
-          <a:lstStyle/>
-          <a:p>
-            <a:pPr marL="0" indent="0">
-              <a:buNone/>
-            </a:pPr>
             <a:endParaRPr lang="en-US" dirty="0"/>
           </a:p>
         </p:txBody>
